--- a/Soutenance.pptx
+++ b/Soutenance.pptx
@@ -5,10 +5,10 @@
     <p:sldMasterId id="2147484428" r:id="rId1"/>
   </p:sldMasterIdLst>
   <p:notesMasterIdLst>
-    <p:notesMasterId r:id="rId7"/>
+    <p:notesMasterId r:id="rId12"/>
   </p:notesMasterIdLst>
   <p:handoutMasterIdLst>
-    <p:handoutMasterId r:id="rId8"/>
+    <p:handoutMasterId r:id="rId13"/>
   </p:handoutMasterIdLst>
   <p:sldIdLst>
     <p:sldId id="256" r:id="rId2"/>
@@ -16,6 +16,11 @@
     <p:sldId id="258" r:id="rId4"/>
     <p:sldId id="259" r:id="rId5"/>
     <p:sldId id="260" r:id="rId6"/>
+    <p:sldId id="261" r:id="rId7"/>
+    <p:sldId id="262" r:id="rId8"/>
+    <p:sldId id="263" r:id="rId9"/>
+    <p:sldId id="264" r:id="rId10"/>
+    <p:sldId id="265" r:id="rId11"/>
   </p:sldIdLst>
   <p:sldSz cx="9144000" cy="6858000" type="screen4x3"/>
   <p:notesSz cx="6858000" cy="9144000"/>
@@ -199,7 +204,7 @@
           <a:p>
             <a:fld id="{C5495B23-B40A-40FC-B23E-5FDDCE069B5D}" type="datetimeFigureOut">
               <a:rPr lang="fr-FR" smtClean="0"/>
-              <a:t>27/12/2017</a:t>
+              <a:t>28/12/2017</a:t>
             </a:fld>
             <a:endParaRPr lang="fr-FR"/>
           </a:p>
@@ -365,7 +370,7 @@
           <a:p>
             <a:fld id="{522BA693-6A0C-4013-A985-1D1A07B02BE0}" type="datetimeFigureOut">
               <a:rPr lang="fr-FR" smtClean="0"/>
-              <a:t>27/12/2017</a:t>
+              <a:t>28/12/2017</a:t>
             </a:fld>
             <a:endParaRPr lang="fr-FR"/>
           </a:p>
@@ -1414,7 +1419,7 @@
           <a:p>
             <a:fld id="{4FE36861-76F0-4DFC-BC4F-9354408819A9}" type="datetime1">
               <a:rPr lang="en-US" smtClean="0"/>
-              <a:t>12/27/2017</a:t>
+              <a:t>12/28/2017</a:t>
             </a:fld>
             <a:endParaRPr lang="en-US"/>
           </a:p>
@@ -1598,7 +1603,7 @@
           <a:p>
             <a:fld id="{0065636B-5211-423F-9E4C-69162865E509}" type="datetime1">
               <a:rPr lang="en-US" smtClean="0"/>
-              <a:t>12/27/2017</a:t>
+              <a:t>12/28/2017</a:t>
             </a:fld>
             <a:endParaRPr lang="en-US"/>
           </a:p>
@@ -1774,7 +1779,7 @@
           <a:p>
             <a:fld id="{0BFA1D85-18D9-4AF0-88F4-ED7E06D0BA69}" type="datetime1">
               <a:rPr lang="en-US" smtClean="0"/>
-              <a:t>12/27/2017</a:t>
+              <a:t>12/28/2017</a:t>
             </a:fld>
             <a:endParaRPr lang="en-US"/>
           </a:p>
@@ -1940,7 +1945,7 @@
           <a:p>
             <a:fld id="{B1C6EF21-D8E2-4FED-87FE-F02AE8AEB24A}" type="datetime1">
               <a:rPr lang="en-US" smtClean="0"/>
-              <a:t>12/27/2017</a:t>
+              <a:t>12/28/2017</a:t>
             </a:fld>
             <a:endParaRPr lang="en-US"/>
           </a:p>
@@ -2162,7 +2167,7 @@
           <a:p>
             <a:fld id="{87FB909D-72AD-47CF-B470-4214C9D41C61}" type="datetime1">
               <a:rPr lang="en-US" smtClean="0"/>
-              <a:t>12/27/2017</a:t>
+              <a:t>12/28/2017</a:t>
             </a:fld>
             <a:endParaRPr lang="en-US"/>
           </a:p>
@@ -2422,7 +2427,7 @@
           <a:p>
             <a:fld id="{DC8BE30B-9DCB-499A-9A89-FFB1608DE60E}" type="datetime1">
               <a:rPr lang="en-US" smtClean="0"/>
-              <a:t>12/27/2017</a:t>
+              <a:t>12/28/2017</a:t>
             </a:fld>
             <a:endParaRPr lang="en-US"/>
           </a:p>
@@ -2827,7 +2832,7 @@
           <a:p>
             <a:fld id="{C733344C-CD63-4274-800F-14F676588C37}" type="datetime1">
               <a:rPr lang="en-US" smtClean="0"/>
-              <a:t>12/27/2017</a:t>
+              <a:t>12/28/2017</a:t>
             </a:fld>
             <a:endParaRPr lang="en-US"/>
           </a:p>
@@ -2959,7 +2964,7 @@
           <a:p>
             <a:fld id="{C12F266F-2C44-4502-82AF-6D4FF9377C88}" type="datetime1">
               <a:rPr lang="en-US" smtClean="0"/>
-              <a:t>12/27/2017</a:t>
+              <a:t>12/28/2017</a:t>
             </a:fld>
             <a:endParaRPr lang="en-US"/>
           </a:p>
@@ -3060,7 +3065,7 @@
           <a:p>
             <a:fld id="{93012E88-3526-4907-8605-BCD72E9217DC}" type="datetime1">
               <a:rPr lang="en-US" smtClean="0"/>
-              <a:t>12/27/2017</a:t>
+              <a:t>12/28/2017</a:t>
             </a:fld>
             <a:endParaRPr lang="en-US"/>
           </a:p>
@@ -3306,7 +3311,7 @@
           <a:p>
             <a:fld id="{BBA8D125-EDC3-48E9-8F98-6EFDD112B558}" type="datetime1">
               <a:rPr lang="en-US" smtClean="0"/>
-              <a:t>12/27/2017</a:t>
+              <a:t>12/28/2017</a:t>
             </a:fld>
             <a:endParaRPr lang="en-US"/>
           </a:p>
@@ -3551,7 +3556,7 @@
           <a:p>
             <a:fld id="{111CD66A-46A7-451C-BA07-51224E588689}" type="datetime1">
               <a:rPr lang="en-US" smtClean="0"/>
-              <a:t>12/27/2017</a:t>
+              <a:t>12/28/2017</a:t>
             </a:fld>
             <a:endParaRPr lang="en-US"/>
           </a:p>
@@ -4376,7 +4381,7 @@
           <a:p>
             <a:fld id="{B7F0E714-DD62-4651-8758-EE196128C64A}" type="datetime1">
               <a:rPr lang="en-US" smtClean="0"/>
-              <a:t>12/27/2017</a:t>
+              <a:t>12/28/2017</a:t>
             </a:fld>
             <a:endParaRPr lang="en-US"/>
           </a:p>
@@ -4944,6 +4949,474 @@
 </p:sld>
 </file>
 
+<file path=ppt/slides/slide10.xml><?xml version="1.0" encoding="utf-8"?>
+<p:sld xmlns:a="http://schemas.openxmlformats.org/drawingml/2006/main" xmlns:r="http://schemas.openxmlformats.org/officeDocument/2006/relationships" xmlns:p="http://schemas.openxmlformats.org/presentationml/2006/main">
+  <p:cSld>
+    <p:spTree>
+      <p:nvGrpSpPr>
+        <p:cNvPr id="1" name=""/>
+        <p:cNvGrpSpPr/>
+        <p:nvPr/>
+      </p:nvGrpSpPr>
+      <p:grpSpPr>
+        <a:xfrm>
+          <a:off x="0" y="0"/>
+          <a:ext cx="0" cy="0"/>
+          <a:chOff x="0" y="0"/>
+          <a:chExt cx="0" cy="0"/>
+        </a:xfrm>
+      </p:grpSpPr>
+      <p:sp>
+        <p:nvSpPr>
+          <p:cNvPr id="5" name="Slide Number Placeholder 4"/>
+          <p:cNvSpPr>
+            <a:spLocks noGrp="1"/>
+          </p:cNvSpPr>
+          <p:nvPr>
+            <p:ph type="sldNum" sz="quarter" idx="12"/>
+          </p:nvPr>
+        </p:nvSpPr>
+        <p:spPr/>
+        <p:txBody>
+          <a:bodyPr/>
+          <a:lstStyle/>
+          <a:p>
+            <a:fld id="{B6F15528-21DE-4FAA-801E-634DDDAF4B2B}" type="slidenum">
+              <a:rPr lang="en-US" smtClean="0"/>
+              <a:pPr/>
+              <a:t>10</a:t>
+            </a:fld>
+            <a:endParaRPr lang="en-US"/>
+          </a:p>
+        </p:txBody>
+      </p:sp>
+      <p:sp>
+        <p:nvSpPr>
+          <p:cNvPr id="6" name="Rectangle 5"/>
+          <p:cNvSpPr/>
+          <p:nvPr/>
+        </p:nvSpPr>
+        <p:spPr>
+          <a:xfrm>
+            <a:off x="2286000" y="3105835"/>
+            <a:ext cx="4572000" cy="646331"/>
+          </a:xfrm>
+          <a:prstGeom prst="rect">
+            <a:avLst/>
+          </a:prstGeom>
+        </p:spPr>
+        <p:txBody>
+          <a:bodyPr>
+            <a:spAutoFit/>
+          </a:bodyPr>
+          <a:lstStyle/>
+          <a:p>
+            <a:r>
+              <a:rPr lang="fr-FR" dirty="0">
+                <a:solidFill>
+                  <a:schemeClr val="bg1"/>
+                </a:solidFill>
+              </a:rPr>
+              <a:t>2. b) Une grande variété des solutions possibles</a:t>
+            </a:r>
+            <a:endParaRPr lang="fr-FR" dirty="0">
+              <a:solidFill>
+                <a:schemeClr val="bg1"/>
+              </a:solidFill>
+            </a:endParaRPr>
+          </a:p>
+        </p:txBody>
+      </p:sp>
+      <p:sp>
+        <p:nvSpPr>
+          <p:cNvPr id="7" name="Content Placeholder 2"/>
+          <p:cNvSpPr>
+            <a:spLocks noGrp="1"/>
+          </p:cNvSpPr>
+          <p:nvPr>
+            <p:ph idx="1"/>
+          </p:nvPr>
+        </p:nvSpPr>
+        <p:spPr>
+          <a:xfrm>
+            <a:off x="533400" y="1219200"/>
+            <a:ext cx="8229600" cy="4325112"/>
+          </a:xfrm>
+        </p:spPr>
+        <p:txBody>
+          <a:bodyPr/>
+          <a:lstStyle/>
+          <a:p>
+            <a:pPr marL="109728" indent="0">
+              <a:buNone/>
+            </a:pPr>
+            <a:endParaRPr lang="fr-FR" dirty="0"/>
+          </a:p>
+        </p:txBody>
+      </p:sp>
+      <p:sp>
+        <p:nvSpPr>
+          <p:cNvPr id="8" name="Slide Number Placeholder 4"/>
+          <p:cNvSpPr txBox="1">
+            <a:spLocks/>
+          </p:cNvSpPr>
+          <p:nvPr/>
+        </p:nvSpPr>
+        <p:spPr>
+          <a:xfrm>
+            <a:off x="8174736" y="2272"/>
+            <a:ext cx="762000" cy="365760"/>
+          </a:xfrm>
+          <a:prstGeom prst="rect">
+            <a:avLst/>
+          </a:prstGeom>
+        </p:spPr>
+        <p:txBody>
+          <a:bodyPr vert="horz" anchor="b"/>
+          <a:lstStyle>
+            <a:defPPr>
+              <a:defRPr lang="en-US"/>
+            </a:defPPr>
+            <a:lvl1pPr marL="0" algn="r" defTabSz="914400" rtl="0" eaLnBrk="1" latinLnBrk="0" hangingPunct="1">
+              <a:defRPr kumimoji="0" sz="1800" kern="1200">
+                <a:solidFill>
+                  <a:srgbClr val="FFFFFF"/>
+                </a:solidFill>
+                <a:latin typeface="+mn-lt"/>
+                <a:ea typeface="+mn-ea"/>
+                <a:cs typeface="+mn-cs"/>
+              </a:defRPr>
+            </a:lvl1pPr>
+            <a:lvl2pPr marL="457200" algn="l" defTabSz="914400" rtl="0" eaLnBrk="1" latinLnBrk="0" hangingPunct="1">
+              <a:defRPr sz="1800" kern="1200">
+                <a:solidFill>
+                  <a:schemeClr val="tx1"/>
+                </a:solidFill>
+                <a:latin typeface="+mn-lt"/>
+                <a:ea typeface="+mn-ea"/>
+                <a:cs typeface="+mn-cs"/>
+              </a:defRPr>
+            </a:lvl2pPr>
+            <a:lvl3pPr marL="914400" algn="l" defTabSz="914400" rtl="0" eaLnBrk="1" latinLnBrk="0" hangingPunct="1">
+              <a:defRPr sz="1800" kern="1200">
+                <a:solidFill>
+                  <a:schemeClr val="tx1"/>
+                </a:solidFill>
+                <a:latin typeface="+mn-lt"/>
+                <a:ea typeface="+mn-ea"/>
+                <a:cs typeface="+mn-cs"/>
+              </a:defRPr>
+            </a:lvl3pPr>
+            <a:lvl4pPr marL="1371600" algn="l" defTabSz="914400" rtl="0" eaLnBrk="1" latinLnBrk="0" hangingPunct="1">
+              <a:defRPr sz="1800" kern="1200">
+                <a:solidFill>
+                  <a:schemeClr val="tx1"/>
+                </a:solidFill>
+                <a:latin typeface="+mn-lt"/>
+                <a:ea typeface="+mn-ea"/>
+                <a:cs typeface="+mn-cs"/>
+              </a:defRPr>
+            </a:lvl4pPr>
+            <a:lvl5pPr marL="1828800" algn="l" defTabSz="914400" rtl="0" eaLnBrk="1" latinLnBrk="0" hangingPunct="1">
+              <a:defRPr sz="1800" kern="1200">
+                <a:solidFill>
+                  <a:schemeClr val="tx1"/>
+                </a:solidFill>
+                <a:latin typeface="+mn-lt"/>
+                <a:ea typeface="+mn-ea"/>
+                <a:cs typeface="+mn-cs"/>
+              </a:defRPr>
+            </a:lvl5pPr>
+            <a:lvl6pPr marL="2286000" algn="l" defTabSz="914400" rtl="0" eaLnBrk="1" latinLnBrk="0" hangingPunct="1">
+              <a:defRPr sz="1800" kern="1200">
+                <a:solidFill>
+                  <a:schemeClr val="tx1"/>
+                </a:solidFill>
+                <a:latin typeface="+mn-lt"/>
+                <a:ea typeface="+mn-ea"/>
+                <a:cs typeface="+mn-cs"/>
+              </a:defRPr>
+            </a:lvl6pPr>
+            <a:lvl7pPr marL="2743200" algn="l" defTabSz="914400" rtl="0" eaLnBrk="1" latinLnBrk="0" hangingPunct="1">
+              <a:defRPr sz="1800" kern="1200">
+                <a:solidFill>
+                  <a:schemeClr val="tx1"/>
+                </a:solidFill>
+                <a:latin typeface="+mn-lt"/>
+                <a:ea typeface="+mn-ea"/>
+                <a:cs typeface="+mn-cs"/>
+              </a:defRPr>
+            </a:lvl7pPr>
+            <a:lvl8pPr marL="3200400" algn="l" defTabSz="914400" rtl="0" eaLnBrk="1" latinLnBrk="0" hangingPunct="1">
+              <a:defRPr sz="1800" kern="1200">
+                <a:solidFill>
+                  <a:schemeClr val="tx1"/>
+                </a:solidFill>
+                <a:latin typeface="+mn-lt"/>
+                <a:ea typeface="+mn-ea"/>
+                <a:cs typeface="+mn-cs"/>
+              </a:defRPr>
+            </a:lvl8pPr>
+            <a:lvl9pPr marL="3657600" algn="l" defTabSz="914400" rtl="0" eaLnBrk="1" latinLnBrk="0" hangingPunct="1">
+              <a:defRPr sz="1800" kern="1200">
+                <a:solidFill>
+                  <a:schemeClr val="tx1"/>
+                </a:solidFill>
+                <a:latin typeface="+mn-lt"/>
+                <a:ea typeface="+mn-ea"/>
+                <a:cs typeface="+mn-cs"/>
+              </a:defRPr>
+            </a:lvl9pPr>
+          </a:lstStyle>
+          <a:p>
+            <a:fld id="{B6F15528-21DE-4FAA-801E-634DDDAF4B2B}" type="slidenum">
+              <a:rPr lang="en-US" smtClean="0"/>
+              <a:pPr/>
+              <a:t>10</a:t>
+            </a:fld>
+            <a:endParaRPr lang="en-US"/>
+          </a:p>
+        </p:txBody>
+      </p:sp>
+      <p:sp>
+        <p:nvSpPr>
+          <p:cNvPr id="9" name="Footer Placeholder 9"/>
+          <p:cNvSpPr txBox="1">
+            <a:spLocks/>
+          </p:cNvSpPr>
+          <p:nvPr/>
+        </p:nvSpPr>
+        <p:spPr>
+          <a:xfrm>
+            <a:off x="0" y="6547338"/>
+            <a:ext cx="9144000" cy="310662"/>
+          </a:xfrm>
+          <a:prstGeom prst="rect">
+            <a:avLst/>
+          </a:prstGeom>
+          <a:solidFill>
+            <a:srgbClr val="438086"/>
+          </a:solidFill>
+        </p:spPr>
+        <p:txBody>
+          <a:bodyPr vert="horz"/>
+          <a:lstStyle>
+            <a:defPPr>
+              <a:defRPr lang="en-US"/>
+            </a:defPPr>
+            <a:lvl1pPr marL="0" algn="r" defTabSz="914400" rtl="0" eaLnBrk="1" latinLnBrk="0" hangingPunct="1">
+              <a:defRPr kumimoji="0" sz="800" kern="1200">
+                <a:solidFill>
+                  <a:schemeClr val="accent2"/>
+                </a:solidFill>
+                <a:latin typeface="+mn-lt"/>
+                <a:ea typeface="+mn-ea"/>
+                <a:cs typeface="+mn-cs"/>
+              </a:defRPr>
+            </a:lvl1pPr>
+            <a:lvl2pPr marL="457200" algn="l" defTabSz="914400" rtl="0" eaLnBrk="1" latinLnBrk="0" hangingPunct="1">
+              <a:defRPr sz="1800" kern="1200">
+                <a:solidFill>
+                  <a:schemeClr val="tx1"/>
+                </a:solidFill>
+                <a:latin typeface="+mn-lt"/>
+                <a:ea typeface="+mn-ea"/>
+                <a:cs typeface="+mn-cs"/>
+              </a:defRPr>
+            </a:lvl2pPr>
+            <a:lvl3pPr marL="914400" algn="l" defTabSz="914400" rtl="0" eaLnBrk="1" latinLnBrk="0" hangingPunct="1">
+              <a:defRPr sz="1800" kern="1200">
+                <a:solidFill>
+                  <a:schemeClr val="tx1"/>
+                </a:solidFill>
+                <a:latin typeface="+mn-lt"/>
+                <a:ea typeface="+mn-ea"/>
+                <a:cs typeface="+mn-cs"/>
+              </a:defRPr>
+            </a:lvl3pPr>
+            <a:lvl4pPr marL="1371600" algn="l" defTabSz="914400" rtl="0" eaLnBrk="1" latinLnBrk="0" hangingPunct="1">
+              <a:defRPr sz="1800" kern="1200">
+                <a:solidFill>
+                  <a:schemeClr val="tx1"/>
+                </a:solidFill>
+                <a:latin typeface="+mn-lt"/>
+                <a:ea typeface="+mn-ea"/>
+                <a:cs typeface="+mn-cs"/>
+              </a:defRPr>
+            </a:lvl4pPr>
+            <a:lvl5pPr marL="1828800" algn="l" defTabSz="914400" rtl="0" eaLnBrk="1" latinLnBrk="0" hangingPunct="1">
+              <a:defRPr sz="1800" kern="1200">
+                <a:solidFill>
+                  <a:schemeClr val="tx1"/>
+                </a:solidFill>
+                <a:latin typeface="+mn-lt"/>
+                <a:ea typeface="+mn-ea"/>
+                <a:cs typeface="+mn-cs"/>
+              </a:defRPr>
+            </a:lvl5pPr>
+            <a:lvl6pPr marL="2286000" algn="l" defTabSz="914400" rtl="0" eaLnBrk="1" latinLnBrk="0" hangingPunct="1">
+              <a:defRPr sz="1800" kern="1200">
+                <a:solidFill>
+                  <a:schemeClr val="tx1"/>
+                </a:solidFill>
+                <a:latin typeface="+mn-lt"/>
+                <a:ea typeface="+mn-ea"/>
+                <a:cs typeface="+mn-cs"/>
+              </a:defRPr>
+            </a:lvl6pPr>
+            <a:lvl7pPr marL="2743200" algn="l" defTabSz="914400" rtl="0" eaLnBrk="1" latinLnBrk="0" hangingPunct="1">
+              <a:defRPr sz="1800" kern="1200">
+                <a:solidFill>
+                  <a:schemeClr val="tx1"/>
+                </a:solidFill>
+                <a:latin typeface="+mn-lt"/>
+                <a:ea typeface="+mn-ea"/>
+                <a:cs typeface="+mn-cs"/>
+              </a:defRPr>
+            </a:lvl7pPr>
+            <a:lvl8pPr marL="3200400" algn="l" defTabSz="914400" rtl="0" eaLnBrk="1" latinLnBrk="0" hangingPunct="1">
+              <a:defRPr sz="1800" kern="1200">
+                <a:solidFill>
+                  <a:schemeClr val="tx1"/>
+                </a:solidFill>
+                <a:latin typeface="+mn-lt"/>
+                <a:ea typeface="+mn-ea"/>
+                <a:cs typeface="+mn-cs"/>
+              </a:defRPr>
+            </a:lvl8pPr>
+            <a:lvl9pPr marL="3657600" algn="l" defTabSz="914400" rtl="0" eaLnBrk="1" latinLnBrk="0" hangingPunct="1">
+              <a:defRPr sz="1800" kern="1200">
+                <a:solidFill>
+                  <a:schemeClr val="tx1"/>
+                </a:solidFill>
+                <a:latin typeface="+mn-lt"/>
+                <a:ea typeface="+mn-ea"/>
+                <a:cs typeface="+mn-cs"/>
+              </a:defRPr>
+            </a:lvl9pPr>
+          </a:lstStyle>
+          <a:p>
+            <a:r>
+              <a:rPr lang="fr-FR" sz="1400" smtClean="0">
+                <a:solidFill>
+                  <a:schemeClr val="bg1"/>
+                </a:solidFill>
+              </a:rPr>
+              <a:t>Ambitions professionnelles : comment préserver la motivation</a:t>
+            </a:r>
+            <a:endParaRPr lang="en-US" sz="1400" dirty="0">
+              <a:solidFill>
+                <a:schemeClr val="bg1"/>
+              </a:solidFill>
+            </a:endParaRPr>
+          </a:p>
+        </p:txBody>
+      </p:sp>
+      <p:pic>
+        <p:nvPicPr>
+          <p:cNvPr id="10" name="Picture 9"/>
+          <p:cNvPicPr>
+            <a:picLocks noChangeAspect="1"/>
+          </p:cNvPicPr>
+          <p:nvPr/>
+        </p:nvPicPr>
+        <p:blipFill>
+          <a:blip r:embed="rId2" cstate="print">
+            <a:extLst>
+              <a:ext uri="{28A0092B-C50C-407E-A947-70E740481C1C}">
+                <a14:useLocalDpi xmlns:a14="http://schemas.microsoft.com/office/drawing/2010/main" val="0"/>
+              </a:ext>
+            </a:extLst>
+          </a:blip>
+          <a:stretch>
+            <a:fillRect/>
+          </a:stretch>
+        </p:blipFill>
+        <p:spPr>
+          <a:xfrm>
+            <a:off x="-2" y="6552027"/>
+            <a:ext cx="884773" cy="305973"/>
+          </a:xfrm>
+          <a:prstGeom prst="rect">
+            <a:avLst/>
+          </a:prstGeom>
+        </p:spPr>
+      </p:pic>
+      <p:sp>
+        <p:nvSpPr>
+          <p:cNvPr id="11" name="TextBox 10"/>
+          <p:cNvSpPr txBox="1"/>
+          <p:nvPr/>
+        </p:nvSpPr>
+        <p:spPr>
+          <a:xfrm>
+            <a:off x="0" y="0"/>
+            <a:ext cx="5257800" cy="338554"/>
+          </a:xfrm>
+          <a:prstGeom prst="rect">
+            <a:avLst/>
+          </a:prstGeom>
+          <a:noFill/>
+        </p:spPr>
+        <p:txBody>
+          <a:bodyPr wrap="square" rtlCol="0">
+            <a:spAutoFit/>
+          </a:bodyPr>
+          <a:lstStyle/>
+          <a:p>
+            <a:r>
+              <a:rPr lang="fr-FR" sz="1600" dirty="0">
+                <a:solidFill>
+                  <a:schemeClr val="bg1"/>
+                </a:solidFill>
+              </a:rPr>
+              <a:t>2. </a:t>
+            </a:r>
+            <a:r>
+              <a:rPr lang="fr-FR" sz="1600" dirty="0" smtClean="0">
+                <a:solidFill>
+                  <a:schemeClr val="bg1"/>
+                </a:solidFill>
+              </a:rPr>
+              <a:t>b) </a:t>
+            </a:r>
+            <a:r>
+              <a:rPr lang="fr-FR" sz="1600" dirty="0">
+                <a:solidFill>
+                  <a:schemeClr val="bg1"/>
+                </a:solidFill>
+              </a:rPr>
+              <a:t>Une grande variété des solutions </a:t>
+            </a:r>
+            <a:r>
+              <a:rPr lang="fr-FR" sz="1600" dirty="0" smtClean="0">
+                <a:solidFill>
+                  <a:schemeClr val="bg1"/>
+                </a:solidFill>
+              </a:rPr>
+              <a:t>possibles</a:t>
+            </a:r>
+            <a:endParaRPr lang="fr-FR" sz="1600" dirty="0">
+              <a:solidFill>
+                <a:schemeClr val="bg1"/>
+              </a:solidFill>
+            </a:endParaRPr>
+          </a:p>
+        </p:txBody>
+      </p:sp>
+    </p:spTree>
+    <p:extLst>
+      <p:ext uri="{BB962C8B-B14F-4D97-AF65-F5344CB8AC3E}">
+        <p14:creationId xmlns:p14="http://schemas.microsoft.com/office/powerpoint/2010/main" val="26437129"/>
+      </p:ext>
+    </p:extLst>
+  </p:cSld>
+  <p:clrMapOvr>
+    <a:masterClrMapping/>
+  </p:clrMapOvr>
+</p:sld>
+</file>
+
 <file path=ppt/slides/slide2.xml><?xml version="1.0" encoding="utf-8"?>
 <p:sld xmlns:a="http://schemas.openxmlformats.org/drawingml/2006/main" xmlns:r="http://schemas.openxmlformats.org/officeDocument/2006/relationships" xmlns:p="http://schemas.openxmlformats.org/presentationml/2006/main">
   <p:cSld>
@@ -5211,7 +5684,6 @@
               <a:rPr lang="fr-FR" sz="2400" dirty="0" smtClean="0"/>
               <a:t>.</a:t>
             </a:r>
-            <a:endParaRPr lang="fr-FR" sz="2400" dirty="0" smtClean="0"/>
           </a:p>
         </p:txBody>
       </p:sp>
@@ -6558,38 +7030,45 @@
       </p:grpSpPr>
       <p:sp>
         <p:nvSpPr>
-          <p:cNvPr id="2" name="Title 1"/>
-          <p:cNvSpPr>
-            <a:spLocks noGrp="1"/>
-          </p:cNvSpPr>
-          <p:nvPr>
-            <p:ph type="title"/>
-          </p:nvPr>
-        </p:nvSpPr>
-        <p:spPr/>
-        <p:txBody>
-          <a:bodyPr/>
-          <a:lstStyle/>
-          <a:p>
-            <a:endParaRPr lang="fr-FR" dirty="0"/>
-          </a:p>
-        </p:txBody>
-      </p:sp>
-      <p:sp>
-        <p:nvSpPr>
-          <p:cNvPr id="3" name="Content Placeholder 2"/>
-          <p:cNvSpPr>
-            <a:spLocks noGrp="1"/>
-          </p:cNvSpPr>
-          <p:nvPr>
-            <p:ph idx="1"/>
-          </p:nvPr>
-        </p:nvSpPr>
-        <p:spPr/>
-        <p:txBody>
-          <a:bodyPr/>
-          <a:lstStyle/>
-          <a:p>
+          <p:cNvPr id="10" name="Rounded Rectangle 9"/>
+          <p:cNvSpPr/>
+          <p:nvPr/>
+        </p:nvSpPr>
+        <p:spPr>
+          <a:xfrm>
+            <a:off x="440039" y="1600200"/>
+            <a:ext cx="7939616" cy="1524000"/>
+          </a:xfrm>
+          <a:prstGeom prst="roundRect">
+            <a:avLst/>
+          </a:prstGeom>
+          <a:solidFill>
+            <a:schemeClr val="bg1">
+              <a:lumMod val="85000"/>
+            </a:schemeClr>
+          </a:solidFill>
+        </p:spPr>
+        <p:style>
+          <a:lnRef idx="2">
+            <a:schemeClr val="accent1">
+              <a:shade val="50000"/>
+            </a:schemeClr>
+          </a:lnRef>
+          <a:fillRef idx="1">
+            <a:schemeClr val="accent1"/>
+          </a:fillRef>
+          <a:effectRef idx="0">
+            <a:schemeClr val="accent1"/>
+          </a:effectRef>
+          <a:fontRef idx="minor">
+            <a:schemeClr val="lt1"/>
+          </a:fontRef>
+        </p:style>
+        <p:txBody>
+          <a:bodyPr rtlCol="0" anchor="ctr"/>
+          <a:lstStyle/>
+          <a:p>
+            <a:pPr algn="ctr"/>
             <a:endParaRPr lang="fr-FR"/>
           </a:p>
         </p:txBody>
@@ -6615,6 +7094,284 @@
               <a:t>5</a:t>
             </a:fld>
             <a:endParaRPr lang="en-US"/>
+          </a:p>
+        </p:txBody>
+      </p:sp>
+      <p:sp>
+        <p:nvSpPr>
+          <p:cNvPr id="7" name="Footer Placeholder 9"/>
+          <p:cNvSpPr>
+            <a:spLocks noGrp="1"/>
+          </p:cNvSpPr>
+          <p:nvPr>
+            <p:ph type="ftr" sz="quarter" idx="11"/>
+          </p:nvPr>
+        </p:nvSpPr>
+        <p:spPr>
+          <a:xfrm>
+            <a:off x="0" y="6547338"/>
+            <a:ext cx="9144000" cy="310662"/>
+          </a:xfrm>
+          <a:solidFill>
+            <a:srgbClr val="438086"/>
+          </a:solidFill>
+        </p:spPr>
+        <p:txBody>
+          <a:bodyPr/>
+          <a:lstStyle/>
+          <a:p>
+            <a:r>
+              <a:rPr lang="fr-FR" sz="1400" dirty="0">
+                <a:solidFill>
+                  <a:schemeClr val="bg1"/>
+                </a:solidFill>
+              </a:rPr>
+              <a:t>Ambitions professionnelles : comment préserver la motivation</a:t>
+            </a:r>
+            <a:endParaRPr lang="en-US" sz="1400" dirty="0">
+              <a:solidFill>
+                <a:schemeClr val="bg1"/>
+              </a:solidFill>
+            </a:endParaRPr>
+          </a:p>
+        </p:txBody>
+      </p:sp>
+      <p:pic>
+        <p:nvPicPr>
+          <p:cNvPr id="8" name="Picture 7"/>
+          <p:cNvPicPr>
+            <a:picLocks noChangeAspect="1"/>
+          </p:cNvPicPr>
+          <p:nvPr/>
+        </p:nvPicPr>
+        <p:blipFill>
+          <a:blip r:embed="rId2" cstate="print">
+            <a:extLst>
+              <a:ext uri="{28A0092B-C50C-407E-A947-70E740481C1C}">
+                <a14:useLocalDpi xmlns:a14="http://schemas.microsoft.com/office/drawing/2010/main" val="0"/>
+              </a:ext>
+            </a:extLst>
+          </a:blip>
+          <a:stretch>
+            <a:fillRect/>
+          </a:stretch>
+        </p:blipFill>
+        <p:spPr>
+          <a:xfrm>
+            <a:off x="-2" y="6552027"/>
+            <a:ext cx="884773" cy="305973"/>
+          </a:xfrm>
+          <a:prstGeom prst="rect">
+            <a:avLst/>
+          </a:prstGeom>
+        </p:spPr>
+      </p:pic>
+      <p:sp>
+        <p:nvSpPr>
+          <p:cNvPr id="9" name="TextBox 8"/>
+          <p:cNvSpPr txBox="1"/>
+          <p:nvPr/>
+        </p:nvSpPr>
+        <p:spPr>
+          <a:xfrm>
+            <a:off x="0" y="0"/>
+            <a:ext cx="5257800" cy="338554"/>
+          </a:xfrm>
+          <a:prstGeom prst="rect">
+            <a:avLst/>
+          </a:prstGeom>
+          <a:noFill/>
+        </p:spPr>
+        <p:txBody>
+          <a:bodyPr wrap="square" rtlCol="0">
+            <a:spAutoFit/>
+          </a:bodyPr>
+          <a:lstStyle/>
+          <a:p>
+            <a:r>
+              <a:rPr lang="fr-FR" sz="1600" dirty="0" smtClean="0">
+                <a:solidFill>
+                  <a:schemeClr val="bg1"/>
+                </a:solidFill>
+              </a:rPr>
+              <a:t>2. Les </a:t>
+            </a:r>
+            <a:r>
+              <a:rPr lang="fr-FR" sz="1600" dirty="0">
+                <a:solidFill>
+                  <a:schemeClr val="bg1"/>
+                </a:solidFill>
+              </a:rPr>
+              <a:t>facteurs d’influence sur ma motivation</a:t>
+            </a:r>
+          </a:p>
+        </p:txBody>
+      </p:sp>
+      <p:sp>
+        <p:nvSpPr>
+          <p:cNvPr id="3" name="Content Placeholder 2"/>
+          <p:cNvSpPr>
+            <a:spLocks noGrp="1"/>
+          </p:cNvSpPr>
+          <p:nvPr>
+            <p:ph idx="1"/>
+          </p:nvPr>
+        </p:nvSpPr>
+        <p:spPr>
+          <a:xfrm>
+            <a:off x="381000" y="1066800"/>
+            <a:ext cx="8229600" cy="4648200"/>
+          </a:xfrm>
+        </p:spPr>
+        <p:txBody>
+          <a:bodyPr>
+            <a:normAutofit/>
+          </a:bodyPr>
+          <a:lstStyle/>
+          <a:p>
+            <a:pPr marL="624078" lvl="0" indent="-514350">
+              <a:lnSpc>
+                <a:spcPct val="150000"/>
+              </a:lnSpc>
+              <a:buClr>
+                <a:srgbClr val="438086"/>
+              </a:buClr>
+              <a:buFont typeface="+mj-lt"/>
+              <a:buAutoNum type="arabicPeriod"/>
+            </a:pPr>
+            <a:r>
+              <a:rPr lang="fr-FR" sz="2400" dirty="0"/>
+              <a:t>L’introduction</a:t>
+            </a:r>
+          </a:p>
+          <a:p>
+            <a:pPr marL="624078" lvl="0" indent="-514350">
+              <a:buClr>
+                <a:srgbClr val="438086"/>
+              </a:buClr>
+              <a:buFont typeface="+mj-lt"/>
+              <a:buAutoNum type="arabicPeriod"/>
+            </a:pPr>
+            <a:r>
+              <a:rPr lang="fr-FR" sz="2400" dirty="0"/>
+              <a:t>Les facteurs d’influence sur ma motivation dans mes tâches professionnelles :</a:t>
+            </a:r>
+          </a:p>
+          <a:p>
+            <a:pPr marL="916686" lvl="1" indent="-514350">
+              <a:lnSpc>
+                <a:spcPct val="150000"/>
+              </a:lnSpc>
+              <a:buClr>
+                <a:srgbClr val="438086"/>
+              </a:buClr>
+              <a:buFont typeface="+mj-lt"/>
+              <a:buAutoNum type="alphaLcParenR"/>
+            </a:pPr>
+            <a:r>
+              <a:rPr lang="fr-FR" sz="2400" dirty="0">
+                <a:solidFill>
+                  <a:schemeClr val="tx1"/>
+                </a:solidFill>
+              </a:rPr>
+              <a:t>La détermination </a:t>
+            </a:r>
+            <a:r>
+              <a:rPr lang="fr-FR" sz="2400" dirty="0" smtClean="0">
+                <a:solidFill>
+                  <a:schemeClr val="tx1"/>
+                </a:solidFill>
+              </a:rPr>
+              <a:t>d’origine </a:t>
+            </a:r>
+            <a:r>
+              <a:rPr lang="fr-FR" sz="2400" dirty="0">
+                <a:solidFill>
+                  <a:schemeClr val="tx1"/>
+                </a:solidFill>
+              </a:rPr>
+              <a:t>réelle d’un problème</a:t>
+            </a:r>
+          </a:p>
+          <a:p>
+            <a:pPr marL="916686" lvl="1" indent="-514350">
+              <a:lnSpc>
+                <a:spcPct val="150000"/>
+              </a:lnSpc>
+              <a:buClr>
+                <a:srgbClr val="438086"/>
+              </a:buClr>
+              <a:buFont typeface="+mj-lt"/>
+              <a:buAutoNum type="alphaLcParenR"/>
+            </a:pPr>
+            <a:r>
+              <a:rPr lang="fr-FR" sz="2400" dirty="0">
+                <a:solidFill>
+                  <a:schemeClr val="tx1"/>
+                </a:solidFill>
+              </a:rPr>
+              <a:t>Une grande variété des solutions possibles</a:t>
+            </a:r>
+          </a:p>
+          <a:p>
+            <a:pPr marL="916686" lvl="1" indent="-514350">
+              <a:lnSpc>
+                <a:spcPct val="150000"/>
+              </a:lnSpc>
+              <a:buClr>
+                <a:srgbClr val="438086"/>
+              </a:buClr>
+              <a:buFont typeface="+mj-lt"/>
+              <a:buAutoNum type="alphaLcParenR"/>
+            </a:pPr>
+            <a:r>
+              <a:rPr lang="fr-FR" sz="2400" dirty="0">
+                <a:solidFill>
+                  <a:schemeClr val="tx1"/>
+                </a:solidFill>
+              </a:rPr>
+              <a:t>Un problème de complexité élevée</a:t>
+            </a:r>
+          </a:p>
+          <a:p>
+            <a:pPr marL="916686" lvl="1" indent="-514350">
+              <a:lnSpc>
+                <a:spcPct val="150000"/>
+              </a:lnSpc>
+              <a:buClr>
+                <a:srgbClr val="438086"/>
+              </a:buClr>
+              <a:buFont typeface="+mj-lt"/>
+              <a:buAutoNum type="alphaLcParenR"/>
+            </a:pPr>
+            <a:r>
+              <a:rPr lang="fr-FR" sz="2400" dirty="0">
+                <a:solidFill>
+                  <a:schemeClr val="tx1"/>
+                </a:solidFill>
+              </a:rPr>
+              <a:t>La situation de réussite</a:t>
+            </a:r>
+          </a:p>
+          <a:p>
+            <a:pPr marL="566928" lvl="0" indent="-457200">
+              <a:lnSpc>
+                <a:spcPct val="150000"/>
+              </a:lnSpc>
+              <a:buClr>
+                <a:srgbClr val="438086"/>
+              </a:buClr>
+              <a:buFont typeface="+mj-lt"/>
+              <a:buAutoNum type="arabicPeriod"/>
+            </a:pPr>
+            <a:r>
+              <a:rPr lang="fr-FR" sz="2400" dirty="0"/>
+              <a:t>La conclusion</a:t>
+            </a:r>
+            <a:r>
+              <a:rPr lang="fr-FR" sz="2400" dirty="0" smtClean="0"/>
+              <a:t>.</a:t>
+            </a:r>
           </a:p>
         </p:txBody>
       </p:sp>
@@ -6635,6 +7392,2289 @@
       </p:par>
     </p:tnLst>
   </p:timing>
+</p:sld>
+</file>
+
+<file path=ppt/slides/slide6.xml><?xml version="1.0" encoding="utf-8"?>
+<p:sld xmlns:a="http://schemas.openxmlformats.org/drawingml/2006/main" xmlns:r="http://schemas.openxmlformats.org/officeDocument/2006/relationships" xmlns:p="http://schemas.openxmlformats.org/presentationml/2006/main">
+  <p:cSld>
+    <p:spTree>
+      <p:nvGrpSpPr>
+        <p:cNvPr id="1" name=""/>
+        <p:cNvGrpSpPr/>
+        <p:nvPr/>
+      </p:nvGrpSpPr>
+      <p:grpSpPr>
+        <a:xfrm>
+          <a:off x="0" y="0"/>
+          <a:ext cx="0" cy="0"/>
+          <a:chOff x="0" y="0"/>
+          <a:chExt cx="0" cy="0"/>
+        </a:xfrm>
+      </p:grpSpPr>
+      <p:sp>
+        <p:nvSpPr>
+          <p:cNvPr id="5" name="Slide Number Placeholder 4"/>
+          <p:cNvSpPr>
+            <a:spLocks noGrp="1"/>
+          </p:cNvSpPr>
+          <p:nvPr>
+            <p:ph type="sldNum" sz="quarter" idx="12"/>
+          </p:nvPr>
+        </p:nvSpPr>
+        <p:spPr/>
+        <p:txBody>
+          <a:bodyPr/>
+          <a:lstStyle/>
+          <a:p>
+            <a:fld id="{B6F15528-21DE-4FAA-801E-634DDDAF4B2B}" type="slidenum">
+              <a:rPr lang="en-US" smtClean="0"/>
+              <a:pPr/>
+              <a:t>6</a:t>
+            </a:fld>
+            <a:endParaRPr lang="en-US"/>
+          </a:p>
+        </p:txBody>
+      </p:sp>
+      <p:sp>
+        <p:nvSpPr>
+          <p:cNvPr id="6" name="Footer Placeholder 9"/>
+          <p:cNvSpPr txBox="1">
+            <a:spLocks/>
+          </p:cNvSpPr>
+          <p:nvPr/>
+        </p:nvSpPr>
+        <p:spPr>
+          <a:xfrm>
+            <a:off x="0" y="6547338"/>
+            <a:ext cx="9144000" cy="310662"/>
+          </a:xfrm>
+          <a:prstGeom prst="rect">
+            <a:avLst/>
+          </a:prstGeom>
+          <a:solidFill>
+            <a:srgbClr val="438086"/>
+          </a:solidFill>
+        </p:spPr>
+        <p:txBody>
+          <a:bodyPr vert="horz"/>
+          <a:lstStyle>
+            <a:defPPr>
+              <a:defRPr lang="en-US"/>
+            </a:defPPr>
+            <a:lvl1pPr marL="0" algn="r" defTabSz="914400" rtl="0" eaLnBrk="1" latinLnBrk="0" hangingPunct="1">
+              <a:defRPr kumimoji="0" sz="800" kern="1200">
+                <a:solidFill>
+                  <a:schemeClr val="accent2"/>
+                </a:solidFill>
+                <a:latin typeface="+mn-lt"/>
+                <a:ea typeface="+mn-ea"/>
+                <a:cs typeface="+mn-cs"/>
+              </a:defRPr>
+            </a:lvl1pPr>
+            <a:lvl2pPr marL="457200" algn="l" defTabSz="914400" rtl="0" eaLnBrk="1" latinLnBrk="0" hangingPunct="1">
+              <a:defRPr sz="1800" kern="1200">
+                <a:solidFill>
+                  <a:schemeClr val="tx1"/>
+                </a:solidFill>
+                <a:latin typeface="+mn-lt"/>
+                <a:ea typeface="+mn-ea"/>
+                <a:cs typeface="+mn-cs"/>
+              </a:defRPr>
+            </a:lvl2pPr>
+            <a:lvl3pPr marL="914400" algn="l" defTabSz="914400" rtl="0" eaLnBrk="1" latinLnBrk="0" hangingPunct="1">
+              <a:defRPr sz="1800" kern="1200">
+                <a:solidFill>
+                  <a:schemeClr val="tx1"/>
+                </a:solidFill>
+                <a:latin typeface="+mn-lt"/>
+                <a:ea typeface="+mn-ea"/>
+                <a:cs typeface="+mn-cs"/>
+              </a:defRPr>
+            </a:lvl3pPr>
+            <a:lvl4pPr marL="1371600" algn="l" defTabSz="914400" rtl="0" eaLnBrk="1" latinLnBrk="0" hangingPunct="1">
+              <a:defRPr sz="1800" kern="1200">
+                <a:solidFill>
+                  <a:schemeClr val="tx1"/>
+                </a:solidFill>
+                <a:latin typeface="+mn-lt"/>
+                <a:ea typeface="+mn-ea"/>
+                <a:cs typeface="+mn-cs"/>
+              </a:defRPr>
+            </a:lvl4pPr>
+            <a:lvl5pPr marL="1828800" algn="l" defTabSz="914400" rtl="0" eaLnBrk="1" latinLnBrk="0" hangingPunct="1">
+              <a:defRPr sz="1800" kern="1200">
+                <a:solidFill>
+                  <a:schemeClr val="tx1"/>
+                </a:solidFill>
+                <a:latin typeface="+mn-lt"/>
+                <a:ea typeface="+mn-ea"/>
+                <a:cs typeface="+mn-cs"/>
+              </a:defRPr>
+            </a:lvl5pPr>
+            <a:lvl6pPr marL="2286000" algn="l" defTabSz="914400" rtl="0" eaLnBrk="1" latinLnBrk="0" hangingPunct="1">
+              <a:defRPr sz="1800" kern="1200">
+                <a:solidFill>
+                  <a:schemeClr val="tx1"/>
+                </a:solidFill>
+                <a:latin typeface="+mn-lt"/>
+                <a:ea typeface="+mn-ea"/>
+                <a:cs typeface="+mn-cs"/>
+              </a:defRPr>
+            </a:lvl6pPr>
+            <a:lvl7pPr marL="2743200" algn="l" defTabSz="914400" rtl="0" eaLnBrk="1" latinLnBrk="0" hangingPunct="1">
+              <a:defRPr sz="1800" kern="1200">
+                <a:solidFill>
+                  <a:schemeClr val="tx1"/>
+                </a:solidFill>
+                <a:latin typeface="+mn-lt"/>
+                <a:ea typeface="+mn-ea"/>
+                <a:cs typeface="+mn-cs"/>
+              </a:defRPr>
+            </a:lvl7pPr>
+            <a:lvl8pPr marL="3200400" algn="l" defTabSz="914400" rtl="0" eaLnBrk="1" latinLnBrk="0" hangingPunct="1">
+              <a:defRPr sz="1800" kern="1200">
+                <a:solidFill>
+                  <a:schemeClr val="tx1"/>
+                </a:solidFill>
+                <a:latin typeface="+mn-lt"/>
+                <a:ea typeface="+mn-ea"/>
+                <a:cs typeface="+mn-cs"/>
+              </a:defRPr>
+            </a:lvl8pPr>
+            <a:lvl9pPr marL="3657600" algn="l" defTabSz="914400" rtl="0" eaLnBrk="1" latinLnBrk="0" hangingPunct="1">
+              <a:defRPr sz="1800" kern="1200">
+                <a:solidFill>
+                  <a:schemeClr val="tx1"/>
+                </a:solidFill>
+                <a:latin typeface="+mn-lt"/>
+                <a:ea typeface="+mn-ea"/>
+                <a:cs typeface="+mn-cs"/>
+              </a:defRPr>
+            </a:lvl9pPr>
+          </a:lstStyle>
+          <a:p>
+            <a:r>
+              <a:rPr lang="fr-FR" sz="1400" smtClean="0">
+                <a:solidFill>
+                  <a:schemeClr val="bg1"/>
+                </a:solidFill>
+              </a:rPr>
+              <a:t>Ambitions professionnelles : comment préserver la motivation</a:t>
+            </a:r>
+            <a:endParaRPr lang="en-US" sz="1400" dirty="0">
+              <a:solidFill>
+                <a:schemeClr val="bg1"/>
+              </a:solidFill>
+            </a:endParaRPr>
+          </a:p>
+        </p:txBody>
+      </p:sp>
+      <p:pic>
+        <p:nvPicPr>
+          <p:cNvPr id="7" name="Picture 6"/>
+          <p:cNvPicPr>
+            <a:picLocks noChangeAspect="1"/>
+          </p:cNvPicPr>
+          <p:nvPr/>
+        </p:nvPicPr>
+        <p:blipFill>
+          <a:blip r:embed="rId2" cstate="print">
+            <a:extLst>
+              <a:ext uri="{28A0092B-C50C-407E-A947-70E740481C1C}">
+                <a14:useLocalDpi xmlns:a14="http://schemas.microsoft.com/office/drawing/2010/main" val="0"/>
+              </a:ext>
+            </a:extLst>
+          </a:blip>
+          <a:stretch>
+            <a:fillRect/>
+          </a:stretch>
+        </p:blipFill>
+        <p:spPr>
+          <a:xfrm>
+            <a:off x="-2" y="6552027"/>
+            <a:ext cx="884773" cy="305973"/>
+          </a:xfrm>
+          <a:prstGeom prst="rect">
+            <a:avLst/>
+          </a:prstGeom>
+        </p:spPr>
+      </p:pic>
+      <p:sp>
+        <p:nvSpPr>
+          <p:cNvPr id="8" name="TextBox 7"/>
+          <p:cNvSpPr txBox="1"/>
+          <p:nvPr/>
+        </p:nvSpPr>
+        <p:spPr>
+          <a:xfrm>
+            <a:off x="0" y="0"/>
+            <a:ext cx="5257800" cy="338554"/>
+          </a:xfrm>
+          <a:prstGeom prst="rect">
+            <a:avLst/>
+          </a:prstGeom>
+          <a:noFill/>
+        </p:spPr>
+        <p:txBody>
+          <a:bodyPr wrap="square" rtlCol="0">
+            <a:spAutoFit/>
+          </a:bodyPr>
+          <a:lstStyle/>
+          <a:p>
+            <a:r>
+              <a:rPr lang="fr-FR" sz="1600" dirty="0">
+                <a:solidFill>
+                  <a:schemeClr val="bg1"/>
+                </a:solidFill>
+              </a:rPr>
+              <a:t>2. </a:t>
+            </a:r>
+            <a:r>
+              <a:rPr lang="fr-FR" sz="1600" dirty="0" smtClean="0">
+                <a:solidFill>
+                  <a:schemeClr val="bg1"/>
+                </a:solidFill>
+              </a:rPr>
+              <a:t>a) La </a:t>
+            </a:r>
+            <a:r>
+              <a:rPr lang="fr-FR" sz="1600" dirty="0">
+                <a:solidFill>
+                  <a:schemeClr val="bg1"/>
+                </a:solidFill>
+              </a:rPr>
+              <a:t>détermination </a:t>
+            </a:r>
+            <a:r>
+              <a:rPr lang="fr-FR" sz="1600" dirty="0" smtClean="0">
+                <a:solidFill>
+                  <a:schemeClr val="bg1"/>
+                </a:solidFill>
+              </a:rPr>
+              <a:t>d’origine </a:t>
+            </a:r>
+            <a:r>
+              <a:rPr lang="fr-FR" sz="1600" dirty="0">
+                <a:solidFill>
+                  <a:schemeClr val="bg1"/>
+                </a:solidFill>
+              </a:rPr>
+              <a:t>réelle d’un </a:t>
+            </a:r>
+            <a:r>
+              <a:rPr lang="fr-FR" sz="1600" dirty="0" smtClean="0">
+                <a:solidFill>
+                  <a:schemeClr val="bg1"/>
+                </a:solidFill>
+              </a:rPr>
+              <a:t>problème</a:t>
+            </a:r>
+            <a:endParaRPr lang="fr-FR" sz="1600" dirty="0">
+              <a:solidFill>
+                <a:schemeClr val="bg1"/>
+              </a:solidFill>
+            </a:endParaRPr>
+          </a:p>
+        </p:txBody>
+      </p:sp>
+      <p:pic>
+        <p:nvPicPr>
+          <p:cNvPr id="9" name="Picture 8"/>
+          <p:cNvPicPr>
+            <a:picLocks noChangeAspect="1"/>
+          </p:cNvPicPr>
+          <p:nvPr/>
+        </p:nvPicPr>
+        <p:blipFill>
+          <a:blip r:embed="rId3">
+            <a:extLst>
+              <a:ext uri="{28A0092B-C50C-407E-A947-70E740481C1C}">
+                <a14:useLocalDpi xmlns:a14="http://schemas.microsoft.com/office/drawing/2010/main" val="0"/>
+              </a:ext>
+            </a:extLst>
+          </a:blip>
+          <a:stretch>
+            <a:fillRect/>
+          </a:stretch>
+        </p:blipFill>
+        <p:spPr>
+          <a:xfrm>
+            <a:off x="1143000" y="1028700"/>
+            <a:ext cx="6629400" cy="4972050"/>
+          </a:xfrm>
+          <a:prstGeom prst="rect">
+            <a:avLst/>
+          </a:prstGeom>
+        </p:spPr>
+      </p:pic>
+    </p:spTree>
+    <p:extLst>
+      <p:ext uri="{BB962C8B-B14F-4D97-AF65-F5344CB8AC3E}">
+        <p14:creationId xmlns:p14="http://schemas.microsoft.com/office/powerpoint/2010/main" val="676439847"/>
+      </p:ext>
+    </p:extLst>
+  </p:cSld>
+  <p:clrMapOvr>
+    <a:masterClrMapping/>
+  </p:clrMapOvr>
+</p:sld>
+</file>
+
+<file path=ppt/slides/slide7.xml><?xml version="1.0" encoding="utf-8"?>
+<p:sld xmlns:a="http://schemas.openxmlformats.org/drawingml/2006/main" xmlns:r="http://schemas.openxmlformats.org/officeDocument/2006/relationships" xmlns:p="http://schemas.openxmlformats.org/presentationml/2006/main">
+  <p:cSld>
+    <p:spTree>
+      <p:nvGrpSpPr>
+        <p:cNvPr id="1" name=""/>
+        <p:cNvGrpSpPr/>
+        <p:nvPr/>
+      </p:nvGrpSpPr>
+      <p:grpSpPr>
+        <a:xfrm>
+          <a:off x="0" y="0"/>
+          <a:ext cx="0" cy="0"/>
+          <a:chOff x="0" y="0"/>
+          <a:chExt cx="0" cy="0"/>
+        </a:xfrm>
+      </p:grpSpPr>
+      <p:pic>
+        <p:nvPicPr>
+          <p:cNvPr id="1034" name="Picture 10"/>
+          <p:cNvPicPr>
+            <a:picLocks noChangeAspect="1" noChangeArrowheads="1"/>
+          </p:cNvPicPr>
+          <p:nvPr/>
+        </p:nvPicPr>
+        <p:blipFill>
+          <a:blip r:embed="rId2">
+            <a:extLst>
+              <a:ext uri="{28A0092B-C50C-407E-A947-70E740481C1C}">
+                <a14:useLocalDpi xmlns:a14="http://schemas.microsoft.com/office/drawing/2010/main" val="0"/>
+              </a:ext>
+            </a:extLst>
+          </a:blip>
+          <a:srcRect/>
+          <a:stretch>
+            <a:fillRect/>
+          </a:stretch>
+        </p:blipFill>
+        <p:spPr bwMode="auto">
+          <a:xfrm>
+            <a:off x="733425" y="990600"/>
+            <a:ext cx="1857375" cy="1104900"/>
+          </a:xfrm>
+          <a:prstGeom prst="rect">
+            <a:avLst/>
+          </a:prstGeom>
+          <a:noFill/>
+          <a:ln>
+            <a:noFill/>
+          </a:ln>
+          <a:extLst>
+            <a:ext uri="{909E8E84-426E-40DD-AFC4-6F175D3DCCD1}">
+              <a14:hiddenFill xmlns:a14="http://schemas.microsoft.com/office/drawing/2010/main">
+                <a:solidFill>
+                  <a:schemeClr val="accent1"/>
+                </a:solidFill>
+              </a14:hiddenFill>
+            </a:ext>
+            <a:ext uri="{91240B29-F687-4F45-9708-019B960494DF}">
+              <a14:hiddenLine xmlns:a14="http://schemas.microsoft.com/office/drawing/2010/main" w="9525">
+                <a:solidFill>
+                  <a:schemeClr val="tx1"/>
+                </a:solidFill>
+                <a:miter lim="800000"/>
+                <a:headEnd/>
+                <a:tailEnd/>
+              </a14:hiddenLine>
+            </a:ext>
+          </a:extLst>
+        </p:spPr>
+      </p:pic>
+      <p:sp>
+        <p:nvSpPr>
+          <p:cNvPr id="5" name="Slide Number Placeholder 4"/>
+          <p:cNvSpPr>
+            <a:spLocks noGrp="1"/>
+          </p:cNvSpPr>
+          <p:nvPr>
+            <p:ph type="sldNum" sz="quarter" idx="12"/>
+          </p:nvPr>
+        </p:nvSpPr>
+        <p:spPr/>
+        <p:txBody>
+          <a:bodyPr/>
+          <a:lstStyle/>
+          <a:p>
+            <a:fld id="{B6F15528-21DE-4FAA-801E-634DDDAF4B2B}" type="slidenum">
+              <a:rPr lang="en-US" smtClean="0"/>
+              <a:pPr/>
+              <a:t>7</a:t>
+            </a:fld>
+            <a:endParaRPr lang="en-US"/>
+          </a:p>
+        </p:txBody>
+      </p:sp>
+      <p:sp>
+        <p:nvSpPr>
+          <p:cNvPr id="6" name="Footer Placeholder 9"/>
+          <p:cNvSpPr txBox="1">
+            <a:spLocks/>
+          </p:cNvSpPr>
+          <p:nvPr/>
+        </p:nvSpPr>
+        <p:spPr>
+          <a:xfrm>
+            <a:off x="0" y="6547338"/>
+            <a:ext cx="9144000" cy="310662"/>
+          </a:xfrm>
+          <a:prstGeom prst="rect">
+            <a:avLst/>
+          </a:prstGeom>
+          <a:solidFill>
+            <a:srgbClr val="438086"/>
+          </a:solidFill>
+        </p:spPr>
+        <p:txBody>
+          <a:bodyPr vert="horz"/>
+          <a:lstStyle>
+            <a:defPPr>
+              <a:defRPr lang="en-US"/>
+            </a:defPPr>
+            <a:lvl1pPr marL="0" algn="r" defTabSz="914400" rtl="0" eaLnBrk="1" latinLnBrk="0" hangingPunct="1">
+              <a:defRPr kumimoji="0" sz="800" kern="1200">
+                <a:solidFill>
+                  <a:schemeClr val="accent2"/>
+                </a:solidFill>
+                <a:latin typeface="+mn-lt"/>
+                <a:ea typeface="+mn-ea"/>
+                <a:cs typeface="+mn-cs"/>
+              </a:defRPr>
+            </a:lvl1pPr>
+            <a:lvl2pPr marL="457200" algn="l" defTabSz="914400" rtl="0" eaLnBrk="1" latinLnBrk="0" hangingPunct="1">
+              <a:defRPr sz="1800" kern="1200">
+                <a:solidFill>
+                  <a:schemeClr val="tx1"/>
+                </a:solidFill>
+                <a:latin typeface="+mn-lt"/>
+                <a:ea typeface="+mn-ea"/>
+                <a:cs typeface="+mn-cs"/>
+              </a:defRPr>
+            </a:lvl2pPr>
+            <a:lvl3pPr marL="914400" algn="l" defTabSz="914400" rtl="0" eaLnBrk="1" latinLnBrk="0" hangingPunct="1">
+              <a:defRPr sz="1800" kern="1200">
+                <a:solidFill>
+                  <a:schemeClr val="tx1"/>
+                </a:solidFill>
+                <a:latin typeface="+mn-lt"/>
+                <a:ea typeface="+mn-ea"/>
+                <a:cs typeface="+mn-cs"/>
+              </a:defRPr>
+            </a:lvl3pPr>
+            <a:lvl4pPr marL="1371600" algn="l" defTabSz="914400" rtl="0" eaLnBrk="1" latinLnBrk="0" hangingPunct="1">
+              <a:defRPr sz="1800" kern="1200">
+                <a:solidFill>
+                  <a:schemeClr val="tx1"/>
+                </a:solidFill>
+                <a:latin typeface="+mn-lt"/>
+                <a:ea typeface="+mn-ea"/>
+                <a:cs typeface="+mn-cs"/>
+              </a:defRPr>
+            </a:lvl4pPr>
+            <a:lvl5pPr marL="1828800" algn="l" defTabSz="914400" rtl="0" eaLnBrk="1" latinLnBrk="0" hangingPunct="1">
+              <a:defRPr sz="1800" kern="1200">
+                <a:solidFill>
+                  <a:schemeClr val="tx1"/>
+                </a:solidFill>
+                <a:latin typeface="+mn-lt"/>
+                <a:ea typeface="+mn-ea"/>
+                <a:cs typeface="+mn-cs"/>
+              </a:defRPr>
+            </a:lvl5pPr>
+            <a:lvl6pPr marL="2286000" algn="l" defTabSz="914400" rtl="0" eaLnBrk="1" latinLnBrk="0" hangingPunct="1">
+              <a:defRPr sz="1800" kern="1200">
+                <a:solidFill>
+                  <a:schemeClr val="tx1"/>
+                </a:solidFill>
+                <a:latin typeface="+mn-lt"/>
+                <a:ea typeface="+mn-ea"/>
+                <a:cs typeface="+mn-cs"/>
+              </a:defRPr>
+            </a:lvl6pPr>
+            <a:lvl7pPr marL="2743200" algn="l" defTabSz="914400" rtl="0" eaLnBrk="1" latinLnBrk="0" hangingPunct="1">
+              <a:defRPr sz="1800" kern="1200">
+                <a:solidFill>
+                  <a:schemeClr val="tx1"/>
+                </a:solidFill>
+                <a:latin typeface="+mn-lt"/>
+                <a:ea typeface="+mn-ea"/>
+                <a:cs typeface="+mn-cs"/>
+              </a:defRPr>
+            </a:lvl7pPr>
+            <a:lvl8pPr marL="3200400" algn="l" defTabSz="914400" rtl="0" eaLnBrk="1" latinLnBrk="0" hangingPunct="1">
+              <a:defRPr sz="1800" kern="1200">
+                <a:solidFill>
+                  <a:schemeClr val="tx1"/>
+                </a:solidFill>
+                <a:latin typeface="+mn-lt"/>
+                <a:ea typeface="+mn-ea"/>
+                <a:cs typeface="+mn-cs"/>
+              </a:defRPr>
+            </a:lvl8pPr>
+            <a:lvl9pPr marL="3657600" algn="l" defTabSz="914400" rtl="0" eaLnBrk="1" latinLnBrk="0" hangingPunct="1">
+              <a:defRPr sz="1800" kern="1200">
+                <a:solidFill>
+                  <a:schemeClr val="tx1"/>
+                </a:solidFill>
+                <a:latin typeface="+mn-lt"/>
+                <a:ea typeface="+mn-ea"/>
+                <a:cs typeface="+mn-cs"/>
+              </a:defRPr>
+            </a:lvl9pPr>
+          </a:lstStyle>
+          <a:p>
+            <a:r>
+              <a:rPr lang="fr-FR" sz="1400" smtClean="0">
+                <a:solidFill>
+                  <a:schemeClr val="bg1"/>
+                </a:solidFill>
+              </a:rPr>
+              <a:t>Ambitions professionnelles : comment préserver la motivation</a:t>
+            </a:r>
+            <a:endParaRPr lang="en-US" sz="1400" dirty="0">
+              <a:solidFill>
+                <a:schemeClr val="bg1"/>
+              </a:solidFill>
+            </a:endParaRPr>
+          </a:p>
+        </p:txBody>
+      </p:sp>
+      <p:pic>
+        <p:nvPicPr>
+          <p:cNvPr id="7" name="Picture 6"/>
+          <p:cNvPicPr>
+            <a:picLocks noChangeAspect="1"/>
+          </p:cNvPicPr>
+          <p:nvPr/>
+        </p:nvPicPr>
+        <p:blipFill>
+          <a:blip r:embed="rId3" cstate="print">
+            <a:extLst>
+              <a:ext uri="{28A0092B-C50C-407E-A947-70E740481C1C}">
+                <a14:useLocalDpi xmlns:a14="http://schemas.microsoft.com/office/drawing/2010/main" val="0"/>
+              </a:ext>
+            </a:extLst>
+          </a:blip>
+          <a:stretch>
+            <a:fillRect/>
+          </a:stretch>
+        </p:blipFill>
+        <p:spPr>
+          <a:xfrm>
+            <a:off x="-2" y="6552027"/>
+            <a:ext cx="884773" cy="305973"/>
+          </a:xfrm>
+          <a:prstGeom prst="rect">
+            <a:avLst/>
+          </a:prstGeom>
+        </p:spPr>
+      </p:pic>
+      <p:sp>
+        <p:nvSpPr>
+          <p:cNvPr id="8" name="TextBox 7"/>
+          <p:cNvSpPr txBox="1"/>
+          <p:nvPr/>
+        </p:nvSpPr>
+        <p:spPr>
+          <a:xfrm>
+            <a:off x="0" y="0"/>
+            <a:ext cx="5257800" cy="338554"/>
+          </a:xfrm>
+          <a:prstGeom prst="rect">
+            <a:avLst/>
+          </a:prstGeom>
+          <a:noFill/>
+        </p:spPr>
+        <p:txBody>
+          <a:bodyPr wrap="square" rtlCol="0">
+            <a:spAutoFit/>
+          </a:bodyPr>
+          <a:lstStyle/>
+          <a:p>
+            <a:r>
+              <a:rPr lang="fr-FR" sz="1600" dirty="0">
+                <a:solidFill>
+                  <a:schemeClr val="bg1"/>
+                </a:solidFill>
+              </a:rPr>
+              <a:t>2. </a:t>
+            </a:r>
+            <a:r>
+              <a:rPr lang="fr-FR" sz="1600" dirty="0" smtClean="0">
+                <a:solidFill>
+                  <a:schemeClr val="bg1"/>
+                </a:solidFill>
+              </a:rPr>
+              <a:t>a) La </a:t>
+            </a:r>
+            <a:r>
+              <a:rPr lang="fr-FR" sz="1600" dirty="0">
+                <a:solidFill>
+                  <a:schemeClr val="bg1"/>
+                </a:solidFill>
+              </a:rPr>
+              <a:t>détermination </a:t>
+            </a:r>
+            <a:r>
+              <a:rPr lang="fr-FR" sz="1600" dirty="0" smtClean="0">
+                <a:solidFill>
+                  <a:schemeClr val="bg1"/>
+                </a:solidFill>
+              </a:rPr>
+              <a:t>d’origine </a:t>
+            </a:r>
+            <a:r>
+              <a:rPr lang="fr-FR" sz="1600" dirty="0">
+                <a:solidFill>
+                  <a:schemeClr val="bg1"/>
+                </a:solidFill>
+              </a:rPr>
+              <a:t>réelle d’un </a:t>
+            </a:r>
+            <a:r>
+              <a:rPr lang="fr-FR" sz="1600" dirty="0" smtClean="0">
+                <a:solidFill>
+                  <a:schemeClr val="bg1"/>
+                </a:solidFill>
+              </a:rPr>
+              <a:t>problème</a:t>
+            </a:r>
+            <a:endParaRPr lang="fr-FR" sz="1600" dirty="0">
+              <a:solidFill>
+                <a:schemeClr val="bg1"/>
+              </a:solidFill>
+            </a:endParaRPr>
+          </a:p>
+        </p:txBody>
+      </p:sp>
+      <p:sp>
+        <p:nvSpPr>
+          <p:cNvPr id="9" name="TextBox 8"/>
+          <p:cNvSpPr txBox="1"/>
+          <p:nvPr/>
+        </p:nvSpPr>
+        <p:spPr>
+          <a:xfrm>
+            <a:off x="938212" y="1200947"/>
+            <a:ext cx="1447800" cy="553998"/>
+          </a:xfrm>
+          <a:prstGeom prst="rect">
+            <a:avLst/>
+          </a:prstGeom>
+          <a:noFill/>
+        </p:spPr>
+        <p:txBody>
+          <a:bodyPr wrap="square" rtlCol="0">
+            <a:spAutoFit/>
+          </a:bodyPr>
+          <a:lstStyle/>
+          <a:p>
+            <a:pPr indent="0" algn="ctr">
+              <a:buNone/>
+            </a:pPr>
+            <a:r>
+              <a:rPr lang="fr-FR" sz="1400" b="1" dirty="0" smtClean="0"/>
+              <a:t>mot de passe</a:t>
+            </a:r>
+          </a:p>
+          <a:p>
+            <a:pPr indent="0" algn="ctr">
+              <a:buNone/>
+            </a:pPr>
+            <a:r>
+              <a:rPr lang="fr-FR" sz="1600" dirty="0" smtClean="0"/>
+              <a:t>4ab!C</a:t>
+            </a:r>
+            <a:endParaRPr lang="fr-FR" sz="1600" dirty="0"/>
+          </a:p>
+        </p:txBody>
+      </p:sp>
+      <p:sp>
+        <p:nvSpPr>
+          <p:cNvPr id="12" name="Curved Right Arrow 11"/>
+          <p:cNvSpPr/>
+          <p:nvPr/>
+        </p:nvSpPr>
+        <p:spPr>
+          <a:xfrm rot="20853503">
+            <a:off x="309780" y="1661457"/>
+            <a:ext cx="682396" cy="3122347"/>
+          </a:xfrm>
+          <a:prstGeom prst="curvedRightArrow">
+            <a:avLst/>
+          </a:prstGeom>
+          <a:solidFill>
+            <a:schemeClr val="bg2"/>
+          </a:solidFill>
+        </p:spPr>
+        <p:style>
+          <a:lnRef idx="2">
+            <a:schemeClr val="accent1">
+              <a:shade val="50000"/>
+            </a:schemeClr>
+          </a:lnRef>
+          <a:fillRef idx="1">
+            <a:schemeClr val="accent1"/>
+          </a:fillRef>
+          <a:effectRef idx="0">
+            <a:schemeClr val="accent1"/>
+          </a:effectRef>
+          <a:fontRef idx="minor">
+            <a:schemeClr val="lt1"/>
+          </a:fontRef>
+        </p:style>
+        <p:txBody>
+          <a:bodyPr wrap="none" lIns="0" rIns="0" rtlCol="0" anchor="ctr"/>
+          <a:lstStyle/>
+          <a:p>
+            <a:pPr algn="ctr"/>
+            <a:endParaRPr lang="fr-FR" sz="1400" dirty="0">
+              <a:solidFill>
+                <a:schemeClr val="tx1"/>
+              </a:solidFill>
+            </a:endParaRPr>
+          </a:p>
+        </p:txBody>
+      </p:sp>
+      <p:pic>
+        <p:nvPicPr>
+          <p:cNvPr id="1026" name="Picture 2"/>
+          <p:cNvPicPr>
+            <a:picLocks noChangeAspect="1" noChangeArrowheads="1"/>
+          </p:cNvPicPr>
+          <p:nvPr/>
+        </p:nvPicPr>
+        <p:blipFill>
+          <a:blip r:embed="rId4" cstate="print">
+            <a:extLst>
+              <a:ext uri="{28A0092B-C50C-407E-A947-70E740481C1C}">
+                <a14:useLocalDpi xmlns:a14="http://schemas.microsoft.com/office/drawing/2010/main" val="0"/>
+              </a:ext>
+            </a:extLst>
+          </a:blip>
+          <a:srcRect/>
+          <a:stretch>
+            <a:fillRect/>
+          </a:stretch>
+        </p:blipFill>
+        <p:spPr bwMode="auto">
+          <a:xfrm>
+            <a:off x="413076" y="2989622"/>
+            <a:ext cx="677332" cy="339422"/>
+          </a:xfrm>
+          <a:prstGeom prst="rect">
+            <a:avLst/>
+          </a:prstGeom>
+          <a:noFill/>
+          <a:ln>
+            <a:noFill/>
+          </a:ln>
+          <a:extLst>
+            <a:ext uri="{909E8E84-426E-40DD-AFC4-6F175D3DCCD1}">
+              <a14:hiddenFill xmlns:a14="http://schemas.microsoft.com/office/drawing/2010/main">
+                <a:solidFill>
+                  <a:schemeClr val="accent1"/>
+                </a:solidFill>
+              </a14:hiddenFill>
+            </a:ext>
+            <a:ext uri="{91240B29-F687-4F45-9708-019B960494DF}">
+              <a14:hiddenLine xmlns:a14="http://schemas.microsoft.com/office/drawing/2010/main" w="9525">
+                <a:solidFill>
+                  <a:schemeClr val="tx1"/>
+                </a:solidFill>
+                <a:miter lim="800000"/>
+                <a:headEnd/>
+                <a:tailEnd/>
+              </a14:hiddenLine>
+            </a:ext>
+          </a:extLst>
+        </p:spPr>
+      </p:pic>
+      <p:sp>
+        <p:nvSpPr>
+          <p:cNvPr id="14" name="Flowchart: Magnetic Disk 13"/>
+          <p:cNvSpPr/>
+          <p:nvPr/>
+        </p:nvSpPr>
+        <p:spPr>
+          <a:xfrm>
+            <a:off x="5905499" y="914400"/>
+            <a:ext cx="1981200" cy="1143000"/>
+          </a:xfrm>
+          <a:prstGeom prst="flowChartMagneticDisk">
+            <a:avLst/>
+          </a:prstGeom>
+          <a:solidFill>
+            <a:schemeClr val="bg2"/>
+          </a:solidFill>
+        </p:spPr>
+        <p:style>
+          <a:lnRef idx="2">
+            <a:schemeClr val="accent1">
+              <a:shade val="50000"/>
+            </a:schemeClr>
+          </a:lnRef>
+          <a:fillRef idx="1">
+            <a:schemeClr val="accent1"/>
+          </a:fillRef>
+          <a:effectRef idx="0">
+            <a:schemeClr val="accent1"/>
+          </a:effectRef>
+          <a:fontRef idx="minor">
+            <a:schemeClr val="lt1"/>
+          </a:fontRef>
+        </p:style>
+        <p:txBody>
+          <a:bodyPr rtlCol="0" anchor="ctr"/>
+          <a:lstStyle/>
+          <a:p>
+            <a:pPr algn="ctr">
+              <a:lnSpc>
+                <a:spcPct val="150000"/>
+              </a:lnSpc>
+            </a:pPr>
+            <a:r>
+              <a:rPr lang="fr-FR" sz="1400" b="1" dirty="0" err="1">
+                <a:solidFill>
+                  <a:schemeClr val="tx1"/>
+                </a:solidFill>
+              </a:rPr>
+              <a:t>h</a:t>
+            </a:r>
+            <a:r>
+              <a:rPr lang="fr-FR" sz="1400" b="1" dirty="0" err="1" smtClean="0">
+                <a:solidFill>
+                  <a:schemeClr val="tx1"/>
+                </a:solidFill>
+              </a:rPr>
+              <a:t>ashcode</a:t>
+            </a:r>
+            <a:r>
+              <a:rPr lang="fr-FR" sz="1400" b="1" dirty="0" smtClean="0">
+                <a:solidFill>
+                  <a:schemeClr val="tx1"/>
+                </a:solidFill>
+              </a:rPr>
+              <a:t>:</a:t>
+            </a:r>
+          </a:p>
+          <a:p>
+            <a:pPr algn="ctr">
+              <a:lnSpc>
+                <a:spcPct val="150000"/>
+              </a:lnSpc>
+            </a:pPr>
+            <a:r>
+              <a:rPr lang="fr-FR" sz="1400" b="1" dirty="0" smtClean="0">
+                <a:solidFill>
+                  <a:schemeClr val="tx1"/>
+                </a:solidFill>
+              </a:rPr>
+              <a:t>fd946d58</a:t>
+            </a:r>
+            <a:r>
+              <a:rPr lang="fr-FR" sz="1400" b="1" dirty="0">
+                <a:solidFill>
+                  <a:schemeClr val="tx1"/>
+                </a:solidFill>
+              </a:rPr>
+              <a:t>1f4e2f</a:t>
+            </a:r>
+            <a:r>
+              <a:rPr lang="fr-FR" sz="1400" b="1" dirty="0" smtClean="0">
+                <a:solidFill>
+                  <a:schemeClr val="tx1"/>
+                </a:solidFill>
+              </a:rPr>
+              <a:t>……</a:t>
+            </a:r>
+            <a:endParaRPr lang="fr-FR" sz="1400" dirty="0">
+              <a:solidFill>
+                <a:schemeClr val="tx1"/>
+              </a:solidFill>
+            </a:endParaRPr>
+          </a:p>
+        </p:txBody>
+      </p:sp>
+      <p:sp>
+        <p:nvSpPr>
+          <p:cNvPr id="16" name="TextBox 15"/>
+          <p:cNvSpPr txBox="1"/>
+          <p:nvPr/>
+        </p:nvSpPr>
+        <p:spPr>
+          <a:xfrm>
+            <a:off x="6172200" y="923747"/>
+            <a:ext cx="1447800" cy="307777"/>
+          </a:xfrm>
+          <a:prstGeom prst="rect">
+            <a:avLst/>
+          </a:prstGeom>
+          <a:noFill/>
+        </p:spPr>
+        <p:txBody>
+          <a:bodyPr wrap="square" rtlCol="0">
+            <a:spAutoFit/>
+          </a:bodyPr>
+          <a:lstStyle/>
+          <a:p>
+            <a:pPr indent="0" algn="ctr">
+              <a:buNone/>
+            </a:pPr>
+            <a:r>
+              <a:rPr lang="fr-FR" sz="1400" b="1" dirty="0" smtClean="0"/>
+              <a:t>BDD</a:t>
+            </a:r>
+          </a:p>
+        </p:txBody>
+      </p:sp>
+      <p:pic>
+        <p:nvPicPr>
+          <p:cNvPr id="1029" name="Picture 5"/>
+          <p:cNvPicPr>
+            <a:picLocks noChangeAspect="1" noChangeArrowheads="1"/>
+          </p:cNvPicPr>
+          <p:nvPr/>
+        </p:nvPicPr>
+        <p:blipFill>
+          <a:blip r:embed="rId5">
+            <a:extLst>
+              <a:ext uri="{28A0092B-C50C-407E-A947-70E740481C1C}">
+                <a14:useLocalDpi xmlns:a14="http://schemas.microsoft.com/office/drawing/2010/main" val="0"/>
+              </a:ext>
+            </a:extLst>
+          </a:blip>
+          <a:srcRect/>
+          <a:stretch>
+            <a:fillRect/>
+          </a:stretch>
+        </p:blipFill>
+        <p:spPr bwMode="auto">
+          <a:xfrm>
+            <a:off x="1473005" y="4086641"/>
+            <a:ext cx="1660525" cy="1800225"/>
+          </a:xfrm>
+          <a:prstGeom prst="rect">
+            <a:avLst/>
+          </a:prstGeom>
+          <a:noFill/>
+          <a:ln>
+            <a:noFill/>
+          </a:ln>
+          <a:extLst>
+            <a:ext uri="{909E8E84-426E-40DD-AFC4-6F175D3DCCD1}">
+              <a14:hiddenFill xmlns:a14="http://schemas.microsoft.com/office/drawing/2010/main">
+                <a:solidFill>
+                  <a:schemeClr val="accent1"/>
+                </a:solidFill>
+              </a14:hiddenFill>
+            </a:ext>
+            <a:ext uri="{91240B29-F687-4F45-9708-019B960494DF}">
+              <a14:hiddenLine xmlns:a14="http://schemas.microsoft.com/office/drawing/2010/main" w="9525">
+                <a:solidFill>
+                  <a:schemeClr val="tx1"/>
+                </a:solidFill>
+                <a:miter lim="800000"/>
+                <a:headEnd/>
+                <a:tailEnd/>
+              </a14:hiddenLine>
+            </a:ext>
+          </a:extLst>
+        </p:spPr>
+      </p:pic>
+      <p:sp>
+        <p:nvSpPr>
+          <p:cNvPr id="19" name="TextBox 18"/>
+          <p:cNvSpPr txBox="1"/>
+          <p:nvPr/>
+        </p:nvSpPr>
+        <p:spPr>
+          <a:xfrm>
+            <a:off x="1509347" y="4114800"/>
+            <a:ext cx="1447800" cy="338554"/>
+          </a:xfrm>
+          <a:prstGeom prst="rect">
+            <a:avLst/>
+          </a:prstGeom>
+          <a:noFill/>
+        </p:spPr>
+        <p:txBody>
+          <a:bodyPr wrap="square" rtlCol="0">
+            <a:spAutoFit/>
+          </a:bodyPr>
+          <a:lstStyle/>
+          <a:p>
+            <a:pPr indent="0" algn="ctr">
+              <a:buNone/>
+            </a:pPr>
+            <a:r>
+              <a:rPr lang="fr-FR" sz="1600" dirty="0" smtClean="0"/>
+              <a:t>4</a:t>
+            </a:r>
+            <a:r>
+              <a:rPr lang="fr-FR" sz="1600" b="1" dirty="0" smtClean="0">
+                <a:solidFill>
+                  <a:srgbClr val="C00000"/>
+                </a:solidFill>
+              </a:rPr>
+              <a:t>à</a:t>
+            </a:r>
+            <a:r>
+              <a:rPr lang="fr-FR" sz="1600" dirty="0" smtClean="0"/>
+              <a:t>b!C</a:t>
+            </a:r>
+            <a:endParaRPr lang="fr-FR" sz="1600" dirty="0"/>
+          </a:p>
+        </p:txBody>
+      </p:sp>
+      <p:sp>
+        <p:nvSpPr>
+          <p:cNvPr id="15" name="Right Arrow 14"/>
+          <p:cNvSpPr/>
+          <p:nvPr/>
+        </p:nvSpPr>
+        <p:spPr>
+          <a:xfrm>
+            <a:off x="2628900" y="1409700"/>
+            <a:ext cx="3086100" cy="266700"/>
+          </a:xfrm>
+          <a:prstGeom prst="rightArrow">
+            <a:avLst/>
+          </a:prstGeom>
+          <a:solidFill>
+            <a:schemeClr val="bg2"/>
+          </a:solidFill>
+        </p:spPr>
+        <p:style>
+          <a:lnRef idx="2">
+            <a:schemeClr val="accent1">
+              <a:shade val="50000"/>
+            </a:schemeClr>
+          </a:lnRef>
+          <a:fillRef idx="1">
+            <a:schemeClr val="accent1"/>
+          </a:fillRef>
+          <a:effectRef idx="0">
+            <a:schemeClr val="accent1"/>
+          </a:effectRef>
+          <a:fontRef idx="minor">
+            <a:schemeClr val="lt1"/>
+          </a:fontRef>
+        </p:style>
+        <p:txBody>
+          <a:bodyPr rtlCol="0" anchor="ctr"/>
+          <a:lstStyle/>
+          <a:p>
+            <a:pPr algn="ctr"/>
+            <a:endParaRPr lang="fr-FR"/>
+          </a:p>
+        </p:txBody>
+      </p:sp>
+      <p:sp>
+        <p:nvSpPr>
+          <p:cNvPr id="17" name="Rounded Rectangle 16"/>
+          <p:cNvSpPr/>
+          <p:nvPr/>
+        </p:nvSpPr>
+        <p:spPr>
+          <a:xfrm>
+            <a:off x="5410200" y="3733800"/>
+            <a:ext cx="2971800" cy="1752600"/>
+          </a:xfrm>
+          <a:prstGeom prst="roundRect">
+            <a:avLst/>
+          </a:prstGeom>
+          <a:solidFill>
+            <a:schemeClr val="bg2"/>
+          </a:solidFill>
+        </p:spPr>
+        <p:style>
+          <a:lnRef idx="2">
+            <a:schemeClr val="accent1">
+              <a:shade val="50000"/>
+            </a:schemeClr>
+          </a:lnRef>
+          <a:fillRef idx="1">
+            <a:schemeClr val="accent1"/>
+          </a:fillRef>
+          <a:effectRef idx="0">
+            <a:schemeClr val="accent1"/>
+          </a:effectRef>
+          <a:fontRef idx="minor">
+            <a:schemeClr val="lt1"/>
+          </a:fontRef>
+        </p:style>
+        <p:txBody>
+          <a:bodyPr bIns="720000" rtlCol="0" anchor="ctr"/>
+          <a:lstStyle/>
+          <a:p>
+            <a:pPr algn="ctr"/>
+            <a:r>
+              <a:rPr lang="fr-FR" sz="1400" b="1" dirty="0" smtClean="0">
+                <a:solidFill>
+                  <a:schemeClr val="tx1"/>
+                </a:solidFill>
+              </a:rPr>
+              <a:t>EXTRANET</a:t>
+            </a:r>
+          </a:p>
+          <a:p>
+            <a:pPr algn="ctr"/>
+            <a:endParaRPr lang="fr-FR" sz="1400" b="1" dirty="0">
+              <a:solidFill>
+                <a:schemeClr val="tx1"/>
+              </a:solidFill>
+            </a:endParaRPr>
+          </a:p>
+          <a:p>
+            <a:pPr algn="ctr"/>
+            <a:endParaRPr lang="fr-FR" sz="1400" b="1" dirty="0">
+              <a:solidFill>
+                <a:schemeClr val="tx1"/>
+              </a:solidFill>
+            </a:endParaRPr>
+          </a:p>
+        </p:txBody>
+      </p:sp>
+      <p:sp>
+        <p:nvSpPr>
+          <p:cNvPr id="18" name="Up-Down Arrow 17"/>
+          <p:cNvSpPr/>
+          <p:nvPr/>
+        </p:nvSpPr>
+        <p:spPr>
+          <a:xfrm>
+            <a:off x="6774942" y="2187526"/>
+            <a:ext cx="242316" cy="1399840"/>
+          </a:xfrm>
+          <a:prstGeom prst="upDownArrow">
+            <a:avLst/>
+          </a:prstGeom>
+          <a:solidFill>
+            <a:schemeClr val="bg2"/>
+          </a:solidFill>
+        </p:spPr>
+        <p:style>
+          <a:lnRef idx="2">
+            <a:schemeClr val="accent1">
+              <a:shade val="50000"/>
+            </a:schemeClr>
+          </a:lnRef>
+          <a:fillRef idx="1">
+            <a:schemeClr val="accent1"/>
+          </a:fillRef>
+          <a:effectRef idx="0">
+            <a:schemeClr val="accent1"/>
+          </a:effectRef>
+          <a:fontRef idx="minor">
+            <a:schemeClr val="lt1"/>
+          </a:fontRef>
+        </p:style>
+        <p:txBody>
+          <a:bodyPr rtlCol="0" anchor="ctr"/>
+          <a:lstStyle/>
+          <a:p>
+            <a:pPr algn="ctr"/>
+            <a:endParaRPr lang="fr-FR"/>
+          </a:p>
+        </p:txBody>
+      </p:sp>
+      <p:sp>
+        <p:nvSpPr>
+          <p:cNvPr id="23" name="Right Arrow 22"/>
+          <p:cNvSpPr/>
+          <p:nvPr/>
+        </p:nvSpPr>
+        <p:spPr>
+          <a:xfrm>
+            <a:off x="3275428" y="4610100"/>
+            <a:ext cx="1982372" cy="266700"/>
+          </a:xfrm>
+          <a:prstGeom prst="rightArrow">
+            <a:avLst/>
+          </a:prstGeom>
+          <a:solidFill>
+            <a:schemeClr val="bg2"/>
+          </a:solidFill>
+        </p:spPr>
+        <p:style>
+          <a:lnRef idx="2">
+            <a:schemeClr val="accent1">
+              <a:shade val="50000"/>
+            </a:schemeClr>
+          </a:lnRef>
+          <a:fillRef idx="1">
+            <a:schemeClr val="accent1"/>
+          </a:fillRef>
+          <a:effectRef idx="0">
+            <a:schemeClr val="accent1"/>
+          </a:effectRef>
+          <a:fontRef idx="minor">
+            <a:schemeClr val="lt1"/>
+          </a:fontRef>
+        </p:style>
+        <p:txBody>
+          <a:bodyPr rtlCol="0" anchor="ctr"/>
+          <a:lstStyle/>
+          <a:p>
+            <a:pPr algn="ctr"/>
+            <a:endParaRPr lang="fr-FR"/>
+          </a:p>
+        </p:txBody>
+      </p:sp>
+      <p:pic>
+        <p:nvPicPr>
+          <p:cNvPr id="1032" name="Picture 8"/>
+          <p:cNvPicPr>
+            <a:picLocks noChangeAspect="1" noChangeArrowheads="1"/>
+          </p:cNvPicPr>
+          <p:nvPr/>
+        </p:nvPicPr>
+        <p:blipFill>
+          <a:blip r:embed="rId6" cstate="print">
+            <a:extLst>
+              <a:ext uri="{28A0092B-C50C-407E-A947-70E740481C1C}">
+                <a14:useLocalDpi xmlns:a14="http://schemas.microsoft.com/office/drawing/2010/main" val="0"/>
+              </a:ext>
+            </a:extLst>
+          </a:blip>
+          <a:srcRect/>
+          <a:stretch>
+            <a:fillRect/>
+          </a:stretch>
+        </p:blipFill>
+        <p:spPr bwMode="auto">
+          <a:xfrm>
+            <a:off x="6469698" y="4284077"/>
+            <a:ext cx="852803" cy="842963"/>
+          </a:xfrm>
+          <a:prstGeom prst="rect">
+            <a:avLst/>
+          </a:prstGeom>
+          <a:noFill/>
+          <a:ln>
+            <a:noFill/>
+          </a:ln>
+          <a:extLst>
+            <a:ext uri="{909E8E84-426E-40DD-AFC4-6F175D3DCCD1}">
+              <a14:hiddenFill xmlns:a14="http://schemas.microsoft.com/office/drawing/2010/main">
+                <a:solidFill>
+                  <a:schemeClr val="accent1"/>
+                </a:solidFill>
+              </a14:hiddenFill>
+            </a:ext>
+            <a:ext uri="{91240B29-F687-4F45-9708-019B960494DF}">
+              <a14:hiddenLine xmlns:a14="http://schemas.microsoft.com/office/drawing/2010/main" w="9525">
+                <a:solidFill>
+                  <a:schemeClr val="tx1"/>
+                </a:solidFill>
+                <a:miter lim="800000"/>
+                <a:headEnd/>
+                <a:tailEnd/>
+              </a14:hiddenLine>
+            </a:ext>
+          </a:extLst>
+        </p:spPr>
+      </p:pic>
+      <p:sp>
+        <p:nvSpPr>
+          <p:cNvPr id="20" name="TextBox 19"/>
+          <p:cNvSpPr txBox="1"/>
+          <p:nvPr/>
+        </p:nvSpPr>
+        <p:spPr>
+          <a:xfrm>
+            <a:off x="3733800" y="4293139"/>
+            <a:ext cx="1905000" cy="307777"/>
+          </a:xfrm>
+          <a:prstGeom prst="rect">
+            <a:avLst/>
+          </a:prstGeom>
+          <a:noFill/>
+        </p:spPr>
+        <p:txBody>
+          <a:bodyPr wrap="square" rtlCol="0">
+            <a:spAutoFit/>
+          </a:bodyPr>
+          <a:lstStyle/>
+          <a:p>
+            <a:r>
+              <a:rPr lang="fr-FR" sz="1400" b="1" dirty="0" smtClean="0"/>
+              <a:t>4aa28ad7869c…</a:t>
+            </a:r>
+            <a:endParaRPr lang="fr-FR" sz="1400" dirty="0"/>
+          </a:p>
+        </p:txBody>
+      </p:sp>
+    </p:spTree>
+    <p:extLst>
+      <p:ext uri="{BB962C8B-B14F-4D97-AF65-F5344CB8AC3E}">
+        <p14:creationId xmlns:p14="http://schemas.microsoft.com/office/powerpoint/2010/main" val="2144756351"/>
+      </p:ext>
+    </p:extLst>
+  </p:cSld>
+  <p:clrMapOvr>
+    <a:masterClrMapping/>
+  </p:clrMapOvr>
+</p:sld>
+</file>
+
+<file path=ppt/slides/slide8.xml><?xml version="1.0" encoding="utf-8"?>
+<p:sld xmlns:a="http://schemas.openxmlformats.org/drawingml/2006/main" xmlns:r="http://schemas.openxmlformats.org/officeDocument/2006/relationships" xmlns:p="http://schemas.openxmlformats.org/presentationml/2006/main">
+  <p:cSld>
+    <p:spTree>
+      <p:nvGrpSpPr>
+        <p:cNvPr id="1" name=""/>
+        <p:cNvGrpSpPr/>
+        <p:nvPr/>
+      </p:nvGrpSpPr>
+      <p:grpSpPr>
+        <a:xfrm>
+          <a:off x="0" y="0"/>
+          <a:ext cx="0" cy="0"/>
+          <a:chOff x="0" y="0"/>
+          <a:chExt cx="0" cy="0"/>
+        </a:xfrm>
+      </p:grpSpPr>
+      <p:sp>
+        <p:nvSpPr>
+          <p:cNvPr id="13" name="Rounded Rectangle 12"/>
+          <p:cNvSpPr/>
+          <p:nvPr/>
+        </p:nvSpPr>
+        <p:spPr>
+          <a:xfrm>
+            <a:off x="762001" y="3124200"/>
+            <a:ext cx="6477000" cy="533400"/>
+          </a:xfrm>
+          <a:prstGeom prst="roundRect">
+            <a:avLst/>
+          </a:prstGeom>
+          <a:solidFill>
+            <a:schemeClr val="bg1">
+              <a:lumMod val="85000"/>
+            </a:schemeClr>
+          </a:solidFill>
+        </p:spPr>
+        <p:style>
+          <a:lnRef idx="2">
+            <a:schemeClr val="accent1">
+              <a:shade val="50000"/>
+            </a:schemeClr>
+          </a:lnRef>
+          <a:fillRef idx="1">
+            <a:schemeClr val="accent1"/>
+          </a:fillRef>
+          <a:effectRef idx="0">
+            <a:schemeClr val="accent1"/>
+          </a:effectRef>
+          <a:fontRef idx="minor">
+            <a:schemeClr val="lt1"/>
+          </a:fontRef>
+        </p:style>
+        <p:txBody>
+          <a:bodyPr rtlCol="0" anchor="ctr"/>
+          <a:lstStyle/>
+          <a:p>
+            <a:pPr algn="ctr"/>
+            <a:endParaRPr lang="fr-FR"/>
+          </a:p>
+        </p:txBody>
+      </p:sp>
+      <p:sp>
+        <p:nvSpPr>
+          <p:cNvPr id="5" name="Slide Number Placeholder 4"/>
+          <p:cNvSpPr>
+            <a:spLocks noGrp="1"/>
+          </p:cNvSpPr>
+          <p:nvPr>
+            <p:ph type="sldNum" sz="quarter" idx="12"/>
+          </p:nvPr>
+        </p:nvSpPr>
+        <p:spPr/>
+        <p:txBody>
+          <a:bodyPr/>
+          <a:lstStyle/>
+          <a:p>
+            <a:fld id="{B6F15528-21DE-4FAA-801E-634DDDAF4B2B}" type="slidenum">
+              <a:rPr lang="en-US" smtClean="0"/>
+              <a:pPr/>
+              <a:t>8</a:t>
+            </a:fld>
+            <a:endParaRPr lang="en-US"/>
+          </a:p>
+        </p:txBody>
+      </p:sp>
+      <p:sp>
+        <p:nvSpPr>
+          <p:cNvPr id="7" name="Rounded Rectangle 6"/>
+          <p:cNvSpPr/>
+          <p:nvPr/>
+        </p:nvSpPr>
+        <p:spPr>
+          <a:xfrm>
+            <a:off x="440039" y="1600200"/>
+            <a:ext cx="7865761" cy="914400"/>
+          </a:xfrm>
+          <a:prstGeom prst="roundRect">
+            <a:avLst/>
+          </a:prstGeom>
+          <a:solidFill>
+            <a:schemeClr val="bg1">
+              <a:lumMod val="85000"/>
+            </a:schemeClr>
+          </a:solidFill>
+        </p:spPr>
+        <p:style>
+          <a:lnRef idx="2">
+            <a:schemeClr val="accent1">
+              <a:shade val="50000"/>
+            </a:schemeClr>
+          </a:lnRef>
+          <a:fillRef idx="1">
+            <a:schemeClr val="accent1"/>
+          </a:fillRef>
+          <a:effectRef idx="0">
+            <a:schemeClr val="accent1"/>
+          </a:effectRef>
+          <a:fontRef idx="minor">
+            <a:schemeClr val="lt1"/>
+          </a:fontRef>
+        </p:style>
+        <p:txBody>
+          <a:bodyPr rtlCol="0" anchor="ctr"/>
+          <a:lstStyle/>
+          <a:p>
+            <a:pPr algn="ctr"/>
+            <a:endParaRPr lang="fr-FR"/>
+          </a:p>
+        </p:txBody>
+      </p:sp>
+      <p:sp>
+        <p:nvSpPr>
+          <p:cNvPr id="8" name="Slide Number Placeholder 4"/>
+          <p:cNvSpPr txBox="1">
+            <a:spLocks/>
+          </p:cNvSpPr>
+          <p:nvPr/>
+        </p:nvSpPr>
+        <p:spPr>
+          <a:xfrm>
+            <a:off x="8174736" y="2272"/>
+            <a:ext cx="762000" cy="365760"/>
+          </a:xfrm>
+          <a:prstGeom prst="rect">
+            <a:avLst/>
+          </a:prstGeom>
+        </p:spPr>
+        <p:txBody>
+          <a:bodyPr vert="horz" anchor="b"/>
+          <a:lstStyle>
+            <a:defPPr>
+              <a:defRPr lang="en-US"/>
+            </a:defPPr>
+            <a:lvl1pPr marL="0" algn="r" defTabSz="914400" rtl="0" eaLnBrk="1" latinLnBrk="0" hangingPunct="1">
+              <a:defRPr kumimoji="0" sz="1800" kern="1200">
+                <a:solidFill>
+                  <a:srgbClr val="FFFFFF"/>
+                </a:solidFill>
+                <a:latin typeface="+mn-lt"/>
+                <a:ea typeface="+mn-ea"/>
+                <a:cs typeface="+mn-cs"/>
+              </a:defRPr>
+            </a:lvl1pPr>
+            <a:lvl2pPr marL="457200" algn="l" defTabSz="914400" rtl="0" eaLnBrk="1" latinLnBrk="0" hangingPunct="1">
+              <a:defRPr sz="1800" kern="1200">
+                <a:solidFill>
+                  <a:schemeClr val="tx1"/>
+                </a:solidFill>
+                <a:latin typeface="+mn-lt"/>
+                <a:ea typeface="+mn-ea"/>
+                <a:cs typeface="+mn-cs"/>
+              </a:defRPr>
+            </a:lvl2pPr>
+            <a:lvl3pPr marL="914400" algn="l" defTabSz="914400" rtl="0" eaLnBrk="1" latinLnBrk="0" hangingPunct="1">
+              <a:defRPr sz="1800" kern="1200">
+                <a:solidFill>
+                  <a:schemeClr val="tx1"/>
+                </a:solidFill>
+                <a:latin typeface="+mn-lt"/>
+                <a:ea typeface="+mn-ea"/>
+                <a:cs typeface="+mn-cs"/>
+              </a:defRPr>
+            </a:lvl3pPr>
+            <a:lvl4pPr marL="1371600" algn="l" defTabSz="914400" rtl="0" eaLnBrk="1" latinLnBrk="0" hangingPunct="1">
+              <a:defRPr sz="1800" kern="1200">
+                <a:solidFill>
+                  <a:schemeClr val="tx1"/>
+                </a:solidFill>
+                <a:latin typeface="+mn-lt"/>
+                <a:ea typeface="+mn-ea"/>
+                <a:cs typeface="+mn-cs"/>
+              </a:defRPr>
+            </a:lvl4pPr>
+            <a:lvl5pPr marL="1828800" algn="l" defTabSz="914400" rtl="0" eaLnBrk="1" latinLnBrk="0" hangingPunct="1">
+              <a:defRPr sz="1800" kern="1200">
+                <a:solidFill>
+                  <a:schemeClr val="tx1"/>
+                </a:solidFill>
+                <a:latin typeface="+mn-lt"/>
+                <a:ea typeface="+mn-ea"/>
+                <a:cs typeface="+mn-cs"/>
+              </a:defRPr>
+            </a:lvl5pPr>
+            <a:lvl6pPr marL="2286000" algn="l" defTabSz="914400" rtl="0" eaLnBrk="1" latinLnBrk="0" hangingPunct="1">
+              <a:defRPr sz="1800" kern="1200">
+                <a:solidFill>
+                  <a:schemeClr val="tx1"/>
+                </a:solidFill>
+                <a:latin typeface="+mn-lt"/>
+                <a:ea typeface="+mn-ea"/>
+                <a:cs typeface="+mn-cs"/>
+              </a:defRPr>
+            </a:lvl6pPr>
+            <a:lvl7pPr marL="2743200" algn="l" defTabSz="914400" rtl="0" eaLnBrk="1" latinLnBrk="0" hangingPunct="1">
+              <a:defRPr sz="1800" kern="1200">
+                <a:solidFill>
+                  <a:schemeClr val="tx1"/>
+                </a:solidFill>
+                <a:latin typeface="+mn-lt"/>
+                <a:ea typeface="+mn-ea"/>
+                <a:cs typeface="+mn-cs"/>
+              </a:defRPr>
+            </a:lvl7pPr>
+            <a:lvl8pPr marL="3200400" algn="l" defTabSz="914400" rtl="0" eaLnBrk="1" latinLnBrk="0" hangingPunct="1">
+              <a:defRPr sz="1800" kern="1200">
+                <a:solidFill>
+                  <a:schemeClr val="tx1"/>
+                </a:solidFill>
+                <a:latin typeface="+mn-lt"/>
+                <a:ea typeface="+mn-ea"/>
+                <a:cs typeface="+mn-cs"/>
+              </a:defRPr>
+            </a:lvl8pPr>
+            <a:lvl9pPr marL="3657600" algn="l" defTabSz="914400" rtl="0" eaLnBrk="1" latinLnBrk="0" hangingPunct="1">
+              <a:defRPr sz="1800" kern="1200">
+                <a:solidFill>
+                  <a:schemeClr val="tx1"/>
+                </a:solidFill>
+                <a:latin typeface="+mn-lt"/>
+                <a:ea typeface="+mn-ea"/>
+                <a:cs typeface="+mn-cs"/>
+              </a:defRPr>
+            </a:lvl9pPr>
+          </a:lstStyle>
+          <a:p>
+            <a:fld id="{B6F15528-21DE-4FAA-801E-634DDDAF4B2B}" type="slidenum">
+              <a:rPr lang="en-US" smtClean="0"/>
+              <a:pPr/>
+              <a:t>8</a:t>
+            </a:fld>
+            <a:endParaRPr lang="en-US"/>
+          </a:p>
+        </p:txBody>
+      </p:sp>
+      <p:sp>
+        <p:nvSpPr>
+          <p:cNvPr id="9" name="Footer Placeholder 9"/>
+          <p:cNvSpPr txBox="1">
+            <a:spLocks/>
+          </p:cNvSpPr>
+          <p:nvPr/>
+        </p:nvSpPr>
+        <p:spPr>
+          <a:xfrm>
+            <a:off x="0" y="6547338"/>
+            <a:ext cx="9144000" cy="310662"/>
+          </a:xfrm>
+          <a:prstGeom prst="rect">
+            <a:avLst/>
+          </a:prstGeom>
+          <a:solidFill>
+            <a:srgbClr val="438086"/>
+          </a:solidFill>
+        </p:spPr>
+        <p:txBody>
+          <a:bodyPr vert="horz"/>
+          <a:lstStyle>
+            <a:defPPr>
+              <a:defRPr lang="en-US"/>
+            </a:defPPr>
+            <a:lvl1pPr marL="0" algn="r" defTabSz="914400" rtl="0" eaLnBrk="1" latinLnBrk="0" hangingPunct="1">
+              <a:defRPr kumimoji="0" sz="800" kern="1200">
+                <a:solidFill>
+                  <a:schemeClr val="accent2"/>
+                </a:solidFill>
+                <a:latin typeface="+mn-lt"/>
+                <a:ea typeface="+mn-ea"/>
+                <a:cs typeface="+mn-cs"/>
+              </a:defRPr>
+            </a:lvl1pPr>
+            <a:lvl2pPr marL="457200" algn="l" defTabSz="914400" rtl="0" eaLnBrk="1" latinLnBrk="0" hangingPunct="1">
+              <a:defRPr sz="1800" kern="1200">
+                <a:solidFill>
+                  <a:schemeClr val="tx1"/>
+                </a:solidFill>
+                <a:latin typeface="+mn-lt"/>
+                <a:ea typeface="+mn-ea"/>
+                <a:cs typeface="+mn-cs"/>
+              </a:defRPr>
+            </a:lvl2pPr>
+            <a:lvl3pPr marL="914400" algn="l" defTabSz="914400" rtl="0" eaLnBrk="1" latinLnBrk="0" hangingPunct="1">
+              <a:defRPr sz="1800" kern="1200">
+                <a:solidFill>
+                  <a:schemeClr val="tx1"/>
+                </a:solidFill>
+                <a:latin typeface="+mn-lt"/>
+                <a:ea typeface="+mn-ea"/>
+                <a:cs typeface="+mn-cs"/>
+              </a:defRPr>
+            </a:lvl3pPr>
+            <a:lvl4pPr marL="1371600" algn="l" defTabSz="914400" rtl="0" eaLnBrk="1" latinLnBrk="0" hangingPunct="1">
+              <a:defRPr sz="1800" kern="1200">
+                <a:solidFill>
+                  <a:schemeClr val="tx1"/>
+                </a:solidFill>
+                <a:latin typeface="+mn-lt"/>
+                <a:ea typeface="+mn-ea"/>
+                <a:cs typeface="+mn-cs"/>
+              </a:defRPr>
+            </a:lvl4pPr>
+            <a:lvl5pPr marL="1828800" algn="l" defTabSz="914400" rtl="0" eaLnBrk="1" latinLnBrk="0" hangingPunct="1">
+              <a:defRPr sz="1800" kern="1200">
+                <a:solidFill>
+                  <a:schemeClr val="tx1"/>
+                </a:solidFill>
+                <a:latin typeface="+mn-lt"/>
+                <a:ea typeface="+mn-ea"/>
+                <a:cs typeface="+mn-cs"/>
+              </a:defRPr>
+            </a:lvl5pPr>
+            <a:lvl6pPr marL="2286000" algn="l" defTabSz="914400" rtl="0" eaLnBrk="1" latinLnBrk="0" hangingPunct="1">
+              <a:defRPr sz="1800" kern="1200">
+                <a:solidFill>
+                  <a:schemeClr val="tx1"/>
+                </a:solidFill>
+                <a:latin typeface="+mn-lt"/>
+                <a:ea typeface="+mn-ea"/>
+                <a:cs typeface="+mn-cs"/>
+              </a:defRPr>
+            </a:lvl6pPr>
+            <a:lvl7pPr marL="2743200" algn="l" defTabSz="914400" rtl="0" eaLnBrk="1" latinLnBrk="0" hangingPunct="1">
+              <a:defRPr sz="1800" kern="1200">
+                <a:solidFill>
+                  <a:schemeClr val="tx1"/>
+                </a:solidFill>
+                <a:latin typeface="+mn-lt"/>
+                <a:ea typeface="+mn-ea"/>
+                <a:cs typeface="+mn-cs"/>
+              </a:defRPr>
+            </a:lvl7pPr>
+            <a:lvl8pPr marL="3200400" algn="l" defTabSz="914400" rtl="0" eaLnBrk="1" latinLnBrk="0" hangingPunct="1">
+              <a:defRPr sz="1800" kern="1200">
+                <a:solidFill>
+                  <a:schemeClr val="tx1"/>
+                </a:solidFill>
+                <a:latin typeface="+mn-lt"/>
+                <a:ea typeface="+mn-ea"/>
+                <a:cs typeface="+mn-cs"/>
+              </a:defRPr>
+            </a:lvl8pPr>
+            <a:lvl9pPr marL="3657600" algn="l" defTabSz="914400" rtl="0" eaLnBrk="1" latinLnBrk="0" hangingPunct="1">
+              <a:defRPr sz="1800" kern="1200">
+                <a:solidFill>
+                  <a:schemeClr val="tx1"/>
+                </a:solidFill>
+                <a:latin typeface="+mn-lt"/>
+                <a:ea typeface="+mn-ea"/>
+                <a:cs typeface="+mn-cs"/>
+              </a:defRPr>
+            </a:lvl9pPr>
+          </a:lstStyle>
+          <a:p>
+            <a:r>
+              <a:rPr lang="fr-FR" sz="1400" smtClean="0">
+                <a:solidFill>
+                  <a:schemeClr val="bg1"/>
+                </a:solidFill>
+              </a:rPr>
+              <a:t>Ambitions professionnelles : comment préserver la motivation</a:t>
+            </a:r>
+            <a:endParaRPr lang="en-US" sz="1400" dirty="0">
+              <a:solidFill>
+                <a:schemeClr val="bg1"/>
+              </a:solidFill>
+            </a:endParaRPr>
+          </a:p>
+        </p:txBody>
+      </p:sp>
+      <p:pic>
+        <p:nvPicPr>
+          <p:cNvPr id="10" name="Picture 9"/>
+          <p:cNvPicPr>
+            <a:picLocks noChangeAspect="1"/>
+          </p:cNvPicPr>
+          <p:nvPr/>
+        </p:nvPicPr>
+        <p:blipFill>
+          <a:blip r:embed="rId2" cstate="print">
+            <a:extLst>
+              <a:ext uri="{28A0092B-C50C-407E-A947-70E740481C1C}">
+                <a14:useLocalDpi xmlns:a14="http://schemas.microsoft.com/office/drawing/2010/main" val="0"/>
+              </a:ext>
+            </a:extLst>
+          </a:blip>
+          <a:stretch>
+            <a:fillRect/>
+          </a:stretch>
+        </p:blipFill>
+        <p:spPr>
+          <a:xfrm>
+            <a:off x="-2" y="6552027"/>
+            <a:ext cx="884773" cy="305973"/>
+          </a:xfrm>
+          <a:prstGeom prst="rect">
+            <a:avLst/>
+          </a:prstGeom>
+        </p:spPr>
+      </p:pic>
+      <p:sp>
+        <p:nvSpPr>
+          <p:cNvPr id="11" name="TextBox 10"/>
+          <p:cNvSpPr txBox="1"/>
+          <p:nvPr/>
+        </p:nvSpPr>
+        <p:spPr>
+          <a:xfrm>
+            <a:off x="0" y="0"/>
+            <a:ext cx="5257800" cy="338554"/>
+          </a:xfrm>
+          <a:prstGeom prst="rect">
+            <a:avLst/>
+          </a:prstGeom>
+          <a:noFill/>
+        </p:spPr>
+        <p:txBody>
+          <a:bodyPr wrap="square" rtlCol="0">
+            <a:spAutoFit/>
+          </a:bodyPr>
+          <a:lstStyle/>
+          <a:p>
+            <a:r>
+              <a:rPr lang="fr-FR" sz="1600" dirty="0" smtClean="0">
+                <a:solidFill>
+                  <a:schemeClr val="bg1"/>
+                </a:solidFill>
+              </a:rPr>
+              <a:t>2. Les </a:t>
+            </a:r>
+            <a:r>
+              <a:rPr lang="fr-FR" sz="1600" dirty="0">
+                <a:solidFill>
+                  <a:schemeClr val="bg1"/>
+                </a:solidFill>
+              </a:rPr>
+              <a:t>facteurs d’influence sur ma motivation</a:t>
+            </a:r>
+          </a:p>
+        </p:txBody>
+      </p:sp>
+      <p:sp>
+        <p:nvSpPr>
+          <p:cNvPr id="12" name="Content Placeholder 2"/>
+          <p:cNvSpPr>
+            <a:spLocks noGrp="1"/>
+          </p:cNvSpPr>
+          <p:nvPr>
+            <p:ph idx="1"/>
+          </p:nvPr>
+        </p:nvSpPr>
+        <p:spPr>
+          <a:xfrm>
+            <a:off x="381000" y="1066800"/>
+            <a:ext cx="8229600" cy="4648200"/>
+          </a:xfrm>
+        </p:spPr>
+        <p:txBody>
+          <a:bodyPr>
+            <a:normAutofit/>
+          </a:bodyPr>
+          <a:lstStyle/>
+          <a:p>
+            <a:pPr marL="624078" lvl="0" indent="-514350">
+              <a:lnSpc>
+                <a:spcPct val="150000"/>
+              </a:lnSpc>
+              <a:buClr>
+                <a:srgbClr val="438086"/>
+              </a:buClr>
+              <a:buFont typeface="+mj-lt"/>
+              <a:buAutoNum type="arabicPeriod"/>
+            </a:pPr>
+            <a:r>
+              <a:rPr lang="fr-FR" sz="2400" dirty="0"/>
+              <a:t>L’introduction</a:t>
+            </a:r>
+          </a:p>
+          <a:p>
+            <a:pPr marL="624078" lvl="0" indent="-514350">
+              <a:buClr>
+                <a:srgbClr val="438086"/>
+              </a:buClr>
+              <a:buFont typeface="+mj-lt"/>
+              <a:buAutoNum type="arabicPeriod"/>
+            </a:pPr>
+            <a:r>
+              <a:rPr lang="fr-FR" sz="2400" dirty="0"/>
+              <a:t>Les facteurs d’influence sur ma motivation dans mes tâches professionnelles :</a:t>
+            </a:r>
+          </a:p>
+          <a:p>
+            <a:pPr marL="916686" lvl="1" indent="-514350">
+              <a:lnSpc>
+                <a:spcPct val="150000"/>
+              </a:lnSpc>
+              <a:buClr>
+                <a:srgbClr val="438086"/>
+              </a:buClr>
+              <a:buFont typeface="+mj-lt"/>
+              <a:buAutoNum type="alphaLcParenR"/>
+            </a:pPr>
+            <a:r>
+              <a:rPr lang="fr-FR" sz="2400" dirty="0">
+                <a:solidFill>
+                  <a:schemeClr val="tx1"/>
+                </a:solidFill>
+              </a:rPr>
+              <a:t>La détermination </a:t>
+            </a:r>
+            <a:r>
+              <a:rPr lang="fr-FR" sz="2400" dirty="0" smtClean="0">
+                <a:solidFill>
+                  <a:schemeClr val="tx1"/>
+                </a:solidFill>
+              </a:rPr>
+              <a:t>d’origine </a:t>
+            </a:r>
+            <a:r>
+              <a:rPr lang="fr-FR" sz="2400" dirty="0">
+                <a:solidFill>
+                  <a:schemeClr val="tx1"/>
+                </a:solidFill>
+              </a:rPr>
+              <a:t>réelle d’un problème</a:t>
+            </a:r>
+          </a:p>
+          <a:p>
+            <a:pPr marL="916686" lvl="1" indent="-514350">
+              <a:lnSpc>
+                <a:spcPct val="150000"/>
+              </a:lnSpc>
+              <a:buClr>
+                <a:srgbClr val="438086"/>
+              </a:buClr>
+              <a:buFont typeface="+mj-lt"/>
+              <a:buAutoNum type="alphaLcParenR"/>
+            </a:pPr>
+            <a:r>
+              <a:rPr lang="fr-FR" sz="2400" dirty="0">
+                <a:solidFill>
+                  <a:schemeClr val="tx1"/>
+                </a:solidFill>
+              </a:rPr>
+              <a:t>Une grande variété des solutions possibles</a:t>
+            </a:r>
+          </a:p>
+          <a:p>
+            <a:pPr marL="916686" lvl="1" indent="-514350">
+              <a:lnSpc>
+                <a:spcPct val="150000"/>
+              </a:lnSpc>
+              <a:buClr>
+                <a:srgbClr val="438086"/>
+              </a:buClr>
+              <a:buFont typeface="+mj-lt"/>
+              <a:buAutoNum type="alphaLcParenR"/>
+            </a:pPr>
+            <a:r>
+              <a:rPr lang="fr-FR" sz="2400" dirty="0">
+                <a:solidFill>
+                  <a:schemeClr val="tx1"/>
+                </a:solidFill>
+              </a:rPr>
+              <a:t>Un problème de complexité élevée</a:t>
+            </a:r>
+          </a:p>
+          <a:p>
+            <a:pPr marL="916686" lvl="1" indent="-514350">
+              <a:lnSpc>
+                <a:spcPct val="150000"/>
+              </a:lnSpc>
+              <a:buClr>
+                <a:srgbClr val="438086"/>
+              </a:buClr>
+              <a:buFont typeface="+mj-lt"/>
+              <a:buAutoNum type="alphaLcParenR"/>
+            </a:pPr>
+            <a:r>
+              <a:rPr lang="fr-FR" sz="2400" dirty="0">
+                <a:solidFill>
+                  <a:schemeClr val="tx1"/>
+                </a:solidFill>
+              </a:rPr>
+              <a:t>La situation de réussite</a:t>
+            </a:r>
+          </a:p>
+          <a:p>
+            <a:pPr marL="566928" lvl="0" indent="-457200">
+              <a:lnSpc>
+                <a:spcPct val="150000"/>
+              </a:lnSpc>
+              <a:buClr>
+                <a:srgbClr val="438086"/>
+              </a:buClr>
+              <a:buFont typeface="+mj-lt"/>
+              <a:buAutoNum type="arabicPeriod"/>
+            </a:pPr>
+            <a:r>
+              <a:rPr lang="fr-FR" sz="2400" dirty="0"/>
+              <a:t>La conclusion</a:t>
+            </a:r>
+            <a:r>
+              <a:rPr lang="fr-FR" sz="2400" dirty="0" smtClean="0"/>
+              <a:t>.</a:t>
+            </a:r>
+          </a:p>
+        </p:txBody>
+      </p:sp>
+    </p:spTree>
+    <p:extLst>
+      <p:ext uri="{BB962C8B-B14F-4D97-AF65-F5344CB8AC3E}">
+        <p14:creationId xmlns:p14="http://schemas.microsoft.com/office/powerpoint/2010/main" val="2321641990"/>
+      </p:ext>
+    </p:extLst>
+  </p:cSld>
+  <p:clrMapOvr>
+    <a:masterClrMapping/>
+  </p:clrMapOvr>
+</p:sld>
+</file>
+
+<file path=ppt/slides/slide9.xml><?xml version="1.0" encoding="utf-8"?>
+<p:sld xmlns:a="http://schemas.openxmlformats.org/drawingml/2006/main" xmlns:r="http://schemas.openxmlformats.org/officeDocument/2006/relationships" xmlns:p="http://schemas.openxmlformats.org/presentationml/2006/main">
+  <p:cSld>
+    <p:spTree>
+      <p:nvGrpSpPr>
+        <p:cNvPr id="1" name=""/>
+        <p:cNvGrpSpPr/>
+        <p:nvPr/>
+      </p:nvGrpSpPr>
+      <p:grpSpPr>
+        <a:xfrm>
+          <a:off x="0" y="0"/>
+          <a:ext cx="0" cy="0"/>
+          <a:chOff x="0" y="0"/>
+          <a:chExt cx="0" cy="0"/>
+        </a:xfrm>
+      </p:grpSpPr>
+      <p:sp>
+        <p:nvSpPr>
+          <p:cNvPr id="3" name="Content Placeholder 2"/>
+          <p:cNvSpPr>
+            <a:spLocks noGrp="1"/>
+          </p:cNvSpPr>
+          <p:nvPr>
+            <p:ph idx="1"/>
+          </p:nvPr>
+        </p:nvSpPr>
+        <p:spPr>
+          <a:xfrm>
+            <a:off x="533400" y="1219200"/>
+            <a:ext cx="8229600" cy="4325112"/>
+          </a:xfrm>
+        </p:spPr>
+        <p:txBody>
+          <a:bodyPr/>
+          <a:lstStyle/>
+          <a:p>
+            <a:pPr marL="109728" indent="0">
+              <a:buNone/>
+            </a:pPr>
+            <a:endParaRPr lang="fr-FR" dirty="0"/>
+          </a:p>
+        </p:txBody>
+      </p:sp>
+      <p:sp>
+        <p:nvSpPr>
+          <p:cNvPr id="5" name="Slide Number Placeholder 4"/>
+          <p:cNvSpPr>
+            <a:spLocks noGrp="1"/>
+          </p:cNvSpPr>
+          <p:nvPr>
+            <p:ph type="sldNum" sz="quarter" idx="12"/>
+          </p:nvPr>
+        </p:nvSpPr>
+        <p:spPr/>
+        <p:txBody>
+          <a:bodyPr/>
+          <a:lstStyle/>
+          <a:p>
+            <a:fld id="{B6F15528-21DE-4FAA-801E-634DDDAF4B2B}" type="slidenum">
+              <a:rPr lang="en-US" smtClean="0"/>
+              <a:pPr/>
+              <a:t>9</a:t>
+            </a:fld>
+            <a:endParaRPr lang="en-US"/>
+          </a:p>
+        </p:txBody>
+      </p:sp>
+      <p:sp>
+        <p:nvSpPr>
+          <p:cNvPr id="6" name="Footer Placeholder 9"/>
+          <p:cNvSpPr txBox="1">
+            <a:spLocks/>
+          </p:cNvSpPr>
+          <p:nvPr/>
+        </p:nvSpPr>
+        <p:spPr>
+          <a:xfrm>
+            <a:off x="0" y="6547338"/>
+            <a:ext cx="9144000" cy="310662"/>
+          </a:xfrm>
+          <a:prstGeom prst="rect">
+            <a:avLst/>
+          </a:prstGeom>
+          <a:solidFill>
+            <a:srgbClr val="438086"/>
+          </a:solidFill>
+        </p:spPr>
+        <p:txBody>
+          <a:bodyPr vert="horz"/>
+          <a:lstStyle>
+            <a:defPPr>
+              <a:defRPr lang="en-US"/>
+            </a:defPPr>
+            <a:lvl1pPr marL="0" algn="r" defTabSz="914400" rtl="0" eaLnBrk="1" latinLnBrk="0" hangingPunct="1">
+              <a:defRPr kumimoji="0" sz="800" kern="1200">
+                <a:solidFill>
+                  <a:schemeClr val="accent2"/>
+                </a:solidFill>
+                <a:latin typeface="+mn-lt"/>
+                <a:ea typeface="+mn-ea"/>
+                <a:cs typeface="+mn-cs"/>
+              </a:defRPr>
+            </a:lvl1pPr>
+            <a:lvl2pPr marL="457200" algn="l" defTabSz="914400" rtl="0" eaLnBrk="1" latinLnBrk="0" hangingPunct="1">
+              <a:defRPr sz="1800" kern="1200">
+                <a:solidFill>
+                  <a:schemeClr val="tx1"/>
+                </a:solidFill>
+                <a:latin typeface="+mn-lt"/>
+                <a:ea typeface="+mn-ea"/>
+                <a:cs typeface="+mn-cs"/>
+              </a:defRPr>
+            </a:lvl2pPr>
+            <a:lvl3pPr marL="914400" algn="l" defTabSz="914400" rtl="0" eaLnBrk="1" latinLnBrk="0" hangingPunct="1">
+              <a:defRPr sz="1800" kern="1200">
+                <a:solidFill>
+                  <a:schemeClr val="tx1"/>
+                </a:solidFill>
+                <a:latin typeface="+mn-lt"/>
+                <a:ea typeface="+mn-ea"/>
+                <a:cs typeface="+mn-cs"/>
+              </a:defRPr>
+            </a:lvl3pPr>
+            <a:lvl4pPr marL="1371600" algn="l" defTabSz="914400" rtl="0" eaLnBrk="1" latinLnBrk="0" hangingPunct="1">
+              <a:defRPr sz="1800" kern="1200">
+                <a:solidFill>
+                  <a:schemeClr val="tx1"/>
+                </a:solidFill>
+                <a:latin typeface="+mn-lt"/>
+                <a:ea typeface="+mn-ea"/>
+                <a:cs typeface="+mn-cs"/>
+              </a:defRPr>
+            </a:lvl4pPr>
+            <a:lvl5pPr marL="1828800" algn="l" defTabSz="914400" rtl="0" eaLnBrk="1" latinLnBrk="0" hangingPunct="1">
+              <a:defRPr sz="1800" kern="1200">
+                <a:solidFill>
+                  <a:schemeClr val="tx1"/>
+                </a:solidFill>
+                <a:latin typeface="+mn-lt"/>
+                <a:ea typeface="+mn-ea"/>
+                <a:cs typeface="+mn-cs"/>
+              </a:defRPr>
+            </a:lvl5pPr>
+            <a:lvl6pPr marL="2286000" algn="l" defTabSz="914400" rtl="0" eaLnBrk="1" latinLnBrk="0" hangingPunct="1">
+              <a:defRPr sz="1800" kern="1200">
+                <a:solidFill>
+                  <a:schemeClr val="tx1"/>
+                </a:solidFill>
+                <a:latin typeface="+mn-lt"/>
+                <a:ea typeface="+mn-ea"/>
+                <a:cs typeface="+mn-cs"/>
+              </a:defRPr>
+            </a:lvl6pPr>
+            <a:lvl7pPr marL="2743200" algn="l" defTabSz="914400" rtl="0" eaLnBrk="1" latinLnBrk="0" hangingPunct="1">
+              <a:defRPr sz="1800" kern="1200">
+                <a:solidFill>
+                  <a:schemeClr val="tx1"/>
+                </a:solidFill>
+                <a:latin typeface="+mn-lt"/>
+                <a:ea typeface="+mn-ea"/>
+                <a:cs typeface="+mn-cs"/>
+              </a:defRPr>
+            </a:lvl7pPr>
+            <a:lvl8pPr marL="3200400" algn="l" defTabSz="914400" rtl="0" eaLnBrk="1" latinLnBrk="0" hangingPunct="1">
+              <a:defRPr sz="1800" kern="1200">
+                <a:solidFill>
+                  <a:schemeClr val="tx1"/>
+                </a:solidFill>
+                <a:latin typeface="+mn-lt"/>
+                <a:ea typeface="+mn-ea"/>
+                <a:cs typeface="+mn-cs"/>
+              </a:defRPr>
+            </a:lvl8pPr>
+            <a:lvl9pPr marL="3657600" algn="l" defTabSz="914400" rtl="0" eaLnBrk="1" latinLnBrk="0" hangingPunct="1">
+              <a:defRPr sz="1800" kern="1200">
+                <a:solidFill>
+                  <a:schemeClr val="tx1"/>
+                </a:solidFill>
+                <a:latin typeface="+mn-lt"/>
+                <a:ea typeface="+mn-ea"/>
+                <a:cs typeface="+mn-cs"/>
+              </a:defRPr>
+            </a:lvl9pPr>
+          </a:lstStyle>
+          <a:p>
+            <a:r>
+              <a:rPr lang="fr-FR" sz="1400" smtClean="0">
+                <a:solidFill>
+                  <a:schemeClr val="bg1"/>
+                </a:solidFill>
+              </a:rPr>
+              <a:t>Ambitions professionnelles : comment préserver la motivation</a:t>
+            </a:r>
+            <a:endParaRPr lang="en-US" sz="1400" dirty="0">
+              <a:solidFill>
+                <a:schemeClr val="bg1"/>
+              </a:solidFill>
+            </a:endParaRPr>
+          </a:p>
+        </p:txBody>
+      </p:sp>
+      <p:pic>
+        <p:nvPicPr>
+          <p:cNvPr id="7" name="Picture 6"/>
+          <p:cNvPicPr>
+            <a:picLocks noChangeAspect="1"/>
+          </p:cNvPicPr>
+          <p:nvPr/>
+        </p:nvPicPr>
+        <p:blipFill>
+          <a:blip r:embed="rId2" cstate="print">
+            <a:extLst>
+              <a:ext uri="{28A0092B-C50C-407E-A947-70E740481C1C}">
+                <a14:useLocalDpi xmlns:a14="http://schemas.microsoft.com/office/drawing/2010/main" val="0"/>
+              </a:ext>
+            </a:extLst>
+          </a:blip>
+          <a:stretch>
+            <a:fillRect/>
+          </a:stretch>
+        </p:blipFill>
+        <p:spPr>
+          <a:xfrm>
+            <a:off x="-2" y="6552027"/>
+            <a:ext cx="884773" cy="305973"/>
+          </a:xfrm>
+          <a:prstGeom prst="rect">
+            <a:avLst/>
+          </a:prstGeom>
+        </p:spPr>
+      </p:pic>
+      <p:sp>
+        <p:nvSpPr>
+          <p:cNvPr id="8" name="TextBox 7"/>
+          <p:cNvSpPr txBox="1"/>
+          <p:nvPr/>
+        </p:nvSpPr>
+        <p:spPr>
+          <a:xfrm>
+            <a:off x="0" y="0"/>
+            <a:ext cx="5257800" cy="338554"/>
+          </a:xfrm>
+          <a:prstGeom prst="rect">
+            <a:avLst/>
+          </a:prstGeom>
+          <a:noFill/>
+        </p:spPr>
+        <p:txBody>
+          <a:bodyPr wrap="square" rtlCol="0">
+            <a:spAutoFit/>
+          </a:bodyPr>
+          <a:lstStyle/>
+          <a:p>
+            <a:r>
+              <a:rPr lang="fr-FR" sz="1600" dirty="0">
+                <a:solidFill>
+                  <a:schemeClr val="bg1"/>
+                </a:solidFill>
+              </a:rPr>
+              <a:t>2. </a:t>
+            </a:r>
+            <a:r>
+              <a:rPr lang="fr-FR" sz="1600" dirty="0" smtClean="0">
+                <a:solidFill>
+                  <a:schemeClr val="bg1"/>
+                </a:solidFill>
+              </a:rPr>
+              <a:t>b) </a:t>
+            </a:r>
+            <a:r>
+              <a:rPr lang="fr-FR" sz="1600" dirty="0">
+                <a:solidFill>
+                  <a:schemeClr val="bg1"/>
+                </a:solidFill>
+              </a:rPr>
+              <a:t>Une grande variété des solutions </a:t>
+            </a:r>
+            <a:r>
+              <a:rPr lang="fr-FR" sz="1600" dirty="0" smtClean="0">
+                <a:solidFill>
+                  <a:schemeClr val="bg1"/>
+                </a:solidFill>
+              </a:rPr>
+              <a:t>possibles</a:t>
+            </a:r>
+            <a:endParaRPr lang="fr-FR" sz="1600" dirty="0">
+              <a:solidFill>
+                <a:schemeClr val="bg1"/>
+              </a:solidFill>
+            </a:endParaRPr>
+          </a:p>
+        </p:txBody>
+      </p:sp>
+    </p:spTree>
+    <p:extLst>
+      <p:ext uri="{BB962C8B-B14F-4D97-AF65-F5344CB8AC3E}">
+        <p14:creationId xmlns:p14="http://schemas.microsoft.com/office/powerpoint/2010/main" val="3020090606"/>
+      </p:ext>
+    </p:extLst>
+  </p:cSld>
+  <p:clrMapOvr>
+    <a:masterClrMapping/>
+  </p:clrMapOvr>
 </p:sld>
 </file>
 

--- a/Soutenance.pptx
+++ b/Soutenance.pptx
@@ -5,10 +5,10 @@
     <p:sldMasterId id="2147484428" r:id="rId1"/>
   </p:sldMasterIdLst>
   <p:notesMasterIdLst>
-    <p:notesMasterId r:id="rId12"/>
+    <p:notesMasterId r:id="rId16"/>
   </p:notesMasterIdLst>
   <p:handoutMasterIdLst>
-    <p:handoutMasterId r:id="rId13"/>
+    <p:handoutMasterId r:id="rId17"/>
   </p:handoutMasterIdLst>
   <p:sldIdLst>
     <p:sldId id="256" r:id="rId2"/>
@@ -21,6 +21,10 @@
     <p:sldId id="263" r:id="rId9"/>
     <p:sldId id="264" r:id="rId10"/>
     <p:sldId id="265" r:id="rId11"/>
+    <p:sldId id="266" r:id="rId12"/>
+    <p:sldId id="267" r:id="rId13"/>
+    <p:sldId id="268" r:id="rId14"/>
+    <p:sldId id="269" r:id="rId15"/>
   </p:sldIdLst>
   <p:sldSz cx="9144000" cy="6858000" type="screen4x3"/>
   <p:notesSz cx="6858000" cy="9144000"/>
@@ -122,6 +126,3491 @@
 </p:presentation>
 </file>
 
+<file path=ppt/diagrams/colors1.xml><?xml version="1.0" encoding="utf-8"?>
+<dgm:colorsDef xmlns:dgm="http://schemas.openxmlformats.org/drawingml/2006/diagram" xmlns:a="http://schemas.openxmlformats.org/drawingml/2006/main" uniqueId="urn:microsoft.com/office/officeart/2005/8/colors/accent1_2">
+  <dgm:title val=""/>
+  <dgm:desc val=""/>
+  <dgm:catLst>
+    <dgm:cat type="accent1" pri="11200"/>
+  </dgm:catLst>
+  <dgm:styleLbl name="node0">
+    <dgm:fillClrLst meth="repeat">
+      <a:schemeClr val="accent1"/>
+    </dgm:fillClrLst>
+    <dgm:linClrLst meth="repeat">
+      <a:schemeClr val="lt1"/>
+    </dgm:linClrLst>
+    <dgm:effectClrLst/>
+    <dgm:txLinClrLst/>
+    <dgm:txFillClrLst/>
+    <dgm:txEffectClrLst/>
+  </dgm:styleLbl>
+  <dgm:styleLbl name="alignNode1">
+    <dgm:fillClrLst meth="repeat">
+      <a:schemeClr val="accent1"/>
+    </dgm:fillClrLst>
+    <dgm:linClrLst meth="repeat">
+      <a:schemeClr val="accent1"/>
+    </dgm:linClrLst>
+    <dgm:effectClrLst/>
+    <dgm:txLinClrLst/>
+    <dgm:txFillClrLst/>
+    <dgm:txEffectClrLst/>
+  </dgm:styleLbl>
+  <dgm:styleLbl name="node1">
+    <dgm:fillClrLst meth="repeat">
+      <a:schemeClr val="accent1"/>
+    </dgm:fillClrLst>
+    <dgm:linClrLst meth="repeat">
+      <a:schemeClr val="lt1"/>
+    </dgm:linClrLst>
+    <dgm:effectClrLst/>
+    <dgm:txLinClrLst/>
+    <dgm:txFillClrLst/>
+    <dgm:txEffectClrLst/>
+  </dgm:styleLbl>
+  <dgm:styleLbl name="lnNode1">
+    <dgm:fillClrLst meth="repeat">
+      <a:schemeClr val="accent1"/>
+    </dgm:fillClrLst>
+    <dgm:linClrLst meth="repeat">
+      <a:schemeClr val="lt1"/>
+    </dgm:linClrLst>
+    <dgm:effectClrLst/>
+    <dgm:txLinClrLst/>
+    <dgm:txFillClrLst/>
+    <dgm:txEffectClrLst/>
+  </dgm:styleLbl>
+  <dgm:styleLbl name="vennNode1">
+    <dgm:fillClrLst meth="repeat">
+      <a:schemeClr val="accent1">
+        <a:alpha val="50000"/>
+      </a:schemeClr>
+    </dgm:fillClrLst>
+    <dgm:linClrLst meth="repeat">
+      <a:schemeClr val="lt1"/>
+    </dgm:linClrLst>
+    <dgm:effectClrLst/>
+    <dgm:txLinClrLst/>
+    <dgm:txFillClrLst/>
+    <dgm:txEffectClrLst/>
+  </dgm:styleLbl>
+  <dgm:styleLbl name="node2">
+    <dgm:fillClrLst meth="repeat">
+      <a:schemeClr val="accent1"/>
+    </dgm:fillClrLst>
+    <dgm:linClrLst meth="repeat">
+      <a:schemeClr val="lt1"/>
+    </dgm:linClrLst>
+    <dgm:effectClrLst/>
+    <dgm:txLinClrLst/>
+    <dgm:txFillClrLst/>
+    <dgm:txEffectClrLst/>
+  </dgm:styleLbl>
+  <dgm:styleLbl name="node3">
+    <dgm:fillClrLst meth="repeat">
+      <a:schemeClr val="accent1"/>
+    </dgm:fillClrLst>
+    <dgm:linClrLst meth="repeat">
+      <a:schemeClr val="lt1"/>
+    </dgm:linClrLst>
+    <dgm:effectClrLst/>
+    <dgm:txLinClrLst/>
+    <dgm:txFillClrLst/>
+    <dgm:txEffectClrLst/>
+  </dgm:styleLbl>
+  <dgm:styleLbl name="node4">
+    <dgm:fillClrLst meth="repeat">
+      <a:schemeClr val="accent1"/>
+    </dgm:fillClrLst>
+    <dgm:linClrLst meth="repeat">
+      <a:schemeClr val="lt1"/>
+    </dgm:linClrLst>
+    <dgm:effectClrLst/>
+    <dgm:txLinClrLst/>
+    <dgm:txFillClrLst/>
+    <dgm:txEffectClrLst/>
+  </dgm:styleLbl>
+  <dgm:styleLbl name="fgImgPlace1">
+    <dgm:fillClrLst meth="repeat">
+      <a:schemeClr val="accent1">
+        <a:tint val="50000"/>
+      </a:schemeClr>
+    </dgm:fillClrLst>
+    <dgm:linClrLst meth="repeat">
+      <a:schemeClr val="lt1"/>
+    </dgm:linClrLst>
+    <dgm:effectClrLst/>
+    <dgm:txLinClrLst/>
+    <dgm:txFillClrLst meth="repeat">
+      <a:schemeClr val="lt1"/>
+    </dgm:txFillClrLst>
+    <dgm:txEffectClrLst/>
+  </dgm:styleLbl>
+  <dgm:styleLbl name="alignImgPlace1">
+    <dgm:fillClrLst meth="repeat">
+      <a:schemeClr val="accent1">
+        <a:tint val="50000"/>
+      </a:schemeClr>
+    </dgm:fillClrLst>
+    <dgm:linClrLst meth="repeat">
+      <a:schemeClr val="lt1"/>
+    </dgm:linClrLst>
+    <dgm:effectClrLst/>
+    <dgm:txLinClrLst/>
+    <dgm:txFillClrLst meth="repeat">
+      <a:schemeClr val="lt1"/>
+    </dgm:txFillClrLst>
+    <dgm:txEffectClrLst/>
+  </dgm:styleLbl>
+  <dgm:styleLbl name="bgImgPlace1">
+    <dgm:fillClrLst meth="repeat">
+      <a:schemeClr val="accent1">
+        <a:tint val="50000"/>
+      </a:schemeClr>
+    </dgm:fillClrLst>
+    <dgm:linClrLst meth="repeat">
+      <a:schemeClr val="lt1"/>
+    </dgm:linClrLst>
+    <dgm:effectClrLst/>
+    <dgm:txLinClrLst/>
+    <dgm:txFillClrLst meth="repeat">
+      <a:schemeClr val="lt1"/>
+    </dgm:txFillClrLst>
+    <dgm:txEffectClrLst/>
+  </dgm:styleLbl>
+  <dgm:styleLbl name="sibTrans2D1">
+    <dgm:fillClrLst meth="repeat">
+      <a:schemeClr val="accent1">
+        <a:tint val="60000"/>
+      </a:schemeClr>
+    </dgm:fillClrLst>
+    <dgm:linClrLst meth="repeat">
+      <a:schemeClr val="accent1">
+        <a:tint val="60000"/>
+      </a:schemeClr>
+    </dgm:linClrLst>
+    <dgm:effectClrLst/>
+    <dgm:txLinClrLst/>
+    <dgm:txFillClrLst/>
+    <dgm:txEffectClrLst/>
+  </dgm:styleLbl>
+  <dgm:styleLbl name="fgSibTrans2D1">
+    <dgm:fillClrLst meth="repeat">
+      <a:schemeClr val="accent1">
+        <a:tint val="60000"/>
+      </a:schemeClr>
+    </dgm:fillClrLst>
+    <dgm:linClrLst meth="repeat">
+      <a:schemeClr val="accent1">
+        <a:tint val="60000"/>
+      </a:schemeClr>
+    </dgm:linClrLst>
+    <dgm:effectClrLst/>
+    <dgm:txLinClrLst/>
+    <dgm:txFillClrLst/>
+    <dgm:txEffectClrLst/>
+  </dgm:styleLbl>
+  <dgm:styleLbl name="bgSibTrans2D1">
+    <dgm:fillClrLst meth="repeat">
+      <a:schemeClr val="accent1">
+        <a:tint val="60000"/>
+      </a:schemeClr>
+    </dgm:fillClrLst>
+    <dgm:linClrLst meth="repeat">
+      <a:schemeClr val="accent1">
+        <a:tint val="60000"/>
+      </a:schemeClr>
+    </dgm:linClrLst>
+    <dgm:effectClrLst/>
+    <dgm:txLinClrLst/>
+    <dgm:txFillClrLst/>
+    <dgm:txEffectClrLst/>
+  </dgm:styleLbl>
+  <dgm:styleLbl name="sibTrans1D1">
+    <dgm:fillClrLst meth="repeat">
+      <a:schemeClr val="accent1"/>
+    </dgm:fillClrLst>
+    <dgm:linClrLst meth="repeat">
+      <a:schemeClr val="accent1"/>
+    </dgm:linClrLst>
+    <dgm:effectClrLst/>
+    <dgm:txLinClrLst/>
+    <dgm:txFillClrLst meth="repeat">
+      <a:schemeClr val="tx1"/>
+    </dgm:txFillClrLst>
+    <dgm:txEffectClrLst/>
+  </dgm:styleLbl>
+  <dgm:styleLbl name="callout">
+    <dgm:fillClrLst meth="repeat">
+      <a:schemeClr val="accent1"/>
+    </dgm:fillClrLst>
+    <dgm:linClrLst meth="repeat">
+      <a:schemeClr val="accent1">
+        <a:tint val="50000"/>
+      </a:schemeClr>
+    </dgm:linClrLst>
+    <dgm:effectClrLst/>
+    <dgm:txLinClrLst/>
+    <dgm:txFillClrLst meth="repeat">
+      <a:schemeClr val="tx1"/>
+    </dgm:txFillClrLst>
+    <dgm:txEffectClrLst/>
+  </dgm:styleLbl>
+  <dgm:styleLbl name="asst0">
+    <dgm:fillClrLst meth="repeat">
+      <a:schemeClr val="accent1"/>
+    </dgm:fillClrLst>
+    <dgm:linClrLst meth="repeat">
+      <a:schemeClr val="lt1"/>
+    </dgm:linClrLst>
+    <dgm:effectClrLst/>
+    <dgm:txLinClrLst/>
+    <dgm:txFillClrLst/>
+    <dgm:txEffectClrLst/>
+  </dgm:styleLbl>
+  <dgm:styleLbl name="asst1">
+    <dgm:fillClrLst meth="repeat">
+      <a:schemeClr val="accent1"/>
+    </dgm:fillClrLst>
+    <dgm:linClrLst meth="repeat">
+      <a:schemeClr val="lt1"/>
+    </dgm:linClrLst>
+    <dgm:effectClrLst/>
+    <dgm:txLinClrLst/>
+    <dgm:txFillClrLst/>
+    <dgm:txEffectClrLst/>
+  </dgm:styleLbl>
+  <dgm:styleLbl name="asst2">
+    <dgm:fillClrLst meth="repeat">
+      <a:schemeClr val="accent1"/>
+    </dgm:fillClrLst>
+    <dgm:linClrLst meth="repeat">
+      <a:schemeClr val="lt1"/>
+    </dgm:linClrLst>
+    <dgm:effectClrLst/>
+    <dgm:txLinClrLst/>
+    <dgm:txFillClrLst/>
+    <dgm:txEffectClrLst/>
+  </dgm:styleLbl>
+  <dgm:styleLbl name="asst3">
+    <dgm:fillClrLst meth="repeat">
+      <a:schemeClr val="accent1"/>
+    </dgm:fillClrLst>
+    <dgm:linClrLst meth="repeat">
+      <a:schemeClr val="lt1"/>
+    </dgm:linClrLst>
+    <dgm:effectClrLst/>
+    <dgm:txLinClrLst/>
+    <dgm:txFillClrLst/>
+    <dgm:txEffectClrLst/>
+  </dgm:styleLbl>
+  <dgm:styleLbl name="asst4">
+    <dgm:fillClrLst meth="repeat">
+      <a:schemeClr val="accent1"/>
+    </dgm:fillClrLst>
+    <dgm:linClrLst meth="repeat">
+      <a:schemeClr val="lt1"/>
+    </dgm:linClrLst>
+    <dgm:effectClrLst/>
+    <dgm:txLinClrLst/>
+    <dgm:txFillClrLst/>
+    <dgm:txEffectClrLst/>
+  </dgm:styleLbl>
+  <dgm:styleLbl name="parChTrans2D1">
+    <dgm:fillClrLst meth="repeat">
+      <a:schemeClr val="accent1">
+        <a:tint val="60000"/>
+      </a:schemeClr>
+    </dgm:fillClrLst>
+    <dgm:linClrLst meth="repeat">
+      <a:schemeClr val="accent1">
+        <a:tint val="60000"/>
+      </a:schemeClr>
+    </dgm:linClrLst>
+    <dgm:effectClrLst/>
+    <dgm:txLinClrLst/>
+    <dgm:txFillClrLst meth="repeat">
+      <a:schemeClr val="lt1"/>
+    </dgm:txFillClrLst>
+    <dgm:txEffectClrLst/>
+  </dgm:styleLbl>
+  <dgm:styleLbl name="parChTrans2D2">
+    <dgm:fillClrLst meth="repeat">
+      <a:schemeClr val="accent1"/>
+    </dgm:fillClrLst>
+    <dgm:linClrLst meth="repeat">
+      <a:schemeClr val="accent1"/>
+    </dgm:linClrLst>
+    <dgm:effectClrLst/>
+    <dgm:txLinClrLst/>
+    <dgm:txFillClrLst meth="repeat">
+      <a:schemeClr val="lt1"/>
+    </dgm:txFillClrLst>
+    <dgm:txEffectClrLst/>
+  </dgm:styleLbl>
+  <dgm:styleLbl name="parChTrans2D3">
+    <dgm:fillClrLst meth="repeat">
+      <a:schemeClr val="accent1"/>
+    </dgm:fillClrLst>
+    <dgm:linClrLst meth="repeat">
+      <a:schemeClr val="accent1"/>
+    </dgm:linClrLst>
+    <dgm:effectClrLst/>
+    <dgm:txLinClrLst/>
+    <dgm:txFillClrLst meth="repeat">
+      <a:schemeClr val="lt1"/>
+    </dgm:txFillClrLst>
+    <dgm:txEffectClrLst/>
+  </dgm:styleLbl>
+  <dgm:styleLbl name="parChTrans2D4">
+    <dgm:fillClrLst meth="repeat">
+      <a:schemeClr val="accent1"/>
+    </dgm:fillClrLst>
+    <dgm:linClrLst meth="repeat">
+      <a:schemeClr val="accent1"/>
+    </dgm:linClrLst>
+    <dgm:effectClrLst/>
+    <dgm:txLinClrLst/>
+    <dgm:txFillClrLst meth="repeat">
+      <a:schemeClr val="lt1"/>
+    </dgm:txFillClrLst>
+    <dgm:txEffectClrLst/>
+  </dgm:styleLbl>
+  <dgm:styleLbl name="parChTrans1D1">
+    <dgm:fillClrLst meth="repeat">
+      <a:schemeClr val="accent1"/>
+    </dgm:fillClrLst>
+    <dgm:linClrLst meth="repeat">
+      <a:schemeClr val="accent1">
+        <a:shade val="60000"/>
+      </a:schemeClr>
+    </dgm:linClrLst>
+    <dgm:effectClrLst/>
+    <dgm:txLinClrLst/>
+    <dgm:txFillClrLst meth="repeat">
+      <a:schemeClr val="tx1"/>
+    </dgm:txFillClrLst>
+    <dgm:txEffectClrLst/>
+  </dgm:styleLbl>
+  <dgm:styleLbl name="parChTrans1D2">
+    <dgm:fillClrLst meth="repeat">
+      <a:schemeClr val="accent1"/>
+    </dgm:fillClrLst>
+    <dgm:linClrLst meth="repeat">
+      <a:schemeClr val="accent1">
+        <a:shade val="60000"/>
+      </a:schemeClr>
+    </dgm:linClrLst>
+    <dgm:effectClrLst/>
+    <dgm:txLinClrLst/>
+    <dgm:txFillClrLst meth="repeat">
+      <a:schemeClr val="tx1"/>
+    </dgm:txFillClrLst>
+    <dgm:txEffectClrLst/>
+  </dgm:styleLbl>
+  <dgm:styleLbl name="parChTrans1D3">
+    <dgm:fillClrLst meth="repeat">
+      <a:schemeClr val="accent1"/>
+    </dgm:fillClrLst>
+    <dgm:linClrLst meth="repeat">
+      <a:schemeClr val="accent1">
+        <a:shade val="80000"/>
+      </a:schemeClr>
+    </dgm:linClrLst>
+    <dgm:effectClrLst/>
+    <dgm:txLinClrLst/>
+    <dgm:txFillClrLst meth="repeat">
+      <a:schemeClr val="tx1"/>
+    </dgm:txFillClrLst>
+    <dgm:txEffectClrLst/>
+  </dgm:styleLbl>
+  <dgm:styleLbl name="parChTrans1D4">
+    <dgm:fillClrLst meth="repeat">
+      <a:schemeClr val="accent1"/>
+    </dgm:fillClrLst>
+    <dgm:linClrLst meth="repeat">
+      <a:schemeClr val="accent1">
+        <a:shade val="80000"/>
+      </a:schemeClr>
+    </dgm:linClrLst>
+    <dgm:effectClrLst/>
+    <dgm:txLinClrLst/>
+    <dgm:txFillClrLst meth="repeat">
+      <a:schemeClr val="tx1"/>
+    </dgm:txFillClrLst>
+    <dgm:txEffectClrLst/>
+  </dgm:styleLbl>
+  <dgm:styleLbl name="fgAcc1">
+    <dgm:fillClrLst meth="repeat">
+      <a:schemeClr val="lt1">
+        <a:alpha val="90000"/>
+      </a:schemeClr>
+    </dgm:fillClrLst>
+    <dgm:linClrLst meth="repeat">
+      <a:schemeClr val="accent1"/>
+    </dgm:linClrLst>
+    <dgm:effectClrLst/>
+    <dgm:txLinClrLst/>
+    <dgm:txFillClrLst meth="repeat">
+      <a:schemeClr val="dk1"/>
+    </dgm:txFillClrLst>
+    <dgm:txEffectClrLst/>
+  </dgm:styleLbl>
+  <dgm:styleLbl name="conFgAcc1">
+    <dgm:fillClrLst meth="repeat">
+      <a:schemeClr val="lt1">
+        <a:alpha val="90000"/>
+      </a:schemeClr>
+    </dgm:fillClrLst>
+    <dgm:linClrLst meth="repeat">
+      <a:schemeClr val="accent1"/>
+    </dgm:linClrLst>
+    <dgm:effectClrLst/>
+    <dgm:txLinClrLst/>
+    <dgm:txFillClrLst meth="repeat">
+      <a:schemeClr val="dk1"/>
+    </dgm:txFillClrLst>
+    <dgm:txEffectClrLst/>
+  </dgm:styleLbl>
+  <dgm:styleLbl name="alignAcc1">
+    <dgm:fillClrLst meth="repeat">
+      <a:schemeClr val="lt1">
+        <a:alpha val="90000"/>
+      </a:schemeClr>
+    </dgm:fillClrLst>
+    <dgm:linClrLst meth="repeat">
+      <a:schemeClr val="accent1"/>
+    </dgm:linClrLst>
+    <dgm:effectClrLst/>
+    <dgm:txLinClrLst/>
+    <dgm:txFillClrLst meth="repeat">
+      <a:schemeClr val="dk1"/>
+    </dgm:txFillClrLst>
+    <dgm:txEffectClrLst/>
+  </dgm:styleLbl>
+  <dgm:styleLbl name="trAlignAcc1">
+    <dgm:fillClrLst meth="repeat">
+      <a:schemeClr val="lt1">
+        <a:alpha val="40000"/>
+      </a:schemeClr>
+    </dgm:fillClrLst>
+    <dgm:linClrLst meth="repeat">
+      <a:schemeClr val="accent1"/>
+    </dgm:linClrLst>
+    <dgm:effectClrLst/>
+    <dgm:txLinClrLst/>
+    <dgm:txFillClrLst meth="repeat">
+      <a:schemeClr val="dk1"/>
+    </dgm:txFillClrLst>
+    <dgm:txEffectClrLst/>
+  </dgm:styleLbl>
+  <dgm:styleLbl name="bgAcc1">
+    <dgm:fillClrLst meth="repeat">
+      <a:schemeClr val="lt1">
+        <a:alpha val="90000"/>
+      </a:schemeClr>
+    </dgm:fillClrLst>
+    <dgm:linClrLst meth="repeat">
+      <a:schemeClr val="accent1"/>
+    </dgm:linClrLst>
+    <dgm:effectClrLst/>
+    <dgm:txLinClrLst/>
+    <dgm:txFillClrLst meth="repeat">
+      <a:schemeClr val="dk1"/>
+    </dgm:txFillClrLst>
+    <dgm:txEffectClrLst/>
+  </dgm:styleLbl>
+  <dgm:styleLbl name="solidFgAcc1">
+    <dgm:fillClrLst meth="repeat">
+      <a:schemeClr val="lt1"/>
+    </dgm:fillClrLst>
+    <dgm:linClrLst meth="repeat">
+      <a:schemeClr val="accent1"/>
+    </dgm:linClrLst>
+    <dgm:effectClrLst/>
+    <dgm:txLinClrLst/>
+    <dgm:txFillClrLst meth="repeat">
+      <a:schemeClr val="dk1"/>
+    </dgm:txFillClrLst>
+    <dgm:txEffectClrLst/>
+  </dgm:styleLbl>
+  <dgm:styleLbl name="solidAlignAcc1">
+    <dgm:fillClrLst meth="repeat">
+      <a:schemeClr val="lt1"/>
+    </dgm:fillClrLst>
+    <dgm:linClrLst meth="repeat">
+      <a:schemeClr val="accent1"/>
+    </dgm:linClrLst>
+    <dgm:effectClrLst/>
+    <dgm:txLinClrLst/>
+    <dgm:txFillClrLst meth="repeat">
+      <a:schemeClr val="dk1"/>
+    </dgm:txFillClrLst>
+    <dgm:txEffectClrLst/>
+  </dgm:styleLbl>
+  <dgm:styleLbl name="solidBgAcc1">
+    <dgm:fillClrLst meth="repeat">
+      <a:schemeClr val="lt1"/>
+    </dgm:fillClrLst>
+    <dgm:linClrLst meth="repeat">
+      <a:schemeClr val="accent1"/>
+    </dgm:linClrLst>
+    <dgm:effectClrLst/>
+    <dgm:txLinClrLst/>
+    <dgm:txFillClrLst meth="repeat">
+      <a:schemeClr val="dk1"/>
+    </dgm:txFillClrLst>
+    <dgm:txEffectClrLst/>
+  </dgm:styleLbl>
+  <dgm:styleLbl name="fgAccFollowNode1">
+    <dgm:fillClrLst meth="repeat">
+      <a:schemeClr val="accent1">
+        <a:alpha val="90000"/>
+        <a:tint val="40000"/>
+      </a:schemeClr>
+    </dgm:fillClrLst>
+    <dgm:linClrLst meth="repeat">
+      <a:schemeClr val="accent1">
+        <a:alpha val="90000"/>
+        <a:tint val="40000"/>
+      </a:schemeClr>
+    </dgm:linClrLst>
+    <dgm:effectClrLst/>
+    <dgm:txLinClrLst/>
+    <dgm:txFillClrLst meth="repeat">
+      <a:schemeClr val="dk1"/>
+    </dgm:txFillClrLst>
+    <dgm:txEffectClrLst/>
+  </dgm:styleLbl>
+  <dgm:styleLbl name="alignAccFollowNode1">
+    <dgm:fillClrLst meth="repeat">
+      <a:schemeClr val="accent1">
+        <a:alpha val="90000"/>
+        <a:tint val="40000"/>
+      </a:schemeClr>
+    </dgm:fillClrLst>
+    <dgm:linClrLst meth="repeat">
+      <a:schemeClr val="accent1">
+        <a:alpha val="90000"/>
+        <a:tint val="40000"/>
+      </a:schemeClr>
+    </dgm:linClrLst>
+    <dgm:effectClrLst/>
+    <dgm:txLinClrLst/>
+    <dgm:txFillClrLst meth="repeat">
+      <a:schemeClr val="dk1"/>
+    </dgm:txFillClrLst>
+    <dgm:txEffectClrLst/>
+  </dgm:styleLbl>
+  <dgm:styleLbl name="bgAccFollowNode1">
+    <dgm:fillClrLst meth="repeat">
+      <a:schemeClr val="accent1">
+        <a:alpha val="90000"/>
+        <a:tint val="40000"/>
+      </a:schemeClr>
+    </dgm:fillClrLst>
+    <dgm:linClrLst meth="repeat">
+      <a:schemeClr val="accent1">
+        <a:alpha val="90000"/>
+        <a:tint val="40000"/>
+      </a:schemeClr>
+    </dgm:linClrLst>
+    <dgm:effectClrLst/>
+    <dgm:txLinClrLst/>
+    <dgm:txFillClrLst meth="repeat">
+      <a:schemeClr val="dk1"/>
+    </dgm:txFillClrLst>
+    <dgm:txEffectClrLst/>
+  </dgm:styleLbl>
+  <dgm:styleLbl name="fgAcc0">
+    <dgm:fillClrLst meth="repeat">
+      <a:schemeClr val="lt1">
+        <a:alpha val="90000"/>
+      </a:schemeClr>
+    </dgm:fillClrLst>
+    <dgm:linClrLst meth="repeat">
+      <a:schemeClr val="accent1"/>
+    </dgm:linClrLst>
+    <dgm:effectClrLst/>
+    <dgm:txLinClrLst/>
+    <dgm:txFillClrLst meth="repeat">
+      <a:schemeClr val="dk1"/>
+    </dgm:txFillClrLst>
+    <dgm:txEffectClrLst/>
+  </dgm:styleLbl>
+  <dgm:styleLbl name="fgAcc2">
+    <dgm:fillClrLst meth="repeat">
+      <a:schemeClr val="lt1">
+        <a:alpha val="90000"/>
+      </a:schemeClr>
+    </dgm:fillClrLst>
+    <dgm:linClrLst meth="repeat">
+      <a:schemeClr val="accent1"/>
+    </dgm:linClrLst>
+    <dgm:effectClrLst/>
+    <dgm:txLinClrLst/>
+    <dgm:txFillClrLst meth="repeat">
+      <a:schemeClr val="dk1"/>
+    </dgm:txFillClrLst>
+    <dgm:txEffectClrLst/>
+  </dgm:styleLbl>
+  <dgm:styleLbl name="fgAcc3">
+    <dgm:fillClrLst meth="repeat">
+      <a:schemeClr val="lt1">
+        <a:alpha val="90000"/>
+      </a:schemeClr>
+    </dgm:fillClrLst>
+    <dgm:linClrLst meth="repeat">
+      <a:schemeClr val="accent1"/>
+    </dgm:linClrLst>
+    <dgm:effectClrLst/>
+    <dgm:txLinClrLst/>
+    <dgm:txFillClrLst meth="repeat">
+      <a:schemeClr val="dk1"/>
+    </dgm:txFillClrLst>
+    <dgm:txEffectClrLst/>
+  </dgm:styleLbl>
+  <dgm:styleLbl name="fgAcc4">
+    <dgm:fillClrLst meth="repeat">
+      <a:schemeClr val="lt1">
+        <a:alpha val="90000"/>
+      </a:schemeClr>
+    </dgm:fillClrLst>
+    <dgm:linClrLst meth="repeat">
+      <a:schemeClr val="accent1"/>
+    </dgm:linClrLst>
+    <dgm:effectClrLst/>
+    <dgm:txLinClrLst/>
+    <dgm:txFillClrLst meth="repeat">
+      <a:schemeClr val="dk1"/>
+    </dgm:txFillClrLst>
+    <dgm:txEffectClrLst/>
+  </dgm:styleLbl>
+  <dgm:styleLbl name="bgShp">
+    <dgm:fillClrLst meth="repeat">
+      <a:schemeClr val="accent1">
+        <a:tint val="40000"/>
+      </a:schemeClr>
+    </dgm:fillClrLst>
+    <dgm:linClrLst meth="repeat">
+      <a:schemeClr val="accent1"/>
+    </dgm:linClrLst>
+    <dgm:effectClrLst/>
+    <dgm:txLinClrLst/>
+    <dgm:txFillClrLst meth="repeat">
+      <a:schemeClr val="dk1"/>
+    </dgm:txFillClrLst>
+    <dgm:txEffectClrLst/>
+  </dgm:styleLbl>
+  <dgm:styleLbl name="dkBgShp">
+    <dgm:fillClrLst meth="repeat">
+      <a:schemeClr val="accent1">
+        <a:shade val="80000"/>
+      </a:schemeClr>
+    </dgm:fillClrLst>
+    <dgm:linClrLst meth="repeat">
+      <a:schemeClr val="accent1"/>
+    </dgm:linClrLst>
+    <dgm:effectClrLst/>
+    <dgm:txLinClrLst/>
+    <dgm:txFillClrLst meth="repeat">
+      <a:schemeClr val="lt1"/>
+    </dgm:txFillClrLst>
+    <dgm:txEffectClrLst/>
+  </dgm:styleLbl>
+  <dgm:styleLbl name="trBgShp">
+    <dgm:fillClrLst meth="repeat">
+      <a:schemeClr val="accent1">
+        <a:tint val="50000"/>
+        <a:alpha val="40000"/>
+      </a:schemeClr>
+    </dgm:fillClrLst>
+    <dgm:linClrLst meth="repeat">
+      <a:schemeClr val="accent1"/>
+    </dgm:linClrLst>
+    <dgm:effectClrLst/>
+    <dgm:txLinClrLst/>
+    <dgm:txFillClrLst meth="repeat">
+      <a:schemeClr val="lt1"/>
+    </dgm:txFillClrLst>
+    <dgm:txEffectClrLst/>
+  </dgm:styleLbl>
+  <dgm:styleLbl name="fgShp">
+    <dgm:fillClrLst meth="repeat">
+      <a:schemeClr val="accent1">
+        <a:tint val="60000"/>
+      </a:schemeClr>
+    </dgm:fillClrLst>
+    <dgm:linClrLst meth="repeat">
+      <a:schemeClr val="lt1"/>
+    </dgm:linClrLst>
+    <dgm:effectClrLst/>
+    <dgm:txLinClrLst/>
+    <dgm:txFillClrLst meth="repeat">
+      <a:schemeClr val="dk1"/>
+    </dgm:txFillClrLst>
+    <dgm:txEffectClrLst/>
+  </dgm:styleLbl>
+  <dgm:styleLbl name="revTx">
+    <dgm:fillClrLst meth="repeat">
+      <a:schemeClr val="lt1">
+        <a:alpha val="0"/>
+      </a:schemeClr>
+    </dgm:fillClrLst>
+    <dgm:linClrLst meth="repeat">
+      <a:schemeClr val="dk1">
+        <a:alpha val="0"/>
+      </a:schemeClr>
+    </dgm:linClrLst>
+    <dgm:effectClrLst/>
+    <dgm:txLinClrLst/>
+    <dgm:txFillClrLst meth="repeat">
+      <a:schemeClr val="tx1"/>
+    </dgm:txFillClrLst>
+    <dgm:txEffectClrLst/>
+  </dgm:styleLbl>
+</dgm:colorsDef>
+</file>
+
+<file path=ppt/diagrams/data1.xml><?xml version="1.0" encoding="utf-8"?>
+<dgm:dataModel xmlns:dgm="http://schemas.openxmlformats.org/drawingml/2006/diagram" xmlns:a="http://schemas.openxmlformats.org/drawingml/2006/main">
+  <dgm:ptLst>
+    <dgm:pt modelId="{4A3AA29E-9837-43B6-9F7D-A256BDAB13A8}" type="doc">
+      <dgm:prSet loTypeId="urn:microsoft.com/office/officeart/2005/8/layout/radial5" loCatId="relationship" qsTypeId="urn:microsoft.com/office/officeart/2005/8/quickstyle/simple1" qsCatId="simple" csTypeId="urn:microsoft.com/office/officeart/2005/8/colors/accent1_2" csCatId="accent1" phldr="1"/>
+      <dgm:spPr/>
+      <dgm:t>
+        <a:bodyPr/>
+        <a:lstStyle/>
+        <a:p>
+          <a:endParaRPr lang="fr-FR"/>
+        </a:p>
+      </dgm:t>
+    </dgm:pt>
+    <dgm:pt modelId="{AEDD50E2-630A-4CFC-AB4A-37B3A14456DF}">
+      <dgm:prSet phldrT="[Text]" custT="1"/>
+      <dgm:spPr/>
+      <dgm:t>
+        <a:bodyPr lIns="0" tIns="0" rIns="0" bIns="0"/>
+        <a:lstStyle/>
+        <a:p>
+          <a:pPr>
+            <a:lnSpc>
+              <a:spcPct val="100000"/>
+            </a:lnSpc>
+            <a:spcAft>
+              <a:spcPts val="0"/>
+            </a:spcAft>
+          </a:pPr>
+          <a:r>
+            <a:rPr lang="fr-FR" sz="1400" b="1" dirty="0" smtClean="0"/>
+            <a:t>MON AFFILIATION</a:t>
+          </a:r>
+          <a:endParaRPr lang="fr-FR" sz="1400" b="1" dirty="0"/>
+        </a:p>
+      </dgm:t>
+    </dgm:pt>
+    <dgm:pt modelId="{A7D31C6E-48AA-47D1-8322-0A5B8274B996}" type="parTrans" cxnId="{DF1D0E16-F887-4DDD-BE94-4E646E1B9482}">
+      <dgm:prSet/>
+      <dgm:spPr/>
+      <dgm:t>
+        <a:bodyPr/>
+        <a:lstStyle/>
+        <a:p>
+          <a:endParaRPr lang="fr-FR"/>
+        </a:p>
+      </dgm:t>
+    </dgm:pt>
+    <dgm:pt modelId="{E90920A5-A8C6-41DD-B8C0-D6ACEEFCE1D3}" type="sibTrans" cxnId="{DF1D0E16-F887-4DDD-BE94-4E646E1B9482}">
+      <dgm:prSet/>
+      <dgm:spPr/>
+      <dgm:t>
+        <a:bodyPr/>
+        <a:lstStyle/>
+        <a:p>
+          <a:endParaRPr lang="fr-FR"/>
+        </a:p>
+      </dgm:t>
+    </dgm:pt>
+    <dgm:pt modelId="{9C5D7268-A625-42F8-8E3E-5A72EDB5B775}">
+      <dgm:prSet phldrT="[Text]" custT="1"/>
+      <dgm:spPr/>
+      <dgm:t>
+        <a:bodyPr/>
+        <a:lstStyle/>
+        <a:p>
+          <a:r>
+            <a:rPr lang="fr-FR" sz="1600" dirty="0" smtClean="0"/>
+            <a:t>étude du cahier SFD </a:t>
+          </a:r>
+          <a:endParaRPr lang="fr-FR" sz="1600" dirty="0"/>
+        </a:p>
+      </dgm:t>
+    </dgm:pt>
+    <dgm:pt modelId="{2EFA5A0F-F528-4B26-A503-0DA6C9486C5B}" type="parTrans" cxnId="{0D0312BC-1D80-49EE-9137-EA064F8240AF}">
+      <dgm:prSet/>
+      <dgm:spPr/>
+      <dgm:t>
+        <a:bodyPr/>
+        <a:lstStyle/>
+        <a:p>
+          <a:endParaRPr lang="fr-FR"/>
+        </a:p>
+      </dgm:t>
+    </dgm:pt>
+    <dgm:pt modelId="{B33B900F-669E-49E4-AB65-FBFC6D5002EF}" type="sibTrans" cxnId="{0D0312BC-1D80-49EE-9137-EA064F8240AF}">
+      <dgm:prSet/>
+      <dgm:spPr/>
+      <dgm:t>
+        <a:bodyPr/>
+        <a:lstStyle/>
+        <a:p>
+          <a:endParaRPr lang="fr-FR"/>
+        </a:p>
+      </dgm:t>
+    </dgm:pt>
+    <dgm:pt modelId="{4DE7362F-94E4-4225-8D2D-98F0DE019438}">
+      <dgm:prSet phldrT="[Text]"/>
+      <dgm:spPr/>
+      <dgm:t>
+        <a:bodyPr/>
+        <a:lstStyle/>
+        <a:p>
+          <a:r>
+            <a:rPr lang="fr-FR" dirty="0" smtClean="0"/>
+            <a:t>solutions front-end </a:t>
+          </a:r>
+          <a:endParaRPr lang="fr-FR" dirty="0"/>
+        </a:p>
+      </dgm:t>
+    </dgm:pt>
+    <dgm:pt modelId="{953C1ABD-5DBC-4038-9ED8-0908C596D5CA}" type="parTrans" cxnId="{0BA664AF-DB10-4773-A8A3-B7BF57FCD705}">
+      <dgm:prSet/>
+      <dgm:spPr/>
+      <dgm:t>
+        <a:bodyPr/>
+        <a:lstStyle/>
+        <a:p>
+          <a:endParaRPr lang="fr-FR"/>
+        </a:p>
+      </dgm:t>
+    </dgm:pt>
+    <dgm:pt modelId="{EBC375B8-8A70-4F8E-AE10-9173AF9AAD92}" type="sibTrans" cxnId="{0BA664AF-DB10-4773-A8A3-B7BF57FCD705}">
+      <dgm:prSet/>
+      <dgm:spPr/>
+      <dgm:t>
+        <a:bodyPr/>
+        <a:lstStyle/>
+        <a:p>
+          <a:endParaRPr lang="fr-FR"/>
+        </a:p>
+      </dgm:t>
+    </dgm:pt>
+    <dgm:pt modelId="{FE7E729C-9F4B-45AE-9179-185237C4E56C}">
+      <dgm:prSet phldrT="[Text]"/>
+      <dgm:spPr/>
+      <dgm:t>
+        <a:bodyPr/>
+        <a:lstStyle/>
+        <a:p>
+          <a:r>
+            <a:rPr lang="fr-FR" dirty="0" smtClean="0"/>
+            <a:t>solutions back-end</a:t>
+          </a:r>
+          <a:endParaRPr lang="fr-FR" dirty="0"/>
+        </a:p>
+      </dgm:t>
+    </dgm:pt>
+    <dgm:pt modelId="{E88FB233-A4FD-420C-8626-37018709CF58}" type="parTrans" cxnId="{88F5419B-B9DA-4211-898F-6534A73481DC}">
+      <dgm:prSet/>
+      <dgm:spPr/>
+      <dgm:t>
+        <a:bodyPr/>
+        <a:lstStyle/>
+        <a:p>
+          <a:endParaRPr lang="fr-FR"/>
+        </a:p>
+      </dgm:t>
+    </dgm:pt>
+    <dgm:pt modelId="{B541B8B8-6069-439D-8AE6-E58ABB963C6B}" type="sibTrans" cxnId="{88F5419B-B9DA-4211-898F-6534A73481DC}">
+      <dgm:prSet/>
+      <dgm:spPr/>
+      <dgm:t>
+        <a:bodyPr/>
+        <a:lstStyle/>
+        <a:p>
+          <a:endParaRPr lang="fr-FR"/>
+        </a:p>
+      </dgm:t>
+    </dgm:pt>
+    <dgm:pt modelId="{B38B82DF-BF4B-4096-ADB5-E168E6631C9F}">
+      <dgm:prSet phldrT="[Text]"/>
+      <dgm:spPr/>
+      <dgm:t>
+        <a:bodyPr/>
+        <a:lstStyle/>
+        <a:p>
+          <a:r>
+            <a:rPr lang="fr-FR" dirty="0" smtClean="0"/>
+            <a:t>nettoyage du code</a:t>
+          </a:r>
+          <a:endParaRPr lang="fr-FR" dirty="0"/>
+        </a:p>
+      </dgm:t>
+    </dgm:pt>
+    <dgm:pt modelId="{E0EEE48B-33B3-4F5C-B9A9-38E5CBE343CC}" type="parTrans" cxnId="{4EE72EBB-7E70-4BBB-862F-025FEB758809}">
+      <dgm:prSet/>
+      <dgm:spPr/>
+      <dgm:t>
+        <a:bodyPr/>
+        <a:lstStyle/>
+        <a:p>
+          <a:endParaRPr lang="fr-FR"/>
+        </a:p>
+      </dgm:t>
+    </dgm:pt>
+    <dgm:pt modelId="{4575FB0C-D6AA-4B31-9F87-16E885ADACE6}" type="sibTrans" cxnId="{4EE72EBB-7E70-4BBB-862F-025FEB758809}">
+      <dgm:prSet/>
+      <dgm:spPr/>
+      <dgm:t>
+        <a:bodyPr/>
+        <a:lstStyle/>
+        <a:p>
+          <a:endParaRPr lang="fr-FR"/>
+        </a:p>
+      </dgm:t>
+    </dgm:pt>
+    <dgm:pt modelId="{7508628D-9867-466E-90F1-3F25AE5FC716}">
+      <dgm:prSet phldrT="[Text]"/>
+      <dgm:spPr/>
+      <dgm:t>
+        <a:bodyPr/>
+        <a:lstStyle/>
+        <a:p>
+          <a:r>
+            <a:rPr lang="fr-FR" dirty="0" smtClean="0"/>
+            <a:t>recette</a:t>
+          </a:r>
+          <a:endParaRPr lang="fr-FR" dirty="0"/>
+        </a:p>
+      </dgm:t>
+    </dgm:pt>
+    <dgm:pt modelId="{CA4B039F-2E09-4D8A-8B82-465722A3A6C6}" type="parTrans" cxnId="{BBA59E23-41B8-4083-9D8C-6EE9463E6C53}">
+      <dgm:prSet/>
+      <dgm:spPr/>
+      <dgm:t>
+        <a:bodyPr/>
+        <a:lstStyle/>
+        <a:p>
+          <a:endParaRPr lang="fr-FR"/>
+        </a:p>
+      </dgm:t>
+    </dgm:pt>
+    <dgm:pt modelId="{9D7B6C08-6F1E-4474-A83E-9376FC487E10}" type="sibTrans" cxnId="{BBA59E23-41B8-4083-9D8C-6EE9463E6C53}">
+      <dgm:prSet/>
+      <dgm:spPr/>
+      <dgm:t>
+        <a:bodyPr/>
+        <a:lstStyle/>
+        <a:p>
+          <a:endParaRPr lang="fr-FR"/>
+        </a:p>
+      </dgm:t>
+    </dgm:pt>
+    <dgm:pt modelId="{4CAEE0D5-4FC9-4B3D-A1F6-0D4A337395EB}">
+      <dgm:prSet/>
+      <dgm:spPr/>
+      <dgm:t>
+        <a:bodyPr/>
+        <a:lstStyle/>
+        <a:p>
+          <a:r>
+            <a:rPr lang="fr-FR" dirty="0" smtClean="0"/>
+            <a:t>mise en production</a:t>
+          </a:r>
+          <a:endParaRPr lang="fr-FR" dirty="0"/>
+        </a:p>
+      </dgm:t>
+    </dgm:pt>
+    <dgm:pt modelId="{6F4BB794-14E1-4A7A-930A-949480FCED95}" type="sibTrans" cxnId="{CD92F0F0-C525-41CB-82BA-A310D3BAFD20}">
+      <dgm:prSet/>
+      <dgm:spPr/>
+      <dgm:t>
+        <a:bodyPr/>
+        <a:lstStyle/>
+        <a:p>
+          <a:endParaRPr lang="fr-FR"/>
+        </a:p>
+      </dgm:t>
+    </dgm:pt>
+    <dgm:pt modelId="{8CC87309-94F1-451D-B281-88F372184AFC}" type="parTrans" cxnId="{CD92F0F0-C525-41CB-82BA-A310D3BAFD20}">
+      <dgm:prSet/>
+      <dgm:spPr/>
+      <dgm:t>
+        <a:bodyPr/>
+        <a:lstStyle/>
+        <a:p>
+          <a:endParaRPr lang="fr-FR"/>
+        </a:p>
+      </dgm:t>
+    </dgm:pt>
+    <dgm:pt modelId="{C1F82EDE-3A1B-475F-8FBF-56D4E202FDEA}" type="pres">
+      <dgm:prSet presAssocID="{4A3AA29E-9837-43B6-9F7D-A256BDAB13A8}" presName="Name0" presStyleCnt="0">
+        <dgm:presLayoutVars>
+          <dgm:chMax val="1"/>
+          <dgm:dir/>
+          <dgm:animLvl val="ctr"/>
+          <dgm:resizeHandles val="exact"/>
+        </dgm:presLayoutVars>
+      </dgm:prSet>
+      <dgm:spPr/>
+    </dgm:pt>
+    <dgm:pt modelId="{A4858121-A645-41F3-875B-288AAC93DAE7}" type="pres">
+      <dgm:prSet presAssocID="{AEDD50E2-630A-4CFC-AB4A-37B3A14456DF}" presName="centerShape" presStyleLbl="node0" presStyleIdx="0" presStyleCnt="1" custScaleX="122248" custScaleY="122248" custLinFactNeighborX="-18207" custLinFactNeighborY="0"/>
+      <dgm:spPr/>
+      <dgm:t>
+        <a:bodyPr/>
+        <a:lstStyle/>
+        <a:p>
+          <a:endParaRPr lang="fr-FR"/>
+        </a:p>
+      </dgm:t>
+    </dgm:pt>
+    <dgm:pt modelId="{3E2F12D6-4E1F-4D76-B406-56C85FD9EF7C}" type="pres">
+      <dgm:prSet presAssocID="{2EFA5A0F-F528-4B26-A503-0DA6C9486C5B}" presName="parTrans" presStyleLbl="sibTrans2D1" presStyleIdx="0" presStyleCnt="6"/>
+      <dgm:spPr/>
+    </dgm:pt>
+    <dgm:pt modelId="{FD5ABCC5-8A3D-4206-9660-998976867B3A}" type="pres">
+      <dgm:prSet presAssocID="{2EFA5A0F-F528-4B26-A503-0DA6C9486C5B}" presName="connectorText" presStyleLbl="sibTrans2D1" presStyleIdx="0" presStyleCnt="6"/>
+      <dgm:spPr/>
+    </dgm:pt>
+    <dgm:pt modelId="{29906ED4-A1F1-4317-A7E0-39757C531431}" type="pres">
+      <dgm:prSet presAssocID="{9C5D7268-A625-42F8-8E3E-5A72EDB5B775}" presName="node" presStyleLbl="node1" presStyleIdx="0" presStyleCnt="6" custScaleX="99956" custRadScaleRad="112884" custRadScaleInc="-104078">
+        <dgm:presLayoutVars>
+          <dgm:bulletEnabled val="1"/>
+        </dgm:presLayoutVars>
+      </dgm:prSet>
+      <dgm:spPr/>
+      <dgm:t>
+        <a:bodyPr/>
+        <a:lstStyle/>
+        <a:p>
+          <a:endParaRPr lang="fr-FR"/>
+        </a:p>
+      </dgm:t>
+    </dgm:pt>
+    <dgm:pt modelId="{F55ED1D0-71EB-44C0-8451-60F419FF3CEC}" type="pres">
+      <dgm:prSet presAssocID="{953C1ABD-5DBC-4038-9ED8-0908C596D5CA}" presName="parTrans" presStyleLbl="sibTrans2D1" presStyleIdx="1" presStyleCnt="6"/>
+      <dgm:spPr/>
+    </dgm:pt>
+    <dgm:pt modelId="{D4E4051E-7319-46E0-A966-3489B6DB7D91}" type="pres">
+      <dgm:prSet presAssocID="{953C1ABD-5DBC-4038-9ED8-0908C596D5CA}" presName="connectorText" presStyleLbl="sibTrans2D1" presStyleIdx="1" presStyleCnt="6"/>
+      <dgm:spPr/>
+    </dgm:pt>
+    <dgm:pt modelId="{FBD6B138-464B-4A28-ADA6-FF2772146854}" type="pres">
+      <dgm:prSet presAssocID="{4DE7362F-94E4-4225-8D2D-98F0DE019438}" presName="node" presStyleLbl="node1" presStyleIdx="1" presStyleCnt="6" custScaleX="99956" custRadScaleRad="75004" custRadScaleInc="-114130">
+        <dgm:presLayoutVars>
+          <dgm:bulletEnabled val="1"/>
+        </dgm:presLayoutVars>
+      </dgm:prSet>
+      <dgm:spPr/>
+      <dgm:t>
+        <a:bodyPr/>
+        <a:lstStyle/>
+        <a:p>
+          <a:endParaRPr lang="fr-FR"/>
+        </a:p>
+      </dgm:t>
+    </dgm:pt>
+    <dgm:pt modelId="{6089C7AC-BE86-4DC5-BF36-04F6C702DCA3}" type="pres">
+      <dgm:prSet presAssocID="{E88FB233-A4FD-420C-8626-37018709CF58}" presName="parTrans" presStyleLbl="sibTrans2D1" presStyleIdx="2" presStyleCnt="6" custScaleX="135465"/>
+      <dgm:spPr/>
+    </dgm:pt>
+    <dgm:pt modelId="{7E5FFC28-2554-4679-94E0-6CD4EBAE5257}" type="pres">
+      <dgm:prSet presAssocID="{E88FB233-A4FD-420C-8626-37018709CF58}" presName="connectorText" presStyleLbl="sibTrans2D1" presStyleIdx="2" presStyleCnt="6"/>
+      <dgm:spPr/>
+    </dgm:pt>
+    <dgm:pt modelId="{89EC353B-2698-4806-8633-F3C3A200887C}" type="pres">
+      <dgm:prSet presAssocID="{FE7E729C-9F4B-45AE-9179-185237C4E56C}" presName="node" presStyleLbl="node1" presStyleIdx="2" presStyleCnt="6" custScaleX="99956" custRadScaleRad="84345" custRadScaleInc="21734">
+        <dgm:presLayoutVars>
+          <dgm:bulletEnabled val="1"/>
+        </dgm:presLayoutVars>
+      </dgm:prSet>
+      <dgm:spPr/>
+      <dgm:t>
+        <a:bodyPr/>
+        <a:lstStyle/>
+        <a:p>
+          <a:endParaRPr lang="fr-FR"/>
+        </a:p>
+      </dgm:t>
+    </dgm:pt>
+    <dgm:pt modelId="{DB036232-841B-40DC-A78D-071E1A67DE06}" type="pres">
+      <dgm:prSet presAssocID="{E0EEE48B-33B3-4F5C-B9A9-38E5CBE343CC}" presName="parTrans" presStyleLbl="sibTrans2D1" presStyleIdx="3" presStyleCnt="6"/>
+      <dgm:spPr/>
+    </dgm:pt>
+    <dgm:pt modelId="{C7963CFE-1A2D-425F-AAF5-0B8794C5ED22}" type="pres">
+      <dgm:prSet presAssocID="{E0EEE48B-33B3-4F5C-B9A9-38E5CBE343CC}" presName="connectorText" presStyleLbl="sibTrans2D1" presStyleIdx="3" presStyleCnt="6"/>
+      <dgm:spPr/>
+    </dgm:pt>
+    <dgm:pt modelId="{0C8696C6-86F7-4C27-9FD9-43C1EDAFACC0}" type="pres">
+      <dgm:prSet presAssocID="{B38B82DF-BF4B-4096-ADB5-E168E6631C9F}" presName="node" presStyleLbl="node1" presStyleIdx="3" presStyleCnt="6" custScaleX="99956" custRadScaleRad="105618" custRadScaleInc="67553">
+        <dgm:presLayoutVars>
+          <dgm:bulletEnabled val="1"/>
+        </dgm:presLayoutVars>
+      </dgm:prSet>
+      <dgm:spPr/>
+      <dgm:t>
+        <a:bodyPr/>
+        <a:lstStyle/>
+        <a:p>
+          <a:endParaRPr lang="fr-FR"/>
+        </a:p>
+      </dgm:t>
+    </dgm:pt>
+    <dgm:pt modelId="{A6373C0D-D84A-4961-A0E5-8125C4F88615}" type="pres">
+      <dgm:prSet presAssocID="{CA4B039F-2E09-4D8A-8B82-465722A3A6C6}" presName="parTrans" presStyleLbl="sibTrans2D1" presStyleIdx="4" presStyleCnt="6"/>
+      <dgm:spPr/>
+    </dgm:pt>
+    <dgm:pt modelId="{CE3FC767-27B0-4F44-A526-1A2C85A32C8E}" type="pres">
+      <dgm:prSet presAssocID="{CA4B039F-2E09-4D8A-8B82-465722A3A6C6}" presName="connectorText" presStyleLbl="sibTrans2D1" presStyleIdx="4" presStyleCnt="6"/>
+      <dgm:spPr/>
+    </dgm:pt>
+    <dgm:pt modelId="{1ACE714B-E8A6-4606-A331-E73AF83A6A2D}" type="pres">
+      <dgm:prSet presAssocID="{7508628D-9867-466E-90F1-3F25AE5FC716}" presName="node" presStyleLbl="node1" presStyleIdx="4" presStyleCnt="6" custScaleX="100000" custRadScaleRad="130867" custRadScaleInc="21949">
+        <dgm:presLayoutVars>
+          <dgm:bulletEnabled val="1"/>
+        </dgm:presLayoutVars>
+      </dgm:prSet>
+      <dgm:spPr/>
+      <dgm:t>
+        <a:bodyPr/>
+        <a:lstStyle/>
+        <a:p>
+          <a:endParaRPr lang="fr-FR"/>
+        </a:p>
+      </dgm:t>
+    </dgm:pt>
+    <dgm:pt modelId="{B7087D4A-1B45-4291-A7EE-0DD035BCFC8A}" type="pres">
+      <dgm:prSet presAssocID="{8CC87309-94F1-451D-B281-88F372184AFC}" presName="parTrans" presStyleLbl="sibTrans2D1" presStyleIdx="5" presStyleCnt="6"/>
+      <dgm:spPr/>
+    </dgm:pt>
+    <dgm:pt modelId="{B28DD90A-1511-41B0-A092-E070AEB7EE02}" type="pres">
+      <dgm:prSet presAssocID="{8CC87309-94F1-451D-B281-88F372184AFC}" presName="connectorText" presStyleLbl="sibTrans2D1" presStyleIdx="5" presStyleCnt="6"/>
+      <dgm:spPr/>
+    </dgm:pt>
+    <dgm:pt modelId="{490F622B-DF42-46D9-889A-50EE0A7916FC}" type="pres">
+      <dgm:prSet presAssocID="{4CAEE0D5-4FC9-4B3D-A1F6-0D4A337395EB}" presName="node" presStyleLbl="node1" presStyleIdx="5" presStyleCnt="6" custScaleX="100000" custRadScaleRad="139999" custRadScaleInc="-46698">
+        <dgm:presLayoutVars>
+          <dgm:bulletEnabled val="1"/>
+        </dgm:presLayoutVars>
+      </dgm:prSet>
+      <dgm:spPr/>
+      <dgm:t>
+        <a:bodyPr/>
+        <a:lstStyle/>
+        <a:p>
+          <a:endParaRPr lang="fr-FR"/>
+        </a:p>
+      </dgm:t>
+    </dgm:pt>
+  </dgm:ptLst>
+  <dgm:cxnLst>
+    <dgm:cxn modelId="{C727972E-25AE-491F-BC82-14B42C0476BA}" type="presOf" srcId="{7508628D-9867-466E-90F1-3F25AE5FC716}" destId="{1ACE714B-E8A6-4606-A331-E73AF83A6A2D}" srcOrd="0" destOrd="0" presId="urn:microsoft.com/office/officeart/2005/8/layout/radial5"/>
+    <dgm:cxn modelId="{B074CEC5-E198-4022-913D-BE94F3034275}" type="presOf" srcId="{953C1ABD-5DBC-4038-9ED8-0908C596D5CA}" destId="{D4E4051E-7319-46E0-A966-3489B6DB7D91}" srcOrd="1" destOrd="0" presId="urn:microsoft.com/office/officeart/2005/8/layout/radial5"/>
+    <dgm:cxn modelId="{085C9CB5-730B-4964-9A0C-F73234654873}" type="presOf" srcId="{8CC87309-94F1-451D-B281-88F372184AFC}" destId="{B28DD90A-1511-41B0-A092-E070AEB7EE02}" srcOrd="1" destOrd="0" presId="urn:microsoft.com/office/officeart/2005/8/layout/radial5"/>
+    <dgm:cxn modelId="{E41BEE0B-37FE-4F25-882B-6CFA94557F45}" type="presOf" srcId="{B38B82DF-BF4B-4096-ADB5-E168E6631C9F}" destId="{0C8696C6-86F7-4C27-9FD9-43C1EDAFACC0}" srcOrd="0" destOrd="0" presId="urn:microsoft.com/office/officeart/2005/8/layout/radial5"/>
+    <dgm:cxn modelId="{CD92F0F0-C525-41CB-82BA-A310D3BAFD20}" srcId="{AEDD50E2-630A-4CFC-AB4A-37B3A14456DF}" destId="{4CAEE0D5-4FC9-4B3D-A1F6-0D4A337395EB}" srcOrd="5" destOrd="0" parTransId="{8CC87309-94F1-451D-B281-88F372184AFC}" sibTransId="{6F4BB794-14E1-4A7A-930A-949480FCED95}"/>
+    <dgm:cxn modelId="{2E3679DA-77A3-4EB8-B899-4B21AB1A415F}" type="presOf" srcId="{2EFA5A0F-F528-4B26-A503-0DA6C9486C5B}" destId="{3E2F12D6-4E1F-4D76-B406-56C85FD9EF7C}" srcOrd="0" destOrd="0" presId="urn:microsoft.com/office/officeart/2005/8/layout/radial5"/>
+    <dgm:cxn modelId="{4EE72EBB-7E70-4BBB-862F-025FEB758809}" srcId="{AEDD50E2-630A-4CFC-AB4A-37B3A14456DF}" destId="{B38B82DF-BF4B-4096-ADB5-E168E6631C9F}" srcOrd="3" destOrd="0" parTransId="{E0EEE48B-33B3-4F5C-B9A9-38E5CBE343CC}" sibTransId="{4575FB0C-D6AA-4B31-9F87-16E885ADACE6}"/>
+    <dgm:cxn modelId="{B1E936DA-0C9E-4B17-B35E-09C5C632C848}" type="presOf" srcId="{CA4B039F-2E09-4D8A-8B82-465722A3A6C6}" destId="{A6373C0D-D84A-4961-A0E5-8125C4F88615}" srcOrd="0" destOrd="0" presId="urn:microsoft.com/office/officeart/2005/8/layout/radial5"/>
+    <dgm:cxn modelId="{43D6C6C3-6D1D-432A-94E3-135F4B664462}" type="presOf" srcId="{AEDD50E2-630A-4CFC-AB4A-37B3A14456DF}" destId="{A4858121-A645-41F3-875B-288AAC93DAE7}" srcOrd="0" destOrd="0" presId="urn:microsoft.com/office/officeart/2005/8/layout/radial5"/>
+    <dgm:cxn modelId="{63B264CD-434A-4A8F-A74B-767CF1E3AF10}" type="presOf" srcId="{E88FB233-A4FD-420C-8626-37018709CF58}" destId="{7E5FFC28-2554-4679-94E0-6CD4EBAE5257}" srcOrd="1" destOrd="0" presId="urn:microsoft.com/office/officeart/2005/8/layout/radial5"/>
+    <dgm:cxn modelId="{775A47BD-090E-40A8-8D41-99204EFC8CCA}" type="presOf" srcId="{E0EEE48B-33B3-4F5C-B9A9-38E5CBE343CC}" destId="{DB036232-841B-40DC-A78D-071E1A67DE06}" srcOrd="0" destOrd="0" presId="urn:microsoft.com/office/officeart/2005/8/layout/radial5"/>
+    <dgm:cxn modelId="{73B4FCF5-FCE1-41F5-B88E-2A2AB8140107}" type="presOf" srcId="{4DE7362F-94E4-4225-8D2D-98F0DE019438}" destId="{FBD6B138-464B-4A28-ADA6-FF2772146854}" srcOrd="0" destOrd="0" presId="urn:microsoft.com/office/officeart/2005/8/layout/radial5"/>
+    <dgm:cxn modelId="{AAAA38EF-50C0-43C8-A5FA-B5F88789A968}" type="presOf" srcId="{4A3AA29E-9837-43B6-9F7D-A256BDAB13A8}" destId="{C1F82EDE-3A1B-475F-8FBF-56D4E202FDEA}" srcOrd="0" destOrd="0" presId="urn:microsoft.com/office/officeart/2005/8/layout/radial5"/>
+    <dgm:cxn modelId="{80EF377E-7674-4F95-8137-828CF43C2A2F}" type="presOf" srcId="{8CC87309-94F1-451D-B281-88F372184AFC}" destId="{B7087D4A-1B45-4291-A7EE-0DD035BCFC8A}" srcOrd="0" destOrd="0" presId="urn:microsoft.com/office/officeart/2005/8/layout/radial5"/>
+    <dgm:cxn modelId="{DF3DF5F5-99CB-4652-8AF0-2754CE88C80A}" type="presOf" srcId="{FE7E729C-9F4B-45AE-9179-185237C4E56C}" destId="{89EC353B-2698-4806-8633-F3C3A200887C}" srcOrd="0" destOrd="0" presId="urn:microsoft.com/office/officeart/2005/8/layout/radial5"/>
+    <dgm:cxn modelId="{88F5419B-B9DA-4211-898F-6534A73481DC}" srcId="{AEDD50E2-630A-4CFC-AB4A-37B3A14456DF}" destId="{FE7E729C-9F4B-45AE-9179-185237C4E56C}" srcOrd="2" destOrd="0" parTransId="{E88FB233-A4FD-420C-8626-37018709CF58}" sibTransId="{B541B8B8-6069-439D-8AE6-E58ABB963C6B}"/>
+    <dgm:cxn modelId="{A348F468-B25A-4AEC-B794-55BE4B78BEC3}" type="presOf" srcId="{2EFA5A0F-F528-4B26-A503-0DA6C9486C5B}" destId="{FD5ABCC5-8A3D-4206-9660-998976867B3A}" srcOrd="1" destOrd="0" presId="urn:microsoft.com/office/officeart/2005/8/layout/radial5"/>
+    <dgm:cxn modelId="{D8D0254B-E1F9-4DA6-8C89-CD2F9DB360BA}" type="presOf" srcId="{953C1ABD-5DBC-4038-9ED8-0908C596D5CA}" destId="{F55ED1D0-71EB-44C0-8451-60F419FF3CEC}" srcOrd="0" destOrd="0" presId="urn:microsoft.com/office/officeart/2005/8/layout/radial5"/>
+    <dgm:cxn modelId="{A7626B19-AD72-451B-B15B-FC6831FB925C}" type="presOf" srcId="{9C5D7268-A625-42F8-8E3E-5A72EDB5B775}" destId="{29906ED4-A1F1-4317-A7E0-39757C531431}" srcOrd="0" destOrd="0" presId="urn:microsoft.com/office/officeart/2005/8/layout/radial5"/>
+    <dgm:cxn modelId="{DF1D0E16-F887-4DDD-BE94-4E646E1B9482}" srcId="{4A3AA29E-9837-43B6-9F7D-A256BDAB13A8}" destId="{AEDD50E2-630A-4CFC-AB4A-37B3A14456DF}" srcOrd="0" destOrd="0" parTransId="{A7D31C6E-48AA-47D1-8322-0A5B8274B996}" sibTransId="{E90920A5-A8C6-41DD-B8C0-D6ACEEFCE1D3}"/>
+    <dgm:cxn modelId="{0D0312BC-1D80-49EE-9137-EA064F8240AF}" srcId="{AEDD50E2-630A-4CFC-AB4A-37B3A14456DF}" destId="{9C5D7268-A625-42F8-8E3E-5A72EDB5B775}" srcOrd="0" destOrd="0" parTransId="{2EFA5A0F-F528-4B26-A503-0DA6C9486C5B}" sibTransId="{B33B900F-669E-49E4-AB65-FBFC6D5002EF}"/>
+    <dgm:cxn modelId="{0BA664AF-DB10-4773-A8A3-B7BF57FCD705}" srcId="{AEDD50E2-630A-4CFC-AB4A-37B3A14456DF}" destId="{4DE7362F-94E4-4225-8D2D-98F0DE019438}" srcOrd="1" destOrd="0" parTransId="{953C1ABD-5DBC-4038-9ED8-0908C596D5CA}" sibTransId="{EBC375B8-8A70-4F8E-AE10-9173AF9AAD92}"/>
+    <dgm:cxn modelId="{64E692F9-0C61-4752-8800-ECE71EC4A222}" type="presOf" srcId="{CA4B039F-2E09-4D8A-8B82-465722A3A6C6}" destId="{CE3FC767-27B0-4F44-A526-1A2C85A32C8E}" srcOrd="1" destOrd="0" presId="urn:microsoft.com/office/officeart/2005/8/layout/radial5"/>
+    <dgm:cxn modelId="{916E989A-7DCE-4E6E-81F1-CAA9A615A762}" type="presOf" srcId="{E88FB233-A4FD-420C-8626-37018709CF58}" destId="{6089C7AC-BE86-4DC5-BF36-04F6C702DCA3}" srcOrd="0" destOrd="0" presId="urn:microsoft.com/office/officeart/2005/8/layout/radial5"/>
+    <dgm:cxn modelId="{3114AD6E-D6D4-429A-8864-56B50B07F215}" type="presOf" srcId="{4CAEE0D5-4FC9-4B3D-A1F6-0D4A337395EB}" destId="{490F622B-DF42-46D9-889A-50EE0A7916FC}" srcOrd="0" destOrd="0" presId="urn:microsoft.com/office/officeart/2005/8/layout/radial5"/>
+    <dgm:cxn modelId="{C2303290-B22C-46CE-9342-AFEA534F2CBD}" type="presOf" srcId="{E0EEE48B-33B3-4F5C-B9A9-38E5CBE343CC}" destId="{C7963CFE-1A2D-425F-AAF5-0B8794C5ED22}" srcOrd="1" destOrd="0" presId="urn:microsoft.com/office/officeart/2005/8/layout/radial5"/>
+    <dgm:cxn modelId="{BBA59E23-41B8-4083-9D8C-6EE9463E6C53}" srcId="{AEDD50E2-630A-4CFC-AB4A-37B3A14456DF}" destId="{7508628D-9867-466E-90F1-3F25AE5FC716}" srcOrd="4" destOrd="0" parTransId="{CA4B039F-2E09-4D8A-8B82-465722A3A6C6}" sibTransId="{9D7B6C08-6F1E-4474-A83E-9376FC487E10}"/>
+    <dgm:cxn modelId="{B59CBA0E-47F0-4377-B69A-D214D6A787D0}" type="presParOf" srcId="{C1F82EDE-3A1B-475F-8FBF-56D4E202FDEA}" destId="{A4858121-A645-41F3-875B-288AAC93DAE7}" srcOrd="0" destOrd="0" presId="urn:microsoft.com/office/officeart/2005/8/layout/radial5"/>
+    <dgm:cxn modelId="{13DB22D3-52C3-48C2-8DE6-E7F06F472033}" type="presParOf" srcId="{C1F82EDE-3A1B-475F-8FBF-56D4E202FDEA}" destId="{3E2F12D6-4E1F-4D76-B406-56C85FD9EF7C}" srcOrd="1" destOrd="0" presId="urn:microsoft.com/office/officeart/2005/8/layout/radial5"/>
+    <dgm:cxn modelId="{D5C42DD0-0CB9-4C7E-BD69-371318F800A1}" type="presParOf" srcId="{3E2F12D6-4E1F-4D76-B406-56C85FD9EF7C}" destId="{FD5ABCC5-8A3D-4206-9660-998976867B3A}" srcOrd="0" destOrd="0" presId="urn:microsoft.com/office/officeart/2005/8/layout/radial5"/>
+    <dgm:cxn modelId="{30097A55-8FDE-4D29-9E0C-7D3794FCAB01}" type="presParOf" srcId="{C1F82EDE-3A1B-475F-8FBF-56D4E202FDEA}" destId="{29906ED4-A1F1-4317-A7E0-39757C531431}" srcOrd="2" destOrd="0" presId="urn:microsoft.com/office/officeart/2005/8/layout/radial5"/>
+    <dgm:cxn modelId="{1330A9DD-C453-476C-8AB6-F57983113F45}" type="presParOf" srcId="{C1F82EDE-3A1B-475F-8FBF-56D4E202FDEA}" destId="{F55ED1D0-71EB-44C0-8451-60F419FF3CEC}" srcOrd="3" destOrd="0" presId="urn:microsoft.com/office/officeart/2005/8/layout/radial5"/>
+    <dgm:cxn modelId="{FB5744C3-D2E4-4F9E-A2E5-A51B53F2CBA4}" type="presParOf" srcId="{F55ED1D0-71EB-44C0-8451-60F419FF3CEC}" destId="{D4E4051E-7319-46E0-A966-3489B6DB7D91}" srcOrd="0" destOrd="0" presId="urn:microsoft.com/office/officeart/2005/8/layout/radial5"/>
+    <dgm:cxn modelId="{07E360C6-4A2F-4667-A22C-657B8418DFB9}" type="presParOf" srcId="{C1F82EDE-3A1B-475F-8FBF-56D4E202FDEA}" destId="{FBD6B138-464B-4A28-ADA6-FF2772146854}" srcOrd="4" destOrd="0" presId="urn:microsoft.com/office/officeart/2005/8/layout/radial5"/>
+    <dgm:cxn modelId="{48DC1951-E0AB-4D69-8D42-BAD2A4636A47}" type="presParOf" srcId="{C1F82EDE-3A1B-475F-8FBF-56D4E202FDEA}" destId="{6089C7AC-BE86-4DC5-BF36-04F6C702DCA3}" srcOrd="5" destOrd="0" presId="urn:microsoft.com/office/officeart/2005/8/layout/radial5"/>
+    <dgm:cxn modelId="{6C08AF34-E734-48EA-92E0-D4B529CEE1A3}" type="presParOf" srcId="{6089C7AC-BE86-4DC5-BF36-04F6C702DCA3}" destId="{7E5FFC28-2554-4679-94E0-6CD4EBAE5257}" srcOrd="0" destOrd="0" presId="urn:microsoft.com/office/officeart/2005/8/layout/radial5"/>
+    <dgm:cxn modelId="{115BF6E9-A523-4989-A848-C9E364001535}" type="presParOf" srcId="{C1F82EDE-3A1B-475F-8FBF-56D4E202FDEA}" destId="{89EC353B-2698-4806-8633-F3C3A200887C}" srcOrd="6" destOrd="0" presId="urn:microsoft.com/office/officeart/2005/8/layout/radial5"/>
+    <dgm:cxn modelId="{B0CB200E-3542-48C7-86A7-8AC184BD594F}" type="presParOf" srcId="{C1F82EDE-3A1B-475F-8FBF-56D4E202FDEA}" destId="{DB036232-841B-40DC-A78D-071E1A67DE06}" srcOrd="7" destOrd="0" presId="urn:microsoft.com/office/officeart/2005/8/layout/radial5"/>
+    <dgm:cxn modelId="{D55FE25A-1542-4D47-A506-D09CCA46DD85}" type="presParOf" srcId="{DB036232-841B-40DC-A78D-071E1A67DE06}" destId="{C7963CFE-1A2D-425F-AAF5-0B8794C5ED22}" srcOrd="0" destOrd="0" presId="urn:microsoft.com/office/officeart/2005/8/layout/radial5"/>
+    <dgm:cxn modelId="{19745701-424D-42D7-915D-D6224490544F}" type="presParOf" srcId="{C1F82EDE-3A1B-475F-8FBF-56D4E202FDEA}" destId="{0C8696C6-86F7-4C27-9FD9-43C1EDAFACC0}" srcOrd="8" destOrd="0" presId="urn:microsoft.com/office/officeart/2005/8/layout/radial5"/>
+    <dgm:cxn modelId="{FACD54A8-52BC-465B-8F3F-0D345932DE20}" type="presParOf" srcId="{C1F82EDE-3A1B-475F-8FBF-56D4E202FDEA}" destId="{A6373C0D-D84A-4961-A0E5-8125C4F88615}" srcOrd="9" destOrd="0" presId="urn:microsoft.com/office/officeart/2005/8/layout/radial5"/>
+    <dgm:cxn modelId="{E50EDF06-D798-4C84-BCE9-205C03DC7EEB}" type="presParOf" srcId="{A6373C0D-D84A-4961-A0E5-8125C4F88615}" destId="{CE3FC767-27B0-4F44-A526-1A2C85A32C8E}" srcOrd="0" destOrd="0" presId="urn:microsoft.com/office/officeart/2005/8/layout/radial5"/>
+    <dgm:cxn modelId="{14BC44B4-9E36-4A0E-85A9-6EF47D19BA86}" type="presParOf" srcId="{C1F82EDE-3A1B-475F-8FBF-56D4E202FDEA}" destId="{1ACE714B-E8A6-4606-A331-E73AF83A6A2D}" srcOrd="10" destOrd="0" presId="urn:microsoft.com/office/officeart/2005/8/layout/radial5"/>
+    <dgm:cxn modelId="{E63C85A9-DA7D-4DB2-A312-AEA2FD9CBFEA}" type="presParOf" srcId="{C1F82EDE-3A1B-475F-8FBF-56D4E202FDEA}" destId="{B7087D4A-1B45-4291-A7EE-0DD035BCFC8A}" srcOrd="11" destOrd="0" presId="urn:microsoft.com/office/officeart/2005/8/layout/radial5"/>
+    <dgm:cxn modelId="{85967D44-6784-4CDB-B4C2-DCD6AF319EB1}" type="presParOf" srcId="{B7087D4A-1B45-4291-A7EE-0DD035BCFC8A}" destId="{B28DD90A-1511-41B0-A092-E070AEB7EE02}" srcOrd="0" destOrd="0" presId="urn:microsoft.com/office/officeart/2005/8/layout/radial5"/>
+    <dgm:cxn modelId="{B267509C-D0CC-441A-96B0-3232B9864E06}" type="presParOf" srcId="{C1F82EDE-3A1B-475F-8FBF-56D4E202FDEA}" destId="{490F622B-DF42-46D9-889A-50EE0A7916FC}" srcOrd="12" destOrd="0" presId="urn:microsoft.com/office/officeart/2005/8/layout/radial5"/>
+  </dgm:cxnLst>
+  <dgm:bg/>
+  <dgm:whole/>
+  <dgm:extLst>
+    <a:ext uri="http://schemas.microsoft.com/office/drawing/2008/diagram">
+      <dsp:dataModelExt xmlns:dsp="http://schemas.microsoft.com/office/drawing/2008/diagram" relId="rId8" minVer="http://schemas.openxmlformats.org/drawingml/2006/diagram"/>
+    </a:ext>
+  </dgm:extLst>
+</dgm:dataModel>
+</file>
+
+<file path=ppt/diagrams/drawing1.xml><?xml version="1.0" encoding="utf-8"?>
+<dsp:drawing xmlns:dgm="http://schemas.openxmlformats.org/drawingml/2006/diagram" xmlns:dsp="http://schemas.microsoft.com/office/drawing/2008/diagram" xmlns:a="http://schemas.openxmlformats.org/drawingml/2006/main">
+  <dsp:spTree>
+    <dsp:nvGrpSpPr>
+      <dsp:cNvPr id="0" name=""/>
+      <dsp:cNvGrpSpPr/>
+    </dsp:nvGrpSpPr>
+    <dsp:grpSpPr/>
+    <dsp:sp modelId="{A4858121-A645-41F3-875B-288AAC93DAE7}">
+      <dsp:nvSpPr>
+        <dsp:cNvPr id="0" name=""/>
+        <dsp:cNvSpPr/>
+      </dsp:nvSpPr>
+      <dsp:spPr>
+        <a:xfrm>
+          <a:off x="2697777" y="1939501"/>
+          <a:ext cx="1835996" cy="1835996"/>
+        </a:xfrm>
+        <a:prstGeom prst="ellipse">
+          <a:avLst/>
+        </a:prstGeom>
+        <a:solidFill>
+          <a:schemeClr val="accent1">
+            <a:hueOff val="0"/>
+            <a:satOff val="0"/>
+            <a:lumOff val="0"/>
+            <a:alphaOff val="0"/>
+          </a:schemeClr>
+        </a:solidFill>
+        <a:ln w="19050" cap="flat" cmpd="sng" algn="ctr">
+          <a:solidFill>
+            <a:schemeClr val="lt1">
+              <a:hueOff val="0"/>
+              <a:satOff val="0"/>
+              <a:lumOff val="0"/>
+              <a:alphaOff val="0"/>
+            </a:schemeClr>
+          </a:solidFill>
+          <a:prstDash val="solid"/>
+        </a:ln>
+        <a:effectLst/>
+      </dsp:spPr>
+      <dsp:style>
+        <a:lnRef idx="2">
+          <a:scrgbClr r="0" g="0" b="0"/>
+        </a:lnRef>
+        <a:fillRef idx="1">
+          <a:scrgbClr r="0" g="0" b="0"/>
+        </a:fillRef>
+        <a:effectRef idx="0">
+          <a:scrgbClr r="0" g="0" b="0"/>
+        </a:effectRef>
+        <a:fontRef idx="minor">
+          <a:schemeClr val="lt1"/>
+        </a:fontRef>
+      </dsp:style>
+      <dsp:txBody>
+        <a:bodyPr spcFirstLastPara="0" vert="horz" wrap="square" lIns="0" tIns="0" rIns="0" bIns="0" numCol="1" spcCol="1270" anchor="ctr" anchorCtr="0">
+          <a:noAutofit/>
+        </a:bodyPr>
+        <a:lstStyle/>
+        <a:p>
+          <a:pPr lvl="0" algn="ctr" defTabSz="622300">
+            <a:lnSpc>
+              <a:spcPct val="100000"/>
+            </a:lnSpc>
+            <a:spcBef>
+              <a:spcPct val="0"/>
+            </a:spcBef>
+            <a:spcAft>
+              <a:spcPts val="0"/>
+            </a:spcAft>
+          </a:pPr>
+          <a:r>
+            <a:rPr lang="fr-FR" sz="1400" b="1" kern="1200" dirty="0" smtClean="0"/>
+            <a:t>MON AFFILIATION</a:t>
+          </a:r>
+          <a:endParaRPr lang="fr-FR" sz="1400" b="1" kern="1200" dirty="0"/>
+        </a:p>
+      </dsp:txBody>
+      <dsp:txXfrm>
+        <a:off x="2966652" y="2208376"/>
+        <a:ext cx="1298246" cy="1298246"/>
+      </dsp:txXfrm>
+    </dsp:sp>
+    <dsp:sp modelId="{3E2F12D6-4E1F-4D76-B406-56C85FD9EF7C}">
+      <dsp:nvSpPr>
+        <dsp:cNvPr id="0" name=""/>
+        <dsp:cNvSpPr/>
+      </dsp:nvSpPr>
+      <dsp:spPr>
+        <a:xfrm rot="15426224">
+          <a:off x="3256369" y="1511619"/>
+          <a:ext cx="219415" cy="510633"/>
+        </a:xfrm>
+        <a:prstGeom prst="rightArrow">
+          <a:avLst>
+            <a:gd name="adj1" fmla="val 60000"/>
+            <a:gd name="adj2" fmla="val 50000"/>
+          </a:avLst>
+        </a:prstGeom>
+        <a:solidFill>
+          <a:schemeClr val="accent1">
+            <a:tint val="60000"/>
+            <a:hueOff val="0"/>
+            <a:satOff val="0"/>
+            <a:lumOff val="0"/>
+            <a:alphaOff val="0"/>
+          </a:schemeClr>
+        </a:solidFill>
+        <a:ln>
+          <a:noFill/>
+        </a:ln>
+        <a:effectLst/>
+      </dsp:spPr>
+      <dsp:style>
+        <a:lnRef idx="0">
+          <a:scrgbClr r="0" g="0" b="0"/>
+        </a:lnRef>
+        <a:fillRef idx="1">
+          <a:scrgbClr r="0" g="0" b="0"/>
+        </a:fillRef>
+        <a:effectRef idx="0">
+          <a:scrgbClr r="0" g="0" b="0"/>
+        </a:effectRef>
+        <a:fontRef idx="minor">
+          <a:schemeClr val="lt1"/>
+        </a:fontRef>
+      </dsp:style>
+      <dsp:txBody>
+        <a:bodyPr spcFirstLastPara="0" vert="horz" wrap="square" lIns="0" tIns="0" rIns="0" bIns="0" numCol="1" spcCol="1270" anchor="ctr" anchorCtr="0">
+          <a:noAutofit/>
+        </a:bodyPr>
+        <a:lstStyle/>
+        <a:p>
+          <a:pPr lvl="0" algn="ctr" defTabSz="711200">
+            <a:lnSpc>
+              <a:spcPct val="90000"/>
+            </a:lnSpc>
+            <a:spcBef>
+              <a:spcPct val="0"/>
+            </a:spcBef>
+            <a:spcAft>
+              <a:spcPct val="35000"/>
+            </a:spcAft>
+          </a:pPr>
+          <a:endParaRPr lang="fr-FR" sz="1600" kern="1200"/>
+        </a:p>
+      </dsp:txBody>
+      <dsp:txXfrm rot="10800000">
+        <a:off x="3296627" y="1645828"/>
+        <a:ext cx="153591" cy="306379"/>
+      </dsp:txXfrm>
+    </dsp:sp>
+    <dsp:sp modelId="{29906ED4-A1F1-4317-A7E0-39757C531431}">
+      <dsp:nvSpPr>
+        <dsp:cNvPr id="0" name=""/>
+        <dsp:cNvSpPr/>
+      </dsp:nvSpPr>
+      <dsp:spPr>
+        <a:xfrm>
+          <a:off x="2400298" y="76204"/>
+          <a:ext cx="1501200" cy="1501861"/>
+        </a:xfrm>
+        <a:prstGeom prst="ellipse">
+          <a:avLst/>
+        </a:prstGeom>
+        <a:solidFill>
+          <a:schemeClr val="accent1">
+            <a:hueOff val="0"/>
+            <a:satOff val="0"/>
+            <a:lumOff val="0"/>
+            <a:alphaOff val="0"/>
+          </a:schemeClr>
+        </a:solidFill>
+        <a:ln w="19050" cap="flat" cmpd="sng" algn="ctr">
+          <a:solidFill>
+            <a:schemeClr val="lt1">
+              <a:hueOff val="0"/>
+              <a:satOff val="0"/>
+              <a:lumOff val="0"/>
+              <a:alphaOff val="0"/>
+            </a:schemeClr>
+          </a:solidFill>
+          <a:prstDash val="solid"/>
+        </a:ln>
+        <a:effectLst/>
+      </dsp:spPr>
+      <dsp:style>
+        <a:lnRef idx="2">
+          <a:scrgbClr r="0" g="0" b="0"/>
+        </a:lnRef>
+        <a:fillRef idx="1">
+          <a:scrgbClr r="0" g="0" b="0"/>
+        </a:fillRef>
+        <a:effectRef idx="0">
+          <a:scrgbClr r="0" g="0" b="0"/>
+        </a:effectRef>
+        <a:fontRef idx="minor">
+          <a:schemeClr val="lt1"/>
+        </a:fontRef>
+      </dsp:style>
+      <dsp:txBody>
+        <a:bodyPr spcFirstLastPara="0" vert="horz" wrap="square" lIns="20320" tIns="20320" rIns="20320" bIns="20320" numCol="1" spcCol="1270" anchor="ctr" anchorCtr="0">
+          <a:noAutofit/>
+        </a:bodyPr>
+        <a:lstStyle/>
+        <a:p>
+          <a:pPr lvl="0" algn="ctr" defTabSz="711200">
+            <a:lnSpc>
+              <a:spcPct val="90000"/>
+            </a:lnSpc>
+            <a:spcBef>
+              <a:spcPct val="0"/>
+            </a:spcBef>
+            <a:spcAft>
+              <a:spcPct val="35000"/>
+            </a:spcAft>
+          </a:pPr>
+          <a:r>
+            <a:rPr lang="fr-FR" sz="1600" kern="1200" dirty="0" smtClean="0"/>
+            <a:t>étude du cahier SFD </a:t>
+          </a:r>
+          <a:endParaRPr lang="fr-FR" sz="1600" kern="1200" dirty="0"/>
+        </a:p>
+      </dsp:txBody>
+      <dsp:txXfrm>
+        <a:off x="2620144" y="296146"/>
+        <a:ext cx="1061508" cy="1061977"/>
+      </dsp:txXfrm>
+    </dsp:sp>
+    <dsp:sp modelId="{F55ED1D0-71EB-44C0-8451-60F419FF3CEC}">
+      <dsp:nvSpPr>
+        <dsp:cNvPr id="0" name=""/>
+        <dsp:cNvSpPr/>
+      </dsp:nvSpPr>
+      <dsp:spPr>
+        <a:xfrm rot="18936812">
+          <a:off x="4301380" y="1837113"/>
+          <a:ext cx="192054" cy="510633"/>
+        </a:xfrm>
+        <a:prstGeom prst="rightArrow">
+          <a:avLst>
+            <a:gd name="adj1" fmla="val 60000"/>
+            <a:gd name="adj2" fmla="val 50000"/>
+          </a:avLst>
+        </a:prstGeom>
+        <a:solidFill>
+          <a:schemeClr val="accent1">
+            <a:tint val="60000"/>
+            <a:hueOff val="0"/>
+            <a:satOff val="0"/>
+            <a:lumOff val="0"/>
+            <a:alphaOff val="0"/>
+          </a:schemeClr>
+        </a:solidFill>
+        <a:ln>
+          <a:noFill/>
+        </a:ln>
+        <a:effectLst/>
+      </dsp:spPr>
+      <dsp:style>
+        <a:lnRef idx="0">
+          <a:scrgbClr r="0" g="0" b="0"/>
+        </a:lnRef>
+        <a:fillRef idx="1">
+          <a:scrgbClr r="0" g="0" b="0"/>
+        </a:fillRef>
+        <a:effectRef idx="0">
+          <a:scrgbClr r="0" g="0" b="0"/>
+        </a:effectRef>
+        <a:fontRef idx="minor">
+          <a:schemeClr val="lt1"/>
+        </a:fontRef>
+      </dsp:style>
+      <dsp:txBody>
+        <a:bodyPr spcFirstLastPara="0" vert="horz" wrap="square" lIns="0" tIns="0" rIns="0" bIns="0" numCol="1" spcCol="1270" anchor="ctr" anchorCtr="0">
+          <a:noAutofit/>
+        </a:bodyPr>
+        <a:lstStyle/>
+        <a:p>
+          <a:pPr lvl="0" algn="ctr" defTabSz="711200">
+            <a:lnSpc>
+              <a:spcPct val="90000"/>
+            </a:lnSpc>
+            <a:spcBef>
+              <a:spcPct val="0"/>
+            </a:spcBef>
+            <a:spcAft>
+              <a:spcPct val="35000"/>
+            </a:spcAft>
+          </a:pPr>
+          <a:endParaRPr lang="fr-FR" sz="1600" kern="1200"/>
+        </a:p>
+      </dsp:txBody>
+      <dsp:txXfrm>
+        <a:off x="4309601" y="1959391"/>
+        <a:ext cx="134438" cy="306379"/>
+      </dsp:txXfrm>
+    </dsp:sp>
+    <dsp:sp modelId="{FBD6B138-464B-4A28-ADA6-FF2772146854}">
+      <dsp:nvSpPr>
+        <dsp:cNvPr id="0" name=""/>
+        <dsp:cNvSpPr/>
+      </dsp:nvSpPr>
+      <dsp:spPr>
+        <a:xfrm>
+          <a:off x="4316695" y="685806"/>
+          <a:ext cx="1501200" cy="1501861"/>
+        </a:xfrm>
+        <a:prstGeom prst="ellipse">
+          <a:avLst/>
+        </a:prstGeom>
+        <a:solidFill>
+          <a:schemeClr val="accent1">
+            <a:hueOff val="0"/>
+            <a:satOff val="0"/>
+            <a:lumOff val="0"/>
+            <a:alphaOff val="0"/>
+          </a:schemeClr>
+        </a:solidFill>
+        <a:ln w="19050" cap="flat" cmpd="sng" algn="ctr">
+          <a:solidFill>
+            <a:schemeClr val="lt1">
+              <a:hueOff val="0"/>
+              <a:satOff val="0"/>
+              <a:lumOff val="0"/>
+              <a:alphaOff val="0"/>
+            </a:schemeClr>
+          </a:solidFill>
+          <a:prstDash val="solid"/>
+        </a:ln>
+        <a:effectLst/>
+      </dsp:spPr>
+      <dsp:style>
+        <a:lnRef idx="2">
+          <a:scrgbClr r="0" g="0" b="0"/>
+        </a:lnRef>
+        <a:fillRef idx="1">
+          <a:scrgbClr r="0" g="0" b="0"/>
+        </a:fillRef>
+        <a:effectRef idx="0">
+          <a:scrgbClr r="0" g="0" b="0"/>
+        </a:effectRef>
+        <a:fontRef idx="minor">
+          <a:schemeClr val="lt1"/>
+        </a:fontRef>
+      </dsp:style>
+      <dsp:txBody>
+        <a:bodyPr spcFirstLastPara="0" vert="horz" wrap="square" lIns="20320" tIns="20320" rIns="20320" bIns="20320" numCol="1" spcCol="1270" anchor="ctr" anchorCtr="0">
+          <a:noAutofit/>
+        </a:bodyPr>
+        <a:lstStyle/>
+        <a:p>
+          <a:pPr lvl="0" algn="ctr" defTabSz="711200">
+            <a:lnSpc>
+              <a:spcPct val="90000"/>
+            </a:lnSpc>
+            <a:spcBef>
+              <a:spcPct val="0"/>
+            </a:spcBef>
+            <a:spcAft>
+              <a:spcPct val="35000"/>
+            </a:spcAft>
+          </a:pPr>
+          <a:r>
+            <a:rPr lang="fr-FR" sz="1600" kern="1200" dirty="0" smtClean="0"/>
+            <a:t>solutions front-end </a:t>
+          </a:r>
+          <a:endParaRPr lang="fr-FR" sz="1600" kern="1200" dirty="0"/>
+        </a:p>
+      </dsp:txBody>
+      <dsp:txXfrm>
+        <a:off x="4536541" y="905748"/>
+        <a:ext cx="1061508" cy="1061977"/>
+      </dsp:txXfrm>
+    </dsp:sp>
+    <dsp:sp modelId="{6089C7AC-BE86-4DC5-BF36-04F6C702DCA3}">
+      <dsp:nvSpPr>
+        <dsp:cNvPr id="0" name=""/>
+        <dsp:cNvSpPr/>
+      </dsp:nvSpPr>
+      <dsp:spPr>
+        <a:xfrm rot="1543267">
+          <a:off x="4502374" y="3161385"/>
+          <a:ext cx="548482" cy="510633"/>
+        </a:xfrm>
+        <a:prstGeom prst="rightArrow">
+          <a:avLst>
+            <a:gd name="adj1" fmla="val 60000"/>
+            <a:gd name="adj2" fmla="val 50000"/>
+          </a:avLst>
+        </a:prstGeom>
+        <a:solidFill>
+          <a:schemeClr val="accent1">
+            <a:tint val="60000"/>
+            <a:hueOff val="0"/>
+            <a:satOff val="0"/>
+            <a:lumOff val="0"/>
+            <a:alphaOff val="0"/>
+          </a:schemeClr>
+        </a:solidFill>
+        <a:ln>
+          <a:noFill/>
+        </a:ln>
+        <a:effectLst/>
+      </dsp:spPr>
+      <dsp:style>
+        <a:lnRef idx="0">
+          <a:scrgbClr r="0" g="0" b="0"/>
+        </a:lnRef>
+        <a:fillRef idx="1">
+          <a:scrgbClr r="0" g="0" b="0"/>
+        </a:fillRef>
+        <a:effectRef idx="0">
+          <a:scrgbClr r="0" g="0" b="0"/>
+        </a:effectRef>
+        <a:fontRef idx="minor">
+          <a:schemeClr val="lt1"/>
+        </a:fontRef>
+      </dsp:style>
+      <dsp:txBody>
+        <a:bodyPr spcFirstLastPara="0" vert="horz" wrap="square" lIns="0" tIns="0" rIns="0" bIns="0" numCol="1" spcCol="1270" anchor="ctr" anchorCtr="0">
+          <a:noAutofit/>
+        </a:bodyPr>
+        <a:lstStyle/>
+        <a:p>
+          <a:pPr lvl="0" algn="ctr" defTabSz="711200">
+            <a:lnSpc>
+              <a:spcPct val="90000"/>
+            </a:lnSpc>
+            <a:spcBef>
+              <a:spcPct val="0"/>
+            </a:spcBef>
+            <a:spcAft>
+              <a:spcPct val="35000"/>
+            </a:spcAft>
+          </a:pPr>
+          <a:endParaRPr lang="fr-FR" sz="1600" kern="1200"/>
+        </a:p>
+      </dsp:txBody>
+      <dsp:txXfrm>
+        <a:off x="4509963" y="3230270"/>
+        <a:ext cx="395292" cy="306379"/>
+      </dsp:txXfrm>
+    </dsp:sp>
+    <dsp:sp modelId="{89EC353B-2698-4806-8633-F3C3A200887C}">
+      <dsp:nvSpPr>
+        <dsp:cNvPr id="0" name=""/>
+        <dsp:cNvSpPr/>
+      </dsp:nvSpPr>
+      <dsp:spPr>
+        <a:xfrm>
+          <a:off x="5056747" y="3162296"/>
+          <a:ext cx="1501200" cy="1501861"/>
+        </a:xfrm>
+        <a:prstGeom prst="ellipse">
+          <a:avLst/>
+        </a:prstGeom>
+        <a:solidFill>
+          <a:schemeClr val="accent1">
+            <a:hueOff val="0"/>
+            <a:satOff val="0"/>
+            <a:lumOff val="0"/>
+            <a:alphaOff val="0"/>
+          </a:schemeClr>
+        </a:solidFill>
+        <a:ln w="19050" cap="flat" cmpd="sng" algn="ctr">
+          <a:solidFill>
+            <a:schemeClr val="lt1">
+              <a:hueOff val="0"/>
+              <a:satOff val="0"/>
+              <a:lumOff val="0"/>
+              <a:alphaOff val="0"/>
+            </a:schemeClr>
+          </a:solidFill>
+          <a:prstDash val="solid"/>
+        </a:ln>
+        <a:effectLst/>
+      </dsp:spPr>
+      <dsp:style>
+        <a:lnRef idx="2">
+          <a:scrgbClr r="0" g="0" b="0"/>
+        </a:lnRef>
+        <a:fillRef idx="1">
+          <a:scrgbClr r="0" g="0" b="0"/>
+        </a:fillRef>
+        <a:effectRef idx="0">
+          <a:scrgbClr r="0" g="0" b="0"/>
+        </a:effectRef>
+        <a:fontRef idx="minor">
+          <a:schemeClr val="lt1"/>
+        </a:fontRef>
+      </dsp:style>
+      <dsp:txBody>
+        <a:bodyPr spcFirstLastPara="0" vert="horz" wrap="square" lIns="20320" tIns="20320" rIns="20320" bIns="20320" numCol="1" spcCol="1270" anchor="ctr" anchorCtr="0">
+          <a:noAutofit/>
+        </a:bodyPr>
+        <a:lstStyle/>
+        <a:p>
+          <a:pPr lvl="0" algn="ctr" defTabSz="711200">
+            <a:lnSpc>
+              <a:spcPct val="90000"/>
+            </a:lnSpc>
+            <a:spcBef>
+              <a:spcPct val="0"/>
+            </a:spcBef>
+            <a:spcAft>
+              <a:spcPct val="35000"/>
+            </a:spcAft>
+          </a:pPr>
+          <a:r>
+            <a:rPr lang="fr-FR" sz="1600" kern="1200" dirty="0" smtClean="0"/>
+            <a:t>solutions back-end</a:t>
+          </a:r>
+          <a:endParaRPr lang="fr-FR" sz="1600" kern="1200" dirty="0"/>
+        </a:p>
+      </dsp:txBody>
+      <dsp:txXfrm>
+        <a:off x="5276593" y="3382238"/>
+        <a:ext cx="1061508" cy="1061977"/>
+      </dsp:txXfrm>
+    </dsp:sp>
+    <dsp:sp modelId="{DB036232-841B-40DC-A78D-071E1A67DE06}">
+      <dsp:nvSpPr>
+        <dsp:cNvPr id="0" name=""/>
+        <dsp:cNvSpPr/>
+      </dsp:nvSpPr>
+      <dsp:spPr>
+        <a:xfrm rot="5405888">
+          <a:off x="3503882" y="3721456"/>
+          <a:ext cx="219951" cy="510633"/>
+        </a:xfrm>
+        <a:prstGeom prst="rightArrow">
+          <a:avLst>
+            <a:gd name="adj1" fmla="val 60000"/>
+            <a:gd name="adj2" fmla="val 50000"/>
+          </a:avLst>
+        </a:prstGeom>
+        <a:solidFill>
+          <a:schemeClr val="accent1">
+            <a:tint val="60000"/>
+            <a:hueOff val="0"/>
+            <a:satOff val="0"/>
+            <a:lumOff val="0"/>
+            <a:alphaOff val="0"/>
+          </a:schemeClr>
+        </a:solidFill>
+        <a:ln>
+          <a:noFill/>
+        </a:ln>
+        <a:effectLst/>
+      </dsp:spPr>
+      <dsp:style>
+        <a:lnRef idx="0">
+          <a:scrgbClr r="0" g="0" b="0"/>
+        </a:lnRef>
+        <a:fillRef idx="1">
+          <a:scrgbClr r="0" g="0" b="0"/>
+        </a:fillRef>
+        <a:effectRef idx="0">
+          <a:scrgbClr r="0" g="0" b="0"/>
+        </a:effectRef>
+        <a:fontRef idx="minor">
+          <a:schemeClr val="lt1"/>
+        </a:fontRef>
+      </dsp:style>
+      <dsp:txBody>
+        <a:bodyPr spcFirstLastPara="0" vert="horz" wrap="square" lIns="0" tIns="0" rIns="0" bIns="0" numCol="1" spcCol="1270" anchor="ctr" anchorCtr="0">
+          <a:noAutofit/>
+        </a:bodyPr>
+        <a:lstStyle/>
+        <a:p>
+          <a:pPr lvl="0" algn="ctr" defTabSz="711200">
+            <a:lnSpc>
+              <a:spcPct val="90000"/>
+            </a:lnSpc>
+            <a:spcBef>
+              <a:spcPct val="0"/>
+            </a:spcBef>
+            <a:spcAft>
+              <a:spcPct val="35000"/>
+            </a:spcAft>
+          </a:pPr>
+          <a:endParaRPr lang="fr-FR" sz="1600" kern="1200"/>
+        </a:p>
+      </dsp:txBody>
+      <dsp:txXfrm rot="10800000">
+        <a:off x="3536931" y="3790591"/>
+        <a:ext cx="153966" cy="306379"/>
+      </dsp:txXfrm>
+    </dsp:sp>
+    <dsp:sp modelId="{0C8696C6-86F7-4C27-9FD9-43C1EDAFACC0}">
+      <dsp:nvSpPr>
+        <dsp:cNvPr id="0" name=""/>
+        <dsp:cNvSpPr/>
+      </dsp:nvSpPr>
+      <dsp:spPr>
+        <a:xfrm>
+          <a:off x="2861605" y="4190498"/>
+          <a:ext cx="1501200" cy="1501861"/>
+        </a:xfrm>
+        <a:prstGeom prst="ellipse">
+          <a:avLst/>
+        </a:prstGeom>
+        <a:solidFill>
+          <a:schemeClr val="accent1">
+            <a:hueOff val="0"/>
+            <a:satOff val="0"/>
+            <a:lumOff val="0"/>
+            <a:alphaOff val="0"/>
+          </a:schemeClr>
+        </a:solidFill>
+        <a:ln w="19050" cap="flat" cmpd="sng" algn="ctr">
+          <a:solidFill>
+            <a:schemeClr val="lt1">
+              <a:hueOff val="0"/>
+              <a:satOff val="0"/>
+              <a:lumOff val="0"/>
+              <a:alphaOff val="0"/>
+            </a:schemeClr>
+          </a:solidFill>
+          <a:prstDash val="solid"/>
+        </a:ln>
+        <a:effectLst/>
+      </dsp:spPr>
+      <dsp:style>
+        <a:lnRef idx="2">
+          <a:scrgbClr r="0" g="0" b="0"/>
+        </a:lnRef>
+        <a:fillRef idx="1">
+          <a:scrgbClr r="0" g="0" b="0"/>
+        </a:fillRef>
+        <a:effectRef idx="0">
+          <a:scrgbClr r="0" g="0" b="0"/>
+        </a:effectRef>
+        <a:fontRef idx="minor">
+          <a:schemeClr val="lt1"/>
+        </a:fontRef>
+      </dsp:style>
+      <dsp:txBody>
+        <a:bodyPr spcFirstLastPara="0" vert="horz" wrap="square" lIns="20320" tIns="20320" rIns="20320" bIns="20320" numCol="1" spcCol="1270" anchor="ctr" anchorCtr="0">
+          <a:noAutofit/>
+        </a:bodyPr>
+        <a:lstStyle/>
+        <a:p>
+          <a:pPr lvl="0" algn="ctr" defTabSz="711200">
+            <a:lnSpc>
+              <a:spcPct val="90000"/>
+            </a:lnSpc>
+            <a:spcBef>
+              <a:spcPct val="0"/>
+            </a:spcBef>
+            <a:spcAft>
+              <a:spcPct val="35000"/>
+            </a:spcAft>
+          </a:pPr>
+          <a:r>
+            <a:rPr lang="fr-FR" sz="1600" kern="1200" dirty="0" smtClean="0"/>
+            <a:t>nettoyage du code</a:t>
+          </a:r>
+          <a:endParaRPr lang="fr-FR" sz="1600" kern="1200" dirty="0"/>
+        </a:p>
+      </dsp:txBody>
+      <dsp:txXfrm>
+        <a:off x="3081451" y="4410440"/>
+        <a:ext cx="1061508" cy="1061977"/>
+      </dsp:txXfrm>
+    </dsp:sp>
+    <dsp:sp modelId="{A6373C0D-D84A-4961-A0E5-8125C4F88615}">
+      <dsp:nvSpPr>
+        <dsp:cNvPr id="0" name=""/>
+        <dsp:cNvSpPr/>
+      </dsp:nvSpPr>
+      <dsp:spPr>
+        <a:xfrm rot="8888312">
+          <a:off x="2563137" y="3189998"/>
+          <a:ext cx="213713" cy="510633"/>
+        </a:xfrm>
+        <a:prstGeom prst="rightArrow">
+          <a:avLst>
+            <a:gd name="adj1" fmla="val 60000"/>
+            <a:gd name="adj2" fmla="val 50000"/>
+          </a:avLst>
+        </a:prstGeom>
+        <a:solidFill>
+          <a:schemeClr val="accent1">
+            <a:tint val="60000"/>
+            <a:hueOff val="0"/>
+            <a:satOff val="0"/>
+            <a:lumOff val="0"/>
+            <a:alphaOff val="0"/>
+          </a:schemeClr>
+        </a:solidFill>
+        <a:ln>
+          <a:noFill/>
+        </a:ln>
+        <a:effectLst/>
+      </dsp:spPr>
+      <dsp:style>
+        <a:lnRef idx="0">
+          <a:scrgbClr r="0" g="0" b="0"/>
+        </a:lnRef>
+        <a:fillRef idx="1">
+          <a:scrgbClr r="0" g="0" b="0"/>
+        </a:fillRef>
+        <a:effectRef idx="0">
+          <a:scrgbClr r="0" g="0" b="0"/>
+        </a:effectRef>
+        <a:fontRef idx="minor">
+          <a:schemeClr val="lt1"/>
+        </a:fontRef>
+      </dsp:style>
+      <dsp:txBody>
+        <a:bodyPr spcFirstLastPara="0" vert="horz" wrap="square" lIns="0" tIns="0" rIns="0" bIns="0" numCol="1" spcCol="1270" anchor="ctr" anchorCtr="0">
+          <a:noAutofit/>
+        </a:bodyPr>
+        <a:lstStyle/>
+        <a:p>
+          <a:pPr lvl="0" algn="ctr" defTabSz="711200">
+            <a:lnSpc>
+              <a:spcPct val="90000"/>
+            </a:lnSpc>
+            <a:spcBef>
+              <a:spcPct val="0"/>
+            </a:spcBef>
+            <a:spcAft>
+              <a:spcPct val="35000"/>
+            </a:spcAft>
+          </a:pPr>
+          <a:endParaRPr lang="fr-FR" sz="1600" kern="1200"/>
+        </a:p>
+      </dsp:txBody>
+      <dsp:txXfrm rot="10800000">
+        <a:off x="2622421" y="3275203"/>
+        <a:ext cx="149599" cy="306379"/>
+      </dsp:txXfrm>
+    </dsp:sp>
+    <dsp:sp modelId="{1ACE714B-E8A6-4606-A331-E73AF83A6A2D}">
+      <dsp:nvSpPr>
+        <dsp:cNvPr id="0" name=""/>
+        <dsp:cNvSpPr/>
+      </dsp:nvSpPr>
+      <dsp:spPr>
+        <a:xfrm>
+          <a:off x="1104901" y="3200395"/>
+          <a:ext cx="1501861" cy="1501861"/>
+        </a:xfrm>
+        <a:prstGeom prst="ellipse">
+          <a:avLst/>
+        </a:prstGeom>
+        <a:solidFill>
+          <a:schemeClr val="accent1">
+            <a:hueOff val="0"/>
+            <a:satOff val="0"/>
+            <a:lumOff val="0"/>
+            <a:alphaOff val="0"/>
+          </a:schemeClr>
+        </a:solidFill>
+        <a:ln w="19050" cap="flat" cmpd="sng" algn="ctr">
+          <a:solidFill>
+            <a:schemeClr val="lt1">
+              <a:hueOff val="0"/>
+              <a:satOff val="0"/>
+              <a:lumOff val="0"/>
+              <a:alphaOff val="0"/>
+            </a:schemeClr>
+          </a:solidFill>
+          <a:prstDash val="solid"/>
+        </a:ln>
+        <a:effectLst/>
+      </dsp:spPr>
+      <dsp:style>
+        <a:lnRef idx="2">
+          <a:scrgbClr r="0" g="0" b="0"/>
+        </a:lnRef>
+        <a:fillRef idx="1">
+          <a:scrgbClr r="0" g="0" b="0"/>
+        </a:fillRef>
+        <a:effectRef idx="0">
+          <a:scrgbClr r="0" g="0" b="0"/>
+        </a:effectRef>
+        <a:fontRef idx="minor">
+          <a:schemeClr val="lt1"/>
+        </a:fontRef>
+      </dsp:style>
+      <dsp:txBody>
+        <a:bodyPr spcFirstLastPara="0" vert="horz" wrap="square" lIns="20320" tIns="20320" rIns="20320" bIns="20320" numCol="1" spcCol="1270" anchor="ctr" anchorCtr="0">
+          <a:noAutofit/>
+        </a:bodyPr>
+        <a:lstStyle/>
+        <a:p>
+          <a:pPr lvl="0" algn="ctr" defTabSz="711200">
+            <a:lnSpc>
+              <a:spcPct val="90000"/>
+            </a:lnSpc>
+            <a:spcBef>
+              <a:spcPct val="0"/>
+            </a:spcBef>
+            <a:spcAft>
+              <a:spcPct val="35000"/>
+            </a:spcAft>
+          </a:pPr>
+          <a:r>
+            <a:rPr lang="fr-FR" sz="1600" kern="1200" dirty="0" smtClean="0"/>
+            <a:t>recette</a:t>
+          </a:r>
+          <a:endParaRPr lang="fr-FR" sz="1600" kern="1200" dirty="0"/>
+        </a:p>
+      </dsp:txBody>
+      <dsp:txXfrm>
+        <a:off x="1324843" y="3420337"/>
+        <a:ext cx="1061977" cy="1061977"/>
+      </dsp:txXfrm>
+    </dsp:sp>
+    <dsp:sp modelId="{B7087D4A-1B45-4291-A7EE-0DD035BCFC8A}">
+      <dsp:nvSpPr>
+        <dsp:cNvPr id="0" name=""/>
+        <dsp:cNvSpPr/>
+      </dsp:nvSpPr>
+      <dsp:spPr>
+        <a:xfrm rot="12086891">
+          <a:off x="2367717" y="2169066"/>
+          <a:ext cx="291208" cy="510633"/>
+        </a:xfrm>
+        <a:prstGeom prst="rightArrow">
+          <a:avLst>
+            <a:gd name="adj1" fmla="val 60000"/>
+            <a:gd name="adj2" fmla="val 50000"/>
+          </a:avLst>
+        </a:prstGeom>
+        <a:solidFill>
+          <a:schemeClr val="accent1">
+            <a:tint val="60000"/>
+            <a:hueOff val="0"/>
+            <a:satOff val="0"/>
+            <a:lumOff val="0"/>
+            <a:alphaOff val="0"/>
+          </a:schemeClr>
+        </a:solidFill>
+        <a:ln>
+          <a:noFill/>
+        </a:ln>
+        <a:effectLst/>
+      </dsp:spPr>
+      <dsp:style>
+        <a:lnRef idx="0">
+          <a:scrgbClr r="0" g="0" b="0"/>
+        </a:lnRef>
+        <a:fillRef idx="1">
+          <a:scrgbClr r="0" g="0" b="0"/>
+        </a:fillRef>
+        <a:effectRef idx="0">
+          <a:scrgbClr r="0" g="0" b="0"/>
+        </a:effectRef>
+        <a:fontRef idx="minor">
+          <a:schemeClr val="lt1"/>
+        </a:fontRef>
+      </dsp:style>
+      <dsp:txBody>
+        <a:bodyPr spcFirstLastPara="0" vert="horz" wrap="square" lIns="0" tIns="0" rIns="0" bIns="0" numCol="1" spcCol="1270" anchor="ctr" anchorCtr="0">
+          <a:noAutofit/>
+        </a:bodyPr>
+        <a:lstStyle/>
+        <a:p>
+          <a:pPr lvl="0" algn="ctr" defTabSz="711200">
+            <a:lnSpc>
+              <a:spcPct val="90000"/>
+            </a:lnSpc>
+            <a:spcBef>
+              <a:spcPct val="0"/>
+            </a:spcBef>
+            <a:spcAft>
+              <a:spcPct val="35000"/>
+            </a:spcAft>
+          </a:pPr>
+          <a:endParaRPr lang="fr-FR" sz="1600" kern="1200"/>
+        </a:p>
+      </dsp:txBody>
+      <dsp:txXfrm rot="10800000">
+        <a:off x="2452054" y="2287165"/>
+        <a:ext cx="203846" cy="306379"/>
+      </dsp:txXfrm>
+    </dsp:sp>
+    <dsp:sp modelId="{490F622B-DF42-46D9-889A-50EE0A7916FC}">
+      <dsp:nvSpPr>
+        <dsp:cNvPr id="0" name=""/>
+        <dsp:cNvSpPr/>
+      </dsp:nvSpPr>
+      <dsp:spPr>
+        <a:xfrm>
+          <a:off x="800091" y="1295397"/>
+          <a:ext cx="1501861" cy="1501861"/>
+        </a:xfrm>
+        <a:prstGeom prst="ellipse">
+          <a:avLst/>
+        </a:prstGeom>
+        <a:solidFill>
+          <a:schemeClr val="accent1">
+            <a:hueOff val="0"/>
+            <a:satOff val="0"/>
+            <a:lumOff val="0"/>
+            <a:alphaOff val="0"/>
+          </a:schemeClr>
+        </a:solidFill>
+        <a:ln w="19050" cap="flat" cmpd="sng" algn="ctr">
+          <a:solidFill>
+            <a:schemeClr val="lt1">
+              <a:hueOff val="0"/>
+              <a:satOff val="0"/>
+              <a:lumOff val="0"/>
+              <a:alphaOff val="0"/>
+            </a:schemeClr>
+          </a:solidFill>
+          <a:prstDash val="solid"/>
+        </a:ln>
+        <a:effectLst/>
+      </dsp:spPr>
+      <dsp:style>
+        <a:lnRef idx="2">
+          <a:scrgbClr r="0" g="0" b="0"/>
+        </a:lnRef>
+        <a:fillRef idx="1">
+          <a:scrgbClr r="0" g="0" b="0"/>
+        </a:fillRef>
+        <a:effectRef idx="0">
+          <a:scrgbClr r="0" g="0" b="0"/>
+        </a:effectRef>
+        <a:fontRef idx="minor">
+          <a:schemeClr val="lt1"/>
+        </a:fontRef>
+      </dsp:style>
+      <dsp:txBody>
+        <a:bodyPr spcFirstLastPara="0" vert="horz" wrap="square" lIns="20320" tIns="20320" rIns="20320" bIns="20320" numCol="1" spcCol="1270" anchor="ctr" anchorCtr="0">
+          <a:noAutofit/>
+        </a:bodyPr>
+        <a:lstStyle/>
+        <a:p>
+          <a:pPr lvl="0" algn="ctr" defTabSz="711200">
+            <a:lnSpc>
+              <a:spcPct val="90000"/>
+            </a:lnSpc>
+            <a:spcBef>
+              <a:spcPct val="0"/>
+            </a:spcBef>
+            <a:spcAft>
+              <a:spcPct val="35000"/>
+            </a:spcAft>
+          </a:pPr>
+          <a:r>
+            <a:rPr lang="fr-FR" sz="1600" kern="1200" dirty="0" smtClean="0"/>
+            <a:t>mise en production</a:t>
+          </a:r>
+          <a:endParaRPr lang="fr-FR" sz="1600" kern="1200" dirty="0"/>
+        </a:p>
+      </dsp:txBody>
+      <dsp:txXfrm>
+        <a:off x="1020033" y="1515339"/>
+        <a:ext cx="1061977" cy="1061977"/>
+      </dsp:txXfrm>
+    </dsp:sp>
+  </dsp:spTree>
+</dsp:drawing>
+</file>
+
+<file path=ppt/diagrams/layout1.xml><?xml version="1.0" encoding="utf-8"?>
+<dgm:layoutDef xmlns:dgm="http://schemas.openxmlformats.org/drawingml/2006/diagram" xmlns:a="http://schemas.openxmlformats.org/drawingml/2006/main" uniqueId="urn:microsoft.com/office/officeart/2005/8/layout/radial5">
+  <dgm:title val=""/>
+  <dgm:desc val=""/>
+  <dgm:catLst>
+    <dgm:cat type="relationship" pri="23000"/>
+    <dgm:cat type="cycle" pri="11000"/>
+  </dgm:catLst>
+  <dgm:sampData>
+    <dgm:dataModel>
+      <dgm:ptLst>
+        <dgm:pt modelId="0" type="doc"/>
+        <dgm:pt modelId="1">
+          <dgm:prSet phldr="1"/>
+        </dgm:pt>
+        <dgm:pt modelId="11">
+          <dgm:prSet phldr="1"/>
+        </dgm:pt>
+        <dgm:pt modelId="12">
+          <dgm:prSet phldr="1"/>
+        </dgm:pt>
+        <dgm:pt modelId="13">
+          <dgm:prSet phldr="1"/>
+        </dgm:pt>
+        <dgm:pt modelId="14">
+          <dgm:prSet phldr="1"/>
+        </dgm:pt>
+      </dgm:ptLst>
+      <dgm:cxnLst>
+        <dgm:cxn modelId="2" srcId="0" destId="1" srcOrd="0" destOrd="0"/>
+        <dgm:cxn modelId="3" srcId="1" destId="11" srcOrd="0" destOrd="0"/>
+        <dgm:cxn modelId="4" srcId="1" destId="12" srcOrd="1" destOrd="0"/>
+        <dgm:cxn modelId="5" srcId="1" destId="13" srcOrd="2" destOrd="0"/>
+        <dgm:cxn modelId="6" srcId="1" destId="14" srcOrd="3" destOrd="0"/>
+      </dgm:cxnLst>
+      <dgm:bg/>
+      <dgm:whole/>
+    </dgm:dataModel>
+  </dgm:sampData>
+  <dgm:styleData>
+    <dgm:dataModel>
+      <dgm:ptLst>
+        <dgm:pt modelId="0" type="doc"/>
+        <dgm:pt modelId="1"/>
+        <dgm:pt modelId="11"/>
+        <dgm:pt modelId="12"/>
+        <dgm:pt modelId="13"/>
+      </dgm:ptLst>
+      <dgm:cxnLst>
+        <dgm:cxn modelId="2" srcId="0" destId="1" srcOrd="0" destOrd="0"/>
+        <dgm:cxn modelId="15" srcId="1" destId="11" srcOrd="0" destOrd="0"/>
+        <dgm:cxn modelId="16" srcId="1" destId="12" srcOrd="1" destOrd="0"/>
+        <dgm:cxn modelId="17" srcId="1" destId="13" srcOrd="2" destOrd="0"/>
+      </dgm:cxnLst>
+      <dgm:bg/>
+      <dgm:whole/>
+    </dgm:dataModel>
+  </dgm:styleData>
+  <dgm:clrData>
+    <dgm:dataModel>
+      <dgm:ptLst>
+        <dgm:pt modelId="0" type="doc"/>
+        <dgm:pt modelId="1"/>
+        <dgm:pt modelId="11"/>
+        <dgm:pt modelId="12"/>
+        <dgm:pt modelId="13"/>
+        <dgm:pt modelId="14"/>
+        <dgm:pt modelId="15"/>
+        <dgm:pt modelId="16"/>
+      </dgm:ptLst>
+      <dgm:cxnLst>
+        <dgm:cxn modelId="2" srcId="0" destId="1" srcOrd="0" destOrd="0"/>
+        <dgm:cxn modelId="16" srcId="1" destId="11" srcOrd="0" destOrd="0"/>
+        <dgm:cxn modelId="17" srcId="1" destId="12" srcOrd="1" destOrd="0"/>
+        <dgm:cxn modelId="18" srcId="1" destId="13" srcOrd="2" destOrd="0"/>
+        <dgm:cxn modelId="19" srcId="1" destId="14" srcOrd="3" destOrd="0"/>
+        <dgm:cxn modelId="20" srcId="1" destId="15" srcOrd="4" destOrd="0"/>
+        <dgm:cxn modelId="21" srcId="1" destId="16" srcOrd="5" destOrd="0"/>
+      </dgm:cxnLst>
+      <dgm:bg/>
+      <dgm:whole/>
+    </dgm:dataModel>
+  </dgm:clrData>
+  <dgm:layoutNode name="Name0">
+    <dgm:varLst>
+      <dgm:chMax val="1"/>
+      <dgm:dir/>
+      <dgm:animLvl val="ctr"/>
+      <dgm:resizeHandles val="exact"/>
+    </dgm:varLst>
+    <dgm:choose name="Name1">
+      <dgm:if name="Name2" func="var" arg="dir" op="equ" val="norm">
+        <dgm:alg type="cycle">
+          <dgm:param type="stAng" val="0"/>
+          <dgm:param type="spanAng" val="360"/>
+          <dgm:param type="ctrShpMap" val="fNode"/>
+        </dgm:alg>
+      </dgm:if>
+      <dgm:else name="Name3">
+        <dgm:alg type="cycle">
+          <dgm:param type="stAng" val="0"/>
+          <dgm:param type="spanAng" val="-360"/>
+          <dgm:param type="ctrShpMap" val="fNode"/>
+        </dgm:alg>
+      </dgm:else>
+    </dgm:choose>
+    <dgm:shape xmlns:r="http://schemas.openxmlformats.org/officeDocument/2006/relationships" r:blip="">
+      <dgm:adjLst/>
+    </dgm:shape>
+    <dgm:presOf/>
+    <dgm:constrLst>
+      <dgm:constr type="w" for="ch" forName="centerShape" refType="w"/>
+      <dgm:constr type="w" for="ch" forName="parTrans" refType="w" refFor="ch" refForName="centerShape" fact="0.4"/>
+      <dgm:constr type="w" for="ch" forName="node" refType="w" refFor="ch" refForName="centerShape" op="equ" fact="1.25"/>
+      <dgm:constr type="sp" refType="w" refFor="ch" refForName="centerShape" op="equ" fact="0.4"/>
+      <dgm:constr type="sibSp" refType="w" refFor="ch" refForName="node" fact="0.3"/>
+      <dgm:constr type="primFontSz" for="ch" forName="centerShape" val="65"/>
+      <dgm:constr type="primFontSz" for="des" forName="node" op="equ" val="65"/>
+      <dgm:constr type="primFontSz" for="des" forName="node" refType="primFontSz" refFor="ch" refForName="centerShape" op="lte"/>
+      <dgm:constr type="primFontSz" for="des" forName="connectorText" op="equ" val="55"/>
+      <dgm:constr type="primFontSz" for="des" forName="connectorText" refType="primFontSz" refFor="ch" refForName="centerShape" op="lte" fact="0.8"/>
+      <dgm:constr type="primFontSz" for="des" forName="connectorText" refType="primFontSz" refFor="des" refForName="node" op="lte"/>
+    </dgm:constrLst>
+    <dgm:choose name="Name4">
+      <dgm:if name="Name5" axis="ch ch" ptType="node node" st="1 1" cnt="1 0" func="cnt" op="lte" val="6">
+        <dgm:ruleLst>
+          <dgm:rule type="w" for="ch" forName="node" val="NaN" fact="1" max="NaN"/>
+        </dgm:ruleLst>
+      </dgm:if>
+      <dgm:if name="Name6" axis="ch ch" ptType="node node" st="1 1" cnt="1 0" func="cnt" op="lte" val="8">
+        <dgm:ruleLst>
+          <dgm:rule type="w" for="ch" forName="node" val="NaN" fact="0.9" max="NaN"/>
+        </dgm:ruleLst>
+      </dgm:if>
+      <dgm:if name="Name7" axis="ch ch" ptType="node node" st="1 1" cnt="1 0" func="cnt" op="lte" val="10">
+        <dgm:ruleLst>
+          <dgm:rule type="w" for="ch" forName="node" val="NaN" fact="0.8" max="NaN"/>
+        </dgm:ruleLst>
+      </dgm:if>
+      <dgm:if name="Name8" axis="ch ch" ptType="node node" st="1 1" cnt="1 0" func="cnt" op="lte" val="12">
+        <dgm:ruleLst>
+          <dgm:rule type="w" for="ch" forName="node" val="NaN" fact="0.7" max="NaN"/>
+        </dgm:ruleLst>
+      </dgm:if>
+      <dgm:if name="Name9" axis="ch ch" ptType="node node" st="1 1" cnt="1 0" func="cnt" op="lte" val="14">
+        <dgm:ruleLst>
+          <dgm:rule type="w" for="ch" forName="node" val="NaN" fact="0.6" max="NaN"/>
+        </dgm:ruleLst>
+      </dgm:if>
+      <dgm:else name="Name10">
+        <dgm:ruleLst>
+          <dgm:rule type="w" for="ch" forName="node" val="NaN" fact="0.5" max="NaN"/>
+        </dgm:ruleLst>
+      </dgm:else>
+    </dgm:choose>
+    <dgm:forEach name="Name11" axis="ch" ptType="node" cnt="1">
+      <dgm:layoutNode name="centerShape" styleLbl="node0">
+        <dgm:alg type="tx"/>
+        <dgm:shape xmlns:r="http://schemas.openxmlformats.org/officeDocument/2006/relationships" type="ellipse" r:blip="">
+          <dgm:adjLst/>
+        </dgm:shape>
+        <dgm:presOf axis="self"/>
+        <dgm:constrLst>
+          <dgm:constr type="h" refType="w"/>
+          <dgm:constr type="tMarg" refType="primFontSz" fact="0.1"/>
+          <dgm:constr type="bMarg" refType="primFontSz" fact="0.1"/>
+          <dgm:constr type="lMarg" refType="primFontSz" fact="0.1"/>
+          <dgm:constr type="rMarg" refType="primFontSz" fact="0.1"/>
+        </dgm:constrLst>
+        <dgm:ruleLst>
+          <dgm:rule type="primFontSz" val="5" fact="NaN" max="NaN"/>
+        </dgm:ruleLst>
+      </dgm:layoutNode>
+      <dgm:forEach name="Name12" axis="ch">
+        <dgm:forEach name="Name13" axis="self" ptType="parTrans">
+          <dgm:layoutNode name="parTrans" styleLbl="sibTrans2D1">
+            <dgm:alg type="conn">
+              <dgm:param type="begPts" val="auto"/>
+              <dgm:param type="endPts" val="auto"/>
+            </dgm:alg>
+            <dgm:shape xmlns:r="http://schemas.openxmlformats.org/officeDocument/2006/relationships" type="conn" r:blip="">
+              <dgm:adjLst/>
+            </dgm:shape>
+            <dgm:presOf axis="self"/>
+            <dgm:constrLst>
+              <dgm:constr type="h" refType="w" fact="0.85"/>
+            </dgm:constrLst>
+            <dgm:ruleLst/>
+            <dgm:layoutNode name="connectorText">
+              <dgm:alg type="tx">
+                <dgm:param type="autoTxRot" val="grav"/>
+              </dgm:alg>
+              <dgm:shape xmlns:r="http://schemas.openxmlformats.org/officeDocument/2006/relationships" type="conn" r:blip="" hideGeom="1">
+                <dgm:adjLst/>
+              </dgm:shape>
+              <dgm:presOf axis="self"/>
+              <dgm:constrLst>
+                <dgm:constr type="lMarg"/>
+                <dgm:constr type="rMarg"/>
+                <dgm:constr type="tMarg"/>
+                <dgm:constr type="bMarg"/>
+              </dgm:constrLst>
+              <dgm:ruleLst>
+                <dgm:rule type="primFontSz" val="5" fact="NaN" max="NaN"/>
+              </dgm:ruleLst>
+            </dgm:layoutNode>
+          </dgm:layoutNode>
+        </dgm:forEach>
+        <dgm:forEach name="Name14" axis="self" ptType="node">
+          <dgm:layoutNode name="node" styleLbl="node1">
+            <dgm:varLst>
+              <dgm:bulletEnabled val="1"/>
+            </dgm:varLst>
+            <dgm:alg type="tx">
+              <dgm:param type="txAnchorVertCh" val="mid"/>
+            </dgm:alg>
+            <dgm:shape xmlns:r="http://schemas.openxmlformats.org/officeDocument/2006/relationships" type="ellipse" r:blip="">
+              <dgm:adjLst/>
+            </dgm:shape>
+            <dgm:presOf axis="desOrSelf" ptType="node"/>
+            <dgm:constrLst>
+              <dgm:constr type="h" refType="w"/>
+              <dgm:constr type="tMarg" refType="primFontSz" fact="0.1"/>
+              <dgm:constr type="bMarg" refType="primFontSz" fact="0.1"/>
+              <dgm:constr type="lMarg" refType="primFontSz" fact="0.1"/>
+              <dgm:constr type="rMarg" refType="primFontSz" fact="0.1"/>
+            </dgm:constrLst>
+            <dgm:ruleLst>
+              <dgm:rule type="w" val="INF" fact="NaN" max="NaN"/>
+              <dgm:rule type="primFontSz" val="5" fact="NaN" max="NaN"/>
+            </dgm:ruleLst>
+          </dgm:layoutNode>
+        </dgm:forEach>
+      </dgm:forEach>
+    </dgm:forEach>
+  </dgm:layoutNode>
+</dgm:layoutDef>
+</file>
+
+<file path=ppt/diagrams/quickStyle1.xml><?xml version="1.0" encoding="utf-8"?>
+<dgm:styleDef xmlns:dgm="http://schemas.openxmlformats.org/drawingml/2006/diagram" xmlns:a="http://schemas.openxmlformats.org/drawingml/2006/main" uniqueId="urn:microsoft.com/office/officeart/2005/8/quickstyle/simple1">
+  <dgm:title val=""/>
+  <dgm:desc val=""/>
+  <dgm:catLst>
+    <dgm:cat type="simple" pri="10100"/>
+  </dgm:catLst>
+  <dgm:scene3d>
+    <a:camera prst="orthographicFront"/>
+    <a:lightRig rig="threePt" dir="t"/>
+  </dgm:scene3d>
+  <dgm:styleLbl name="node0">
+    <dgm:scene3d>
+      <a:camera prst="orthographicFront"/>
+      <a:lightRig rig="threePt" dir="t"/>
+    </dgm:scene3d>
+    <dgm:sp3d/>
+    <dgm:txPr/>
+    <dgm:style>
+      <a:lnRef idx="2">
+        <a:scrgbClr r="0" g="0" b="0"/>
+      </a:lnRef>
+      <a:fillRef idx="1">
+        <a:scrgbClr r="0" g="0" b="0"/>
+      </a:fillRef>
+      <a:effectRef idx="0">
+        <a:scrgbClr r="0" g="0" b="0"/>
+      </a:effectRef>
+      <a:fontRef idx="minor">
+        <a:schemeClr val="lt1"/>
+      </a:fontRef>
+    </dgm:style>
+  </dgm:styleLbl>
+  <dgm:styleLbl name="lnNode1">
+    <dgm:scene3d>
+      <a:camera prst="orthographicFront"/>
+      <a:lightRig rig="threePt" dir="t"/>
+    </dgm:scene3d>
+    <dgm:sp3d/>
+    <dgm:txPr/>
+    <dgm:style>
+      <a:lnRef idx="2">
+        <a:scrgbClr r="0" g="0" b="0"/>
+      </a:lnRef>
+      <a:fillRef idx="1">
+        <a:scrgbClr r="0" g="0" b="0"/>
+      </a:fillRef>
+      <a:effectRef idx="0">
+        <a:scrgbClr r="0" g="0" b="0"/>
+      </a:effectRef>
+      <a:fontRef idx="minor">
+        <a:schemeClr val="lt1"/>
+      </a:fontRef>
+    </dgm:style>
+  </dgm:styleLbl>
+  <dgm:styleLbl name="vennNode1">
+    <dgm:scene3d>
+      <a:camera prst="orthographicFront"/>
+      <a:lightRig rig="threePt" dir="t"/>
+    </dgm:scene3d>
+    <dgm:sp3d/>
+    <dgm:txPr/>
+    <dgm:style>
+      <a:lnRef idx="2">
+        <a:scrgbClr r="0" g="0" b="0"/>
+      </a:lnRef>
+      <a:fillRef idx="1">
+        <a:scrgbClr r="0" g="0" b="0"/>
+      </a:fillRef>
+      <a:effectRef idx="0">
+        <a:scrgbClr r="0" g="0" b="0"/>
+      </a:effectRef>
+      <a:fontRef idx="minor">
+        <a:schemeClr val="tx1"/>
+      </a:fontRef>
+    </dgm:style>
+  </dgm:styleLbl>
+  <dgm:styleLbl name="alignNode1">
+    <dgm:scene3d>
+      <a:camera prst="orthographicFront"/>
+      <a:lightRig rig="threePt" dir="t"/>
+    </dgm:scene3d>
+    <dgm:sp3d/>
+    <dgm:txPr/>
+    <dgm:style>
+      <a:lnRef idx="2">
+        <a:scrgbClr r="0" g="0" b="0"/>
+      </a:lnRef>
+      <a:fillRef idx="1">
+        <a:scrgbClr r="0" g="0" b="0"/>
+      </a:fillRef>
+      <a:effectRef idx="0">
+        <a:scrgbClr r="0" g="0" b="0"/>
+      </a:effectRef>
+      <a:fontRef idx="minor">
+        <a:schemeClr val="lt1"/>
+      </a:fontRef>
+    </dgm:style>
+  </dgm:styleLbl>
+  <dgm:styleLbl name="node1">
+    <dgm:scene3d>
+      <a:camera prst="orthographicFront"/>
+      <a:lightRig rig="threePt" dir="t"/>
+    </dgm:scene3d>
+    <dgm:sp3d/>
+    <dgm:txPr/>
+    <dgm:style>
+      <a:lnRef idx="2">
+        <a:scrgbClr r="0" g="0" b="0"/>
+      </a:lnRef>
+      <a:fillRef idx="1">
+        <a:scrgbClr r="0" g="0" b="0"/>
+      </a:fillRef>
+      <a:effectRef idx="0">
+        <a:scrgbClr r="0" g="0" b="0"/>
+      </a:effectRef>
+      <a:fontRef idx="minor">
+        <a:schemeClr val="lt1"/>
+      </a:fontRef>
+    </dgm:style>
+  </dgm:styleLbl>
+  <dgm:styleLbl name="node2">
+    <dgm:scene3d>
+      <a:camera prst="orthographicFront"/>
+      <a:lightRig rig="threePt" dir="t"/>
+    </dgm:scene3d>
+    <dgm:sp3d/>
+    <dgm:txPr/>
+    <dgm:style>
+      <a:lnRef idx="2">
+        <a:scrgbClr r="0" g="0" b="0"/>
+      </a:lnRef>
+      <a:fillRef idx="1">
+        <a:scrgbClr r="0" g="0" b="0"/>
+      </a:fillRef>
+      <a:effectRef idx="0">
+        <a:scrgbClr r="0" g="0" b="0"/>
+      </a:effectRef>
+      <a:fontRef idx="minor">
+        <a:schemeClr val="lt1"/>
+      </a:fontRef>
+    </dgm:style>
+  </dgm:styleLbl>
+  <dgm:styleLbl name="node3">
+    <dgm:scene3d>
+      <a:camera prst="orthographicFront"/>
+      <a:lightRig rig="threePt" dir="t"/>
+    </dgm:scene3d>
+    <dgm:sp3d/>
+    <dgm:txPr/>
+    <dgm:style>
+      <a:lnRef idx="2">
+        <a:scrgbClr r="0" g="0" b="0"/>
+      </a:lnRef>
+      <a:fillRef idx="1">
+        <a:scrgbClr r="0" g="0" b="0"/>
+      </a:fillRef>
+      <a:effectRef idx="0">
+        <a:scrgbClr r="0" g="0" b="0"/>
+      </a:effectRef>
+      <a:fontRef idx="minor">
+        <a:schemeClr val="lt1"/>
+      </a:fontRef>
+    </dgm:style>
+  </dgm:styleLbl>
+  <dgm:styleLbl name="node4">
+    <dgm:scene3d>
+      <a:camera prst="orthographicFront"/>
+      <a:lightRig rig="threePt" dir="t"/>
+    </dgm:scene3d>
+    <dgm:sp3d/>
+    <dgm:txPr/>
+    <dgm:style>
+      <a:lnRef idx="2">
+        <a:scrgbClr r="0" g="0" b="0"/>
+      </a:lnRef>
+      <a:fillRef idx="1">
+        <a:scrgbClr r="0" g="0" b="0"/>
+      </a:fillRef>
+      <a:effectRef idx="0">
+        <a:scrgbClr r="0" g="0" b="0"/>
+      </a:effectRef>
+      <a:fontRef idx="minor">
+        <a:schemeClr val="lt1"/>
+      </a:fontRef>
+    </dgm:style>
+  </dgm:styleLbl>
+  <dgm:styleLbl name="fgImgPlace1">
+    <dgm:scene3d>
+      <a:camera prst="orthographicFront"/>
+      <a:lightRig rig="threePt" dir="t"/>
+    </dgm:scene3d>
+    <dgm:sp3d/>
+    <dgm:txPr/>
+    <dgm:style>
+      <a:lnRef idx="2">
+        <a:scrgbClr r="0" g="0" b="0"/>
+      </a:lnRef>
+      <a:fillRef idx="1">
+        <a:scrgbClr r="0" g="0" b="0"/>
+      </a:fillRef>
+      <a:effectRef idx="0">
+        <a:scrgbClr r="0" g="0" b="0"/>
+      </a:effectRef>
+      <a:fontRef idx="minor"/>
+    </dgm:style>
+  </dgm:styleLbl>
+  <dgm:styleLbl name="alignImgPlace1">
+    <dgm:scene3d>
+      <a:camera prst="orthographicFront"/>
+      <a:lightRig rig="threePt" dir="t"/>
+    </dgm:scene3d>
+    <dgm:sp3d/>
+    <dgm:txPr/>
+    <dgm:style>
+      <a:lnRef idx="2">
+        <a:scrgbClr r="0" g="0" b="0"/>
+      </a:lnRef>
+      <a:fillRef idx="1">
+        <a:scrgbClr r="0" g="0" b="0"/>
+      </a:fillRef>
+      <a:effectRef idx="0">
+        <a:scrgbClr r="0" g="0" b="0"/>
+      </a:effectRef>
+      <a:fontRef idx="minor"/>
+    </dgm:style>
+  </dgm:styleLbl>
+  <dgm:styleLbl name="bgImgPlace1">
+    <dgm:scene3d>
+      <a:camera prst="orthographicFront"/>
+      <a:lightRig rig="threePt" dir="t"/>
+    </dgm:scene3d>
+    <dgm:sp3d/>
+    <dgm:txPr/>
+    <dgm:style>
+      <a:lnRef idx="2">
+        <a:scrgbClr r="0" g="0" b="0"/>
+      </a:lnRef>
+      <a:fillRef idx="1">
+        <a:scrgbClr r="0" g="0" b="0"/>
+      </a:fillRef>
+      <a:effectRef idx="0">
+        <a:scrgbClr r="0" g="0" b="0"/>
+      </a:effectRef>
+      <a:fontRef idx="minor"/>
+    </dgm:style>
+  </dgm:styleLbl>
+  <dgm:styleLbl name="sibTrans2D1">
+    <dgm:scene3d>
+      <a:camera prst="orthographicFront"/>
+      <a:lightRig rig="threePt" dir="t"/>
+    </dgm:scene3d>
+    <dgm:sp3d/>
+    <dgm:txPr/>
+    <dgm:style>
+      <a:lnRef idx="0">
+        <a:scrgbClr r="0" g="0" b="0"/>
+      </a:lnRef>
+      <a:fillRef idx="1">
+        <a:scrgbClr r="0" g="0" b="0"/>
+      </a:fillRef>
+      <a:effectRef idx="0">
+        <a:scrgbClr r="0" g="0" b="0"/>
+      </a:effectRef>
+      <a:fontRef idx="minor">
+        <a:schemeClr val="lt1"/>
+      </a:fontRef>
+    </dgm:style>
+  </dgm:styleLbl>
+  <dgm:styleLbl name="fgSibTrans2D1">
+    <dgm:scene3d>
+      <a:camera prst="orthographicFront"/>
+      <a:lightRig rig="threePt" dir="t"/>
+    </dgm:scene3d>
+    <dgm:sp3d/>
+    <dgm:txPr/>
+    <dgm:style>
+      <a:lnRef idx="0">
+        <a:scrgbClr r="0" g="0" b="0"/>
+      </a:lnRef>
+      <a:fillRef idx="1">
+        <a:scrgbClr r="0" g="0" b="0"/>
+      </a:fillRef>
+      <a:effectRef idx="0">
+        <a:scrgbClr r="0" g="0" b="0"/>
+      </a:effectRef>
+      <a:fontRef idx="minor">
+        <a:schemeClr val="lt1"/>
+      </a:fontRef>
+    </dgm:style>
+  </dgm:styleLbl>
+  <dgm:styleLbl name="bgSibTrans2D1">
+    <dgm:scene3d>
+      <a:camera prst="orthographicFront"/>
+      <a:lightRig rig="threePt" dir="t"/>
+    </dgm:scene3d>
+    <dgm:sp3d/>
+    <dgm:txPr/>
+    <dgm:style>
+      <a:lnRef idx="0">
+        <a:scrgbClr r="0" g="0" b="0"/>
+      </a:lnRef>
+      <a:fillRef idx="1">
+        <a:scrgbClr r="0" g="0" b="0"/>
+      </a:fillRef>
+      <a:effectRef idx="0">
+        <a:scrgbClr r="0" g="0" b="0"/>
+      </a:effectRef>
+      <a:fontRef idx="minor">
+        <a:schemeClr val="lt1"/>
+      </a:fontRef>
+    </dgm:style>
+  </dgm:styleLbl>
+  <dgm:styleLbl name="sibTrans1D1">
+    <dgm:scene3d>
+      <a:camera prst="orthographicFront"/>
+      <a:lightRig rig="threePt" dir="t"/>
+    </dgm:scene3d>
+    <dgm:sp3d/>
+    <dgm:txPr/>
+    <dgm:style>
+      <a:lnRef idx="1">
+        <a:scrgbClr r="0" g="0" b="0"/>
+      </a:lnRef>
+      <a:fillRef idx="0">
+        <a:scrgbClr r="0" g="0" b="0"/>
+      </a:fillRef>
+      <a:effectRef idx="0">
+        <a:scrgbClr r="0" g="0" b="0"/>
+      </a:effectRef>
+      <a:fontRef idx="minor"/>
+    </dgm:style>
+  </dgm:styleLbl>
+  <dgm:styleLbl name="callout">
+    <dgm:scene3d>
+      <a:camera prst="orthographicFront"/>
+      <a:lightRig rig="threePt" dir="t"/>
+    </dgm:scene3d>
+    <dgm:sp3d/>
+    <dgm:txPr/>
+    <dgm:style>
+      <a:lnRef idx="2">
+        <a:scrgbClr r="0" g="0" b="0"/>
+      </a:lnRef>
+      <a:fillRef idx="1">
+        <a:scrgbClr r="0" g="0" b="0"/>
+      </a:fillRef>
+      <a:effectRef idx="0">
+        <a:scrgbClr r="0" g="0" b="0"/>
+      </a:effectRef>
+      <a:fontRef idx="minor"/>
+    </dgm:style>
+  </dgm:styleLbl>
+  <dgm:styleLbl name="asst0">
+    <dgm:scene3d>
+      <a:camera prst="orthographicFront"/>
+      <a:lightRig rig="threePt" dir="t"/>
+    </dgm:scene3d>
+    <dgm:sp3d/>
+    <dgm:txPr/>
+    <dgm:style>
+      <a:lnRef idx="2">
+        <a:scrgbClr r="0" g="0" b="0"/>
+      </a:lnRef>
+      <a:fillRef idx="1">
+        <a:scrgbClr r="0" g="0" b="0"/>
+      </a:fillRef>
+      <a:effectRef idx="0">
+        <a:scrgbClr r="0" g="0" b="0"/>
+      </a:effectRef>
+      <a:fontRef idx="minor">
+        <a:schemeClr val="lt1"/>
+      </a:fontRef>
+    </dgm:style>
+  </dgm:styleLbl>
+  <dgm:styleLbl name="asst1">
+    <dgm:scene3d>
+      <a:camera prst="orthographicFront"/>
+      <a:lightRig rig="threePt" dir="t"/>
+    </dgm:scene3d>
+    <dgm:sp3d/>
+    <dgm:txPr/>
+    <dgm:style>
+      <a:lnRef idx="2">
+        <a:scrgbClr r="0" g="0" b="0"/>
+      </a:lnRef>
+      <a:fillRef idx="1">
+        <a:scrgbClr r="0" g="0" b="0"/>
+      </a:fillRef>
+      <a:effectRef idx="0">
+        <a:scrgbClr r="0" g="0" b="0"/>
+      </a:effectRef>
+      <a:fontRef idx="minor">
+        <a:schemeClr val="lt1"/>
+      </a:fontRef>
+    </dgm:style>
+  </dgm:styleLbl>
+  <dgm:styleLbl name="asst2">
+    <dgm:scene3d>
+      <a:camera prst="orthographicFront"/>
+      <a:lightRig rig="threePt" dir="t"/>
+    </dgm:scene3d>
+    <dgm:sp3d/>
+    <dgm:txPr/>
+    <dgm:style>
+      <a:lnRef idx="2">
+        <a:scrgbClr r="0" g="0" b="0"/>
+      </a:lnRef>
+      <a:fillRef idx="1">
+        <a:scrgbClr r="0" g="0" b="0"/>
+      </a:fillRef>
+      <a:effectRef idx="0">
+        <a:scrgbClr r="0" g="0" b="0"/>
+      </a:effectRef>
+      <a:fontRef idx="minor">
+        <a:schemeClr val="lt1"/>
+      </a:fontRef>
+    </dgm:style>
+  </dgm:styleLbl>
+  <dgm:styleLbl name="asst3">
+    <dgm:scene3d>
+      <a:camera prst="orthographicFront"/>
+      <a:lightRig rig="threePt" dir="t"/>
+    </dgm:scene3d>
+    <dgm:sp3d/>
+    <dgm:txPr/>
+    <dgm:style>
+      <a:lnRef idx="2">
+        <a:scrgbClr r="0" g="0" b="0"/>
+      </a:lnRef>
+      <a:fillRef idx="1">
+        <a:scrgbClr r="0" g="0" b="0"/>
+      </a:fillRef>
+      <a:effectRef idx="0">
+        <a:scrgbClr r="0" g="0" b="0"/>
+      </a:effectRef>
+      <a:fontRef idx="minor">
+        <a:schemeClr val="lt1"/>
+      </a:fontRef>
+    </dgm:style>
+  </dgm:styleLbl>
+  <dgm:styleLbl name="asst4">
+    <dgm:scene3d>
+      <a:camera prst="orthographicFront"/>
+      <a:lightRig rig="threePt" dir="t"/>
+    </dgm:scene3d>
+    <dgm:sp3d/>
+    <dgm:txPr/>
+    <dgm:style>
+      <a:lnRef idx="2">
+        <a:scrgbClr r="0" g="0" b="0"/>
+      </a:lnRef>
+      <a:fillRef idx="1">
+        <a:scrgbClr r="0" g="0" b="0"/>
+      </a:fillRef>
+      <a:effectRef idx="0">
+        <a:scrgbClr r="0" g="0" b="0"/>
+      </a:effectRef>
+      <a:fontRef idx="minor">
+        <a:schemeClr val="lt1"/>
+      </a:fontRef>
+    </dgm:style>
+  </dgm:styleLbl>
+  <dgm:styleLbl name="parChTrans2D1">
+    <dgm:scene3d>
+      <a:camera prst="orthographicFront"/>
+      <a:lightRig rig="threePt" dir="t"/>
+    </dgm:scene3d>
+    <dgm:sp3d/>
+    <dgm:txPr/>
+    <dgm:style>
+      <a:lnRef idx="2">
+        <a:scrgbClr r="0" g="0" b="0"/>
+      </a:lnRef>
+      <a:fillRef idx="1">
+        <a:scrgbClr r="0" g="0" b="0"/>
+      </a:fillRef>
+      <a:effectRef idx="0">
+        <a:scrgbClr r="0" g="0" b="0"/>
+      </a:effectRef>
+      <a:fontRef idx="minor">
+        <a:schemeClr val="lt1"/>
+      </a:fontRef>
+    </dgm:style>
+  </dgm:styleLbl>
+  <dgm:styleLbl name="parChTrans2D2">
+    <dgm:scene3d>
+      <a:camera prst="orthographicFront"/>
+      <a:lightRig rig="threePt" dir="t"/>
+    </dgm:scene3d>
+    <dgm:sp3d/>
+    <dgm:txPr/>
+    <dgm:style>
+      <a:lnRef idx="2">
+        <a:scrgbClr r="0" g="0" b="0"/>
+      </a:lnRef>
+      <a:fillRef idx="1">
+        <a:scrgbClr r="0" g="0" b="0"/>
+      </a:fillRef>
+      <a:effectRef idx="0">
+        <a:scrgbClr r="0" g="0" b="0"/>
+      </a:effectRef>
+      <a:fontRef idx="minor">
+        <a:schemeClr val="lt1"/>
+      </a:fontRef>
+    </dgm:style>
+  </dgm:styleLbl>
+  <dgm:styleLbl name="parChTrans2D3">
+    <dgm:scene3d>
+      <a:camera prst="orthographicFront"/>
+      <a:lightRig rig="threePt" dir="t"/>
+    </dgm:scene3d>
+    <dgm:sp3d/>
+    <dgm:txPr/>
+    <dgm:style>
+      <a:lnRef idx="2">
+        <a:scrgbClr r="0" g="0" b="0"/>
+      </a:lnRef>
+      <a:fillRef idx="1">
+        <a:scrgbClr r="0" g="0" b="0"/>
+      </a:fillRef>
+      <a:effectRef idx="0">
+        <a:scrgbClr r="0" g="0" b="0"/>
+      </a:effectRef>
+      <a:fontRef idx="minor">
+        <a:schemeClr val="lt1"/>
+      </a:fontRef>
+    </dgm:style>
+  </dgm:styleLbl>
+  <dgm:styleLbl name="parChTrans2D4">
+    <dgm:scene3d>
+      <a:camera prst="orthographicFront"/>
+      <a:lightRig rig="threePt" dir="t"/>
+    </dgm:scene3d>
+    <dgm:sp3d/>
+    <dgm:txPr/>
+    <dgm:style>
+      <a:lnRef idx="2">
+        <a:scrgbClr r="0" g="0" b="0"/>
+      </a:lnRef>
+      <a:fillRef idx="1">
+        <a:scrgbClr r="0" g="0" b="0"/>
+      </a:fillRef>
+      <a:effectRef idx="0">
+        <a:scrgbClr r="0" g="0" b="0"/>
+      </a:effectRef>
+      <a:fontRef idx="minor">
+        <a:schemeClr val="lt1"/>
+      </a:fontRef>
+    </dgm:style>
+  </dgm:styleLbl>
+  <dgm:styleLbl name="parChTrans1D1">
+    <dgm:scene3d>
+      <a:camera prst="orthographicFront"/>
+      <a:lightRig rig="threePt" dir="t"/>
+    </dgm:scene3d>
+    <dgm:sp3d/>
+    <dgm:txPr/>
+    <dgm:style>
+      <a:lnRef idx="2">
+        <a:scrgbClr r="0" g="0" b="0"/>
+      </a:lnRef>
+      <a:fillRef idx="0">
+        <a:scrgbClr r="0" g="0" b="0"/>
+      </a:fillRef>
+      <a:effectRef idx="0">
+        <a:scrgbClr r="0" g="0" b="0"/>
+      </a:effectRef>
+      <a:fontRef idx="minor"/>
+    </dgm:style>
+  </dgm:styleLbl>
+  <dgm:styleLbl name="parChTrans1D2">
+    <dgm:scene3d>
+      <a:camera prst="orthographicFront"/>
+      <a:lightRig rig="threePt" dir="t"/>
+    </dgm:scene3d>
+    <dgm:sp3d/>
+    <dgm:txPr/>
+    <dgm:style>
+      <a:lnRef idx="2">
+        <a:scrgbClr r="0" g="0" b="0"/>
+      </a:lnRef>
+      <a:fillRef idx="0">
+        <a:scrgbClr r="0" g="0" b="0"/>
+      </a:fillRef>
+      <a:effectRef idx="0">
+        <a:scrgbClr r="0" g="0" b="0"/>
+      </a:effectRef>
+      <a:fontRef idx="minor"/>
+    </dgm:style>
+  </dgm:styleLbl>
+  <dgm:styleLbl name="parChTrans1D3">
+    <dgm:scene3d>
+      <a:camera prst="orthographicFront"/>
+      <a:lightRig rig="threePt" dir="t"/>
+    </dgm:scene3d>
+    <dgm:sp3d/>
+    <dgm:txPr/>
+    <dgm:style>
+      <a:lnRef idx="2">
+        <a:scrgbClr r="0" g="0" b="0"/>
+      </a:lnRef>
+      <a:fillRef idx="0">
+        <a:scrgbClr r="0" g="0" b="0"/>
+      </a:fillRef>
+      <a:effectRef idx="0">
+        <a:scrgbClr r="0" g="0" b="0"/>
+      </a:effectRef>
+      <a:fontRef idx="minor"/>
+    </dgm:style>
+  </dgm:styleLbl>
+  <dgm:styleLbl name="parChTrans1D4">
+    <dgm:scene3d>
+      <a:camera prst="orthographicFront"/>
+      <a:lightRig rig="threePt" dir="t"/>
+    </dgm:scene3d>
+    <dgm:sp3d/>
+    <dgm:txPr/>
+    <dgm:style>
+      <a:lnRef idx="2">
+        <a:scrgbClr r="0" g="0" b="0"/>
+      </a:lnRef>
+      <a:fillRef idx="0">
+        <a:scrgbClr r="0" g="0" b="0"/>
+      </a:fillRef>
+      <a:effectRef idx="0">
+        <a:scrgbClr r="0" g="0" b="0"/>
+      </a:effectRef>
+      <a:fontRef idx="minor"/>
+    </dgm:style>
+  </dgm:styleLbl>
+  <dgm:styleLbl name="fgAcc1">
+    <dgm:scene3d>
+      <a:camera prst="orthographicFront"/>
+      <a:lightRig rig="threePt" dir="t"/>
+    </dgm:scene3d>
+    <dgm:sp3d/>
+    <dgm:txPr/>
+    <dgm:style>
+      <a:lnRef idx="2">
+        <a:scrgbClr r="0" g="0" b="0"/>
+      </a:lnRef>
+      <a:fillRef idx="1">
+        <a:scrgbClr r="0" g="0" b="0"/>
+      </a:fillRef>
+      <a:effectRef idx="0">
+        <a:scrgbClr r="0" g="0" b="0"/>
+      </a:effectRef>
+      <a:fontRef idx="minor"/>
+    </dgm:style>
+  </dgm:styleLbl>
+  <dgm:styleLbl name="conFgAcc1">
+    <dgm:scene3d>
+      <a:camera prst="orthographicFront"/>
+      <a:lightRig rig="threePt" dir="t"/>
+    </dgm:scene3d>
+    <dgm:sp3d/>
+    <dgm:txPr/>
+    <dgm:style>
+      <a:lnRef idx="2">
+        <a:scrgbClr r="0" g="0" b="0"/>
+      </a:lnRef>
+      <a:fillRef idx="1">
+        <a:scrgbClr r="0" g="0" b="0"/>
+      </a:fillRef>
+      <a:effectRef idx="0">
+        <a:scrgbClr r="0" g="0" b="0"/>
+      </a:effectRef>
+      <a:fontRef idx="minor"/>
+    </dgm:style>
+  </dgm:styleLbl>
+  <dgm:styleLbl name="alignAcc1">
+    <dgm:scene3d>
+      <a:camera prst="orthographicFront"/>
+      <a:lightRig rig="threePt" dir="t"/>
+    </dgm:scene3d>
+    <dgm:sp3d/>
+    <dgm:txPr/>
+    <dgm:style>
+      <a:lnRef idx="2">
+        <a:scrgbClr r="0" g="0" b="0"/>
+      </a:lnRef>
+      <a:fillRef idx="1">
+        <a:scrgbClr r="0" g="0" b="0"/>
+      </a:fillRef>
+      <a:effectRef idx="0">
+        <a:scrgbClr r="0" g="0" b="0"/>
+      </a:effectRef>
+      <a:fontRef idx="minor"/>
+    </dgm:style>
+  </dgm:styleLbl>
+  <dgm:styleLbl name="trAlignAcc1">
+    <dgm:scene3d>
+      <a:camera prst="orthographicFront"/>
+      <a:lightRig rig="threePt" dir="t"/>
+    </dgm:scene3d>
+    <dgm:sp3d/>
+    <dgm:txPr/>
+    <dgm:style>
+      <a:lnRef idx="1">
+        <a:scrgbClr r="0" g="0" b="0"/>
+      </a:lnRef>
+      <a:fillRef idx="1">
+        <a:scrgbClr r="0" g="0" b="0"/>
+      </a:fillRef>
+      <a:effectRef idx="0">
+        <a:scrgbClr r="0" g="0" b="0"/>
+      </a:effectRef>
+      <a:fontRef idx="minor"/>
+    </dgm:style>
+  </dgm:styleLbl>
+  <dgm:styleLbl name="bgAcc1">
+    <dgm:scene3d>
+      <a:camera prst="orthographicFront"/>
+      <a:lightRig rig="threePt" dir="t"/>
+    </dgm:scene3d>
+    <dgm:sp3d/>
+    <dgm:txPr/>
+    <dgm:style>
+      <a:lnRef idx="2">
+        <a:scrgbClr r="0" g="0" b="0"/>
+      </a:lnRef>
+      <a:fillRef idx="1">
+        <a:scrgbClr r="0" g="0" b="0"/>
+      </a:fillRef>
+      <a:effectRef idx="0">
+        <a:scrgbClr r="0" g="0" b="0"/>
+      </a:effectRef>
+      <a:fontRef idx="minor"/>
+    </dgm:style>
+  </dgm:styleLbl>
+  <dgm:styleLbl name="solidFgAcc1">
+    <dgm:scene3d>
+      <a:camera prst="orthographicFront"/>
+      <a:lightRig rig="threePt" dir="t"/>
+    </dgm:scene3d>
+    <dgm:sp3d/>
+    <dgm:txPr/>
+    <dgm:style>
+      <a:lnRef idx="2">
+        <a:scrgbClr r="0" g="0" b="0"/>
+      </a:lnRef>
+      <a:fillRef idx="1">
+        <a:scrgbClr r="0" g="0" b="0"/>
+      </a:fillRef>
+      <a:effectRef idx="0">
+        <a:scrgbClr r="0" g="0" b="0"/>
+      </a:effectRef>
+      <a:fontRef idx="minor"/>
+    </dgm:style>
+  </dgm:styleLbl>
+  <dgm:styleLbl name="solidAlignAcc1">
+    <dgm:scene3d>
+      <a:camera prst="orthographicFront"/>
+      <a:lightRig rig="threePt" dir="t"/>
+    </dgm:scene3d>
+    <dgm:sp3d/>
+    <dgm:txPr/>
+    <dgm:style>
+      <a:lnRef idx="2">
+        <a:scrgbClr r="0" g="0" b="0"/>
+      </a:lnRef>
+      <a:fillRef idx="1">
+        <a:scrgbClr r="0" g="0" b="0"/>
+      </a:fillRef>
+      <a:effectRef idx="0">
+        <a:scrgbClr r="0" g="0" b="0"/>
+      </a:effectRef>
+      <a:fontRef idx="minor"/>
+    </dgm:style>
+  </dgm:styleLbl>
+  <dgm:styleLbl name="solidBgAcc1">
+    <dgm:scene3d>
+      <a:camera prst="orthographicFront"/>
+      <a:lightRig rig="threePt" dir="t"/>
+    </dgm:scene3d>
+    <dgm:sp3d/>
+    <dgm:txPr/>
+    <dgm:style>
+      <a:lnRef idx="2">
+        <a:scrgbClr r="0" g="0" b="0"/>
+      </a:lnRef>
+      <a:fillRef idx="1">
+        <a:scrgbClr r="0" g="0" b="0"/>
+      </a:fillRef>
+      <a:effectRef idx="0">
+        <a:scrgbClr r="0" g="0" b="0"/>
+      </a:effectRef>
+      <a:fontRef idx="minor"/>
+    </dgm:style>
+  </dgm:styleLbl>
+  <dgm:styleLbl name="fgAccFollowNode1">
+    <dgm:scene3d>
+      <a:camera prst="orthographicFront"/>
+      <a:lightRig rig="threePt" dir="t"/>
+    </dgm:scene3d>
+    <dgm:sp3d/>
+    <dgm:txPr/>
+    <dgm:style>
+      <a:lnRef idx="2">
+        <a:scrgbClr r="0" g="0" b="0"/>
+      </a:lnRef>
+      <a:fillRef idx="1">
+        <a:scrgbClr r="0" g="0" b="0"/>
+      </a:fillRef>
+      <a:effectRef idx="0">
+        <a:scrgbClr r="0" g="0" b="0"/>
+      </a:effectRef>
+      <a:fontRef idx="minor"/>
+    </dgm:style>
+  </dgm:styleLbl>
+  <dgm:styleLbl name="alignAccFollowNode1">
+    <dgm:scene3d>
+      <a:camera prst="orthographicFront"/>
+      <a:lightRig rig="threePt" dir="t"/>
+    </dgm:scene3d>
+    <dgm:sp3d/>
+    <dgm:txPr/>
+    <dgm:style>
+      <a:lnRef idx="2">
+        <a:scrgbClr r="0" g="0" b="0"/>
+      </a:lnRef>
+      <a:fillRef idx="1">
+        <a:scrgbClr r="0" g="0" b="0"/>
+      </a:fillRef>
+      <a:effectRef idx="0">
+        <a:scrgbClr r="0" g="0" b="0"/>
+      </a:effectRef>
+      <a:fontRef idx="minor"/>
+    </dgm:style>
+  </dgm:styleLbl>
+  <dgm:styleLbl name="bgAccFollowNode1">
+    <dgm:scene3d>
+      <a:camera prst="orthographicFront"/>
+      <a:lightRig rig="threePt" dir="t"/>
+    </dgm:scene3d>
+    <dgm:sp3d/>
+    <dgm:txPr/>
+    <dgm:style>
+      <a:lnRef idx="2">
+        <a:scrgbClr r="0" g="0" b="0"/>
+      </a:lnRef>
+      <a:fillRef idx="1">
+        <a:scrgbClr r="0" g="0" b="0"/>
+      </a:fillRef>
+      <a:effectRef idx="0">
+        <a:scrgbClr r="0" g="0" b="0"/>
+      </a:effectRef>
+      <a:fontRef idx="minor"/>
+    </dgm:style>
+  </dgm:styleLbl>
+  <dgm:styleLbl name="fgAcc0">
+    <dgm:scene3d>
+      <a:camera prst="orthographicFront"/>
+      <a:lightRig rig="threePt" dir="t"/>
+    </dgm:scene3d>
+    <dgm:sp3d/>
+    <dgm:txPr/>
+    <dgm:style>
+      <a:lnRef idx="2">
+        <a:scrgbClr r="0" g="0" b="0"/>
+      </a:lnRef>
+      <a:fillRef idx="1">
+        <a:scrgbClr r="0" g="0" b="0"/>
+      </a:fillRef>
+      <a:effectRef idx="0">
+        <a:scrgbClr r="0" g="0" b="0"/>
+      </a:effectRef>
+      <a:fontRef idx="minor"/>
+    </dgm:style>
+  </dgm:styleLbl>
+  <dgm:styleLbl name="fgAcc2">
+    <dgm:scene3d>
+      <a:camera prst="orthographicFront"/>
+      <a:lightRig rig="threePt" dir="t"/>
+    </dgm:scene3d>
+    <dgm:sp3d/>
+    <dgm:txPr/>
+    <dgm:style>
+      <a:lnRef idx="2">
+        <a:scrgbClr r="0" g="0" b="0"/>
+      </a:lnRef>
+      <a:fillRef idx="1">
+        <a:scrgbClr r="0" g="0" b="0"/>
+      </a:fillRef>
+      <a:effectRef idx="0">
+        <a:scrgbClr r="0" g="0" b="0"/>
+      </a:effectRef>
+      <a:fontRef idx="minor"/>
+    </dgm:style>
+  </dgm:styleLbl>
+  <dgm:styleLbl name="fgAcc3">
+    <dgm:scene3d>
+      <a:camera prst="orthographicFront"/>
+      <a:lightRig rig="threePt" dir="t"/>
+    </dgm:scene3d>
+    <dgm:sp3d/>
+    <dgm:txPr/>
+    <dgm:style>
+      <a:lnRef idx="2">
+        <a:scrgbClr r="0" g="0" b="0"/>
+      </a:lnRef>
+      <a:fillRef idx="1">
+        <a:scrgbClr r="0" g="0" b="0"/>
+      </a:fillRef>
+      <a:effectRef idx="0">
+        <a:scrgbClr r="0" g="0" b="0"/>
+      </a:effectRef>
+      <a:fontRef idx="minor"/>
+    </dgm:style>
+  </dgm:styleLbl>
+  <dgm:styleLbl name="fgAcc4">
+    <dgm:scene3d>
+      <a:camera prst="orthographicFront"/>
+      <a:lightRig rig="threePt" dir="t"/>
+    </dgm:scene3d>
+    <dgm:sp3d/>
+    <dgm:txPr/>
+    <dgm:style>
+      <a:lnRef idx="2">
+        <a:scrgbClr r="0" g="0" b="0"/>
+      </a:lnRef>
+      <a:fillRef idx="1">
+        <a:scrgbClr r="0" g="0" b="0"/>
+      </a:fillRef>
+      <a:effectRef idx="0">
+        <a:scrgbClr r="0" g="0" b="0"/>
+      </a:effectRef>
+      <a:fontRef idx="minor"/>
+    </dgm:style>
+  </dgm:styleLbl>
+  <dgm:styleLbl name="bgShp">
+    <dgm:scene3d>
+      <a:camera prst="orthographicFront"/>
+      <a:lightRig rig="threePt" dir="t"/>
+    </dgm:scene3d>
+    <dgm:sp3d/>
+    <dgm:txPr/>
+    <dgm:style>
+      <a:lnRef idx="0">
+        <a:scrgbClr r="0" g="0" b="0"/>
+      </a:lnRef>
+      <a:fillRef idx="1">
+        <a:scrgbClr r="0" g="0" b="0"/>
+      </a:fillRef>
+      <a:effectRef idx="0">
+        <a:scrgbClr r="0" g="0" b="0"/>
+      </a:effectRef>
+      <a:fontRef idx="minor"/>
+    </dgm:style>
+  </dgm:styleLbl>
+  <dgm:styleLbl name="dkBgShp">
+    <dgm:scene3d>
+      <a:camera prst="orthographicFront"/>
+      <a:lightRig rig="threePt" dir="t"/>
+    </dgm:scene3d>
+    <dgm:sp3d/>
+    <dgm:txPr/>
+    <dgm:style>
+      <a:lnRef idx="0">
+        <a:scrgbClr r="0" g="0" b="0"/>
+      </a:lnRef>
+      <a:fillRef idx="1">
+        <a:scrgbClr r="0" g="0" b="0"/>
+      </a:fillRef>
+      <a:effectRef idx="0">
+        <a:scrgbClr r="0" g="0" b="0"/>
+      </a:effectRef>
+      <a:fontRef idx="minor"/>
+    </dgm:style>
+  </dgm:styleLbl>
+  <dgm:styleLbl name="trBgShp">
+    <dgm:scene3d>
+      <a:camera prst="orthographicFront"/>
+      <a:lightRig rig="threePt" dir="t"/>
+    </dgm:scene3d>
+    <dgm:sp3d/>
+    <dgm:txPr/>
+    <dgm:style>
+      <a:lnRef idx="0">
+        <a:scrgbClr r="0" g="0" b="0"/>
+      </a:lnRef>
+      <a:fillRef idx="1">
+        <a:scrgbClr r="0" g="0" b="0"/>
+      </a:fillRef>
+      <a:effectRef idx="0">
+        <a:scrgbClr r="0" g="0" b="0"/>
+      </a:effectRef>
+      <a:fontRef idx="minor"/>
+    </dgm:style>
+  </dgm:styleLbl>
+  <dgm:styleLbl name="fgShp">
+    <dgm:scene3d>
+      <a:camera prst="orthographicFront"/>
+      <a:lightRig rig="threePt" dir="t"/>
+    </dgm:scene3d>
+    <dgm:sp3d/>
+    <dgm:txPr/>
+    <dgm:style>
+      <a:lnRef idx="2">
+        <a:scrgbClr r="0" g="0" b="0"/>
+      </a:lnRef>
+      <a:fillRef idx="1">
+        <a:scrgbClr r="0" g="0" b="0"/>
+      </a:fillRef>
+      <a:effectRef idx="0">
+        <a:scrgbClr r="0" g="0" b="0"/>
+      </a:effectRef>
+      <a:fontRef idx="minor"/>
+    </dgm:style>
+  </dgm:styleLbl>
+  <dgm:styleLbl name="revTx">
+    <dgm:scene3d>
+      <a:camera prst="orthographicFront"/>
+      <a:lightRig rig="threePt" dir="t"/>
+    </dgm:scene3d>
+    <dgm:sp3d/>
+    <dgm:txPr/>
+    <dgm:style>
+      <a:lnRef idx="0">
+        <a:scrgbClr r="0" g="0" b="0"/>
+      </a:lnRef>
+      <a:fillRef idx="0">
+        <a:scrgbClr r="0" g="0" b="0"/>
+      </a:fillRef>
+      <a:effectRef idx="0">
+        <a:scrgbClr r="0" g="0" b="0"/>
+      </a:effectRef>
+      <a:fontRef idx="minor"/>
+    </dgm:style>
+  </dgm:styleLbl>
+</dgm:styleDef>
+</file>
+
 <file path=ppt/handoutMasters/handoutMaster1.xml><?xml version="1.0" encoding="utf-8"?>
 <p:handoutMaster xmlns:a="http://schemas.openxmlformats.org/drawingml/2006/main" xmlns:r="http://schemas.openxmlformats.org/officeDocument/2006/relationships" xmlns:p="http://schemas.openxmlformats.org/presentationml/2006/main">
   <p:cSld>
@@ -204,7 +3693,7 @@
           <a:p>
             <a:fld id="{C5495B23-B40A-40FC-B23E-5FDDCE069B5D}" type="datetimeFigureOut">
               <a:rPr lang="fr-FR" smtClean="0"/>
-              <a:t>28/12/2017</a:t>
+              <a:t>01/01/2018</a:t>
             </a:fld>
             <a:endParaRPr lang="fr-FR"/>
           </a:p>
@@ -370,7 +3859,7 @@
           <a:p>
             <a:fld id="{522BA693-6A0C-4013-A985-1D1A07B02BE0}" type="datetimeFigureOut">
               <a:rPr lang="fr-FR" smtClean="0"/>
-              <a:t>28/12/2017</a:t>
+              <a:t>01/01/2018</a:t>
             </a:fld>
             <a:endParaRPr lang="fr-FR"/>
           </a:p>
@@ -761,6 +4250,67 @@
 </p:notes>
 </file>
 
+<file path=ppt/notesSlides/notesSlide3.xml><?xml version="1.0" encoding="utf-8"?>
+<p:notes xmlns:a="http://schemas.openxmlformats.org/drawingml/2006/main" xmlns:r="http://schemas.openxmlformats.org/officeDocument/2006/relationships" xmlns:p="http://schemas.openxmlformats.org/presentationml/2006/main">
+  <p:cSld>
+    <p:spTree>
+      <p:nvGrpSpPr>
+        <p:cNvPr id="1" name=""/>
+        <p:cNvGrpSpPr/>
+        <p:nvPr/>
+      </p:nvGrpSpPr>
+      <p:grpSpPr>
+        <a:xfrm>
+          <a:off x="0" y="0"/>
+          <a:ext cx="0" cy="0"/>
+          <a:chOff x="0" y="0"/>
+          <a:chExt cx="0" cy="0"/>
+        </a:xfrm>
+      </p:grpSpPr>
+      <p:sp>
+        <p:nvSpPr>
+          <p:cNvPr id="2" name="Slide Image Placeholder 1"/>
+          <p:cNvSpPr>
+            <a:spLocks noGrp="1" noRot="1" noChangeAspect="1"/>
+          </p:cNvSpPr>
+          <p:nvPr>
+            <p:ph type="sldImg"/>
+          </p:nvPr>
+        </p:nvSpPr>
+        <p:spPr/>
+      </p:sp>
+      <p:sp>
+        <p:nvSpPr>
+          <p:cNvPr id="3" name="Notes Placeholder 2"/>
+          <p:cNvSpPr>
+            <a:spLocks noGrp="1"/>
+          </p:cNvSpPr>
+          <p:nvPr>
+            <p:ph type="body" idx="1"/>
+          </p:nvPr>
+        </p:nvSpPr>
+        <p:spPr/>
+        <p:txBody>
+          <a:bodyPr/>
+          <a:lstStyle/>
+          <a:p>
+            <a:endParaRPr lang="fr-FR" dirty="0"/>
+          </a:p>
+        </p:txBody>
+      </p:sp>
+    </p:spTree>
+    <p:extLst>
+      <p:ext uri="{BB962C8B-B14F-4D97-AF65-F5344CB8AC3E}">
+        <p14:creationId xmlns:p14="http://schemas.microsoft.com/office/powerpoint/2010/main" val="4198465432"/>
+      </p:ext>
+    </p:extLst>
+  </p:cSld>
+  <p:clrMapOvr>
+    <a:masterClrMapping/>
+  </p:clrMapOvr>
+</p:notes>
+</file>
+
 <file path=ppt/slideLayouts/slideLayout1.xml><?xml version="1.0" encoding="utf-8"?>
 <p:sldLayout xmlns:a="http://schemas.openxmlformats.org/drawingml/2006/main" xmlns:r="http://schemas.openxmlformats.org/officeDocument/2006/relationships" xmlns:p="http://schemas.openxmlformats.org/presentationml/2006/main" showMasterSp="0" type="title" preserve="1">
   <p:cSld name="Title Slide">
@@ -1419,7 +4969,7 @@
           <a:p>
             <a:fld id="{4FE36861-76F0-4DFC-BC4F-9354408819A9}" type="datetime1">
               <a:rPr lang="en-US" smtClean="0"/>
-              <a:t>12/28/2017</a:t>
+              <a:t>1/1/2018</a:t>
             </a:fld>
             <a:endParaRPr lang="en-US"/>
           </a:p>
@@ -1603,7 +5153,7 @@
           <a:p>
             <a:fld id="{0065636B-5211-423F-9E4C-69162865E509}" type="datetime1">
               <a:rPr lang="en-US" smtClean="0"/>
-              <a:t>12/28/2017</a:t>
+              <a:t>1/1/2018</a:t>
             </a:fld>
             <a:endParaRPr lang="en-US"/>
           </a:p>
@@ -1779,7 +5329,7 @@
           <a:p>
             <a:fld id="{0BFA1D85-18D9-4AF0-88F4-ED7E06D0BA69}" type="datetime1">
               <a:rPr lang="en-US" smtClean="0"/>
-              <a:t>12/28/2017</a:t>
+              <a:t>1/1/2018</a:t>
             </a:fld>
             <a:endParaRPr lang="en-US"/>
           </a:p>
@@ -1945,7 +5495,7 @@
           <a:p>
             <a:fld id="{B1C6EF21-D8E2-4FED-87FE-F02AE8AEB24A}" type="datetime1">
               <a:rPr lang="en-US" smtClean="0"/>
-              <a:t>12/28/2017</a:t>
+              <a:t>1/1/2018</a:t>
             </a:fld>
             <a:endParaRPr lang="en-US"/>
           </a:p>
@@ -2167,7 +5717,7 @@
           <a:p>
             <a:fld id="{87FB909D-72AD-47CF-B470-4214C9D41C61}" type="datetime1">
               <a:rPr lang="en-US" smtClean="0"/>
-              <a:t>12/28/2017</a:t>
+              <a:t>1/1/2018</a:t>
             </a:fld>
             <a:endParaRPr lang="en-US"/>
           </a:p>
@@ -2427,7 +5977,7 @@
           <a:p>
             <a:fld id="{DC8BE30B-9DCB-499A-9A89-FFB1608DE60E}" type="datetime1">
               <a:rPr lang="en-US" smtClean="0"/>
-              <a:t>12/28/2017</a:t>
+              <a:t>1/1/2018</a:t>
             </a:fld>
             <a:endParaRPr lang="en-US"/>
           </a:p>
@@ -2832,7 +6382,7 @@
           <a:p>
             <a:fld id="{C733344C-CD63-4274-800F-14F676588C37}" type="datetime1">
               <a:rPr lang="en-US" smtClean="0"/>
-              <a:t>12/28/2017</a:t>
+              <a:t>1/1/2018</a:t>
             </a:fld>
             <a:endParaRPr lang="en-US"/>
           </a:p>
@@ -2964,7 +6514,7 @@
           <a:p>
             <a:fld id="{C12F266F-2C44-4502-82AF-6D4FF9377C88}" type="datetime1">
               <a:rPr lang="en-US" smtClean="0"/>
-              <a:t>12/28/2017</a:t>
+              <a:t>1/1/2018</a:t>
             </a:fld>
             <a:endParaRPr lang="en-US"/>
           </a:p>
@@ -3065,7 +6615,7 @@
           <a:p>
             <a:fld id="{93012E88-3526-4907-8605-BCD72E9217DC}" type="datetime1">
               <a:rPr lang="en-US" smtClean="0"/>
-              <a:t>12/28/2017</a:t>
+              <a:t>1/1/2018</a:t>
             </a:fld>
             <a:endParaRPr lang="en-US"/>
           </a:p>
@@ -3311,7 +6861,7 @@
           <a:p>
             <a:fld id="{BBA8D125-EDC3-48E9-8F98-6EFDD112B558}" type="datetime1">
               <a:rPr lang="en-US" smtClean="0"/>
-              <a:t>12/28/2017</a:t>
+              <a:t>1/1/2018</a:t>
             </a:fld>
             <a:endParaRPr lang="en-US"/>
           </a:p>
@@ -3556,7 +7106,7 @@
           <a:p>
             <a:fld id="{111CD66A-46A7-451C-BA07-51224E588689}" type="datetime1">
               <a:rPr lang="en-US" smtClean="0"/>
-              <a:t>12/28/2017</a:t>
+              <a:t>1/1/2018</a:t>
             </a:fld>
             <a:endParaRPr lang="en-US"/>
           </a:p>
@@ -4381,7 +7931,7 @@
           <a:p>
             <a:fld id="{B7F0E714-DD62-4651-8758-EE196128C64A}" type="datetime1">
               <a:rPr lang="en-US" smtClean="0"/>
-              <a:t>12/28/2017</a:t>
+              <a:t>1/1/2018</a:t>
             </a:fld>
             <a:endParaRPr lang="en-US"/>
           </a:p>
@@ -4804,7 +8354,7 @@
               <a:rPr lang="fr-FR" dirty="0" smtClean="0">
                 <a:latin typeface="+mn-lt"/>
               </a:rPr>
-              <a:t>Ambitions professionnelles : comment préserver la motivation</a:t>
+              <a:t>Les ambitions professionnelles : comment préserver la motivation</a:t>
             </a:r>
             <a:endParaRPr lang="fr-FR" dirty="0">
               <a:latin typeface="+mn-lt"/>
@@ -4968,7 +8518,294 @@
       </p:grpSpPr>
       <p:sp>
         <p:nvSpPr>
-          <p:cNvPr id="5" name="Slide Number Placeholder 4"/>
+          <p:cNvPr id="14" name="Rounded Rectangle 13"/>
+          <p:cNvSpPr/>
+          <p:nvPr/>
+        </p:nvSpPr>
+        <p:spPr>
+          <a:xfrm>
+            <a:off x="440039" y="1600200"/>
+            <a:ext cx="7865761" cy="914400"/>
+          </a:xfrm>
+          <a:prstGeom prst="roundRect">
+            <a:avLst/>
+          </a:prstGeom>
+          <a:solidFill>
+            <a:schemeClr val="bg1">
+              <a:lumMod val="85000"/>
+            </a:schemeClr>
+          </a:solidFill>
+        </p:spPr>
+        <p:style>
+          <a:lnRef idx="2">
+            <a:schemeClr val="accent1">
+              <a:shade val="50000"/>
+            </a:schemeClr>
+          </a:lnRef>
+          <a:fillRef idx="1">
+            <a:schemeClr val="accent1"/>
+          </a:fillRef>
+          <a:effectRef idx="0">
+            <a:schemeClr val="accent1"/>
+          </a:effectRef>
+          <a:fontRef idx="minor">
+            <a:schemeClr val="lt1"/>
+          </a:fontRef>
+        </p:style>
+        <p:txBody>
+          <a:bodyPr rtlCol="0" anchor="ctr"/>
+          <a:lstStyle/>
+          <a:p>
+            <a:pPr algn="ctr"/>
+            <a:endParaRPr lang="fr-FR"/>
+          </a:p>
+        </p:txBody>
+      </p:sp>
+      <p:sp>
+        <p:nvSpPr>
+          <p:cNvPr id="12" name="Rounded Rectangle 11"/>
+          <p:cNvSpPr/>
+          <p:nvPr/>
+        </p:nvSpPr>
+        <p:spPr>
+          <a:xfrm>
+            <a:off x="685800" y="3657600"/>
+            <a:ext cx="5638800" cy="533400"/>
+          </a:xfrm>
+          <a:prstGeom prst="roundRect">
+            <a:avLst/>
+          </a:prstGeom>
+          <a:solidFill>
+            <a:schemeClr val="bg1">
+              <a:lumMod val="85000"/>
+            </a:schemeClr>
+          </a:solidFill>
+        </p:spPr>
+        <p:style>
+          <a:lnRef idx="2">
+            <a:schemeClr val="accent1">
+              <a:shade val="50000"/>
+            </a:schemeClr>
+          </a:lnRef>
+          <a:fillRef idx="1">
+            <a:schemeClr val="accent1"/>
+          </a:fillRef>
+          <a:effectRef idx="0">
+            <a:schemeClr val="accent1"/>
+          </a:effectRef>
+          <a:fontRef idx="minor">
+            <a:schemeClr val="lt1"/>
+          </a:fontRef>
+        </p:style>
+        <p:txBody>
+          <a:bodyPr rtlCol="0" anchor="ctr"/>
+          <a:lstStyle/>
+          <a:p>
+            <a:pPr algn="ctr"/>
+            <a:endParaRPr lang="fr-FR"/>
+          </a:p>
+        </p:txBody>
+      </p:sp>
+      <p:sp>
+        <p:nvSpPr>
+          <p:cNvPr id="19" name="Content Placeholder 2"/>
+          <p:cNvSpPr>
+            <a:spLocks noGrp="1"/>
+          </p:cNvSpPr>
+          <p:nvPr>
+            <p:ph idx="1"/>
+          </p:nvPr>
+        </p:nvSpPr>
+        <p:spPr>
+          <a:xfrm>
+            <a:off x="381000" y="1066800"/>
+            <a:ext cx="8229600" cy="4648200"/>
+          </a:xfrm>
+        </p:spPr>
+        <p:txBody>
+          <a:bodyPr>
+            <a:normAutofit/>
+          </a:bodyPr>
+          <a:lstStyle/>
+          <a:p>
+            <a:pPr marL="624078" lvl="0" indent="-514350">
+              <a:lnSpc>
+                <a:spcPct val="150000"/>
+              </a:lnSpc>
+              <a:buClr>
+                <a:srgbClr val="438086"/>
+              </a:buClr>
+              <a:buFont typeface="+mj-lt"/>
+              <a:buAutoNum type="arabicPeriod"/>
+            </a:pPr>
+            <a:r>
+              <a:rPr lang="fr-FR" sz="2400" dirty="0"/>
+              <a:t>L’introduction</a:t>
+            </a:r>
+          </a:p>
+          <a:p>
+            <a:pPr marL="624078" lvl="0" indent="-514350">
+              <a:buClr>
+                <a:srgbClr val="438086"/>
+              </a:buClr>
+              <a:buFont typeface="+mj-lt"/>
+              <a:buAutoNum type="arabicPeriod"/>
+            </a:pPr>
+            <a:r>
+              <a:rPr lang="fr-FR" sz="2400" dirty="0"/>
+              <a:t>Les facteurs d’influence sur ma motivation dans mes tâches professionnelles :</a:t>
+            </a:r>
+          </a:p>
+          <a:p>
+            <a:pPr marL="916686" lvl="1" indent="-514350">
+              <a:lnSpc>
+                <a:spcPct val="150000"/>
+              </a:lnSpc>
+              <a:buClr>
+                <a:srgbClr val="438086"/>
+              </a:buClr>
+              <a:buFont typeface="+mj-lt"/>
+              <a:buAutoNum type="alphaLcParenR"/>
+            </a:pPr>
+            <a:r>
+              <a:rPr lang="fr-FR" sz="2400" dirty="0">
+                <a:solidFill>
+                  <a:schemeClr val="tx1"/>
+                </a:solidFill>
+              </a:rPr>
+              <a:t>La détermination </a:t>
+            </a:r>
+            <a:r>
+              <a:rPr lang="fr-FR" sz="2400" dirty="0" smtClean="0">
+                <a:solidFill>
+                  <a:schemeClr val="tx1"/>
+                </a:solidFill>
+              </a:rPr>
+              <a:t>d’origine </a:t>
+            </a:r>
+            <a:r>
+              <a:rPr lang="fr-FR" sz="2400" dirty="0">
+                <a:solidFill>
+                  <a:schemeClr val="tx1"/>
+                </a:solidFill>
+              </a:rPr>
+              <a:t>réelle d’un problème</a:t>
+            </a:r>
+          </a:p>
+          <a:p>
+            <a:pPr marL="916686" lvl="1" indent="-514350">
+              <a:lnSpc>
+                <a:spcPct val="150000"/>
+              </a:lnSpc>
+              <a:buClr>
+                <a:srgbClr val="438086"/>
+              </a:buClr>
+              <a:buFont typeface="+mj-lt"/>
+              <a:buAutoNum type="alphaLcParenR"/>
+            </a:pPr>
+            <a:r>
+              <a:rPr lang="fr-FR" sz="2400" dirty="0">
+                <a:solidFill>
+                  <a:schemeClr val="tx1"/>
+                </a:solidFill>
+              </a:rPr>
+              <a:t>Une </a:t>
+            </a:r>
+            <a:r>
+              <a:rPr lang="fr-FR" sz="2400" dirty="0" smtClean="0">
+                <a:solidFill>
+                  <a:schemeClr val="tx1"/>
+                </a:solidFill>
+              </a:rPr>
+              <a:t>grande </a:t>
+            </a:r>
+            <a:r>
+              <a:rPr lang="fr-FR" sz="2400" dirty="0">
+                <a:solidFill>
+                  <a:schemeClr val="tx1"/>
+                </a:solidFill>
+              </a:rPr>
+              <a:t>variété des solutions possibles</a:t>
+            </a:r>
+          </a:p>
+          <a:p>
+            <a:pPr marL="916686" lvl="1" indent="-514350">
+              <a:lnSpc>
+                <a:spcPct val="150000"/>
+              </a:lnSpc>
+              <a:buClr>
+                <a:srgbClr val="438086"/>
+              </a:buClr>
+              <a:buFont typeface="+mj-lt"/>
+              <a:buAutoNum type="alphaLcParenR"/>
+            </a:pPr>
+            <a:r>
+              <a:rPr lang="fr-FR" sz="2400" dirty="0">
+                <a:solidFill>
+                  <a:schemeClr val="tx1"/>
+                </a:solidFill>
+              </a:rPr>
+              <a:t>Un problème de complexité </a:t>
+            </a:r>
+            <a:r>
+              <a:rPr lang="fr-FR" sz="2400" dirty="0" smtClean="0">
+                <a:solidFill>
+                  <a:schemeClr val="tx1"/>
+                </a:solidFill>
+              </a:rPr>
+              <a:t>élevée</a:t>
+            </a:r>
+            <a:endParaRPr lang="fr-FR" sz="2400" dirty="0">
+              <a:solidFill>
+                <a:schemeClr val="tx1"/>
+              </a:solidFill>
+            </a:endParaRPr>
+          </a:p>
+          <a:p>
+            <a:pPr marL="916686" lvl="1" indent="-514350">
+              <a:lnSpc>
+                <a:spcPct val="150000"/>
+              </a:lnSpc>
+              <a:buClr>
+                <a:srgbClr val="438086"/>
+              </a:buClr>
+              <a:buFont typeface="+mj-lt"/>
+              <a:buAutoNum type="alphaLcParenR"/>
+            </a:pPr>
+            <a:r>
+              <a:rPr lang="fr-FR" sz="2400" dirty="0">
+                <a:solidFill>
+                  <a:schemeClr val="tx1"/>
+                </a:solidFill>
+              </a:rPr>
+              <a:t>La situation de réussite</a:t>
+            </a:r>
+          </a:p>
+          <a:p>
+            <a:pPr marL="566928" lvl="0" indent="-457200">
+              <a:lnSpc>
+                <a:spcPct val="150000"/>
+              </a:lnSpc>
+              <a:buClr>
+                <a:srgbClr val="438086"/>
+              </a:buClr>
+              <a:buFont typeface="+mj-lt"/>
+              <a:buAutoNum type="arabicPeriod"/>
+            </a:pPr>
+            <a:r>
+              <a:rPr lang="fr-FR" sz="2400" dirty="0"/>
+              <a:t>La conclusion</a:t>
+            </a:r>
+            <a:r>
+              <a:rPr lang="fr-FR" sz="2400" dirty="0" smtClean="0"/>
+              <a:t>.</a:t>
+            </a:r>
+          </a:p>
+        </p:txBody>
+      </p:sp>
+      <p:sp>
+        <p:nvSpPr>
+          <p:cNvPr id="13" name="Slide Number Placeholder 4"/>
           <p:cNvSpPr>
             <a:spLocks noGrp="1"/>
           </p:cNvSpPr>
@@ -4976,7 +8813,12 @@
             <p:ph type="sldNum" sz="quarter" idx="12"/>
           </p:nvPr>
         </p:nvSpPr>
-        <p:spPr/>
+        <p:spPr>
+          <a:xfrm>
+            <a:off x="8174736" y="2272"/>
+            <a:ext cx="762000" cy="365760"/>
+          </a:xfrm>
+        </p:spPr>
         <p:txBody>
           <a:bodyPr/>
           <a:lstStyle/>
@@ -4992,71 +8834,7 @@
       </p:sp>
       <p:sp>
         <p:nvSpPr>
-          <p:cNvPr id="6" name="Rectangle 5"/>
-          <p:cNvSpPr/>
-          <p:nvPr/>
-        </p:nvSpPr>
-        <p:spPr>
-          <a:xfrm>
-            <a:off x="2286000" y="3105835"/>
-            <a:ext cx="4572000" cy="646331"/>
-          </a:xfrm>
-          <a:prstGeom prst="rect">
-            <a:avLst/>
-          </a:prstGeom>
-        </p:spPr>
-        <p:txBody>
-          <a:bodyPr>
-            <a:spAutoFit/>
-          </a:bodyPr>
-          <a:lstStyle/>
-          <a:p>
-            <a:r>
-              <a:rPr lang="fr-FR" dirty="0">
-                <a:solidFill>
-                  <a:schemeClr val="bg1"/>
-                </a:solidFill>
-              </a:rPr>
-              <a:t>2. b) Une grande variété des solutions possibles</a:t>
-            </a:r>
-            <a:endParaRPr lang="fr-FR" dirty="0">
-              <a:solidFill>
-                <a:schemeClr val="bg1"/>
-              </a:solidFill>
-            </a:endParaRPr>
-          </a:p>
-        </p:txBody>
-      </p:sp>
-      <p:sp>
-        <p:nvSpPr>
-          <p:cNvPr id="7" name="Content Placeholder 2"/>
-          <p:cNvSpPr>
-            <a:spLocks noGrp="1"/>
-          </p:cNvSpPr>
-          <p:nvPr>
-            <p:ph idx="1"/>
-          </p:nvPr>
-        </p:nvSpPr>
-        <p:spPr>
-          <a:xfrm>
-            <a:off x="533400" y="1219200"/>
-            <a:ext cx="8229600" cy="4325112"/>
-          </a:xfrm>
-        </p:spPr>
-        <p:txBody>
-          <a:bodyPr/>
-          <a:lstStyle/>
-          <a:p>
-            <a:pPr marL="109728" indent="0">
-              <a:buNone/>
-            </a:pPr>
-            <a:endParaRPr lang="fr-FR" dirty="0"/>
-          </a:p>
-        </p:txBody>
-      </p:sp>
-      <p:sp>
-        <p:nvSpPr>
-          <p:cNvPr id="8" name="Slide Number Placeholder 4"/>
+          <p:cNvPr id="15" name="Slide Number Placeholder 4"/>
           <p:cNvSpPr txBox="1">
             <a:spLocks/>
           </p:cNvSpPr>
@@ -5180,7 +8958,7 @@
       </p:sp>
       <p:sp>
         <p:nvSpPr>
-          <p:cNvPr id="9" name="Footer Placeholder 9"/>
+          <p:cNvPr id="16" name="Footer Placeholder 9"/>
           <p:cNvSpPr txBox="1">
             <a:spLocks/>
           </p:cNvSpPr>
@@ -5297,12 +9075,12 @@
           </a:lstStyle>
           <a:p>
             <a:r>
-              <a:rPr lang="fr-FR" sz="1400" smtClean="0">
+              <a:rPr lang="fr-FR" sz="1400" dirty="0" smtClean="0">
                 <a:solidFill>
                   <a:schemeClr val="bg1"/>
                 </a:solidFill>
               </a:rPr>
-              <a:t>Ambitions professionnelles : comment préserver la motivation</a:t>
+              <a:t>Les ambitions professionnelles : comment préserver la motivation</a:t>
             </a:r>
             <a:endParaRPr lang="en-US" sz="1400" dirty="0">
               <a:solidFill>
@@ -5314,7 +9092,7 @@
       </p:sp>
       <p:pic>
         <p:nvPicPr>
-          <p:cNvPr id="10" name="Picture 9"/>
+          <p:cNvPr id="17" name="Picture 16"/>
           <p:cNvPicPr>
             <a:picLocks noChangeAspect="1"/>
           </p:cNvPicPr>
@@ -5344,7 +9122,7 @@
       </p:pic>
       <p:sp>
         <p:nvSpPr>
-          <p:cNvPr id="11" name="TextBox 10"/>
+          <p:cNvPr id="18" name="TextBox 17"/>
           <p:cNvSpPr txBox="1"/>
           <p:nvPr/>
         </p:nvSpPr>
@@ -5365,42 +9143,21 @@
           <a:lstStyle/>
           <a:p>
             <a:r>
+              <a:rPr lang="fr-FR" sz="1600" dirty="0" smtClean="0">
+                <a:solidFill>
+                  <a:schemeClr val="bg1"/>
+                </a:solidFill>
+              </a:rPr>
+              <a:t>2. Les </a:t>
+            </a:r>
+            <a:r>
               <a:rPr lang="fr-FR" sz="1600" dirty="0">
                 <a:solidFill>
                   <a:schemeClr val="bg1"/>
                 </a:solidFill>
               </a:rPr>
-              <a:t>2. </a:t>
-            </a:r>
-            <a:r>
-              <a:rPr lang="fr-FR" sz="1600" dirty="0" smtClean="0">
-                <a:solidFill>
-                  <a:schemeClr val="bg1"/>
-                </a:solidFill>
-              </a:rPr>
-              <a:t>b) </a:t>
-            </a:r>
-            <a:r>
-              <a:rPr lang="fr-FR" sz="1600" dirty="0">
-                <a:solidFill>
-                  <a:schemeClr val="bg1"/>
-                </a:solidFill>
-              </a:rPr>
-              <a:t>Une grande variété des solutions </a:t>
-            </a:r>
-            <a:r>
-              <a:rPr lang="fr-FR" sz="1600" dirty="0" smtClean="0">
-                <a:solidFill>
-                  <a:schemeClr val="bg1"/>
-                </a:solidFill>
-              </a:rPr>
-              <a:t>possibles</a:t>
-            </a:r>
-            <a:endParaRPr lang="fr-FR" sz="1600" dirty="0">
-              <a:solidFill>
-                <a:schemeClr val="bg1"/>
-              </a:solidFill>
-            </a:endParaRPr>
+              <a:t>facteurs d’influence sur ma motivation</a:t>
+            </a:r>
           </a:p>
         </p:txBody>
       </p:sp>
@@ -5414,6 +9171,1951 @@
   <p:clrMapOvr>
     <a:masterClrMapping/>
   </p:clrMapOvr>
+  <p:timing>
+    <p:tnLst>
+      <p:par>
+        <p:cTn id="1" dur="indefinite" restart="never" nodeType="tmRoot"/>
+      </p:par>
+    </p:tnLst>
+  </p:timing>
+</p:sld>
+</file>
+
+<file path=ppt/slides/slide11.xml><?xml version="1.0" encoding="utf-8"?>
+<p:sld xmlns:a="http://schemas.openxmlformats.org/drawingml/2006/main" xmlns:r="http://schemas.openxmlformats.org/officeDocument/2006/relationships" xmlns:p="http://schemas.openxmlformats.org/presentationml/2006/main">
+  <p:cSld>
+    <p:spTree>
+      <p:nvGrpSpPr>
+        <p:cNvPr id="1" name=""/>
+        <p:cNvGrpSpPr/>
+        <p:nvPr/>
+      </p:nvGrpSpPr>
+      <p:grpSpPr>
+        <a:xfrm>
+          <a:off x="0" y="0"/>
+          <a:ext cx="0" cy="0"/>
+          <a:chOff x="0" y="0"/>
+          <a:chExt cx="0" cy="0"/>
+        </a:xfrm>
+      </p:grpSpPr>
+      <p:sp>
+        <p:nvSpPr>
+          <p:cNvPr id="7" name="Slide Number Placeholder 4"/>
+          <p:cNvSpPr>
+            <a:spLocks noGrp="1"/>
+          </p:cNvSpPr>
+          <p:nvPr>
+            <p:ph type="sldNum" sz="quarter" idx="12"/>
+          </p:nvPr>
+        </p:nvSpPr>
+        <p:spPr>
+          <a:xfrm>
+            <a:off x="8174736" y="2272"/>
+            <a:ext cx="762000" cy="365760"/>
+          </a:xfrm>
+        </p:spPr>
+        <p:txBody>
+          <a:bodyPr/>
+          <a:lstStyle/>
+          <a:p>
+            <a:fld id="{B6F15528-21DE-4FAA-801E-634DDDAF4B2B}" type="slidenum">
+              <a:rPr lang="en-US" smtClean="0"/>
+              <a:pPr/>
+              <a:t>11</a:t>
+            </a:fld>
+            <a:endParaRPr lang="en-US"/>
+          </a:p>
+        </p:txBody>
+      </p:sp>
+      <p:sp>
+        <p:nvSpPr>
+          <p:cNvPr id="8" name="Footer Placeholder 9"/>
+          <p:cNvSpPr txBox="1">
+            <a:spLocks/>
+          </p:cNvSpPr>
+          <p:nvPr/>
+        </p:nvSpPr>
+        <p:spPr>
+          <a:xfrm>
+            <a:off x="0" y="6547338"/>
+            <a:ext cx="9144000" cy="310662"/>
+          </a:xfrm>
+          <a:prstGeom prst="rect">
+            <a:avLst/>
+          </a:prstGeom>
+          <a:solidFill>
+            <a:srgbClr val="438086"/>
+          </a:solidFill>
+        </p:spPr>
+        <p:txBody>
+          <a:bodyPr vert="horz"/>
+          <a:lstStyle>
+            <a:defPPr>
+              <a:defRPr lang="en-US"/>
+            </a:defPPr>
+            <a:lvl1pPr marL="0" algn="r" defTabSz="914400" rtl="0" eaLnBrk="1" latinLnBrk="0" hangingPunct="1">
+              <a:defRPr kumimoji="0" sz="800" kern="1200">
+                <a:solidFill>
+                  <a:schemeClr val="accent2"/>
+                </a:solidFill>
+                <a:latin typeface="+mn-lt"/>
+                <a:ea typeface="+mn-ea"/>
+                <a:cs typeface="+mn-cs"/>
+              </a:defRPr>
+            </a:lvl1pPr>
+            <a:lvl2pPr marL="457200" algn="l" defTabSz="914400" rtl="0" eaLnBrk="1" latinLnBrk="0" hangingPunct="1">
+              <a:defRPr sz="1800" kern="1200">
+                <a:solidFill>
+                  <a:schemeClr val="tx1"/>
+                </a:solidFill>
+                <a:latin typeface="+mn-lt"/>
+                <a:ea typeface="+mn-ea"/>
+                <a:cs typeface="+mn-cs"/>
+              </a:defRPr>
+            </a:lvl2pPr>
+            <a:lvl3pPr marL="914400" algn="l" defTabSz="914400" rtl="0" eaLnBrk="1" latinLnBrk="0" hangingPunct="1">
+              <a:defRPr sz="1800" kern="1200">
+                <a:solidFill>
+                  <a:schemeClr val="tx1"/>
+                </a:solidFill>
+                <a:latin typeface="+mn-lt"/>
+                <a:ea typeface="+mn-ea"/>
+                <a:cs typeface="+mn-cs"/>
+              </a:defRPr>
+            </a:lvl3pPr>
+            <a:lvl4pPr marL="1371600" algn="l" defTabSz="914400" rtl="0" eaLnBrk="1" latinLnBrk="0" hangingPunct="1">
+              <a:defRPr sz="1800" kern="1200">
+                <a:solidFill>
+                  <a:schemeClr val="tx1"/>
+                </a:solidFill>
+                <a:latin typeface="+mn-lt"/>
+                <a:ea typeface="+mn-ea"/>
+                <a:cs typeface="+mn-cs"/>
+              </a:defRPr>
+            </a:lvl4pPr>
+            <a:lvl5pPr marL="1828800" algn="l" defTabSz="914400" rtl="0" eaLnBrk="1" latinLnBrk="0" hangingPunct="1">
+              <a:defRPr sz="1800" kern="1200">
+                <a:solidFill>
+                  <a:schemeClr val="tx1"/>
+                </a:solidFill>
+                <a:latin typeface="+mn-lt"/>
+                <a:ea typeface="+mn-ea"/>
+                <a:cs typeface="+mn-cs"/>
+              </a:defRPr>
+            </a:lvl5pPr>
+            <a:lvl6pPr marL="2286000" algn="l" defTabSz="914400" rtl="0" eaLnBrk="1" latinLnBrk="0" hangingPunct="1">
+              <a:defRPr sz="1800" kern="1200">
+                <a:solidFill>
+                  <a:schemeClr val="tx1"/>
+                </a:solidFill>
+                <a:latin typeface="+mn-lt"/>
+                <a:ea typeface="+mn-ea"/>
+                <a:cs typeface="+mn-cs"/>
+              </a:defRPr>
+            </a:lvl6pPr>
+            <a:lvl7pPr marL="2743200" algn="l" defTabSz="914400" rtl="0" eaLnBrk="1" latinLnBrk="0" hangingPunct="1">
+              <a:defRPr sz="1800" kern="1200">
+                <a:solidFill>
+                  <a:schemeClr val="tx1"/>
+                </a:solidFill>
+                <a:latin typeface="+mn-lt"/>
+                <a:ea typeface="+mn-ea"/>
+                <a:cs typeface="+mn-cs"/>
+              </a:defRPr>
+            </a:lvl7pPr>
+            <a:lvl8pPr marL="3200400" algn="l" defTabSz="914400" rtl="0" eaLnBrk="1" latinLnBrk="0" hangingPunct="1">
+              <a:defRPr sz="1800" kern="1200">
+                <a:solidFill>
+                  <a:schemeClr val="tx1"/>
+                </a:solidFill>
+                <a:latin typeface="+mn-lt"/>
+                <a:ea typeface="+mn-ea"/>
+                <a:cs typeface="+mn-cs"/>
+              </a:defRPr>
+            </a:lvl8pPr>
+            <a:lvl9pPr marL="3657600" algn="l" defTabSz="914400" rtl="0" eaLnBrk="1" latinLnBrk="0" hangingPunct="1">
+              <a:defRPr sz="1800" kern="1200">
+                <a:solidFill>
+                  <a:schemeClr val="tx1"/>
+                </a:solidFill>
+                <a:latin typeface="+mn-lt"/>
+                <a:ea typeface="+mn-ea"/>
+                <a:cs typeface="+mn-cs"/>
+              </a:defRPr>
+            </a:lvl9pPr>
+          </a:lstStyle>
+          <a:p>
+            <a:r>
+              <a:rPr lang="fr-FR" sz="1400" dirty="0" smtClean="0">
+                <a:solidFill>
+                  <a:schemeClr val="bg1"/>
+                </a:solidFill>
+              </a:rPr>
+              <a:t>Les ambitions professionnelles : comment préserver la motivation</a:t>
+            </a:r>
+            <a:endParaRPr lang="en-US" sz="1400" dirty="0">
+              <a:solidFill>
+                <a:schemeClr val="bg1"/>
+              </a:solidFill>
+            </a:endParaRPr>
+          </a:p>
+        </p:txBody>
+      </p:sp>
+      <p:pic>
+        <p:nvPicPr>
+          <p:cNvPr id="9" name="Picture 8"/>
+          <p:cNvPicPr>
+            <a:picLocks noChangeAspect="1"/>
+          </p:cNvPicPr>
+          <p:nvPr/>
+        </p:nvPicPr>
+        <p:blipFill>
+          <a:blip r:embed="rId2" cstate="print">
+            <a:extLst>
+              <a:ext uri="{28A0092B-C50C-407E-A947-70E740481C1C}">
+                <a14:useLocalDpi xmlns:a14="http://schemas.microsoft.com/office/drawing/2010/main" val="0"/>
+              </a:ext>
+            </a:extLst>
+          </a:blip>
+          <a:stretch>
+            <a:fillRect/>
+          </a:stretch>
+        </p:blipFill>
+        <p:spPr>
+          <a:xfrm>
+            <a:off x="-2" y="6552027"/>
+            <a:ext cx="884773" cy="305973"/>
+          </a:xfrm>
+          <a:prstGeom prst="rect">
+            <a:avLst/>
+          </a:prstGeom>
+        </p:spPr>
+      </p:pic>
+      <p:sp>
+        <p:nvSpPr>
+          <p:cNvPr id="10" name="TextBox 9"/>
+          <p:cNvSpPr txBox="1"/>
+          <p:nvPr/>
+        </p:nvSpPr>
+        <p:spPr>
+          <a:xfrm>
+            <a:off x="0" y="0"/>
+            <a:ext cx="5257800" cy="338554"/>
+          </a:xfrm>
+          <a:prstGeom prst="rect">
+            <a:avLst/>
+          </a:prstGeom>
+          <a:noFill/>
+        </p:spPr>
+        <p:txBody>
+          <a:bodyPr wrap="square" rtlCol="0">
+            <a:spAutoFit/>
+          </a:bodyPr>
+          <a:lstStyle/>
+          <a:p>
+            <a:r>
+              <a:rPr lang="fr-FR" sz="1600" dirty="0">
+                <a:solidFill>
+                  <a:schemeClr val="bg1"/>
+                </a:solidFill>
+              </a:rPr>
+              <a:t>2. </a:t>
+            </a:r>
+            <a:r>
+              <a:rPr lang="fr-FR" sz="1600" dirty="0">
+                <a:solidFill>
+                  <a:schemeClr val="bg1"/>
+                </a:solidFill>
+              </a:rPr>
+              <a:t>c</a:t>
+            </a:r>
+            <a:r>
+              <a:rPr lang="fr-FR" sz="1600" dirty="0" smtClean="0">
+                <a:solidFill>
+                  <a:schemeClr val="bg1"/>
+                </a:solidFill>
+              </a:rPr>
+              <a:t>) </a:t>
+            </a:r>
+            <a:r>
+              <a:rPr lang="fr-FR" sz="1600" dirty="0">
+                <a:solidFill>
+                  <a:schemeClr val="bg1"/>
+                </a:solidFill>
+              </a:rPr>
+              <a:t>Un problème de complexité élevée</a:t>
+            </a:r>
+          </a:p>
+        </p:txBody>
+      </p:sp>
+      <p:pic>
+        <p:nvPicPr>
+          <p:cNvPr id="13" name="Content Placeholder 12"/>
+          <p:cNvPicPr>
+            <a:picLocks noGrp="1" noChangeAspect="1"/>
+          </p:cNvPicPr>
+          <p:nvPr>
+            <p:ph idx="1"/>
+          </p:nvPr>
+        </p:nvPicPr>
+        <p:blipFill>
+          <a:blip r:embed="rId3" cstate="print">
+            <a:extLst>
+              <a:ext uri="{28A0092B-C50C-407E-A947-70E740481C1C}">
+                <a14:useLocalDpi xmlns:a14="http://schemas.microsoft.com/office/drawing/2010/main" val="0"/>
+              </a:ext>
+            </a:extLst>
+          </a:blip>
+          <a:stretch>
+            <a:fillRect/>
+          </a:stretch>
+        </p:blipFill>
+        <p:spPr>
+          <a:xfrm>
+            <a:off x="2133600" y="1066800"/>
+            <a:ext cx="4685001" cy="4638150"/>
+          </a:xfrm>
+        </p:spPr>
+      </p:pic>
+    </p:spTree>
+    <p:extLst>
+      <p:ext uri="{BB962C8B-B14F-4D97-AF65-F5344CB8AC3E}">
+        <p14:creationId xmlns:p14="http://schemas.microsoft.com/office/powerpoint/2010/main" val="2878743396"/>
+      </p:ext>
+    </p:extLst>
+  </p:cSld>
+  <p:clrMapOvr>
+    <a:masterClrMapping/>
+  </p:clrMapOvr>
+  <p:timing>
+    <p:tnLst>
+      <p:par>
+        <p:cTn id="1" dur="indefinite" restart="never" nodeType="tmRoot"/>
+      </p:par>
+    </p:tnLst>
+  </p:timing>
+</p:sld>
+</file>
+
+<file path=ppt/slides/slide12.xml><?xml version="1.0" encoding="utf-8"?>
+<p:sld xmlns:a="http://schemas.openxmlformats.org/drawingml/2006/main" xmlns:r="http://schemas.openxmlformats.org/officeDocument/2006/relationships" xmlns:p="http://schemas.openxmlformats.org/presentationml/2006/main">
+  <p:cSld>
+    <p:spTree>
+      <p:nvGrpSpPr>
+        <p:cNvPr id="1" name=""/>
+        <p:cNvGrpSpPr/>
+        <p:nvPr/>
+      </p:nvGrpSpPr>
+      <p:grpSpPr>
+        <a:xfrm>
+          <a:off x="0" y="0"/>
+          <a:ext cx="0" cy="0"/>
+          <a:chOff x="0" y="0"/>
+          <a:chExt cx="0" cy="0"/>
+        </a:xfrm>
+      </p:grpSpPr>
+      <p:sp>
+        <p:nvSpPr>
+          <p:cNvPr id="6" name="Slide Number Placeholder 4"/>
+          <p:cNvSpPr>
+            <a:spLocks noGrp="1"/>
+          </p:cNvSpPr>
+          <p:nvPr>
+            <p:ph type="sldNum" sz="quarter" idx="12"/>
+          </p:nvPr>
+        </p:nvSpPr>
+        <p:spPr>
+          <a:xfrm>
+            <a:off x="8174736" y="2272"/>
+            <a:ext cx="762000" cy="365760"/>
+          </a:xfrm>
+        </p:spPr>
+        <p:txBody>
+          <a:bodyPr/>
+          <a:lstStyle/>
+          <a:p>
+            <a:fld id="{B6F15528-21DE-4FAA-801E-634DDDAF4B2B}" type="slidenum">
+              <a:rPr lang="en-US" smtClean="0"/>
+              <a:pPr/>
+              <a:t>12</a:t>
+            </a:fld>
+            <a:endParaRPr lang="en-US"/>
+          </a:p>
+        </p:txBody>
+      </p:sp>
+      <p:sp>
+        <p:nvSpPr>
+          <p:cNvPr id="7" name="Footer Placeholder 9"/>
+          <p:cNvSpPr txBox="1">
+            <a:spLocks/>
+          </p:cNvSpPr>
+          <p:nvPr/>
+        </p:nvSpPr>
+        <p:spPr>
+          <a:xfrm>
+            <a:off x="0" y="6547338"/>
+            <a:ext cx="9144000" cy="310662"/>
+          </a:xfrm>
+          <a:prstGeom prst="rect">
+            <a:avLst/>
+          </a:prstGeom>
+          <a:solidFill>
+            <a:srgbClr val="438086"/>
+          </a:solidFill>
+        </p:spPr>
+        <p:txBody>
+          <a:bodyPr vert="horz"/>
+          <a:lstStyle>
+            <a:defPPr>
+              <a:defRPr lang="en-US"/>
+            </a:defPPr>
+            <a:lvl1pPr marL="0" algn="r" defTabSz="914400" rtl="0" eaLnBrk="1" latinLnBrk="0" hangingPunct="1">
+              <a:defRPr kumimoji="0" sz="800" kern="1200">
+                <a:solidFill>
+                  <a:schemeClr val="accent2"/>
+                </a:solidFill>
+                <a:latin typeface="+mn-lt"/>
+                <a:ea typeface="+mn-ea"/>
+                <a:cs typeface="+mn-cs"/>
+              </a:defRPr>
+            </a:lvl1pPr>
+            <a:lvl2pPr marL="457200" algn="l" defTabSz="914400" rtl="0" eaLnBrk="1" latinLnBrk="0" hangingPunct="1">
+              <a:defRPr sz="1800" kern="1200">
+                <a:solidFill>
+                  <a:schemeClr val="tx1"/>
+                </a:solidFill>
+                <a:latin typeface="+mn-lt"/>
+                <a:ea typeface="+mn-ea"/>
+                <a:cs typeface="+mn-cs"/>
+              </a:defRPr>
+            </a:lvl2pPr>
+            <a:lvl3pPr marL="914400" algn="l" defTabSz="914400" rtl="0" eaLnBrk="1" latinLnBrk="0" hangingPunct="1">
+              <a:defRPr sz="1800" kern="1200">
+                <a:solidFill>
+                  <a:schemeClr val="tx1"/>
+                </a:solidFill>
+                <a:latin typeface="+mn-lt"/>
+                <a:ea typeface="+mn-ea"/>
+                <a:cs typeface="+mn-cs"/>
+              </a:defRPr>
+            </a:lvl3pPr>
+            <a:lvl4pPr marL="1371600" algn="l" defTabSz="914400" rtl="0" eaLnBrk="1" latinLnBrk="0" hangingPunct="1">
+              <a:defRPr sz="1800" kern="1200">
+                <a:solidFill>
+                  <a:schemeClr val="tx1"/>
+                </a:solidFill>
+                <a:latin typeface="+mn-lt"/>
+                <a:ea typeface="+mn-ea"/>
+                <a:cs typeface="+mn-cs"/>
+              </a:defRPr>
+            </a:lvl4pPr>
+            <a:lvl5pPr marL="1828800" algn="l" defTabSz="914400" rtl="0" eaLnBrk="1" latinLnBrk="0" hangingPunct="1">
+              <a:defRPr sz="1800" kern="1200">
+                <a:solidFill>
+                  <a:schemeClr val="tx1"/>
+                </a:solidFill>
+                <a:latin typeface="+mn-lt"/>
+                <a:ea typeface="+mn-ea"/>
+                <a:cs typeface="+mn-cs"/>
+              </a:defRPr>
+            </a:lvl5pPr>
+            <a:lvl6pPr marL="2286000" algn="l" defTabSz="914400" rtl="0" eaLnBrk="1" latinLnBrk="0" hangingPunct="1">
+              <a:defRPr sz="1800" kern="1200">
+                <a:solidFill>
+                  <a:schemeClr val="tx1"/>
+                </a:solidFill>
+                <a:latin typeface="+mn-lt"/>
+                <a:ea typeface="+mn-ea"/>
+                <a:cs typeface="+mn-cs"/>
+              </a:defRPr>
+            </a:lvl6pPr>
+            <a:lvl7pPr marL="2743200" algn="l" defTabSz="914400" rtl="0" eaLnBrk="1" latinLnBrk="0" hangingPunct="1">
+              <a:defRPr sz="1800" kern="1200">
+                <a:solidFill>
+                  <a:schemeClr val="tx1"/>
+                </a:solidFill>
+                <a:latin typeface="+mn-lt"/>
+                <a:ea typeface="+mn-ea"/>
+                <a:cs typeface="+mn-cs"/>
+              </a:defRPr>
+            </a:lvl7pPr>
+            <a:lvl8pPr marL="3200400" algn="l" defTabSz="914400" rtl="0" eaLnBrk="1" latinLnBrk="0" hangingPunct="1">
+              <a:defRPr sz="1800" kern="1200">
+                <a:solidFill>
+                  <a:schemeClr val="tx1"/>
+                </a:solidFill>
+                <a:latin typeface="+mn-lt"/>
+                <a:ea typeface="+mn-ea"/>
+                <a:cs typeface="+mn-cs"/>
+              </a:defRPr>
+            </a:lvl8pPr>
+            <a:lvl9pPr marL="3657600" algn="l" defTabSz="914400" rtl="0" eaLnBrk="1" latinLnBrk="0" hangingPunct="1">
+              <a:defRPr sz="1800" kern="1200">
+                <a:solidFill>
+                  <a:schemeClr val="tx1"/>
+                </a:solidFill>
+                <a:latin typeface="+mn-lt"/>
+                <a:ea typeface="+mn-ea"/>
+                <a:cs typeface="+mn-cs"/>
+              </a:defRPr>
+            </a:lvl9pPr>
+          </a:lstStyle>
+          <a:p>
+            <a:r>
+              <a:rPr lang="fr-FR" sz="1400" dirty="0" smtClean="0">
+                <a:solidFill>
+                  <a:schemeClr val="bg1"/>
+                </a:solidFill>
+              </a:rPr>
+              <a:t>Les ambitions professionnelles : comment préserver la motivation</a:t>
+            </a:r>
+            <a:endParaRPr lang="en-US" sz="1400" dirty="0">
+              <a:solidFill>
+                <a:schemeClr val="bg1"/>
+              </a:solidFill>
+            </a:endParaRPr>
+          </a:p>
+        </p:txBody>
+      </p:sp>
+      <p:pic>
+        <p:nvPicPr>
+          <p:cNvPr id="8" name="Picture 7"/>
+          <p:cNvPicPr>
+            <a:picLocks noChangeAspect="1"/>
+          </p:cNvPicPr>
+          <p:nvPr/>
+        </p:nvPicPr>
+        <p:blipFill>
+          <a:blip r:embed="rId3" cstate="print">
+            <a:extLst>
+              <a:ext uri="{28A0092B-C50C-407E-A947-70E740481C1C}">
+                <a14:useLocalDpi xmlns:a14="http://schemas.microsoft.com/office/drawing/2010/main" val="0"/>
+              </a:ext>
+            </a:extLst>
+          </a:blip>
+          <a:stretch>
+            <a:fillRect/>
+          </a:stretch>
+        </p:blipFill>
+        <p:spPr>
+          <a:xfrm>
+            <a:off x="-2" y="6552027"/>
+            <a:ext cx="884773" cy="305973"/>
+          </a:xfrm>
+          <a:prstGeom prst="rect">
+            <a:avLst/>
+          </a:prstGeom>
+        </p:spPr>
+      </p:pic>
+      <p:sp>
+        <p:nvSpPr>
+          <p:cNvPr id="9" name="TextBox 8"/>
+          <p:cNvSpPr txBox="1"/>
+          <p:nvPr/>
+        </p:nvSpPr>
+        <p:spPr>
+          <a:xfrm>
+            <a:off x="0" y="0"/>
+            <a:ext cx="5257800" cy="338554"/>
+          </a:xfrm>
+          <a:prstGeom prst="rect">
+            <a:avLst/>
+          </a:prstGeom>
+          <a:noFill/>
+        </p:spPr>
+        <p:txBody>
+          <a:bodyPr wrap="square" rtlCol="0">
+            <a:spAutoFit/>
+          </a:bodyPr>
+          <a:lstStyle/>
+          <a:p>
+            <a:r>
+              <a:rPr lang="fr-FR" sz="1600" dirty="0">
+                <a:solidFill>
+                  <a:schemeClr val="bg1"/>
+                </a:solidFill>
+              </a:rPr>
+              <a:t>2. </a:t>
+            </a:r>
+            <a:r>
+              <a:rPr lang="fr-FR" sz="1600" dirty="0">
+                <a:solidFill>
+                  <a:schemeClr val="bg1"/>
+                </a:solidFill>
+              </a:rPr>
+              <a:t>c</a:t>
+            </a:r>
+            <a:r>
+              <a:rPr lang="fr-FR" sz="1600" dirty="0" smtClean="0">
+                <a:solidFill>
+                  <a:schemeClr val="bg1"/>
+                </a:solidFill>
+              </a:rPr>
+              <a:t>) </a:t>
+            </a:r>
+            <a:r>
+              <a:rPr lang="fr-FR" sz="1600" dirty="0">
+                <a:solidFill>
+                  <a:schemeClr val="bg1"/>
+                </a:solidFill>
+              </a:rPr>
+              <a:t>Un problème de complexité élevée</a:t>
+            </a:r>
+          </a:p>
+        </p:txBody>
+      </p:sp>
+      <p:graphicFrame>
+        <p:nvGraphicFramePr>
+          <p:cNvPr id="2" name="Diagram 1"/>
+          <p:cNvGraphicFramePr/>
+          <p:nvPr>
+            <p:extLst>
+              <p:ext uri="{D42A27DB-BD31-4B8C-83A1-F6EECF244321}">
+                <p14:modId xmlns:p14="http://schemas.microsoft.com/office/powerpoint/2010/main" val="1728220521"/>
+              </p:ext>
+            </p:extLst>
+          </p:nvPr>
+        </p:nvGraphicFramePr>
+        <p:xfrm>
+          <a:off x="190500" y="647700"/>
+          <a:ext cx="8763000" cy="5715000"/>
+        </p:xfrm>
+        <a:graphic>
+          <a:graphicData uri="http://schemas.openxmlformats.org/drawingml/2006/diagram">
+            <dgm:relIds xmlns:dgm="http://schemas.openxmlformats.org/drawingml/2006/diagram" xmlns:r="http://schemas.openxmlformats.org/officeDocument/2006/relationships" r:dm="rId4" r:lo="rId5" r:qs="rId6" r:cs="rId7"/>
+          </a:graphicData>
+        </a:graphic>
+      </p:graphicFrame>
+      <p:sp>
+        <p:nvSpPr>
+          <p:cNvPr id="3" name="Right Arrow 2"/>
+          <p:cNvSpPr/>
+          <p:nvPr/>
+        </p:nvSpPr>
+        <p:spPr>
+          <a:xfrm rot="20152078">
+            <a:off x="6695364" y="3848907"/>
+            <a:ext cx="381000" cy="484632"/>
+          </a:xfrm>
+          <a:prstGeom prst="rightArrow">
+            <a:avLst/>
+          </a:prstGeom>
+          <a:solidFill>
+            <a:srgbClr val="B3B3C4"/>
+          </a:solidFill>
+          <a:ln>
+            <a:noFill/>
+          </a:ln>
+        </p:spPr>
+        <p:style>
+          <a:lnRef idx="2">
+            <a:schemeClr val="accent1">
+              <a:shade val="50000"/>
+            </a:schemeClr>
+          </a:lnRef>
+          <a:fillRef idx="1">
+            <a:schemeClr val="accent1"/>
+          </a:fillRef>
+          <a:effectRef idx="0">
+            <a:schemeClr val="accent1"/>
+          </a:effectRef>
+          <a:fontRef idx="minor">
+            <a:schemeClr val="lt1"/>
+          </a:fontRef>
+        </p:style>
+        <p:txBody>
+          <a:bodyPr rtlCol="0" anchor="ctr"/>
+          <a:lstStyle/>
+          <a:p>
+            <a:pPr algn="ctr"/>
+            <a:endParaRPr lang="fr-FR"/>
+          </a:p>
+        </p:txBody>
+      </p:sp>
+      <p:sp>
+        <p:nvSpPr>
+          <p:cNvPr id="11" name="Right Arrow 10"/>
+          <p:cNvSpPr/>
+          <p:nvPr/>
+        </p:nvSpPr>
+        <p:spPr>
+          <a:xfrm rot="1577301">
+            <a:off x="6745411" y="4716173"/>
+            <a:ext cx="381000" cy="484632"/>
+          </a:xfrm>
+          <a:prstGeom prst="rightArrow">
+            <a:avLst/>
+          </a:prstGeom>
+          <a:solidFill>
+            <a:srgbClr val="B3B3C4"/>
+          </a:solidFill>
+          <a:ln>
+            <a:noFill/>
+          </a:ln>
+        </p:spPr>
+        <p:style>
+          <a:lnRef idx="2">
+            <a:schemeClr val="accent1">
+              <a:shade val="50000"/>
+            </a:schemeClr>
+          </a:lnRef>
+          <a:fillRef idx="1">
+            <a:schemeClr val="accent1"/>
+          </a:fillRef>
+          <a:effectRef idx="0">
+            <a:schemeClr val="accent1"/>
+          </a:effectRef>
+          <a:fontRef idx="minor">
+            <a:schemeClr val="lt1"/>
+          </a:fontRef>
+        </p:style>
+        <p:txBody>
+          <a:bodyPr rtlCol="0" anchor="ctr"/>
+          <a:lstStyle/>
+          <a:p>
+            <a:pPr algn="ctr"/>
+            <a:endParaRPr lang="fr-FR"/>
+          </a:p>
+        </p:txBody>
+      </p:sp>
+      <p:sp>
+        <p:nvSpPr>
+          <p:cNvPr id="4" name="Oval 3"/>
+          <p:cNvSpPr/>
+          <p:nvPr/>
+        </p:nvSpPr>
+        <p:spPr>
+          <a:xfrm>
+            <a:off x="7189738" y="4724400"/>
+            <a:ext cx="1141200" cy="1141200"/>
+          </a:xfrm>
+          <a:prstGeom prst="ellipse">
+            <a:avLst/>
+          </a:prstGeom>
+        </p:spPr>
+        <p:style>
+          <a:lnRef idx="2">
+            <a:schemeClr val="accent1">
+              <a:shade val="50000"/>
+            </a:schemeClr>
+          </a:lnRef>
+          <a:fillRef idx="1">
+            <a:schemeClr val="accent1"/>
+          </a:fillRef>
+          <a:effectRef idx="0">
+            <a:schemeClr val="accent1"/>
+          </a:effectRef>
+          <a:fontRef idx="minor">
+            <a:schemeClr val="lt1"/>
+          </a:fontRef>
+        </p:style>
+        <p:txBody>
+          <a:bodyPr rtlCol="0" anchor="ctr"/>
+          <a:lstStyle/>
+          <a:p>
+            <a:pPr algn="ctr"/>
+            <a:r>
+              <a:rPr lang="fr-FR" dirty="0" smtClean="0"/>
+              <a:t>SOAP</a:t>
+            </a:r>
+            <a:endParaRPr lang="fr-FR" dirty="0"/>
+          </a:p>
+        </p:txBody>
+      </p:sp>
+      <p:sp>
+        <p:nvSpPr>
+          <p:cNvPr id="13" name="Oval 12"/>
+          <p:cNvSpPr/>
+          <p:nvPr/>
+        </p:nvSpPr>
+        <p:spPr>
+          <a:xfrm>
+            <a:off x="7170981" y="3200400"/>
+            <a:ext cx="1141200" cy="1141200"/>
+          </a:xfrm>
+          <a:prstGeom prst="ellipse">
+            <a:avLst/>
+          </a:prstGeom>
+        </p:spPr>
+        <p:style>
+          <a:lnRef idx="2">
+            <a:schemeClr val="accent1">
+              <a:shade val="50000"/>
+            </a:schemeClr>
+          </a:lnRef>
+          <a:fillRef idx="1">
+            <a:schemeClr val="accent1"/>
+          </a:fillRef>
+          <a:effectRef idx="0">
+            <a:schemeClr val="accent1"/>
+          </a:effectRef>
+          <a:fontRef idx="minor">
+            <a:schemeClr val="lt1"/>
+          </a:fontRef>
+        </p:style>
+        <p:txBody>
+          <a:bodyPr rtlCol="0" anchor="ctr"/>
+          <a:lstStyle/>
+          <a:p>
+            <a:pPr algn="ctr"/>
+            <a:r>
+              <a:rPr lang="fr-FR" dirty="0" smtClean="0"/>
+              <a:t>MQ</a:t>
+            </a:r>
+            <a:endParaRPr lang="fr-FR" dirty="0"/>
+          </a:p>
+        </p:txBody>
+      </p:sp>
+    </p:spTree>
+    <p:extLst>
+      <p:ext uri="{BB962C8B-B14F-4D97-AF65-F5344CB8AC3E}">
+        <p14:creationId xmlns:p14="http://schemas.microsoft.com/office/powerpoint/2010/main" val="813641544"/>
+      </p:ext>
+    </p:extLst>
+  </p:cSld>
+  <p:clrMapOvr>
+    <a:masterClrMapping/>
+  </p:clrMapOvr>
+  <p:timing>
+    <p:tnLst>
+      <p:par>
+        <p:cTn id="1" dur="indefinite" restart="never" nodeType="tmRoot"/>
+      </p:par>
+    </p:tnLst>
+  </p:timing>
+</p:sld>
+</file>
+
+<file path=ppt/slides/slide13.xml><?xml version="1.0" encoding="utf-8"?>
+<p:sld xmlns:a="http://schemas.openxmlformats.org/drawingml/2006/main" xmlns:r="http://schemas.openxmlformats.org/officeDocument/2006/relationships" xmlns:p="http://schemas.openxmlformats.org/presentationml/2006/main">
+  <p:cSld>
+    <p:spTree>
+      <p:nvGrpSpPr>
+        <p:cNvPr id="1" name=""/>
+        <p:cNvGrpSpPr/>
+        <p:nvPr/>
+      </p:nvGrpSpPr>
+      <p:grpSpPr>
+        <a:xfrm>
+          <a:off x="0" y="0"/>
+          <a:ext cx="0" cy="0"/>
+          <a:chOff x="0" y="0"/>
+          <a:chExt cx="0" cy="0"/>
+        </a:xfrm>
+      </p:grpSpPr>
+      <p:sp>
+        <p:nvSpPr>
+          <p:cNvPr id="6" name="Rounded Rectangle 5"/>
+          <p:cNvSpPr/>
+          <p:nvPr/>
+        </p:nvSpPr>
+        <p:spPr>
+          <a:xfrm>
+            <a:off x="440039" y="1600200"/>
+            <a:ext cx="7865761" cy="914400"/>
+          </a:xfrm>
+          <a:prstGeom prst="roundRect">
+            <a:avLst/>
+          </a:prstGeom>
+          <a:solidFill>
+            <a:schemeClr val="bg1">
+              <a:lumMod val="85000"/>
+            </a:schemeClr>
+          </a:solidFill>
+        </p:spPr>
+        <p:style>
+          <a:lnRef idx="2">
+            <a:schemeClr val="accent1">
+              <a:shade val="50000"/>
+            </a:schemeClr>
+          </a:lnRef>
+          <a:fillRef idx="1">
+            <a:schemeClr val="accent1"/>
+          </a:fillRef>
+          <a:effectRef idx="0">
+            <a:schemeClr val="accent1"/>
+          </a:effectRef>
+          <a:fontRef idx="minor">
+            <a:schemeClr val="lt1"/>
+          </a:fontRef>
+        </p:style>
+        <p:txBody>
+          <a:bodyPr rtlCol="0" anchor="ctr"/>
+          <a:lstStyle/>
+          <a:p>
+            <a:pPr algn="ctr"/>
+            <a:endParaRPr lang="fr-FR"/>
+          </a:p>
+        </p:txBody>
+      </p:sp>
+      <p:sp>
+        <p:nvSpPr>
+          <p:cNvPr id="7" name="Rounded Rectangle 6"/>
+          <p:cNvSpPr/>
+          <p:nvPr/>
+        </p:nvSpPr>
+        <p:spPr>
+          <a:xfrm>
+            <a:off x="691662" y="4267200"/>
+            <a:ext cx="4038600" cy="533400"/>
+          </a:xfrm>
+          <a:prstGeom prst="roundRect">
+            <a:avLst/>
+          </a:prstGeom>
+          <a:solidFill>
+            <a:schemeClr val="bg1">
+              <a:lumMod val="85000"/>
+            </a:schemeClr>
+          </a:solidFill>
+        </p:spPr>
+        <p:style>
+          <a:lnRef idx="2">
+            <a:schemeClr val="accent1">
+              <a:shade val="50000"/>
+            </a:schemeClr>
+          </a:lnRef>
+          <a:fillRef idx="1">
+            <a:schemeClr val="accent1"/>
+          </a:fillRef>
+          <a:effectRef idx="0">
+            <a:schemeClr val="accent1"/>
+          </a:effectRef>
+          <a:fontRef idx="minor">
+            <a:schemeClr val="lt1"/>
+          </a:fontRef>
+        </p:style>
+        <p:txBody>
+          <a:bodyPr rtlCol="0" anchor="ctr"/>
+          <a:lstStyle/>
+          <a:p>
+            <a:pPr algn="ctr"/>
+            <a:endParaRPr lang="fr-FR"/>
+          </a:p>
+        </p:txBody>
+      </p:sp>
+      <p:sp>
+        <p:nvSpPr>
+          <p:cNvPr id="8" name="Content Placeholder 2"/>
+          <p:cNvSpPr>
+            <a:spLocks noGrp="1"/>
+          </p:cNvSpPr>
+          <p:nvPr>
+            <p:ph idx="1"/>
+          </p:nvPr>
+        </p:nvSpPr>
+        <p:spPr>
+          <a:xfrm>
+            <a:off x="381000" y="1066800"/>
+            <a:ext cx="8229600" cy="4648200"/>
+          </a:xfrm>
+        </p:spPr>
+        <p:txBody>
+          <a:bodyPr>
+            <a:normAutofit/>
+          </a:bodyPr>
+          <a:lstStyle/>
+          <a:p>
+            <a:pPr marL="624078" lvl="0" indent="-514350">
+              <a:lnSpc>
+                <a:spcPct val="150000"/>
+              </a:lnSpc>
+              <a:buClr>
+                <a:srgbClr val="438086"/>
+              </a:buClr>
+              <a:buFont typeface="+mj-lt"/>
+              <a:buAutoNum type="arabicPeriod"/>
+            </a:pPr>
+            <a:r>
+              <a:rPr lang="fr-FR" sz="2400" dirty="0"/>
+              <a:t>L’introduction</a:t>
+            </a:r>
+          </a:p>
+          <a:p>
+            <a:pPr marL="624078" lvl="0" indent="-514350">
+              <a:buClr>
+                <a:srgbClr val="438086"/>
+              </a:buClr>
+              <a:buFont typeface="+mj-lt"/>
+              <a:buAutoNum type="arabicPeriod"/>
+            </a:pPr>
+            <a:r>
+              <a:rPr lang="fr-FR" sz="2400" dirty="0"/>
+              <a:t>Les facteurs d’influence sur ma motivation dans mes tâches professionnelles :</a:t>
+            </a:r>
+          </a:p>
+          <a:p>
+            <a:pPr marL="916686" lvl="1" indent="-514350">
+              <a:lnSpc>
+                <a:spcPct val="150000"/>
+              </a:lnSpc>
+              <a:buClr>
+                <a:srgbClr val="438086"/>
+              </a:buClr>
+              <a:buFont typeface="+mj-lt"/>
+              <a:buAutoNum type="alphaLcParenR"/>
+            </a:pPr>
+            <a:r>
+              <a:rPr lang="fr-FR" sz="2400" dirty="0">
+                <a:solidFill>
+                  <a:schemeClr val="tx1"/>
+                </a:solidFill>
+              </a:rPr>
+              <a:t>La détermination </a:t>
+            </a:r>
+            <a:r>
+              <a:rPr lang="fr-FR" sz="2400" dirty="0" smtClean="0">
+                <a:solidFill>
+                  <a:schemeClr val="tx1"/>
+                </a:solidFill>
+              </a:rPr>
+              <a:t>d’origine </a:t>
+            </a:r>
+            <a:r>
+              <a:rPr lang="fr-FR" sz="2400" dirty="0">
+                <a:solidFill>
+                  <a:schemeClr val="tx1"/>
+                </a:solidFill>
+              </a:rPr>
+              <a:t>réelle d’un problème</a:t>
+            </a:r>
+          </a:p>
+          <a:p>
+            <a:pPr marL="916686" lvl="1" indent="-514350">
+              <a:lnSpc>
+                <a:spcPct val="150000"/>
+              </a:lnSpc>
+              <a:buClr>
+                <a:srgbClr val="438086"/>
+              </a:buClr>
+              <a:buFont typeface="+mj-lt"/>
+              <a:buAutoNum type="alphaLcParenR"/>
+            </a:pPr>
+            <a:r>
+              <a:rPr lang="fr-FR" sz="2400" dirty="0">
+                <a:solidFill>
+                  <a:schemeClr val="tx1"/>
+                </a:solidFill>
+              </a:rPr>
+              <a:t>Une </a:t>
+            </a:r>
+            <a:r>
+              <a:rPr lang="fr-FR" sz="2400" dirty="0" smtClean="0">
+                <a:solidFill>
+                  <a:schemeClr val="tx1"/>
+                </a:solidFill>
+              </a:rPr>
+              <a:t>grande </a:t>
+            </a:r>
+            <a:r>
+              <a:rPr lang="fr-FR" sz="2400" dirty="0">
+                <a:solidFill>
+                  <a:schemeClr val="tx1"/>
+                </a:solidFill>
+              </a:rPr>
+              <a:t>variété des solutions possibles</a:t>
+            </a:r>
+          </a:p>
+          <a:p>
+            <a:pPr marL="916686" lvl="1" indent="-514350">
+              <a:lnSpc>
+                <a:spcPct val="150000"/>
+              </a:lnSpc>
+              <a:buClr>
+                <a:srgbClr val="438086"/>
+              </a:buClr>
+              <a:buFont typeface="+mj-lt"/>
+              <a:buAutoNum type="alphaLcParenR"/>
+            </a:pPr>
+            <a:r>
+              <a:rPr lang="fr-FR" sz="2400" dirty="0">
+                <a:solidFill>
+                  <a:schemeClr val="tx1"/>
+                </a:solidFill>
+              </a:rPr>
+              <a:t>Un problème de complexité </a:t>
+            </a:r>
+            <a:r>
+              <a:rPr lang="fr-FR" sz="2400" dirty="0" smtClean="0">
+                <a:solidFill>
+                  <a:schemeClr val="tx1"/>
+                </a:solidFill>
+              </a:rPr>
+              <a:t>élevée</a:t>
+            </a:r>
+            <a:endParaRPr lang="fr-FR" sz="2400" dirty="0">
+              <a:solidFill>
+                <a:schemeClr val="tx1"/>
+              </a:solidFill>
+            </a:endParaRPr>
+          </a:p>
+          <a:p>
+            <a:pPr marL="916686" lvl="1" indent="-514350">
+              <a:lnSpc>
+                <a:spcPct val="150000"/>
+              </a:lnSpc>
+              <a:buClr>
+                <a:srgbClr val="438086"/>
+              </a:buClr>
+              <a:buFont typeface="+mj-lt"/>
+              <a:buAutoNum type="alphaLcParenR"/>
+            </a:pPr>
+            <a:r>
+              <a:rPr lang="fr-FR" sz="2400" dirty="0">
+                <a:solidFill>
+                  <a:schemeClr val="tx1"/>
+                </a:solidFill>
+              </a:rPr>
+              <a:t>La situation de réussite</a:t>
+            </a:r>
+          </a:p>
+          <a:p>
+            <a:pPr marL="566928" lvl="0" indent="-457200">
+              <a:lnSpc>
+                <a:spcPct val="150000"/>
+              </a:lnSpc>
+              <a:buClr>
+                <a:srgbClr val="438086"/>
+              </a:buClr>
+              <a:buFont typeface="+mj-lt"/>
+              <a:buAutoNum type="arabicPeriod"/>
+            </a:pPr>
+            <a:r>
+              <a:rPr lang="fr-FR" sz="2400" dirty="0"/>
+              <a:t>La conclusion</a:t>
+            </a:r>
+            <a:r>
+              <a:rPr lang="fr-FR" sz="2400" dirty="0" smtClean="0"/>
+              <a:t>.</a:t>
+            </a:r>
+          </a:p>
+        </p:txBody>
+      </p:sp>
+      <p:sp>
+        <p:nvSpPr>
+          <p:cNvPr id="9" name="Slide Number Placeholder 4"/>
+          <p:cNvSpPr>
+            <a:spLocks noGrp="1"/>
+          </p:cNvSpPr>
+          <p:nvPr>
+            <p:ph type="sldNum" sz="quarter" idx="12"/>
+          </p:nvPr>
+        </p:nvSpPr>
+        <p:spPr>
+          <a:xfrm>
+            <a:off x="8174736" y="2272"/>
+            <a:ext cx="762000" cy="365760"/>
+          </a:xfrm>
+        </p:spPr>
+        <p:txBody>
+          <a:bodyPr/>
+          <a:lstStyle/>
+          <a:p>
+            <a:fld id="{B6F15528-21DE-4FAA-801E-634DDDAF4B2B}" type="slidenum">
+              <a:rPr lang="en-US" smtClean="0"/>
+              <a:pPr/>
+              <a:t>13</a:t>
+            </a:fld>
+            <a:endParaRPr lang="en-US"/>
+          </a:p>
+        </p:txBody>
+      </p:sp>
+      <p:sp>
+        <p:nvSpPr>
+          <p:cNvPr id="10" name="Slide Number Placeholder 4"/>
+          <p:cNvSpPr txBox="1">
+            <a:spLocks/>
+          </p:cNvSpPr>
+          <p:nvPr/>
+        </p:nvSpPr>
+        <p:spPr>
+          <a:xfrm>
+            <a:off x="8174736" y="2272"/>
+            <a:ext cx="762000" cy="365760"/>
+          </a:xfrm>
+          <a:prstGeom prst="rect">
+            <a:avLst/>
+          </a:prstGeom>
+        </p:spPr>
+        <p:txBody>
+          <a:bodyPr vert="horz" anchor="b"/>
+          <a:lstStyle>
+            <a:defPPr>
+              <a:defRPr lang="en-US"/>
+            </a:defPPr>
+            <a:lvl1pPr marL="0" algn="r" defTabSz="914400" rtl="0" eaLnBrk="1" latinLnBrk="0" hangingPunct="1">
+              <a:defRPr kumimoji="0" sz="1800" kern="1200">
+                <a:solidFill>
+                  <a:srgbClr val="FFFFFF"/>
+                </a:solidFill>
+                <a:latin typeface="+mn-lt"/>
+                <a:ea typeface="+mn-ea"/>
+                <a:cs typeface="+mn-cs"/>
+              </a:defRPr>
+            </a:lvl1pPr>
+            <a:lvl2pPr marL="457200" algn="l" defTabSz="914400" rtl="0" eaLnBrk="1" latinLnBrk="0" hangingPunct="1">
+              <a:defRPr sz="1800" kern="1200">
+                <a:solidFill>
+                  <a:schemeClr val="tx1"/>
+                </a:solidFill>
+                <a:latin typeface="+mn-lt"/>
+                <a:ea typeface="+mn-ea"/>
+                <a:cs typeface="+mn-cs"/>
+              </a:defRPr>
+            </a:lvl2pPr>
+            <a:lvl3pPr marL="914400" algn="l" defTabSz="914400" rtl="0" eaLnBrk="1" latinLnBrk="0" hangingPunct="1">
+              <a:defRPr sz="1800" kern="1200">
+                <a:solidFill>
+                  <a:schemeClr val="tx1"/>
+                </a:solidFill>
+                <a:latin typeface="+mn-lt"/>
+                <a:ea typeface="+mn-ea"/>
+                <a:cs typeface="+mn-cs"/>
+              </a:defRPr>
+            </a:lvl3pPr>
+            <a:lvl4pPr marL="1371600" algn="l" defTabSz="914400" rtl="0" eaLnBrk="1" latinLnBrk="0" hangingPunct="1">
+              <a:defRPr sz="1800" kern="1200">
+                <a:solidFill>
+                  <a:schemeClr val="tx1"/>
+                </a:solidFill>
+                <a:latin typeface="+mn-lt"/>
+                <a:ea typeface="+mn-ea"/>
+                <a:cs typeface="+mn-cs"/>
+              </a:defRPr>
+            </a:lvl4pPr>
+            <a:lvl5pPr marL="1828800" algn="l" defTabSz="914400" rtl="0" eaLnBrk="1" latinLnBrk="0" hangingPunct="1">
+              <a:defRPr sz="1800" kern="1200">
+                <a:solidFill>
+                  <a:schemeClr val="tx1"/>
+                </a:solidFill>
+                <a:latin typeface="+mn-lt"/>
+                <a:ea typeface="+mn-ea"/>
+                <a:cs typeface="+mn-cs"/>
+              </a:defRPr>
+            </a:lvl5pPr>
+            <a:lvl6pPr marL="2286000" algn="l" defTabSz="914400" rtl="0" eaLnBrk="1" latinLnBrk="0" hangingPunct="1">
+              <a:defRPr sz="1800" kern="1200">
+                <a:solidFill>
+                  <a:schemeClr val="tx1"/>
+                </a:solidFill>
+                <a:latin typeface="+mn-lt"/>
+                <a:ea typeface="+mn-ea"/>
+                <a:cs typeface="+mn-cs"/>
+              </a:defRPr>
+            </a:lvl6pPr>
+            <a:lvl7pPr marL="2743200" algn="l" defTabSz="914400" rtl="0" eaLnBrk="1" latinLnBrk="0" hangingPunct="1">
+              <a:defRPr sz="1800" kern="1200">
+                <a:solidFill>
+                  <a:schemeClr val="tx1"/>
+                </a:solidFill>
+                <a:latin typeface="+mn-lt"/>
+                <a:ea typeface="+mn-ea"/>
+                <a:cs typeface="+mn-cs"/>
+              </a:defRPr>
+            </a:lvl7pPr>
+            <a:lvl8pPr marL="3200400" algn="l" defTabSz="914400" rtl="0" eaLnBrk="1" latinLnBrk="0" hangingPunct="1">
+              <a:defRPr sz="1800" kern="1200">
+                <a:solidFill>
+                  <a:schemeClr val="tx1"/>
+                </a:solidFill>
+                <a:latin typeface="+mn-lt"/>
+                <a:ea typeface="+mn-ea"/>
+                <a:cs typeface="+mn-cs"/>
+              </a:defRPr>
+            </a:lvl8pPr>
+            <a:lvl9pPr marL="3657600" algn="l" defTabSz="914400" rtl="0" eaLnBrk="1" latinLnBrk="0" hangingPunct="1">
+              <a:defRPr sz="1800" kern="1200">
+                <a:solidFill>
+                  <a:schemeClr val="tx1"/>
+                </a:solidFill>
+                <a:latin typeface="+mn-lt"/>
+                <a:ea typeface="+mn-ea"/>
+                <a:cs typeface="+mn-cs"/>
+              </a:defRPr>
+            </a:lvl9pPr>
+          </a:lstStyle>
+          <a:p>
+            <a:fld id="{B6F15528-21DE-4FAA-801E-634DDDAF4B2B}" type="slidenum">
+              <a:rPr lang="en-US" smtClean="0"/>
+              <a:pPr/>
+              <a:t>13</a:t>
+            </a:fld>
+            <a:endParaRPr lang="en-US"/>
+          </a:p>
+        </p:txBody>
+      </p:sp>
+      <p:sp>
+        <p:nvSpPr>
+          <p:cNvPr id="11" name="Footer Placeholder 9"/>
+          <p:cNvSpPr txBox="1">
+            <a:spLocks/>
+          </p:cNvSpPr>
+          <p:nvPr/>
+        </p:nvSpPr>
+        <p:spPr>
+          <a:xfrm>
+            <a:off x="0" y="6547338"/>
+            <a:ext cx="9144000" cy="310662"/>
+          </a:xfrm>
+          <a:prstGeom prst="rect">
+            <a:avLst/>
+          </a:prstGeom>
+          <a:solidFill>
+            <a:srgbClr val="438086"/>
+          </a:solidFill>
+        </p:spPr>
+        <p:txBody>
+          <a:bodyPr vert="horz"/>
+          <a:lstStyle>
+            <a:defPPr>
+              <a:defRPr lang="en-US"/>
+            </a:defPPr>
+            <a:lvl1pPr marL="0" algn="r" defTabSz="914400" rtl="0" eaLnBrk="1" latinLnBrk="0" hangingPunct="1">
+              <a:defRPr kumimoji="0" sz="800" kern="1200">
+                <a:solidFill>
+                  <a:schemeClr val="accent2"/>
+                </a:solidFill>
+                <a:latin typeface="+mn-lt"/>
+                <a:ea typeface="+mn-ea"/>
+                <a:cs typeface="+mn-cs"/>
+              </a:defRPr>
+            </a:lvl1pPr>
+            <a:lvl2pPr marL="457200" algn="l" defTabSz="914400" rtl="0" eaLnBrk="1" latinLnBrk="0" hangingPunct="1">
+              <a:defRPr sz="1800" kern="1200">
+                <a:solidFill>
+                  <a:schemeClr val="tx1"/>
+                </a:solidFill>
+                <a:latin typeface="+mn-lt"/>
+                <a:ea typeface="+mn-ea"/>
+                <a:cs typeface="+mn-cs"/>
+              </a:defRPr>
+            </a:lvl2pPr>
+            <a:lvl3pPr marL="914400" algn="l" defTabSz="914400" rtl="0" eaLnBrk="1" latinLnBrk="0" hangingPunct="1">
+              <a:defRPr sz="1800" kern="1200">
+                <a:solidFill>
+                  <a:schemeClr val="tx1"/>
+                </a:solidFill>
+                <a:latin typeface="+mn-lt"/>
+                <a:ea typeface="+mn-ea"/>
+                <a:cs typeface="+mn-cs"/>
+              </a:defRPr>
+            </a:lvl3pPr>
+            <a:lvl4pPr marL="1371600" algn="l" defTabSz="914400" rtl="0" eaLnBrk="1" latinLnBrk="0" hangingPunct="1">
+              <a:defRPr sz="1800" kern="1200">
+                <a:solidFill>
+                  <a:schemeClr val="tx1"/>
+                </a:solidFill>
+                <a:latin typeface="+mn-lt"/>
+                <a:ea typeface="+mn-ea"/>
+                <a:cs typeface="+mn-cs"/>
+              </a:defRPr>
+            </a:lvl4pPr>
+            <a:lvl5pPr marL="1828800" algn="l" defTabSz="914400" rtl="0" eaLnBrk="1" latinLnBrk="0" hangingPunct="1">
+              <a:defRPr sz="1800" kern="1200">
+                <a:solidFill>
+                  <a:schemeClr val="tx1"/>
+                </a:solidFill>
+                <a:latin typeface="+mn-lt"/>
+                <a:ea typeface="+mn-ea"/>
+                <a:cs typeface="+mn-cs"/>
+              </a:defRPr>
+            </a:lvl5pPr>
+            <a:lvl6pPr marL="2286000" algn="l" defTabSz="914400" rtl="0" eaLnBrk="1" latinLnBrk="0" hangingPunct="1">
+              <a:defRPr sz="1800" kern="1200">
+                <a:solidFill>
+                  <a:schemeClr val="tx1"/>
+                </a:solidFill>
+                <a:latin typeface="+mn-lt"/>
+                <a:ea typeface="+mn-ea"/>
+                <a:cs typeface="+mn-cs"/>
+              </a:defRPr>
+            </a:lvl6pPr>
+            <a:lvl7pPr marL="2743200" algn="l" defTabSz="914400" rtl="0" eaLnBrk="1" latinLnBrk="0" hangingPunct="1">
+              <a:defRPr sz="1800" kern="1200">
+                <a:solidFill>
+                  <a:schemeClr val="tx1"/>
+                </a:solidFill>
+                <a:latin typeface="+mn-lt"/>
+                <a:ea typeface="+mn-ea"/>
+                <a:cs typeface="+mn-cs"/>
+              </a:defRPr>
+            </a:lvl7pPr>
+            <a:lvl8pPr marL="3200400" algn="l" defTabSz="914400" rtl="0" eaLnBrk="1" latinLnBrk="0" hangingPunct="1">
+              <a:defRPr sz="1800" kern="1200">
+                <a:solidFill>
+                  <a:schemeClr val="tx1"/>
+                </a:solidFill>
+                <a:latin typeface="+mn-lt"/>
+                <a:ea typeface="+mn-ea"/>
+                <a:cs typeface="+mn-cs"/>
+              </a:defRPr>
+            </a:lvl8pPr>
+            <a:lvl9pPr marL="3657600" algn="l" defTabSz="914400" rtl="0" eaLnBrk="1" latinLnBrk="0" hangingPunct="1">
+              <a:defRPr sz="1800" kern="1200">
+                <a:solidFill>
+                  <a:schemeClr val="tx1"/>
+                </a:solidFill>
+                <a:latin typeface="+mn-lt"/>
+                <a:ea typeface="+mn-ea"/>
+                <a:cs typeface="+mn-cs"/>
+              </a:defRPr>
+            </a:lvl9pPr>
+          </a:lstStyle>
+          <a:p>
+            <a:r>
+              <a:rPr lang="fr-FR" sz="1400" dirty="0" smtClean="0">
+                <a:solidFill>
+                  <a:schemeClr val="bg1"/>
+                </a:solidFill>
+              </a:rPr>
+              <a:t>Les ambitions professionnelles : comment préserver la motivation</a:t>
+            </a:r>
+            <a:endParaRPr lang="en-US" sz="1400" dirty="0">
+              <a:solidFill>
+                <a:schemeClr val="bg1"/>
+              </a:solidFill>
+            </a:endParaRPr>
+          </a:p>
+        </p:txBody>
+      </p:sp>
+      <p:pic>
+        <p:nvPicPr>
+          <p:cNvPr id="12" name="Picture 11"/>
+          <p:cNvPicPr>
+            <a:picLocks noChangeAspect="1"/>
+          </p:cNvPicPr>
+          <p:nvPr/>
+        </p:nvPicPr>
+        <p:blipFill>
+          <a:blip r:embed="rId2" cstate="print">
+            <a:extLst>
+              <a:ext uri="{28A0092B-C50C-407E-A947-70E740481C1C}">
+                <a14:useLocalDpi xmlns:a14="http://schemas.microsoft.com/office/drawing/2010/main" val="0"/>
+              </a:ext>
+            </a:extLst>
+          </a:blip>
+          <a:stretch>
+            <a:fillRect/>
+          </a:stretch>
+        </p:blipFill>
+        <p:spPr>
+          <a:xfrm>
+            <a:off x="-2" y="6552027"/>
+            <a:ext cx="884773" cy="305973"/>
+          </a:xfrm>
+          <a:prstGeom prst="rect">
+            <a:avLst/>
+          </a:prstGeom>
+        </p:spPr>
+      </p:pic>
+      <p:sp>
+        <p:nvSpPr>
+          <p:cNvPr id="13" name="TextBox 12"/>
+          <p:cNvSpPr txBox="1"/>
+          <p:nvPr/>
+        </p:nvSpPr>
+        <p:spPr>
+          <a:xfrm>
+            <a:off x="0" y="0"/>
+            <a:ext cx="5257800" cy="338554"/>
+          </a:xfrm>
+          <a:prstGeom prst="rect">
+            <a:avLst/>
+          </a:prstGeom>
+          <a:noFill/>
+        </p:spPr>
+        <p:txBody>
+          <a:bodyPr wrap="square" rtlCol="0">
+            <a:spAutoFit/>
+          </a:bodyPr>
+          <a:lstStyle/>
+          <a:p>
+            <a:r>
+              <a:rPr lang="fr-FR" sz="1600" dirty="0" smtClean="0">
+                <a:solidFill>
+                  <a:schemeClr val="bg1"/>
+                </a:solidFill>
+              </a:rPr>
+              <a:t>2. Les </a:t>
+            </a:r>
+            <a:r>
+              <a:rPr lang="fr-FR" sz="1600" dirty="0">
+                <a:solidFill>
+                  <a:schemeClr val="bg1"/>
+                </a:solidFill>
+              </a:rPr>
+              <a:t>facteurs d’influence sur ma motivation</a:t>
+            </a:r>
+          </a:p>
+        </p:txBody>
+      </p:sp>
+    </p:spTree>
+    <p:extLst>
+      <p:ext uri="{BB962C8B-B14F-4D97-AF65-F5344CB8AC3E}">
+        <p14:creationId xmlns:p14="http://schemas.microsoft.com/office/powerpoint/2010/main" val="3974522255"/>
+      </p:ext>
+    </p:extLst>
+  </p:cSld>
+  <p:clrMapOvr>
+    <a:masterClrMapping/>
+  </p:clrMapOvr>
+  <p:timing>
+    <p:tnLst>
+      <p:par>
+        <p:cTn id="1" dur="indefinite" restart="never" nodeType="tmRoot"/>
+      </p:par>
+    </p:tnLst>
+  </p:timing>
+</p:sld>
+</file>
+
+<file path=ppt/slides/slide14.xml><?xml version="1.0" encoding="utf-8"?>
+<p:sld xmlns:a="http://schemas.openxmlformats.org/drawingml/2006/main" xmlns:r="http://schemas.openxmlformats.org/officeDocument/2006/relationships" xmlns:p="http://schemas.openxmlformats.org/presentationml/2006/main">
+  <p:cSld>
+    <p:spTree>
+      <p:nvGrpSpPr>
+        <p:cNvPr id="1" name=""/>
+        <p:cNvGrpSpPr/>
+        <p:nvPr/>
+      </p:nvGrpSpPr>
+      <p:grpSpPr>
+        <a:xfrm>
+          <a:off x="0" y="0"/>
+          <a:ext cx="0" cy="0"/>
+          <a:chOff x="0" y="0"/>
+          <a:chExt cx="0" cy="0"/>
+        </a:xfrm>
+      </p:grpSpPr>
+      <p:sp>
+        <p:nvSpPr>
+          <p:cNvPr id="8" name="Content Placeholder 2"/>
+          <p:cNvSpPr>
+            <a:spLocks noGrp="1"/>
+          </p:cNvSpPr>
+          <p:nvPr>
+            <p:ph idx="1"/>
+          </p:nvPr>
+        </p:nvSpPr>
+        <p:spPr>
+          <a:xfrm>
+            <a:off x="381000" y="1066800"/>
+            <a:ext cx="8229600" cy="4648200"/>
+          </a:xfrm>
+        </p:spPr>
+        <p:txBody>
+          <a:bodyPr>
+            <a:normAutofit/>
+          </a:bodyPr>
+          <a:lstStyle/>
+          <a:p>
+            <a:pPr marL="109728" lvl="0" indent="0">
+              <a:lnSpc>
+                <a:spcPct val="150000"/>
+              </a:lnSpc>
+              <a:buClr>
+                <a:srgbClr val="438086"/>
+              </a:buClr>
+              <a:buNone/>
+            </a:pPr>
+            <a:endParaRPr lang="fr-FR" sz="2400" dirty="0" smtClean="0"/>
+          </a:p>
+        </p:txBody>
+      </p:sp>
+      <p:sp>
+        <p:nvSpPr>
+          <p:cNvPr id="9" name="Slide Number Placeholder 4"/>
+          <p:cNvSpPr>
+            <a:spLocks noGrp="1"/>
+          </p:cNvSpPr>
+          <p:nvPr>
+            <p:ph type="sldNum" sz="quarter" idx="12"/>
+          </p:nvPr>
+        </p:nvSpPr>
+        <p:spPr>
+          <a:xfrm>
+            <a:off x="8174736" y="2272"/>
+            <a:ext cx="762000" cy="365760"/>
+          </a:xfrm>
+        </p:spPr>
+        <p:txBody>
+          <a:bodyPr/>
+          <a:lstStyle/>
+          <a:p>
+            <a:fld id="{B6F15528-21DE-4FAA-801E-634DDDAF4B2B}" type="slidenum">
+              <a:rPr lang="en-US" smtClean="0"/>
+              <a:pPr/>
+              <a:t>14</a:t>
+            </a:fld>
+            <a:endParaRPr lang="en-US"/>
+          </a:p>
+        </p:txBody>
+      </p:sp>
+      <p:sp>
+        <p:nvSpPr>
+          <p:cNvPr id="10" name="Slide Number Placeholder 4"/>
+          <p:cNvSpPr txBox="1">
+            <a:spLocks/>
+          </p:cNvSpPr>
+          <p:nvPr/>
+        </p:nvSpPr>
+        <p:spPr>
+          <a:xfrm>
+            <a:off x="8174736" y="2272"/>
+            <a:ext cx="762000" cy="365760"/>
+          </a:xfrm>
+          <a:prstGeom prst="rect">
+            <a:avLst/>
+          </a:prstGeom>
+        </p:spPr>
+        <p:txBody>
+          <a:bodyPr vert="horz" anchor="b"/>
+          <a:lstStyle>
+            <a:defPPr>
+              <a:defRPr lang="en-US"/>
+            </a:defPPr>
+            <a:lvl1pPr marL="0" algn="r" defTabSz="914400" rtl="0" eaLnBrk="1" latinLnBrk="0" hangingPunct="1">
+              <a:defRPr kumimoji="0" sz="1800" kern="1200">
+                <a:solidFill>
+                  <a:srgbClr val="FFFFFF"/>
+                </a:solidFill>
+                <a:latin typeface="+mn-lt"/>
+                <a:ea typeface="+mn-ea"/>
+                <a:cs typeface="+mn-cs"/>
+              </a:defRPr>
+            </a:lvl1pPr>
+            <a:lvl2pPr marL="457200" algn="l" defTabSz="914400" rtl="0" eaLnBrk="1" latinLnBrk="0" hangingPunct="1">
+              <a:defRPr sz="1800" kern="1200">
+                <a:solidFill>
+                  <a:schemeClr val="tx1"/>
+                </a:solidFill>
+                <a:latin typeface="+mn-lt"/>
+                <a:ea typeface="+mn-ea"/>
+                <a:cs typeface="+mn-cs"/>
+              </a:defRPr>
+            </a:lvl2pPr>
+            <a:lvl3pPr marL="914400" algn="l" defTabSz="914400" rtl="0" eaLnBrk="1" latinLnBrk="0" hangingPunct="1">
+              <a:defRPr sz="1800" kern="1200">
+                <a:solidFill>
+                  <a:schemeClr val="tx1"/>
+                </a:solidFill>
+                <a:latin typeface="+mn-lt"/>
+                <a:ea typeface="+mn-ea"/>
+                <a:cs typeface="+mn-cs"/>
+              </a:defRPr>
+            </a:lvl3pPr>
+            <a:lvl4pPr marL="1371600" algn="l" defTabSz="914400" rtl="0" eaLnBrk="1" latinLnBrk="0" hangingPunct="1">
+              <a:defRPr sz="1800" kern="1200">
+                <a:solidFill>
+                  <a:schemeClr val="tx1"/>
+                </a:solidFill>
+                <a:latin typeface="+mn-lt"/>
+                <a:ea typeface="+mn-ea"/>
+                <a:cs typeface="+mn-cs"/>
+              </a:defRPr>
+            </a:lvl4pPr>
+            <a:lvl5pPr marL="1828800" algn="l" defTabSz="914400" rtl="0" eaLnBrk="1" latinLnBrk="0" hangingPunct="1">
+              <a:defRPr sz="1800" kern="1200">
+                <a:solidFill>
+                  <a:schemeClr val="tx1"/>
+                </a:solidFill>
+                <a:latin typeface="+mn-lt"/>
+                <a:ea typeface="+mn-ea"/>
+                <a:cs typeface="+mn-cs"/>
+              </a:defRPr>
+            </a:lvl5pPr>
+            <a:lvl6pPr marL="2286000" algn="l" defTabSz="914400" rtl="0" eaLnBrk="1" latinLnBrk="0" hangingPunct="1">
+              <a:defRPr sz="1800" kern="1200">
+                <a:solidFill>
+                  <a:schemeClr val="tx1"/>
+                </a:solidFill>
+                <a:latin typeface="+mn-lt"/>
+                <a:ea typeface="+mn-ea"/>
+                <a:cs typeface="+mn-cs"/>
+              </a:defRPr>
+            </a:lvl6pPr>
+            <a:lvl7pPr marL="2743200" algn="l" defTabSz="914400" rtl="0" eaLnBrk="1" latinLnBrk="0" hangingPunct="1">
+              <a:defRPr sz="1800" kern="1200">
+                <a:solidFill>
+                  <a:schemeClr val="tx1"/>
+                </a:solidFill>
+                <a:latin typeface="+mn-lt"/>
+                <a:ea typeface="+mn-ea"/>
+                <a:cs typeface="+mn-cs"/>
+              </a:defRPr>
+            </a:lvl7pPr>
+            <a:lvl8pPr marL="3200400" algn="l" defTabSz="914400" rtl="0" eaLnBrk="1" latinLnBrk="0" hangingPunct="1">
+              <a:defRPr sz="1800" kern="1200">
+                <a:solidFill>
+                  <a:schemeClr val="tx1"/>
+                </a:solidFill>
+                <a:latin typeface="+mn-lt"/>
+                <a:ea typeface="+mn-ea"/>
+                <a:cs typeface="+mn-cs"/>
+              </a:defRPr>
+            </a:lvl8pPr>
+            <a:lvl9pPr marL="3657600" algn="l" defTabSz="914400" rtl="0" eaLnBrk="1" latinLnBrk="0" hangingPunct="1">
+              <a:defRPr sz="1800" kern="1200">
+                <a:solidFill>
+                  <a:schemeClr val="tx1"/>
+                </a:solidFill>
+                <a:latin typeface="+mn-lt"/>
+                <a:ea typeface="+mn-ea"/>
+                <a:cs typeface="+mn-cs"/>
+              </a:defRPr>
+            </a:lvl9pPr>
+          </a:lstStyle>
+          <a:p>
+            <a:fld id="{B6F15528-21DE-4FAA-801E-634DDDAF4B2B}" type="slidenum">
+              <a:rPr lang="en-US" smtClean="0"/>
+              <a:pPr/>
+              <a:t>14</a:t>
+            </a:fld>
+            <a:endParaRPr lang="en-US"/>
+          </a:p>
+        </p:txBody>
+      </p:sp>
+      <p:sp>
+        <p:nvSpPr>
+          <p:cNvPr id="11" name="Footer Placeholder 9"/>
+          <p:cNvSpPr txBox="1">
+            <a:spLocks/>
+          </p:cNvSpPr>
+          <p:nvPr/>
+        </p:nvSpPr>
+        <p:spPr>
+          <a:xfrm>
+            <a:off x="0" y="6547338"/>
+            <a:ext cx="9144000" cy="310662"/>
+          </a:xfrm>
+          <a:prstGeom prst="rect">
+            <a:avLst/>
+          </a:prstGeom>
+          <a:solidFill>
+            <a:srgbClr val="438086"/>
+          </a:solidFill>
+        </p:spPr>
+        <p:txBody>
+          <a:bodyPr vert="horz"/>
+          <a:lstStyle>
+            <a:defPPr>
+              <a:defRPr lang="en-US"/>
+            </a:defPPr>
+            <a:lvl1pPr marL="0" algn="r" defTabSz="914400" rtl="0" eaLnBrk="1" latinLnBrk="0" hangingPunct="1">
+              <a:defRPr kumimoji="0" sz="800" kern="1200">
+                <a:solidFill>
+                  <a:schemeClr val="accent2"/>
+                </a:solidFill>
+                <a:latin typeface="+mn-lt"/>
+                <a:ea typeface="+mn-ea"/>
+                <a:cs typeface="+mn-cs"/>
+              </a:defRPr>
+            </a:lvl1pPr>
+            <a:lvl2pPr marL="457200" algn="l" defTabSz="914400" rtl="0" eaLnBrk="1" latinLnBrk="0" hangingPunct="1">
+              <a:defRPr sz="1800" kern="1200">
+                <a:solidFill>
+                  <a:schemeClr val="tx1"/>
+                </a:solidFill>
+                <a:latin typeface="+mn-lt"/>
+                <a:ea typeface="+mn-ea"/>
+                <a:cs typeface="+mn-cs"/>
+              </a:defRPr>
+            </a:lvl2pPr>
+            <a:lvl3pPr marL="914400" algn="l" defTabSz="914400" rtl="0" eaLnBrk="1" latinLnBrk="0" hangingPunct="1">
+              <a:defRPr sz="1800" kern="1200">
+                <a:solidFill>
+                  <a:schemeClr val="tx1"/>
+                </a:solidFill>
+                <a:latin typeface="+mn-lt"/>
+                <a:ea typeface="+mn-ea"/>
+                <a:cs typeface="+mn-cs"/>
+              </a:defRPr>
+            </a:lvl3pPr>
+            <a:lvl4pPr marL="1371600" algn="l" defTabSz="914400" rtl="0" eaLnBrk="1" latinLnBrk="0" hangingPunct="1">
+              <a:defRPr sz="1800" kern="1200">
+                <a:solidFill>
+                  <a:schemeClr val="tx1"/>
+                </a:solidFill>
+                <a:latin typeface="+mn-lt"/>
+                <a:ea typeface="+mn-ea"/>
+                <a:cs typeface="+mn-cs"/>
+              </a:defRPr>
+            </a:lvl4pPr>
+            <a:lvl5pPr marL="1828800" algn="l" defTabSz="914400" rtl="0" eaLnBrk="1" latinLnBrk="0" hangingPunct="1">
+              <a:defRPr sz="1800" kern="1200">
+                <a:solidFill>
+                  <a:schemeClr val="tx1"/>
+                </a:solidFill>
+                <a:latin typeface="+mn-lt"/>
+                <a:ea typeface="+mn-ea"/>
+                <a:cs typeface="+mn-cs"/>
+              </a:defRPr>
+            </a:lvl5pPr>
+            <a:lvl6pPr marL="2286000" algn="l" defTabSz="914400" rtl="0" eaLnBrk="1" latinLnBrk="0" hangingPunct="1">
+              <a:defRPr sz="1800" kern="1200">
+                <a:solidFill>
+                  <a:schemeClr val="tx1"/>
+                </a:solidFill>
+                <a:latin typeface="+mn-lt"/>
+                <a:ea typeface="+mn-ea"/>
+                <a:cs typeface="+mn-cs"/>
+              </a:defRPr>
+            </a:lvl6pPr>
+            <a:lvl7pPr marL="2743200" algn="l" defTabSz="914400" rtl="0" eaLnBrk="1" latinLnBrk="0" hangingPunct="1">
+              <a:defRPr sz="1800" kern="1200">
+                <a:solidFill>
+                  <a:schemeClr val="tx1"/>
+                </a:solidFill>
+                <a:latin typeface="+mn-lt"/>
+                <a:ea typeface="+mn-ea"/>
+                <a:cs typeface="+mn-cs"/>
+              </a:defRPr>
+            </a:lvl7pPr>
+            <a:lvl8pPr marL="3200400" algn="l" defTabSz="914400" rtl="0" eaLnBrk="1" latinLnBrk="0" hangingPunct="1">
+              <a:defRPr sz="1800" kern="1200">
+                <a:solidFill>
+                  <a:schemeClr val="tx1"/>
+                </a:solidFill>
+                <a:latin typeface="+mn-lt"/>
+                <a:ea typeface="+mn-ea"/>
+                <a:cs typeface="+mn-cs"/>
+              </a:defRPr>
+            </a:lvl8pPr>
+            <a:lvl9pPr marL="3657600" algn="l" defTabSz="914400" rtl="0" eaLnBrk="1" latinLnBrk="0" hangingPunct="1">
+              <a:defRPr sz="1800" kern="1200">
+                <a:solidFill>
+                  <a:schemeClr val="tx1"/>
+                </a:solidFill>
+                <a:latin typeface="+mn-lt"/>
+                <a:ea typeface="+mn-ea"/>
+                <a:cs typeface="+mn-cs"/>
+              </a:defRPr>
+            </a:lvl9pPr>
+          </a:lstStyle>
+          <a:p>
+            <a:r>
+              <a:rPr lang="fr-FR" sz="1400" dirty="0" smtClean="0">
+                <a:solidFill>
+                  <a:schemeClr val="bg1"/>
+                </a:solidFill>
+              </a:rPr>
+              <a:t>Les ambitions professionnelles : comment préserver la motivation</a:t>
+            </a:r>
+            <a:endParaRPr lang="en-US" sz="1400" dirty="0">
+              <a:solidFill>
+                <a:schemeClr val="bg1"/>
+              </a:solidFill>
+            </a:endParaRPr>
+          </a:p>
+        </p:txBody>
+      </p:sp>
+      <p:pic>
+        <p:nvPicPr>
+          <p:cNvPr id="12" name="Picture 11"/>
+          <p:cNvPicPr>
+            <a:picLocks noChangeAspect="1"/>
+          </p:cNvPicPr>
+          <p:nvPr/>
+        </p:nvPicPr>
+        <p:blipFill>
+          <a:blip r:embed="rId2" cstate="print">
+            <a:extLst>
+              <a:ext uri="{28A0092B-C50C-407E-A947-70E740481C1C}">
+                <a14:useLocalDpi xmlns:a14="http://schemas.microsoft.com/office/drawing/2010/main" val="0"/>
+              </a:ext>
+            </a:extLst>
+          </a:blip>
+          <a:stretch>
+            <a:fillRect/>
+          </a:stretch>
+        </p:blipFill>
+        <p:spPr>
+          <a:xfrm>
+            <a:off x="-2" y="6552027"/>
+            <a:ext cx="884773" cy="305973"/>
+          </a:xfrm>
+          <a:prstGeom prst="rect">
+            <a:avLst/>
+          </a:prstGeom>
+        </p:spPr>
+      </p:pic>
+      <p:sp>
+        <p:nvSpPr>
+          <p:cNvPr id="13" name="TextBox 12"/>
+          <p:cNvSpPr txBox="1"/>
+          <p:nvPr/>
+        </p:nvSpPr>
+        <p:spPr>
+          <a:xfrm>
+            <a:off x="0" y="0"/>
+            <a:ext cx="5257800" cy="338554"/>
+          </a:xfrm>
+          <a:prstGeom prst="rect">
+            <a:avLst/>
+          </a:prstGeom>
+          <a:noFill/>
+        </p:spPr>
+        <p:txBody>
+          <a:bodyPr wrap="square" rtlCol="0">
+            <a:spAutoFit/>
+          </a:bodyPr>
+          <a:lstStyle/>
+          <a:p>
+            <a:r>
+              <a:rPr lang="fr-FR" sz="1600" dirty="0">
+                <a:solidFill>
+                  <a:schemeClr val="bg1"/>
+                </a:solidFill>
+              </a:rPr>
+              <a:t>2. </a:t>
+            </a:r>
+            <a:r>
+              <a:rPr lang="fr-FR" sz="1600" dirty="0" smtClean="0">
+                <a:solidFill>
+                  <a:schemeClr val="bg1"/>
+                </a:solidFill>
+              </a:rPr>
+              <a:t>d) La </a:t>
+            </a:r>
+            <a:r>
+              <a:rPr lang="fr-FR" sz="1600" dirty="0">
+                <a:solidFill>
+                  <a:schemeClr val="bg1"/>
+                </a:solidFill>
+              </a:rPr>
+              <a:t>situation de </a:t>
+            </a:r>
+            <a:r>
+              <a:rPr lang="fr-FR" sz="1600" dirty="0" smtClean="0">
+                <a:solidFill>
+                  <a:schemeClr val="bg1"/>
+                </a:solidFill>
+              </a:rPr>
+              <a:t>réussite</a:t>
+            </a:r>
+            <a:endParaRPr lang="fr-FR" sz="1600" dirty="0">
+              <a:solidFill>
+                <a:schemeClr val="bg1"/>
+              </a:solidFill>
+            </a:endParaRPr>
+          </a:p>
+        </p:txBody>
+      </p:sp>
+    </p:spTree>
+    <p:extLst>
+      <p:ext uri="{BB962C8B-B14F-4D97-AF65-F5344CB8AC3E}">
+        <p14:creationId xmlns:p14="http://schemas.microsoft.com/office/powerpoint/2010/main" val="2849176979"/>
+      </p:ext>
+    </p:extLst>
+  </p:cSld>
+  <p:clrMapOvr>
+    <a:masterClrMapping/>
+  </p:clrMapOvr>
+  <p:timing>
+    <p:tnLst>
+      <p:par>
+        <p:cTn id="1" dur="indefinite" restart="never" nodeType="tmRoot"/>
+      </p:par>
+    </p:tnLst>
+  </p:timing>
 </p:sld>
 </file>
 
@@ -5711,12 +11413,20 @@
           <a:lstStyle/>
           <a:p>
             <a:r>
+              <a:rPr lang="fr-FR" sz="1400" dirty="0" smtClean="0">
+                <a:solidFill>
+                  <a:schemeClr val="bg1"/>
+                </a:solidFill>
+              </a:rPr>
+              <a:t>Les ambitions </a:t>
+            </a:r>
+            <a:r>
               <a:rPr lang="fr-FR" sz="1400" dirty="0">
                 <a:solidFill>
                   <a:schemeClr val="bg1"/>
                 </a:solidFill>
               </a:rPr>
-              <a:t>Ambitions professionnelles : comment préserver la motivation</a:t>
+              <a:t>professionnelles : comment préserver la motivation</a:t>
             </a:r>
             <a:endParaRPr lang="en-US" sz="1400" dirty="0">
               <a:solidFill>
@@ -5894,12 +11604,20 @@
           <a:lstStyle/>
           <a:p>
             <a:r>
+              <a:rPr lang="fr-FR" sz="1400" dirty="0" smtClean="0">
+                <a:solidFill>
+                  <a:schemeClr val="bg1"/>
+                </a:solidFill>
+              </a:rPr>
+              <a:t>Les ambitions </a:t>
+            </a:r>
+            <a:r>
               <a:rPr lang="fr-FR" sz="1400" dirty="0">
                 <a:solidFill>
                   <a:schemeClr val="bg1"/>
                 </a:solidFill>
               </a:rPr>
-              <a:t>Ambitions professionnelles : comment préserver la motivation</a:t>
+              <a:t>professionnelles : comment préserver la motivation</a:t>
             </a:r>
             <a:endParaRPr lang="en-US" sz="1400" dirty="0">
               <a:solidFill>
@@ -6917,12 +12635,20 @@
           <a:lstStyle/>
           <a:p>
             <a:r>
+              <a:rPr lang="fr-FR" sz="1400" dirty="0" smtClean="0">
+                <a:solidFill>
+                  <a:schemeClr val="bg1"/>
+                </a:solidFill>
+              </a:rPr>
+              <a:t>Les ambitions </a:t>
+            </a:r>
+            <a:r>
               <a:rPr lang="fr-FR" sz="1400" dirty="0">
                 <a:solidFill>
                   <a:schemeClr val="bg1"/>
                 </a:solidFill>
               </a:rPr>
-              <a:t>Ambitions professionnelles : comment préserver la motivation</a:t>
+              <a:t>professionnelles : comment préserver la motivation</a:t>
             </a:r>
             <a:endParaRPr lang="en-US" sz="1400" dirty="0">
               <a:solidFill>
@@ -7121,12 +12847,20 @@
           <a:lstStyle/>
           <a:p>
             <a:r>
+              <a:rPr lang="fr-FR" sz="1400" dirty="0" smtClean="0">
+                <a:solidFill>
+                  <a:schemeClr val="bg1"/>
+                </a:solidFill>
+              </a:rPr>
+              <a:t>Les ambitions </a:t>
+            </a:r>
+            <a:r>
               <a:rPr lang="fr-FR" sz="1400" dirty="0">
                 <a:solidFill>
                   <a:schemeClr val="bg1"/>
                 </a:solidFill>
               </a:rPr>
-              <a:t>Ambitions professionnelles : comment préserver la motivation</a:t>
+              <a:t>professionnelles : comment préserver la motivation</a:t>
             </a:r>
             <a:endParaRPr lang="en-US" sz="1400" dirty="0">
               <a:solidFill>
@@ -7555,12 +13289,12 @@
           </a:lstStyle>
           <a:p>
             <a:r>
-              <a:rPr lang="fr-FR" sz="1400" smtClean="0">
+              <a:rPr lang="fr-FR" sz="1400" dirty="0" smtClean="0">
                 <a:solidFill>
                   <a:schemeClr val="bg1"/>
                 </a:solidFill>
               </a:rPr>
-              <a:t>Ambitions professionnelles : comment préserver la motivation</a:t>
+              <a:t>Les ambitions professionnelles : comment préserver la motivation</a:t>
             </a:r>
             <a:endParaRPr lang="en-US" sz="1400" dirty="0">
               <a:solidFill>
@@ -7718,6 +13452,13 @@
   <p:clrMapOvr>
     <a:masterClrMapping/>
   </p:clrMapOvr>
+  <p:timing>
+    <p:tnLst>
+      <p:par>
+        <p:cTn id="1" dur="indefinite" restart="never" nodeType="tmRoot"/>
+      </p:par>
+    </p:tnLst>
+  </p:timing>
 </p:sld>
 </file>
 
@@ -7935,12 +13676,12 @@
           </a:lstStyle>
           <a:p>
             <a:r>
-              <a:rPr lang="fr-FR" sz="1400" smtClean="0">
+              <a:rPr lang="fr-FR" sz="1400" dirty="0" smtClean="0">
                 <a:solidFill>
                   <a:schemeClr val="bg1"/>
                 </a:solidFill>
               </a:rPr>
-              <a:t>Ambitions professionnelles : comment préserver la motivation</a:t>
+              <a:t>Les ambitions professionnelles : comment préserver la motivation</a:t>
             </a:r>
             <a:endParaRPr lang="en-US" sz="1400" dirty="0">
               <a:solidFill>
@@ -8727,6 +14468,13 @@
   <p:clrMapOvr>
     <a:masterClrMapping/>
   </p:clrMapOvr>
+  <p:timing>
+    <p:tnLst>
+      <p:par>
+        <p:cTn id="1" dur="indefinite" restart="never" nodeType="tmRoot"/>
+      </p:par>
+    </p:tnLst>
+  </p:timing>
 </p:sld>
 </file>
 
@@ -9104,12 +14852,12 @@
           </a:lstStyle>
           <a:p>
             <a:r>
-              <a:rPr lang="fr-FR" sz="1400" smtClean="0">
+              <a:rPr lang="fr-FR" sz="1400" dirty="0" smtClean="0">
                 <a:solidFill>
                   <a:schemeClr val="bg1"/>
                 </a:solidFill>
               </a:rPr>
-              <a:t>Ambitions professionnelles : comment préserver la motivation</a:t>
+              <a:t>Les ambitions professionnelles : comment préserver la motivation</a:t>
             </a:r>
             <a:endParaRPr lang="en-US" sz="1400" dirty="0">
               <a:solidFill>
@@ -9368,6 +15116,13 @@
   <p:clrMapOvr>
     <a:masterClrMapping/>
   </p:clrMapOvr>
+  <p:timing>
+    <p:tnLst>
+      <p:par>
+        <p:cTn id="1" dur="indefinite" restart="never" nodeType="tmRoot"/>
+      </p:par>
+    </p:tnLst>
+  </p:timing>
 </p:sld>
 </file>
 
@@ -9390,33 +15145,6 @@
       </p:grpSpPr>
       <p:sp>
         <p:nvSpPr>
-          <p:cNvPr id="3" name="Content Placeholder 2"/>
-          <p:cNvSpPr>
-            <a:spLocks noGrp="1"/>
-          </p:cNvSpPr>
-          <p:nvPr>
-            <p:ph idx="1"/>
-          </p:nvPr>
-        </p:nvSpPr>
-        <p:spPr>
-          <a:xfrm>
-            <a:off x="533400" y="1219200"/>
-            <a:ext cx="8229600" cy="4325112"/>
-          </a:xfrm>
-        </p:spPr>
-        <p:txBody>
-          <a:bodyPr/>
-          <a:lstStyle/>
-          <a:p>
-            <a:pPr marL="109728" indent="0">
-              <a:buNone/>
-            </a:pPr>
-            <a:endParaRPr lang="fr-FR" dirty="0"/>
-          </a:p>
-        </p:txBody>
-      </p:sp>
-      <p:sp>
-        <p:nvSpPr>
           <p:cNvPr id="5" name="Slide Number Placeholder 4"/>
           <p:cNvSpPr>
             <a:spLocks noGrp="1"/>
@@ -9558,12 +15286,12 @@
           </a:lstStyle>
           <a:p>
             <a:r>
-              <a:rPr lang="fr-FR" sz="1400" smtClean="0">
+              <a:rPr lang="fr-FR" sz="1400" dirty="0" smtClean="0">
                 <a:solidFill>
                   <a:schemeClr val="bg1"/>
                 </a:solidFill>
               </a:rPr>
-              <a:t>Ambitions professionnelles : comment préserver la motivation</a:t>
+              <a:t>Les ambitions professionnelles : comment préserver la motivation</a:t>
             </a:r>
             <a:endParaRPr lang="en-US" sz="1400" dirty="0">
               <a:solidFill>
@@ -9665,6 +15393,35 @@
           </a:p>
         </p:txBody>
       </p:sp>
+      <p:pic>
+        <p:nvPicPr>
+          <p:cNvPr id="9" name="Content Placeholder 8"/>
+          <p:cNvPicPr>
+            <a:picLocks noGrp="1" noChangeAspect="1"/>
+          </p:cNvPicPr>
+          <p:nvPr>
+            <p:ph idx="1"/>
+          </p:nvPr>
+        </p:nvPicPr>
+        <p:blipFill>
+          <a:blip r:embed="rId3" cstate="print">
+            <a:extLst>
+              <a:ext uri="{28A0092B-C50C-407E-A947-70E740481C1C}">
+                <a14:useLocalDpi xmlns:a14="http://schemas.microsoft.com/office/drawing/2010/main" val="0"/>
+              </a:ext>
+            </a:extLst>
+          </a:blip>
+          <a:stretch>
+            <a:fillRect/>
+          </a:stretch>
+        </p:blipFill>
+        <p:spPr>
+          <a:xfrm>
+            <a:off x="729992" y="914400"/>
+            <a:ext cx="7684015" cy="5430838"/>
+          </a:xfrm>
+        </p:spPr>
+      </p:pic>
     </p:spTree>
     <p:extLst>
       <p:ext uri="{BB962C8B-B14F-4D97-AF65-F5344CB8AC3E}">
@@ -9675,6 +15432,13 @@
   <p:clrMapOvr>
     <a:masterClrMapping/>
   </p:clrMapOvr>
+  <p:timing>
+    <p:tnLst>
+      <p:par>
+        <p:cTn id="1" dur="indefinite" restart="never" nodeType="tmRoot"/>
+      </p:par>
+    </p:tnLst>
+  </p:timing>
 </p:sld>
 </file>
 

--- a/Soutenance.pptx
+++ b/Soutenance.pptx
@@ -5,10 +5,10 @@
     <p:sldMasterId id="2147484428" r:id="rId1"/>
   </p:sldMasterIdLst>
   <p:notesMasterIdLst>
-    <p:notesMasterId r:id="rId16"/>
+    <p:notesMasterId r:id="rId20"/>
   </p:notesMasterIdLst>
   <p:handoutMasterIdLst>
-    <p:handoutMasterId r:id="rId17"/>
+    <p:handoutMasterId r:id="rId21"/>
   </p:handoutMasterIdLst>
   <p:sldIdLst>
     <p:sldId id="256" r:id="rId2"/>
@@ -25,6 +25,10 @@
     <p:sldId id="267" r:id="rId13"/>
     <p:sldId id="268" r:id="rId14"/>
     <p:sldId id="269" r:id="rId15"/>
+    <p:sldId id="270" r:id="rId16"/>
+    <p:sldId id="271" r:id="rId17"/>
+    <p:sldId id="272" r:id="rId18"/>
+    <p:sldId id="273" r:id="rId19"/>
   </p:sldIdLst>
   <p:sldSz cx="9144000" cy="6858000" type="screen4x3"/>
   <p:notesSz cx="6858000" cy="9144000"/>
@@ -1164,6 +1168,13 @@
         </dgm:presLayoutVars>
       </dgm:prSet>
       <dgm:spPr/>
+      <dgm:t>
+        <a:bodyPr/>
+        <a:lstStyle/>
+        <a:p>
+          <a:endParaRPr lang="fr-FR"/>
+        </a:p>
+      </dgm:t>
     </dgm:pt>
     <dgm:pt modelId="{A4858121-A645-41F3-875B-288AAC93DAE7}" type="pres">
       <dgm:prSet presAssocID="{AEDD50E2-630A-4CFC-AB4A-37B3A14456DF}" presName="centerShape" presStyleLbl="node0" presStyleIdx="0" presStyleCnt="1" custScaleX="122248" custScaleY="122248" custLinFactNeighborX="-18207" custLinFactNeighborY="0"/>
@@ -1179,10 +1190,24 @@
     <dgm:pt modelId="{3E2F12D6-4E1F-4D76-B406-56C85FD9EF7C}" type="pres">
       <dgm:prSet presAssocID="{2EFA5A0F-F528-4B26-A503-0DA6C9486C5B}" presName="parTrans" presStyleLbl="sibTrans2D1" presStyleIdx="0" presStyleCnt="6"/>
       <dgm:spPr/>
+      <dgm:t>
+        <a:bodyPr/>
+        <a:lstStyle/>
+        <a:p>
+          <a:endParaRPr lang="fr-FR"/>
+        </a:p>
+      </dgm:t>
     </dgm:pt>
     <dgm:pt modelId="{FD5ABCC5-8A3D-4206-9660-998976867B3A}" type="pres">
       <dgm:prSet presAssocID="{2EFA5A0F-F528-4B26-A503-0DA6C9486C5B}" presName="connectorText" presStyleLbl="sibTrans2D1" presStyleIdx="0" presStyleCnt="6"/>
       <dgm:spPr/>
+      <dgm:t>
+        <a:bodyPr/>
+        <a:lstStyle/>
+        <a:p>
+          <a:endParaRPr lang="fr-FR"/>
+        </a:p>
+      </dgm:t>
     </dgm:pt>
     <dgm:pt modelId="{29906ED4-A1F1-4317-A7E0-39757C531431}" type="pres">
       <dgm:prSet presAssocID="{9C5D7268-A625-42F8-8E3E-5A72EDB5B775}" presName="node" presStyleLbl="node1" presStyleIdx="0" presStyleCnt="6" custScaleX="99956" custRadScaleRad="112884" custRadScaleInc="-104078">
@@ -1202,10 +1227,24 @@
     <dgm:pt modelId="{F55ED1D0-71EB-44C0-8451-60F419FF3CEC}" type="pres">
       <dgm:prSet presAssocID="{953C1ABD-5DBC-4038-9ED8-0908C596D5CA}" presName="parTrans" presStyleLbl="sibTrans2D1" presStyleIdx="1" presStyleCnt="6"/>
       <dgm:spPr/>
+      <dgm:t>
+        <a:bodyPr/>
+        <a:lstStyle/>
+        <a:p>
+          <a:endParaRPr lang="fr-FR"/>
+        </a:p>
+      </dgm:t>
     </dgm:pt>
     <dgm:pt modelId="{D4E4051E-7319-46E0-A966-3489B6DB7D91}" type="pres">
       <dgm:prSet presAssocID="{953C1ABD-5DBC-4038-9ED8-0908C596D5CA}" presName="connectorText" presStyleLbl="sibTrans2D1" presStyleIdx="1" presStyleCnt="6"/>
       <dgm:spPr/>
+      <dgm:t>
+        <a:bodyPr/>
+        <a:lstStyle/>
+        <a:p>
+          <a:endParaRPr lang="fr-FR"/>
+        </a:p>
+      </dgm:t>
     </dgm:pt>
     <dgm:pt modelId="{FBD6B138-464B-4A28-ADA6-FF2772146854}" type="pres">
       <dgm:prSet presAssocID="{4DE7362F-94E4-4225-8D2D-98F0DE019438}" presName="node" presStyleLbl="node1" presStyleIdx="1" presStyleCnt="6" custScaleX="99956" custRadScaleRad="75004" custRadScaleInc="-114130">
@@ -1225,10 +1264,24 @@
     <dgm:pt modelId="{6089C7AC-BE86-4DC5-BF36-04F6C702DCA3}" type="pres">
       <dgm:prSet presAssocID="{E88FB233-A4FD-420C-8626-37018709CF58}" presName="parTrans" presStyleLbl="sibTrans2D1" presStyleIdx="2" presStyleCnt="6" custScaleX="135465"/>
       <dgm:spPr/>
+      <dgm:t>
+        <a:bodyPr/>
+        <a:lstStyle/>
+        <a:p>
+          <a:endParaRPr lang="fr-FR"/>
+        </a:p>
+      </dgm:t>
     </dgm:pt>
     <dgm:pt modelId="{7E5FFC28-2554-4679-94E0-6CD4EBAE5257}" type="pres">
       <dgm:prSet presAssocID="{E88FB233-A4FD-420C-8626-37018709CF58}" presName="connectorText" presStyleLbl="sibTrans2D1" presStyleIdx="2" presStyleCnt="6"/>
       <dgm:spPr/>
+      <dgm:t>
+        <a:bodyPr/>
+        <a:lstStyle/>
+        <a:p>
+          <a:endParaRPr lang="fr-FR"/>
+        </a:p>
+      </dgm:t>
     </dgm:pt>
     <dgm:pt modelId="{89EC353B-2698-4806-8633-F3C3A200887C}" type="pres">
       <dgm:prSet presAssocID="{FE7E729C-9F4B-45AE-9179-185237C4E56C}" presName="node" presStyleLbl="node1" presStyleIdx="2" presStyleCnt="6" custScaleX="99956" custRadScaleRad="84345" custRadScaleInc="21734">
@@ -1248,10 +1301,24 @@
     <dgm:pt modelId="{DB036232-841B-40DC-A78D-071E1A67DE06}" type="pres">
       <dgm:prSet presAssocID="{E0EEE48B-33B3-4F5C-B9A9-38E5CBE343CC}" presName="parTrans" presStyleLbl="sibTrans2D1" presStyleIdx="3" presStyleCnt="6"/>
       <dgm:spPr/>
+      <dgm:t>
+        <a:bodyPr/>
+        <a:lstStyle/>
+        <a:p>
+          <a:endParaRPr lang="fr-FR"/>
+        </a:p>
+      </dgm:t>
     </dgm:pt>
     <dgm:pt modelId="{C7963CFE-1A2D-425F-AAF5-0B8794C5ED22}" type="pres">
       <dgm:prSet presAssocID="{E0EEE48B-33B3-4F5C-B9A9-38E5CBE343CC}" presName="connectorText" presStyleLbl="sibTrans2D1" presStyleIdx="3" presStyleCnt="6"/>
       <dgm:spPr/>
+      <dgm:t>
+        <a:bodyPr/>
+        <a:lstStyle/>
+        <a:p>
+          <a:endParaRPr lang="fr-FR"/>
+        </a:p>
+      </dgm:t>
     </dgm:pt>
     <dgm:pt modelId="{0C8696C6-86F7-4C27-9FD9-43C1EDAFACC0}" type="pres">
       <dgm:prSet presAssocID="{B38B82DF-BF4B-4096-ADB5-E168E6631C9F}" presName="node" presStyleLbl="node1" presStyleIdx="3" presStyleCnt="6" custScaleX="99956" custRadScaleRad="105618" custRadScaleInc="67553">
@@ -1271,10 +1338,24 @@
     <dgm:pt modelId="{A6373C0D-D84A-4961-A0E5-8125C4F88615}" type="pres">
       <dgm:prSet presAssocID="{CA4B039F-2E09-4D8A-8B82-465722A3A6C6}" presName="parTrans" presStyleLbl="sibTrans2D1" presStyleIdx="4" presStyleCnt="6"/>
       <dgm:spPr/>
+      <dgm:t>
+        <a:bodyPr/>
+        <a:lstStyle/>
+        <a:p>
+          <a:endParaRPr lang="fr-FR"/>
+        </a:p>
+      </dgm:t>
     </dgm:pt>
     <dgm:pt modelId="{CE3FC767-27B0-4F44-A526-1A2C85A32C8E}" type="pres">
       <dgm:prSet presAssocID="{CA4B039F-2E09-4D8A-8B82-465722A3A6C6}" presName="connectorText" presStyleLbl="sibTrans2D1" presStyleIdx="4" presStyleCnt="6"/>
       <dgm:spPr/>
+      <dgm:t>
+        <a:bodyPr/>
+        <a:lstStyle/>
+        <a:p>
+          <a:endParaRPr lang="fr-FR"/>
+        </a:p>
+      </dgm:t>
     </dgm:pt>
     <dgm:pt modelId="{1ACE714B-E8A6-4606-A331-E73AF83A6A2D}" type="pres">
       <dgm:prSet presAssocID="{7508628D-9867-466E-90F1-3F25AE5FC716}" presName="node" presStyleLbl="node1" presStyleIdx="4" presStyleCnt="6" custScaleX="100000" custRadScaleRad="130867" custRadScaleInc="21949">
@@ -1294,10 +1375,24 @@
     <dgm:pt modelId="{B7087D4A-1B45-4291-A7EE-0DD035BCFC8A}" type="pres">
       <dgm:prSet presAssocID="{8CC87309-94F1-451D-B281-88F372184AFC}" presName="parTrans" presStyleLbl="sibTrans2D1" presStyleIdx="5" presStyleCnt="6"/>
       <dgm:spPr/>
+      <dgm:t>
+        <a:bodyPr/>
+        <a:lstStyle/>
+        <a:p>
+          <a:endParaRPr lang="fr-FR"/>
+        </a:p>
+      </dgm:t>
     </dgm:pt>
     <dgm:pt modelId="{B28DD90A-1511-41B0-A092-E070AEB7EE02}" type="pres">
       <dgm:prSet presAssocID="{8CC87309-94F1-451D-B281-88F372184AFC}" presName="connectorText" presStyleLbl="sibTrans2D1" presStyleIdx="5" presStyleCnt="6"/>
       <dgm:spPr/>
+      <dgm:t>
+        <a:bodyPr/>
+        <a:lstStyle/>
+        <a:p>
+          <a:endParaRPr lang="fr-FR"/>
+        </a:p>
+      </dgm:t>
     </dgm:pt>
     <dgm:pt modelId="{490F622B-DF42-46D9-889A-50EE0A7916FC}" type="pres">
       <dgm:prSet presAssocID="{4CAEE0D5-4FC9-4B3D-A1F6-0D4A337395EB}" presName="node" presStyleLbl="node1" presStyleIdx="5" presStyleCnt="6" custScaleX="100000" custRadScaleRad="139999" custRadScaleInc="-46698">
@@ -1316,33 +1411,33 @@
     </dgm:pt>
   </dgm:ptLst>
   <dgm:cxnLst>
+    <dgm:cxn modelId="{D8D0254B-E1F9-4DA6-8C89-CD2F9DB360BA}" type="presOf" srcId="{953C1ABD-5DBC-4038-9ED8-0908C596D5CA}" destId="{F55ED1D0-71EB-44C0-8451-60F419FF3CEC}" srcOrd="0" destOrd="0" presId="urn:microsoft.com/office/officeart/2005/8/layout/radial5"/>
+    <dgm:cxn modelId="{88F5419B-B9DA-4211-898F-6534A73481DC}" srcId="{AEDD50E2-630A-4CFC-AB4A-37B3A14456DF}" destId="{FE7E729C-9F4B-45AE-9179-185237C4E56C}" srcOrd="2" destOrd="0" parTransId="{E88FB233-A4FD-420C-8626-37018709CF58}" sibTransId="{B541B8B8-6069-439D-8AE6-E58ABB963C6B}"/>
+    <dgm:cxn modelId="{B1E936DA-0C9E-4B17-B35E-09C5C632C848}" type="presOf" srcId="{CA4B039F-2E09-4D8A-8B82-465722A3A6C6}" destId="{A6373C0D-D84A-4961-A0E5-8125C4F88615}" srcOrd="0" destOrd="0" presId="urn:microsoft.com/office/officeart/2005/8/layout/radial5"/>
+    <dgm:cxn modelId="{0D0312BC-1D80-49EE-9137-EA064F8240AF}" srcId="{AEDD50E2-630A-4CFC-AB4A-37B3A14456DF}" destId="{9C5D7268-A625-42F8-8E3E-5A72EDB5B775}" srcOrd="0" destOrd="0" parTransId="{2EFA5A0F-F528-4B26-A503-0DA6C9486C5B}" sibTransId="{B33B900F-669E-49E4-AB65-FBFC6D5002EF}"/>
+    <dgm:cxn modelId="{43D6C6C3-6D1D-432A-94E3-135F4B664462}" type="presOf" srcId="{AEDD50E2-630A-4CFC-AB4A-37B3A14456DF}" destId="{A4858121-A645-41F3-875B-288AAC93DAE7}" srcOrd="0" destOrd="0" presId="urn:microsoft.com/office/officeart/2005/8/layout/radial5"/>
+    <dgm:cxn modelId="{A348F468-B25A-4AEC-B794-55BE4B78BEC3}" type="presOf" srcId="{2EFA5A0F-F528-4B26-A503-0DA6C9486C5B}" destId="{FD5ABCC5-8A3D-4206-9660-998976867B3A}" srcOrd="1" destOrd="0" presId="urn:microsoft.com/office/officeart/2005/8/layout/radial5"/>
+    <dgm:cxn modelId="{4EE72EBB-7E70-4BBB-862F-025FEB758809}" srcId="{AEDD50E2-630A-4CFC-AB4A-37B3A14456DF}" destId="{B38B82DF-BF4B-4096-ADB5-E168E6631C9F}" srcOrd="3" destOrd="0" parTransId="{E0EEE48B-33B3-4F5C-B9A9-38E5CBE343CC}" sibTransId="{4575FB0C-D6AA-4B31-9F87-16E885ADACE6}"/>
+    <dgm:cxn modelId="{AAAA38EF-50C0-43C8-A5FA-B5F88789A968}" type="presOf" srcId="{4A3AA29E-9837-43B6-9F7D-A256BDAB13A8}" destId="{C1F82EDE-3A1B-475F-8FBF-56D4E202FDEA}" srcOrd="0" destOrd="0" presId="urn:microsoft.com/office/officeart/2005/8/layout/radial5"/>
+    <dgm:cxn modelId="{DF3DF5F5-99CB-4652-8AF0-2754CE88C80A}" type="presOf" srcId="{FE7E729C-9F4B-45AE-9179-185237C4E56C}" destId="{89EC353B-2698-4806-8633-F3C3A200887C}" srcOrd="0" destOrd="0" presId="urn:microsoft.com/office/officeart/2005/8/layout/radial5"/>
+    <dgm:cxn modelId="{A7626B19-AD72-451B-B15B-FC6831FB925C}" type="presOf" srcId="{9C5D7268-A625-42F8-8E3E-5A72EDB5B775}" destId="{29906ED4-A1F1-4317-A7E0-39757C531431}" srcOrd="0" destOrd="0" presId="urn:microsoft.com/office/officeart/2005/8/layout/radial5"/>
+    <dgm:cxn modelId="{80EF377E-7674-4F95-8137-828CF43C2A2F}" type="presOf" srcId="{8CC87309-94F1-451D-B281-88F372184AFC}" destId="{B7087D4A-1B45-4291-A7EE-0DD035BCFC8A}" srcOrd="0" destOrd="0" presId="urn:microsoft.com/office/officeart/2005/8/layout/radial5"/>
+    <dgm:cxn modelId="{BBA59E23-41B8-4083-9D8C-6EE9463E6C53}" srcId="{AEDD50E2-630A-4CFC-AB4A-37B3A14456DF}" destId="{7508628D-9867-466E-90F1-3F25AE5FC716}" srcOrd="4" destOrd="0" parTransId="{CA4B039F-2E09-4D8A-8B82-465722A3A6C6}" sibTransId="{9D7B6C08-6F1E-4474-A83E-9376FC487E10}"/>
+    <dgm:cxn modelId="{E41BEE0B-37FE-4F25-882B-6CFA94557F45}" type="presOf" srcId="{B38B82DF-BF4B-4096-ADB5-E168E6631C9F}" destId="{0C8696C6-86F7-4C27-9FD9-43C1EDAFACC0}" srcOrd="0" destOrd="0" presId="urn:microsoft.com/office/officeart/2005/8/layout/radial5"/>
+    <dgm:cxn modelId="{2E3679DA-77A3-4EB8-B899-4B21AB1A415F}" type="presOf" srcId="{2EFA5A0F-F528-4B26-A503-0DA6C9486C5B}" destId="{3E2F12D6-4E1F-4D76-B406-56C85FD9EF7C}" srcOrd="0" destOrd="0" presId="urn:microsoft.com/office/officeart/2005/8/layout/radial5"/>
+    <dgm:cxn modelId="{916E989A-7DCE-4E6E-81F1-CAA9A615A762}" type="presOf" srcId="{E88FB233-A4FD-420C-8626-37018709CF58}" destId="{6089C7AC-BE86-4DC5-BF36-04F6C702DCA3}" srcOrd="0" destOrd="0" presId="urn:microsoft.com/office/officeart/2005/8/layout/radial5"/>
+    <dgm:cxn modelId="{63B264CD-434A-4A8F-A74B-767CF1E3AF10}" type="presOf" srcId="{E88FB233-A4FD-420C-8626-37018709CF58}" destId="{7E5FFC28-2554-4679-94E0-6CD4EBAE5257}" srcOrd="1" destOrd="0" presId="urn:microsoft.com/office/officeart/2005/8/layout/radial5"/>
+    <dgm:cxn modelId="{64E692F9-0C61-4752-8800-ECE71EC4A222}" type="presOf" srcId="{CA4B039F-2E09-4D8A-8B82-465722A3A6C6}" destId="{CE3FC767-27B0-4F44-A526-1A2C85A32C8E}" srcOrd="1" destOrd="0" presId="urn:microsoft.com/office/officeart/2005/8/layout/radial5"/>
+    <dgm:cxn modelId="{CD92F0F0-C525-41CB-82BA-A310D3BAFD20}" srcId="{AEDD50E2-630A-4CFC-AB4A-37B3A14456DF}" destId="{4CAEE0D5-4FC9-4B3D-A1F6-0D4A337395EB}" srcOrd="5" destOrd="0" parTransId="{8CC87309-94F1-451D-B281-88F372184AFC}" sibTransId="{6F4BB794-14E1-4A7A-930A-949480FCED95}"/>
+    <dgm:cxn modelId="{DF1D0E16-F887-4DDD-BE94-4E646E1B9482}" srcId="{4A3AA29E-9837-43B6-9F7D-A256BDAB13A8}" destId="{AEDD50E2-630A-4CFC-AB4A-37B3A14456DF}" srcOrd="0" destOrd="0" parTransId="{A7D31C6E-48AA-47D1-8322-0A5B8274B996}" sibTransId="{E90920A5-A8C6-41DD-B8C0-D6ACEEFCE1D3}"/>
+    <dgm:cxn modelId="{775A47BD-090E-40A8-8D41-99204EFC8CCA}" type="presOf" srcId="{E0EEE48B-33B3-4F5C-B9A9-38E5CBE343CC}" destId="{DB036232-841B-40DC-A78D-071E1A67DE06}" srcOrd="0" destOrd="0" presId="urn:microsoft.com/office/officeart/2005/8/layout/radial5"/>
+    <dgm:cxn modelId="{3114AD6E-D6D4-429A-8864-56B50B07F215}" type="presOf" srcId="{4CAEE0D5-4FC9-4B3D-A1F6-0D4A337395EB}" destId="{490F622B-DF42-46D9-889A-50EE0A7916FC}" srcOrd="0" destOrd="0" presId="urn:microsoft.com/office/officeart/2005/8/layout/radial5"/>
+    <dgm:cxn modelId="{085C9CB5-730B-4964-9A0C-F73234654873}" type="presOf" srcId="{8CC87309-94F1-451D-B281-88F372184AFC}" destId="{B28DD90A-1511-41B0-A092-E070AEB7EE02}" srcOrd="1" destOrd="0" presId="urn:microsoft.com/office/officeart/2005/8/layout/radial5"/>
+    <dgm:cxn modelId="{C2303290-B22C-46CE-9342-AFEA534F2CBD}" type="presOf" srcId="{E0EEE48B-33B3-4F5C-B9A9-38E5CBE343CC}" destId="{C7963CFE-1A2D-425F-AAF5-0B8794C5ED22}" srcOrd="1" destOrd="0" presId="urn:microsoft.com/office/officeart/2005/8/layout/radial5"/>
     <dgm:cxn modelId="{C727972E-25AE-491F-BC82-14B42C0476BA}" type="presOf" srcId="{7508628D-9867-466E-90F1-3F25AE5FC716}" destId="{1ACE714B-E8A6-4606-A331-E73AF83A6A2D}" srcOrd="0" destOrd="0" presId="urn:microsoft.com/office/officeart/2005/8/layout/radial5"/>
+    <dgm:cxn modelId="{73B4FCF5-FCE1-41F5-B88E-2A2AB8140107}" type="presOf" srcId="{4DE7362F-94E4-4225-8D2D-98F0DE019438}" destId="{FBD6B138-464B-4A28-ADA6-FF2772146854}" srcOrd="0" destOrd="0" presId="urn:microsoft.com/office/officeart/2005/8/layout/radial5"/>
+    <dgm:cxn modelId="{0BA664AF-DB10-4773-A8A3-B7BF57FCD705}" srcId="{AEDD50E2-630A-4CFC-AB4A-37B3A14456DF}" destId="{4DE7362F-94E4-4225-8D2D-98F0DE019438}" srcOrd="1" destOrd="0" parTransId="{953C1ABD-5DBC-4038-9ED8-0908C596D5CA}" sibTransId="{EBC375B8-8A70-4F8E-AE10-9173AF9AAD92}"/>
     <dgm:cxn modelId="{B074CEC5-E198-4022-913D-BE94F3034275}" type="presOf" srcId="{953C1ABD-5DBC-4038-9ED8-0908C596D5CA}" destId="{D4E4051E-7319-46E0-A966-3489B6DB7D91}" srcOrd="1" destOrd="0" presId="urn:microsoft.com/office/officeart/2005/8/layout/radial5"/>
-    <dgm:cxn modelId="{085C9CB5-730B-4964-9A0C-F73234654873}" type="presOf" srcId="{8CC87309-94F1-451D-B281-88F372184AFC}" destId="{B28DD90A-1511-41B0-A092-E070AEB7EE02}" srcOrd="1" destOrd="0" presId="urn:microsoft.com/office/officeart/2005/8/layout/radial5"/>
-    <dgm:cxn modelId="{E41BEE0B-37FE-4F25-882B-6CFA94557F45}" type="presOf" srcId="{B38B82DF-BF4B-4096-ADB5-E168E6631C9F}" destId="{0C8696C6-86F7-4C27-9FD9-43C1EDAFACC0}" srcOrd="0" destOrd="0" presId="urn:microsoft.com/office/officeart/2005/8/layout/radial5"/>
-    <dgm:cxn modelId="{CD92F0F0-C525-41CB-82BA-A310D3BAFD20}" srcId="{AEDD50E2-630A-4CFC-AB4A-37B3A14456DF}" destId="{4CAEE0D5-4FC9-4B3D-A1F6-0D4A337395EB}" srcOrd="5" destOrd="0" parTransId="{8CC87309-94F1-451D-B281-88F372184AFC}" sibTransId="{6F4BB794-14E1-4A7A-930A-949480FCED95}"/>
-    <dgm:cxn modelId="{2E3679DA-77A3-4EB8-B899-4B21AB1A415F}" type="presOf" srcId="{2EFA5A0F-F528-4B26-A503-0DA6C9486C5B}" destId="{3E2F12D6-4E1F-4D76-B406-56C85FD9EF7C}" srcOrd="0" destOrd="0" presId="urn:microsoft.com/office/officeart/2005/8/layout/radial5"/>
-    <dgm:cxn modelId="{4EE72EBB-7E70-4BBB-862F-025FEB758809}" srcId="{AEDD50E2-630A-4CFC-AB4A-37B3A14456DF}" destId="{B38B82DF-BF4B-4096-ADB5-E168E6631C9F}" srcOrd="3" destOrd="0" parTransId="{E0EEE48B-33B3-4F5C-B9A9-38E5CBE343CC}" sibTransId="{4575FB0C-D6AA-4B31-9F87-16E885ADACE6}"/>
-    <dgm:cxn modelId="{B1E936DA-0C9E-4B17-B35E-09C5C632C848}" type="presOf" srcId="{CA4B039F-2E09-4D8A-8B82-465722A3A6C6}" destId="{A6373C0D-D84A-4961-A0E5-8125C4F88615}" srcOrd="0" destOrd="0" presId="urn:microsoft.com/office/officeart/2005/8/layout/radial5"/>
-    <dgm:cxn modelId="{43D6C6C3-6D1D-432A-94E3-135F4B664462}" type="presOf" srcId="{AEDD50E2-630A-4CFC-AB4A-37B3A14456DF}" destId="{A4858121-A645-41F3-875B-288AAC93DAE7}" srcOrd="0" destOrd="0" presId="urn:microsoft.com/office/officeart/2005/8/layout/radial5"/>
-    <dgm:cxn modelId="{63B264CD-434A-4A8F-A74B-767CF1E3AF10}" type="presOf" srcId="{E88FB233-A4FD-420C-8626-37018709CF58}" destId="{7E5FFC28-2554-4679-94E0-6CD4EBAE5257}" srcOrd="1" destOrd="0" presId="urn:microsoft.com/office/officeart/2005/8/layout/radial5"/>
-    <dgm:cxn modelId="{775A47BD-090E-40A8-8D41-99204EFC8CCA}" type="presOf" srcId="{E0EEE48B-33B3-4F5C-B9A9-38E5CBE343CC}" destId="{DB036232-841B-40DC-A78D-071E1A67DE06}" srcOrd="0" destOrd="0" presId="urn:microsoft.com/office/officeart/2005/8/layout/radial5"/>
-    <dgm:cxn modelId="{73B4FCF5-FCE1-41F5-B88E-2A2AB8140107}" type="presOf" srcId="{4DE7362F-94E4-4225-8D2D-98F0DE019438}" destId="{FBD6B138-464B-4A28-ADA6-FF2772146854}" srcOrd="0" destOrd="0" presId="urn:microsoft.com/office/officeart/2005/8/layout/radial5"/>
-    <dgm:cxn modelId="{AAAA38EF-50C0-43C8-A5FA-B5F88789A968}" type="presOf" srcId="{4A3AA29E-9837-43B6-9F7D-A256BDAB13A8}" destId="{C1F82EDE-3A1B-475F-8FBF-56D4E202FDEA}" srcOrd="0" destOrd="0" presId="urn:microsoft.com/office/officeart/2005/8/layout/radial5"/>
-    <dgm:cxn modelId="{80EF377E-7674-4F95-8137-828CF43C2A2F}" type="presOf" srcId="{8CC87309-94F1-451D-B281-88F372184AFC}" destId="{B7087D4A-1B45-4291-A7EE-0DD035BCFC8A}" srcOrd="0" destOrd="0" presId="urn:microsoft.com/office/officeart/2005/8/layout/radial5"/>
-    <dgm:cxn modelId="{DF3DF5F5-99CB-4652-8AF0-2754CE88C80A}" type="presOf" srcId="{FE7E729C-9F4B-45AE-9179-185237C4E56C}" destId="{89EC353B-2698-4806-8633-F3C3A200887C}" srcOrd="0" destOrd="0" presId="urn:microsoft.com/office/officeart/2005/8/layout/radial5"/>
-    <dgm:cxn modelId="{88F5419B-B9DA-4211-898F-6534A73481DC}" srcId="{AEDD50E2-630A-4CFC-AB4A-37B3A14456DF}" destId="{FE7E729C-9F4B-45AE-9179-185237C4E56C}" srcOrd="2" destOrd="0" parTransId="{E88FB233-A4FD-420C-8626-37018709CF58}" sibTransId="{B541B8B8-6069-439D-8AE6-E58ABB963C6B}"/>
-    <dgm:cxn modelId="{A348F468-B25A-4AEC-B794-55BE4B78BEC3}" type="presOf" srcId="{2EFA5A0F-F528-4B26-A503-0DA6C9486C5B}" destId="{FD5ABCC5-8A3D-4206-9660-998976867B3A}" srcOrd="1" destOrd="0" presId="urn:microsoft.com/office/officeart/2005/8/layout/radial5"/>
-    <dgm:cxn modelId="{D8D0254B-E1F9-4DA6-8C89-CD2F9DB360BA}" type="presOf" srcId="{953C1ABD-5DBC-4038-9ED8-0908C596D5CA}" destId="{F55ED1D0-71EB-44C0-8451-60F419FF3CEC}" srcOrd="0" destOrd="0" presId="urn:microsoft.com/office/officeart/2005/8/layout/radial5"/>
-    <dgm:cxn modelId="{A7626B19-AD72-451B-B15B-FC6831FB925C}" type="presOf" srcId="{9C5D7268-A625-42F8-8E3E-5A72EDB5B775}" destId="{29906ED4-A1F1-4317-A7E0-39757C531431}" srcOrd="0" destOrd="0" presId="urn:microsoft.com/office/officeart/2005/8/layout/radial5"/>
-    <dgm:cxn modelId="{DF1D0E16-F887-4DDD-BE94-4E646E1B9482}" srcId="{4A3AA29E-9837-43B6-9F7D-A256BDAB13A8}" destId="{AEDD50E2-630A-4CFC-AB4A-37B3A14456DF}" srcOrd="0" destOrd="0" parTransId="{A7D31C6E-48AA-47D1-8322-0A5B8274B996}" sibTransId="{E90920A5-A8C6-41DD-B8C0-D6ACEEFCE1D3}"/>
-    <dgm:cxn modelId="{0D0312BC-1D80-49EE-9137-EA064F8240AF}" srcId="{AEDD50E2-630A-4CFC-AB4A-37B3A14456DF}" destId="{9C5D7268-A625-42F8-8E3E-5A72EDB5B775}" srcOrd="0" destOrd="0" parTransId="{2EFA5A0F-F528-4B26-A503-0DA6C9486C5B}" sibTransId="{B33B900F-669E-49E4-AB65-FBFC6D5002EF}"/>
-    <dgm:cxn modelId="{0BA664AF-DB10-4773-A8A3-B7BF57FCD705}" srcId="{AEDD50E2-630A-4CFC-AB4A-37B3A14456DF}" destId="{4DE7362F-94E4-4225-8D2D-98F0DE019438}" srcOrd="1" destOrd="0" parTransId="{953C1ABD-5DBC-4038-9ED8-0908C596D5CA}" sibTransId="{EBC375B8-8A70-4F8E-AE10-9173AF9AAD92}"/>
-    <dgm:cxn modelId="{64E692F9-0C61-4752-8800-ECE71EC4A222}" type="presOf" srcId="{CA4B039F-2E09-4D8A-8B82-465722A3A6C6}" destId="{CE3FC767-27B0-4F44-A526-1A2C85A32C8E}" srcOrd="1" destOrd="0" presId="urn:microsoft.com/office/officeart/2005/8/layout/radial5"/>
-    <dgm:cxn modelId="{916E989A-7DCE-4E6E-81F1-CAA9A615A762}" type="presOf" srcId="{E88FB233-A4FD-420C-8626-37018709CF58}" destId="{6089C7AC-BE86-4DC5-BF36-04F6C702DCA3}" srcOrd="0" destOrd="0" presId="urn:microsoft.com/office/officeart/2005/8/layout/radial5"/>
-    <dgm:cxn modelId="{3114AD6E-D6D4-429A-8864-56B50B07F215}" type="presOf" srcId="{4CAEE0D5-4FC9-4B3D-A1F6-0D4A337395EB}" destId="{490F622B-DF42-46D9-889A-50EE0A7916FC}" srcOrd="0" destOrd="0" presId="urn:microsoft.com/office/officeart/2005/8/layout/radial5"/>
-    <dgm:cxn modelId="{C2303290-B22C-46CE-9342-AFEA534F2CBD}" type="presOf" srcId="{E0EEE48B-33B3-4F5C-B9A9-38E5CBE343CC}" destId="{C7963CFE-1A2D-425F-AAF5-0B8794C5ED22}" srcOrd="1" destOrd="0" presId="urn:microsoft.com/office/officeart/2005/8/layout/radial5"/>
-    <dgm:cxn modelId="{BBA59E23-41B8-4083-9D8C-6EE9463E6C53}" srcId="{AEDD50E2-630A-4CFC-AB4A-37B3A14456DF}" destId="{7508628D-9867-466E-90F1-3F25AE5FC716}" srcOrd="4" destOrd="0" parTransId="{CA4B039F-2E09-4D8A-8B82-465722A3A6C6}" sibTransId="{9D7B6C08-6F1E-4474-A83E-9376FC487E10}"/>
     <dgm:cxn modelId="{B59CBA0E-47F0-4377-B69A-D214D6A787D0}" type="presParOf" srcId="{C1F82EDE-3A1B-475F-8FBF-56D4E202FDEA}" destId="{A4858121-A645-41F3-875B-288AAC93DAE7}" srcOrd="0" destOrd="0" presId="urn:microsoft.com/office/officeart/2005/8/layout/radial5"/>
     <dgm:cxn modelId="{13DB22D3-52C3-48C2-8DE6-E7F06F472033}" type="presParOf" srcId="{C1F82EDE-3A1B-475F-8FBF-56D4E202FDEA}" destId="{3E2F12D6-4E1F-4D76-B406-56C85FD9EF7C}" srcOrd="1" destOrd="0" presId="urn:microsoft.com/office/officeart/2005/8/layout/radial5"/>
     <dgm:cxn modelId="{D5C42DD0-0CB9-4C7E-BD69-371318F800A1}" type="presParOf" srcId="{3E2F12D6-4E1F-4D76-B406-56C85FD9EF7C}" destId="{FD5ABCC5-8A3D-4206-9660-998976867B3A}" srcOrd="0" destOrd="0" presId="urn:microsoft.com/office/officeart/2005/8/layout/radial5"/>
@@ -3693,7 +3788,7 @@
           <a:p>
             <a:fld id="{C5495B23-B40A-40FC-B23E-5FDDCE069B5D}" type="datetimeFigureOut">
               <a:rPr lang="fr-FR" smtClean="0"/>
-              <a:t>01/01/2018</a:t>
+              <a:t>22/01/2018</a:t>
             </a:fld>
             <a:endParaRPr lang="fr-FR"/>
           </a:p>
@@ -3859,7 +3954,7 @@
           <a:p>
             <a:fld id="{522BA693-6A0C-4013-A985-1D1A07B02BE0}" type="datetimeFigureOut">
               <a:rPr lang="fr-FR" smtClean="0"/>
-              <a:t>01/01/2018</a:t>
+              <a:t>22/01/2018</a:t>
             </a:fld>
             <a:endParaRPr lang="fr-FR"/>
           </a:p>
@@ -4969,7 +5064,7 @@
           <a:p>
             <a:fld id="{4FE36861-76F0-4DFC-BC4F-9354408819A9}" type="datetime1">
               <a:rPr lang="en-US" smtClean="0"/>
-              <a:t>1/1/2018</a:t>
+              <a:t>1/22/2018</a:t>
             </a:fld>
             <a:endParaRPr lang="en-US"/>
           </a:p>
@@ -5153,7 +5248,7 @@
           <a:p>
             <a:fld id="{0065636B-5211-423F-9E4C-69162865E509}" type="datetime1">
               <a:rPr lang="en-US" smtClean="0"/>
-              <a:t>1/1/2018</a:t>
+              <a:t>1/22/2018</a:t>
             </a:fld>
             <a:endParaRPr lang="en-US"/>
           </a:p>
@@ -5329,7 +5424,7 @@
           <a:p>
             <a:fld id="{0BFA1D85-18D9-4AF0-88F4-ED7E06D0BA69}" type="datetime1">
               <a:rPr lang="en-US" smtClean="0"/>
-              <a:t>1/1/2018</a:t>
+              <a:t>1/22/2018</a:t>
             </a:fld>
             <a:endParaRPr lang="en-US"/>
           </a:p>
@@ -5495,7 +5590,7 @@
           <a:p>
             <a:fld id="{B1C6EF21-D8E2-4FED-87FE-F02AE8AEB24A}" type="datetime1">
               <a:rPr lang="en-US" smtClean="0"/>
-              <a:t>1/1/2018</a:t>
+              <a:t>1/22/2018</a:t>
             </a:fld>
             <a:endParaRPr lang="en-US"/>
           </a:p>
@@ -5717,7 +5812,7 @@
           <a:p>
             <a:fld id="{87FB909D-72AD-47CF-B470-4214C9D41C61}" type="datetime1">
               <a:rPr lang="en-US" smtClean="0"/>
-              <a:t>1/1/2018</a:t>
+              <a:t>1/22/2018</a:t>
             </a:fld>
             <a:endParaRPr lang="en-US"/>
           </a:p>
@@ -5977,7 +6072,7 @@
           <a:p>
             <a:fld id="{DC8BE30B-9DCB-499A-9A89-FFB1608DE60E}" type="datetime1">
               <a:rPr lang="en-US" smtClean="0"/>
-              <a:t>1/1/2018</a:t>
+              <a:t>1/22/2018</a:t>
             </a:fld>
             <a:endParaRPr lang="en-US"/>
           </a:p>
@@ -6382,7 +6477,7 @@
           <a:p>
             <a:fld id="{C733344C-CD63-4274-800F-14F676588C37}" type="datetime1">
               <a:rPr lang="en-US" smtClean="0"/>
-              <a:t>1/1/2018</a:t>
+              <a:t>1/22/2018</a:t>
             </a:fld>
             <a:endParaRPr lang="en-US"/>
           </a:p>
@@ -6514,7 +6609,7 @@
           <a:p>
             <a:fld id="{C12F266F-2C44-4502-82AF-6D4FF9377C88}" type="datetime1">
               <a:rPr lang="en-US" smtClean="0"/>
-              <a:t>1/1/2018</a:t>
+              <a:t>1/22/2018</a:t>
             </a:fld>
             <a:endParaRPr lang="en-US"/>
           </a:p>
@@ -6615,7 +6710,7 @@
           <a:p>
             <a:fld id="{93012E88-3526-4907-8605-BCD72E9217DC}" type="datetime1">
               <a:rPr lang="en-US" smtClean="0"/>
-              <a:t>1/1/2018</a:t>
+              <a:t>1/22/2018</a:t>
             </a:fld>
             <a:endParaRPr lang="en-US"/>
           </a:p>
@@ -6861,7 +6956,7 @@
           <a:p>
             <a:fld id="{BBA8D125-EDC3-48E9-8F98-6EFDD112B558}" type="datetime1">
               <a:rPr lang="en-US" smtClean="0"/>
-              <a:t>1/1/2018</a:t>
+              <a:t>1/22/2018</a:t>
             </a:fld>
             <a:endParaRPr lang="en-US"/>
           </a:p>
@@ -7106,7 +7201,7 @@
           <a:p>
             <a:fld id="{111CD66A-46A7-451C-BA07-51224E588689}" type="datetime1">
               <a:rPr lang="en-US" smtClean="0"/>
-              <a:t>1/1/2018</a:t>
+              <a:t>1/22/2018</a:t>
             </a:fld>
             <a:endParaRPr lang="en-US"/>
           </a:p>
@@ -7931,7 +8026,7 @@
           <a:p>
             <a:fld id="{B7F0E714-DD62-4651-8758-EE196128C64A}" type="datetime1">
               <a:rPr lang="en-US" smtClean="0"/>
-              <a:t>1/1/2018</a:t>
+              <a:t>1/22/2018</a:t>
             </a:fld>
             <a:endParaRPr lang="en-US"/>
           </a:p>
@@ -9419,15 +9514,7 @@
                   <a:schemeClr val="bg1"/>
                 </a:solidFill>
               </a:rPr>
-              <a:t>2. </a:t>
-            </a:r>
-            <a:r>
-              <a:rPr lang="fr-FR" sz="1600" dirty="0">
-                <a:solidFill>
-                  <a:schemeClr val="bg1"/>
-                </a:solidFill>
-              </a:rPr>
-              <a:t>c</a:t>
+              <a:t>2. c</a:t>
             </a:r>
             <a:r>
               <a:rPr lang="fr-FR" sz="1600" dirty="0" smtClean="0">
@@ -9735,15 +9822,7 @@
                   <a:schemeClr val="bg1"/>
                 </a:solidFill>
               </a:rPr>
-              <a:t>2. </a:t>
-            </a:r>
-            <a:r>
-              <a:rPr lang="fr-FR" sz="1600" dirty="0">
-                <a:solidFill>
-                  <a:schemeClr val="bg1"/>
-                </a:solidFill>
-              </a:rPr>
-              <a:t>c</a:t>
+              <a:t>2. c</a:t>
             </a:r>
             <a:r>
               <a:rPr lang="fr-FR" sz="1600" dirty="0" smtClean="0">
@@ -9794,8 +9873,8 @@
         </p:nvSpPr>
         <p:spPr>
           <a:xfrm rot="20152078">
-            <a:off x="6695364" y="3848907"/>
-            <a:ext cx="381000" cy="484632"/>
+            <a:off x="6770684" y="3833310"/>
+            <a:ext cx="219600" cy="511200"/>
           </a:xfrm>
           <a:prstGeom prst="rightArrow">
             <a:avLst/>
@@ -9840,8 +9919,8 @@
         </p:nvSpPr>
         <p:spPr>
           <a:xfrm rot="1577301">
-            <a:off x="6745411" y="4716173"/>
-            <a:ext cx="381000" cy="484632"/>
+            <a:off x="6806778" y="4679060"/>
+            <a:ext cx="219600" cy="511200"/>
           </a:xfrm>
           <a:prstGeom prst="rightArrow">
             <a:avLst/>
@@ -9886,7 +9965,7 @@
         </p:nvSpPr>
         <p:spPr>
           <a:xfrm>
-            <a:off x="7189738" y="4724400"/>
+            <a:off x="7069321" y="4641853"/>
             <a:ext cx="1141200" cy="1141200"/>
           </a:xfrm>
           <a:prstGeom prst="ellipse">
@@ -9930,7 +10009,7 @@
         </p:nvSpPr>
         <p:spPr>
           <a:xfrm>
-            <a:off x="7170981" y="3200400"/>
+            <a:off x="7069321" y="3240157"/>
             <a:ext cx="1141200" cy="1141200"/>
           </a:xfrm>
           <a:prstGeom prst="ellipse">
@@ -10687,41 +10766,6 @@
       </p:grpSpPr>
       <p:sp>
         <p:nvSpPr>
-          <p:cNvPr id="8" name="Content Placeholder 2"/>
-          <p:cNvSpPr>
-            <a:spLocks noGrp="1"/>
-          </p:cNvSpPr>
-          <p:nvPr>
-            <p:ph idx="1"/>
-          </p:nvPr>
-        </p:nvSpPr>
-        <p:spPr>
-          <a:xfrm>
-            <a:off x="381000" y="1066800"/>
-            <a:ext cx="8229600" cy="4648200"/>
-          </a:xfrm>
-        </p:spPr>
-        <p:txBody>
-          <a:bodyPr>
-            <a:normAutofit/>
-          </a:bodyPr>
-          <a:lstStyle/>
-          <a:p>
-            <a:pPr marL="109728" lvl="0" indent="0">
-              <a:lnSpc>
-                <a:spcPct val="150000"/>
-              </a:lnSpc>
-              <a:buClr>
-                <a:srgbClr val="438086"/>
-              </a:buClr>
-              <a:buNone/>
-            </a:pPr>
-            <a:endParaRPr lang="fr-FR" sz="2400" dirty="0" smtClean="0"/>
-          </a:p>
-        </p:txBody>
-      </p:sp>
-      <p:sp>
-        <p:nvSpPr>
           <p:cNvPr id="9" name="Slide Number Placeholder 4"/>
           <p:cNvSpPr>
             <a:spLocks noGrp="1"/>
@@ -11046,7 +11090,7 @@
         <p:spPr>
           <a:xfrm>
             <a:off x="0" y="0"/>
-            <a:ext cx="5257800" cy="338554"/>
+            <a:ext cx="6172200" cy="338554"/>
           </a:xfrm>
           <a:prstGeom prst="rect">
             <a:avLst/>
@@ -11089,7 +11133,915 @@
                   <a:schemeClr val="bg1"/>
                 </a:solidFill>
               </a:rPr>
-              <a:t>réussite</a:t>
+              <a:t>réussite : créer </a:t>
+            </a:r>
+            <a:r>
+              <a:rPr lang="fr-FR" sz="1600" dirty="0">
+                <a:solidFill>
+                  <a:schemeClr val="bg1"/>
+                </a:solidFill>
+              </a:rPr>
+              <a:t>une échelle d’évaluation</a:t>
+            </a:r>
+          </a:p>
+        </p:txBody>
+      </p:sp>
+      <p:pic>
+        <p:nvPicPr>
+          <p:cNvPr id="1026" name="Picture 2"/>
+          <p:cNvPicPr>
+            <a:picLocks noGrp="1" noChangeAspect="1" noChangeArrowheads="1"/>
+          </p:cNvPicPr>
+          <p:nvPr>
+            <p:ph idx="1"/>
+          </p:nvPr>
+        </p:nvPicPr>
+        <p:blipFill>
+          <a:blip r:embed="rId3">
+            <a:extLst>
+              <a:ext uri="{28A0092B-C50C-407E-A947-70E740481C1C}">
+                <a14:useLocalDpi xmlns:a14="http://schemas.microsoft.com/office/drawing/2010/main" val="0"/>
+              </a:ext>
+            </a:extLst>
+          </a:blip>
+          <a:srcRect/>
+          <a:stretch>
+            <a:fillRect/>
+          </a:stretch>
+        </p:blipFill>
+        <p:spPr bwMode="auto">
+          <a:xfrm>
+            <a:off x="689237" y="538824"/>
+            <a:ext cx="8454763" cy="6019065"/>
+          </a:xfrm>
+          <a:prstGeom prst="rect">
+            <a:avLst/>
+          </a:prstGeom>
+          <a:noFill/>
+          <a:ln>
+            <a:noFill/>
+          </a:ln>
+          <a:extLst>
+            <a:ext uri="{909E8E84-426E-40DD-AFC4-6F175D3DCCD1}">
+              <a14:hiddenFill xmlns:a14="http://schemas.microsoft.com/office/drawing/2010/main">
+                <a:solidFill>
+                  <a:schemeClr val="accent1"/>
+                </a:solidFill>
+              </a14:hiddenFill>
+            </a:ext>
+            <a:ext uri="{91240B29-F687-4F45-9708-019B960494DF}">
+              <a14:hiddenLine xmlns:a14="http://schemas.microsoft.com/office/drawing/2010/main" w="9525">
+                <a:solidFill>
+                  <a:schemeClr val="tx1"/>
+                </a:solidFill>
+                <a:miter lim="800000"/>
+                <a:headEnd/>
+                <a:tailEnd/>
+              </a14:hiddenLine>
+            </a:ext>
+          </a:extLst>
+        </p:spPr>
+      </p:pic>
+    </p:spTree>
+    <p:extLst>
+      <p:ext uri="{BB962C8B-B14F-4D97-AF65-F5344CB8AC3E}">
+        <p14:creationId xmlns:p14="http://schemas.microsoft.com/office/powerpoint/2010/main" val="2849176979"/>
+      </p:ext>
+    </p:extLst>
+  </p:cSld>
+  <p:clrMapOvr>
+    <a:masterClrMapping/>
+  </p:clrMapOvr>
+  <p:timing>
+    <p:tnLst>
+      <p:par>
+        <p:cTn id="1" dur="indefinite" restart="never" nodeType="tmRoot"/>
+      </p:par>
+    </p:tnLst>
+  </p:timing>
+</p:sld>
+</file>
+
+<file path=ppt/slides/slide15.xml><?xml version="1.0" encoding="utf-8"?>
+<p:sld xmlns:a="http://schemas.openxmlformats.org/drawingml/2006/main" xmlns:r="http://schemas.openxmlformats.org/officeDocument/2006/relationships" xmlns:p="http://schemas.openxmlformats.org/presentationml/2006/main">
+  <p:cSld>
+    <p:spTree>
+      <p:nvGrpSpPr>
+        <p:cNvPr id="1" name=""/>
+        <p:cNvGrpSpPr/>
+        <p:nvPr/>
+      </p:nvGrpSpPr>
+      <p:grpSpPr>
+        <a:xfrm>
+          <a:off x="0" y="0"/>
+          <a:ext cx="0" cy="0"/>
+          <a:chOff x="0" y="0"/>
+          <a:chExt cx="0" cy="0"/>
+        </a:xfrm>
+      </p:grpSpPr>
+      <p:sp>
+        <p:nvSpPr>
+          <p:cNvPr id="6" name="Slide Number Placeholder 4"/>
+          <p:cNvSpPr>
+            <a:spLocks noGrp="1"/>
+          </p:cNvSpPr>
+          <p:nvPr>
+            <p:ph type="sldNum" sz="quarter" idx="12"/>
+          </p:nvPr>
+        </p:nvSpPr>
+        <p:spPr>
+          <a:xfrm>
+            <a:off x="8174736" y="2272"/>
+            <a:ext cx="762000" cy="365760"/>
+          </a:xfrm>
+        </p:spPr>
+        <p:txBody>
+          <a:bodyPr/>
+          <a:lstStyle/>
+          <a:p>
+            <a:fld id="{B6F15528-21DE-4FAA-801E-634DDDAF4B2B}" type="slidenum">
+              <a:rPr lang="en-US" smtClean="0"/>
+              <a:pPr/>
+              <a:t>15</a:t>
+            </a:fld>
+            <a:endParaRPr lang="en-US"/>
+          </a:p>
+        </p:txBody>
+      </p:sp>
+      <p:sp>
+        <p:nvSpPr>
+          <p:cNvPr id="7" name="Slide Number Placeholder 4"/>
+          <p:cNvSpPr txBox="1">
+            <a:spLocks/>
+          </p:cNvSpPr>
+          <p:nvPr/>
+        </p:nvSpPr>
+        <p:spPr>
+          <a:xfrm>
+            <a:off x="8174736" y="2272"/>
+            <a:ext cx="762000" cy="365760"/>
+          </a:xfrm>
+          <a:prstGeom prst="rect">
+            <a:avLst/>
+          </a:prstGeom>
+        </p:spPr>
+        <p:txBody>
+          <a:bodyPr vert="horz" anchor="b"/>
+          <a:lstStyle>
+            <a:defPPr>
+              <a:defRPr lang="en-US"/>
+            </a:defPPr>
+            <a:lvl1pPr marL="0" algn="r" defTabSz="914400" rtl="0" eaLnBrk="1" latinLnBrk="0" hangingPunct="1">
+              <a:defRPr kumimoji="0" sz="1800" kern="1200">
+                <a:solidFill>
+                  <a:srgbClr val="FFFFFF"/>
+                </a:solidFill>
+                <a:latin typeface="+mn-lt"/>
+                <a:ea typeface="+mn-ea"/>
+                <a:cs typeface="+mn-cs"/>
+              </a:defRPr>
+            </a:lvl1pPr>
+            <a:lvl2pPr marL="457200" algn="l" defTabSz="914400" rtl="0" eaLnBrk="1" latinLnBrk="0" hangingPunct="1">
+              <a:defRPr sz="1800" kern="1200">
+                <a:solidFill>
+                  <a:schemeClr val="tx1"/>
+                </a:solidFill>
+                <a:latin typeface="+mn-lt"/>
+                <a:ea typeface="+mn-ea"/>
+                <a:cs typeface="+mn-cs"/>
+              </a:defRPr>
+            </a:lvl2pPr>
+            <a:lvl3pPr marL="914400" algn="l" defTabSz="914400" rtl="0" eaLnBrk="1" latinLnBrk="0" hangingPunct="1">
+              <a:defRPr sz="1800" kern="1200">
+                <a:solidFill>
+                  <a:schemeClr val="tx1"/>
+                </a:solidFill>
+                <a:latin typeface="+mn-lt"/>
+                <a:ea typeface="+mn-ea"/>
+                <a:cs typeface="+mn-cs"/>
+              </a:defRPr>
+            </a:lvl3pPr>
+            <a:lvl4pPr marL="1371600" algn="l" defTabSz="914400" rtl="0" eaLnBrk="1" latinLnBrk="0" hangingPunct="1">
+              <a:defRPr sz="1800" kern="1200">
+                <a:solidFill>
+                  <a:schemeClr val="tx1"/>
+                </a:solidFill>
+                <a:latin typeface="+mn-lt"/>
+                <a:ea typeface="+mn-ea"/>
+                <a:cs typeface="+mn-cs"/>
+              </a:defRPr>
+            </a:lvl4pPr>
+            <a:lvl5pPr marL="1828800" algn="l" defTabSz="914400" rtl="0" eaLnBrk="1" latinLnBrk="0" hangingPunct="1">
+              <a:defRPr sz="1800" kern="1200">
+                <a:solidFill>
+                  <a:schemeClr val="tx1"/>
+                </a:solidFill>
+                <a:latin typeface="+mn-lt"/>
+                <a:ea typeface="+mn-ea"/>
+                <a:cs typeface="+mn-cs"/>
+              </a:defRPr>
+            </a:lvl5pPr>
+            <a:lvl6pPr marL="2286000" algn="l" defTabSz="914400" rtl="0" eaLnBrk="1" latinLnBrk="0" hangingPunct="1">
+              <a:defRPr sz="1800" kern="1200">
+                <a:solidFill>
+                  <a:schemeClr val="tx1"/>
+                </a:solidFill>
+                <a:latin typeface="+mn-lt"/>
+                <a:ea typeface="+mn-ea"/>
+                <a:cs typeface="+mn-cs"/>
+              </a:defRPr>
+            </a:lvl6pPr>
+            <a:lvl7pPr marL="2743200" algn="l" defTabSz="914400" rtl="0" eaLnBrk="1" latinLnBrk="0" hangingPunct="1">
+              <a:defRPr sz="1800" kern="1200">
+                <a:solidFill>
+                  <a:schemeClr val="tx1"/>
+                </a:solidFill>
+                <a:latin typeface="+mn-lt"/>
+                <a:ea typeface="+mn-ea"/>
+                <a:cs typeface="+mn-cs"/>
+              </a:defRPr>
+            </a:lvl7pPr>
+            <a:lvl8pPr marL="3200400" algn="l" defTabSz="914400" rtl="0" eaLnBrk="1" latinLnBrk="0" hangingPunct="1">
+              <a:defRPr sz="1800" kern="1200">
+                <a:solidFill>
+                  <a:schemeClr val="tx1"/>
+                </a:solidFill>
+                <a:latin typeface="+mn-lt"/>
+                <a:ea typeface="+mn-ea"/>
+                <a:cs typeface="+mn-cs"/>
+              </a:defRPr>
+            </a:lvl8pPr>
+            <a:lvl9pPr marL="3657600" algn="l" defTabSz="914400" rtl="0" eaLnBrk="1" latinLnBrk="0" hangingPunct="1">
+              <a:defRPr sz="1800" kern="1200">
+                <a:solidFill>
+                  <a:schemeClr val="tx1"/>
+                </a:solidFill>
+                <a:latin typeface="+mn-lt"/>
+                <a:ea typeface="+mn-ea"/>
+                <a:cs typeface="+mn-cs"/>
+              </a:defRPr>
+            </a:lvl9pPr>
+          </a:lstStyle>
+          <a:p>
+            <a:fld id="{B6F15528-21DE-4FAA-801E-634DDDAF4B2B}" type="slidenum">
+              <a:rPr lang="en-US" smtClean="0"/>
+              <a:pPr/>
+              <a:t>15</a:t>
+            </a:fld>
+            <a:endParaRPr lang="en-US"/>
+          </a:p>
+        </p:txBody>
+      </p:sp>
+      <p:sp>
+        <p:nvSpPr>
+          <p:cNvPr id="8" name="Footer Placeholder 9"/>
+          <p:cNvSpPr txBox="1">
+            <a:spLocks/>
+          </p:cNvSpPr>
+          <p:nvPr/>
+        </p:nvSpPr>
+        <p:spPr>
+          <a:xfrm>
+            <a:off x="0" y="6547338"/>
+            <a:ext cx="9144000" cy="310662"/>
+          </a:xfrm>
+          <a:prstGeom prst="rect">
+            <a:avLst/>
+          </a:prstGeom>
+          <a:solidFill>
+            <a:srgbClr val="438086"/>
+          </a:solidFill>
+        </p:spPr>
+        <p:txBody>
+          <a:bodyPr vert="horz"/>
+          <a:lstStyle>
+            <a:defPPr>
+              <a:defRPr lang="en-US"/>
+            </a:defPPr>
+            <a:lvl1pPr marL="0" algn="r" defTabSz="914400" rtl="0" eaLnBrk="1" latinLnBrk="0" hangingPunct="1">
+              <a:defRPr kumimoji="0" sz="800" kern="1200">
+                <a:solidFill>
+                  <a:schemeClr val="accent2"/>
+                </a:solidFill>
+                <a:latin typeface="+mn-lt"/>
+                <a:ea typeface="+mn-ea"/>
+                <a:cs typeface="+mn-cs"/>
+              </a:defRPr>
+            </a:lvl1pPr>
+            <a:lvl2pPr marL="457200" algn="l" defTabSz="914400" rtl="0" eaLnBrk="1" latinLnBrk="0" hangingPunct="1">
+              <a:defRPr sz="1800" kern="1200">
+                <a:solidFill>
+                  <a:schemeClr val="tx1"/>
+                </a:solidFill>
+                <a:latin typeface="+mn-lt"/>
+                <a:ea typeface="+mn-ea"/>
+                <a:cs typeface="+mn-cs"/>
+              </a:defRPr>
+            </a:lvl2pPr>
+            <a:lvl3pPr marL="914400" algn="l" defTabSz="914400" rtl="0" eaLnBrk="1" latinLnBrk="0" hangingPunct="1">
+              <a:defRPr sz="1800" kern="1200">
+                <a:solidFill>
+                  <a:schemeClr val="tx1"/>
+                </a:solidFill>
+                <a:latin typeface="+mn-lt"/>
+                <a:ea typeface="+mn-ea"/>
+                <a:cs typeface="+mn-cs"/>
+              </a:defRPr>
+            </a:lvl3pPr>
+            <a:lvl4pPr marL="1371600" algn="l" defTabSz="914400" rtl="0" eaLnBrk="1" latinLnBrk="0" hangingPunct="1">
+              <a:defRPr sz="1800" kern="1200">
+                <a:solidFill>
+                  <a:schemeClr val="tx1"/>
+                </a:solidFill>
+                <a:latin typeface="+mn-lt"/>
+                <a:ea typeface="+mn-ea"/>
+                <a:cs typeface="+mn-cs"/>
+              </a:defRPr>
+            </a:lvl4pPr>
+            <a:lvl5pPr marL="1828800" algn="l" defTabSz="914400" rtl="0" eaLnBrk="1" latinLnBrk="0" hangingPunct="1">
+              <a:defRPr sz="1800" kern="1200">
+                <a:solidFill>
+                  <a:schemeClr val="tx1"/>
+                </a:solidFill>
+                <a:latin typeface="+mn-lt"/>
+                <a:ea typeface="+mn-ea"/>
+                <a:cs typeface="+mn-cs"/>
+              </a:defRPr>
+            </a:lvl5pPr>
+            <a:lvl6pPr marL="2286000" algn="l" defTabSz="914400" rtl="0" eaLnBrk="1" latinLnBrk="0" hangingPunct="1">
+              <a:defRPr sz="1800" kern="1200">
+                <a:solidFill>
+                  <a:schemeClr val="tx1"/>
+                </a:solidFill>
+                <a:latin typeface="+mn-lt"/>
+                <a:ea typeface="+mn-ea"/>
+                <a:cs typeface="+mn-cs"/>
+              </a:defRPr>
+            </a:lvl6pPr>
+            <a:lvl7pPr marL="2743200" algn="l" defTabSz="914400" rtl="0" eaLnBrk="1" latinLnBrk="0" hangingPunct="1">
+              <a:defRPr sz="1800" kern="1200">
+                <a:solidFill>
+                  <a:schemeClr val="tx1"/>
+                </a:solidFill>
+                <a:latin typeface="+mn-lt"/>
+                <a:ea typeface="+mn-ea"/>
+                <a:cs typeface="+mn-cs"/>
+              </a:defRPr>
+            </a:lvl7pPr>
+            <a:lvl8pPr marL="3200400" algn="l" defTabSz="914400" rtl="0" eaLnBrk="1" latinLnBrk="0" hangingPunct="1">
+              <a:defRPr sz="1800" kern="1200">
+                <a:solidFill>
+                  <a:schemeClr val="tx1"/>
+                </a:solidFill>
+                <a:latin typeface="+mn-lt"/>
+                <a:ea typeface="+mn-ea"/>
+                <a:cs typeface="+mn-cs"/>
+              </a:defRPr>
+            </a:lvl8pPr>
+            <a:lvl9pPr marL="3657600" algn="l" defTabSz="914400" rtl="0" eaLnBrk="1" latinLnBrk="0" hangingPunct="1">
+              <a:defRPr sz="1800" kern="1200">
+                <a:solidFill>
+                  <a:schemeClr val="tx1"/>
+                </a:solidFill>
+                <a:latin typeface="+mn-lt"/>
+                <a:ea typeface="+mn-ea"/>
+                <a:cs typeface="+mn-cs"/>
+              </a:defRPr>
+            </a:lvl9pPr>
+          </a:lstStyle>
+          <a:p>
+            <a:r>
+              <a:rPr lang="fr-FR" sz="1400" dirty="0" smtClean="0">
+                <a:solidFill>
+                  <a:schemeClr val="bg1"/>
+                </a:solidFill>
+              </a:rPr>
+              <a:t>Les ambitions professionnelles : comment préserver la motivation</a:t>
+            </a:r>
+            <a:endParaRPr lang="en-US" sz="1400" dirty="0">
+              <a:solidFill>
+                <a:schemeClr val="bg1"/>
+              </a:solidFill>
+            </a:endParaRPr>
+          </a:p>
+        </p:txBody>
+      </p:sp>
+      <p:pic>
+        <p:nvPicPr>
+          <p:cNvPr id="9" name="Picture 8"/>
+          <p:cNvPicPr>
+            <a:picLocks noChangeAspect="1"/>
+          </p:cNvPicPr>
+          <p:nvPr/>
+        </p:nvPicPr>
+        <p:blipFill>
+          <a:blip r:embed="rId2" cstate="print">
+            <a:extLst>
+              <a:ext uri="{28A0092B-C50C-407E-A947-70E740481C1C}">
+                <a14:useLocalDpi xmlns:a14="http://schemas.microsoft.com/office/drawing/2010/main" val="0"/>
+              </a:ext>
+            </a:extLst>
+          </a:blip>
+          <a:stretch>
+            <a:fillRect/>
+          </a:stretch>
+        </p:blipFill>
+        <p:spPr>
+          <a:xfrm>
+            <a:off x="-2" y="6552027"/>
+            <a:ext cx="884773" cy="305973"/>
+          </a:xfrm>
+          <a:prstGeom prst="rect">
+            <a:avLst/>
+          </a:prstGeom>
+        </p:spPr>
+      </p:pic>
+      <p:sp>
+        <p:nvSpPr>
+          <p:cNvPr id="10" name="TextBox 9"/>
+          <p:cNvSpPr txBox="1"/>
+          <p:nvPr/>
+        </p:nvSpPr>
+        <p:spPr>
+          <a:xfrm>
+            <a:off x="0" y="0"/>
+            <a:ext cx="7086600" cy="338554"/>
+          </a:xfrm>
+          <a:prstGeom prst="rect">
+            <a:avLst/>
+          </a:prstGeom>
+          <a:noFill/>
+        </p:spPr>
+        <p:txBody>
+          <a:bodyPr wrap="square" rtlCol="0">
+            <a:spAutoFit/>
+          </a:bodyPr>
+          <a:lstStyle/>
+          <a:p>
+            <a:r>
+              <a:rPr lang="fr-FR" sz="1600" dirty="0">
+                <a:solidFill>
+                  <a:schemeClr val="bg1"/>
+                </a:solidFill>
+              </a:rPr>
+              <a:t>2. </a:t>
+            </a:r>
+            <a:r>
+              <a:rPr lang="fr-FR" sz="1600" dirty="0" smtClean="0">
+                <a:solidFill>
+                  <a:schemeClr val="bg1"/>
+                </a:solidFill>
+              </a:rPr>
+              <a:t>d) La </a:t>
+            </a:r>
+            <a:r>
+              <a:rPr lang="fr-FR" sz="1600" dirty="0">
+                <a:solidFill>
+                  <a:schemeClr val="bg1"/>
+                </a:solidFill>
+              </a:rPr>
+              <a:t>situation de </a:t>
+            </a:r>
+            <a:r>
+              <a:rPr lang="fr-FR" sz="1600" dirty="0" smtClean="0">
+                <a:solidFill>
+                  <a:schemeClr val="bg1"/>
+                </a:solidFill>
+              </a:rPr>
+              <a:t>réussite : </a:t>
+            </a:r>
+            <a:r>
+              <a:rPr lang="fr-FR" sz="1600" dirty="0">
+                <a:solidFill>
+                  <a:schemeClr val="bg1"/>
+                </a:solidFill>
+              </a:rPr>
+              <a:t>monter le niveau de la difficulté</a:t>
+            </a:r>
+          </a:p>
+        </p:txBody>
+      </p:sp>
+      <p:pic>
+        <p:nvPicPr>
+          <p:cNvPr id="15" name="Picture 14"/>
+          <p:cNvPicPr>
+            <a:picLocks noChangeAspect="1"/>
+          </p:cNvPicPr>
+          <p:nvPr/>
+        </p:nvPicPr>
+        <p:blipFill>
+          <a:blip r:embed="rId3">
+            <a:extLst>
+              <a:ext uri="{28A0092B-C50C-407E-A947-70E740481C1C}">
+                <a14:useLocalDpi xmlns:a14="http://schemas.microsoft.com/office/drawing/2010/main" val="0"/>
+              </a:ext>
+            </a:extLst>
+          </a:blip>
+          <a:stretch>
+            <a:fillRect/>
+          </a:stretch>
+        </p:blipFill>
+        <p:spPr>
+          <a:xfrm>
+            <a:off x="970670" y="728002"/>
+            <a:ext cx="7487529" cy="5615647"/>
+          </a:xfrm>
+          <a:prstGeom prst="rect">
+            <a:avLst/>
+          </a:prstGeom>
+        </p:spPr>
+      </p:pic>
+    </p:spTree>
+    <p:extLst>
+      <p:ext uri="{BB962C8B-B14F-4D97-AF65-F5344CB8AC3E}">
+        <p14:creationId xmlns:p14="http://schemas.microsoft.com/office/powerpoint/2010/main" val="3397187151"/>
+      </p:ext>
+    </p:extLst>
+  </p:cSld>
+  <p:clrMapOvr>
+    <a:masterClrMapping/>
+  </p:clrMapOvr>
+  <p:timing>
+    <p:tnLst>
+      <p:par>
+        <p:cTn id="1" dur="indefinite" restart="never" nodeType="tmRoot"/>
+      </p:par>
+    </p:tnLst>
+  </p:timing>
+</p:sld>
+</file>
+
+<file path=ppt/slides/slide16.xml><?xml version="1.0" encoding="utf-8"?>
+<p:sld xmlns:a="http://schemas.openxmlformats.org/drawingml/2006/main" xmlns:r="http://schemas.openxmlformats.org/officeDocument/2006/relationships" xmlns:p="http://schemas.openxmlformats.org/presentationml/2006/main">
+  <p:cSld>
+    <p:spTree>
+      <p:nvGrpSpPr>
+        <p:cNvPr id="1" name=""/>
+        <p:cNvGrpSpPr/>
+        <p:nvPr/>
+      </p:nvGrpSpPr>
+      <p:grpSpPr>
+        <a:xfrm>
+          <a:off x="0" y="0"/>
+          <a:ext cx="0" cy="0"/>
+          <a:chOff x="0" y="0"/>
+          <a:chExt cx="0" cy="0"/>
+        </a:xfrm>
+      </p:grpSpPr>
+      <p:sp>
+        <p:nvSpPr>
+          <p:cNvPr id="11" name="Slide Number Placeholder 4"/>
+          <p:cNvSpPr>
+            <a:spLocks noGrp="1"/>
+          </p:cNvSpPr>
+          <p:nvPr>
+            <p:ph type="sldNum" sz="quarter" idx="12"/>
+          </p:nvPr>
+        </p:nvSpPr>
+        <p:spPr>
+          <a:xfrm>
+            <a:off x="8174736" y="2272"/>
+            <a:ext cx="762000" cy="365760"/>
+          </a:xfrm>
+        </p:spPr>
+        <p:txBody>
+          <a:bodyPr/>
+          <a:lstStyle/>
+          <a:p>
+            <a:fld id="{B6F15528-21DE-4FAA-801E-634DDDAF4B2B}" type="slidenum">
+              <a:rPr lang="en-US" smtClean="0"/>
+              <a:pPr/>
+              <a:t>16</a:t>
+            </a:fld>
+            <a:endParaRPr lang="en-US"/>
+          </a:p>
+        </p:txBody>
+      </p:sp>
+      <p:sp>
+        <p:nvSpPr>
+          <p:cNvPr id="12" name="Slide Number Placeholder 4"/>
+          <p:cNvSpPr txBox="1">
+            <a:spLocks/>
+          </p:cNvSpPr>
+          <p:nvPr/>
+        </p:nvSpPr>
+        <p:spPr>
+          <a:xfrm>
+            <a:off x="8174736" y="2272"/>
+            <a:ext cx="762000" cy="365760"/>
+          </a:xfrm>
+          <a:prstGeom prst="rect">
+            <a:avLst/>
+          </a:prstGeom>
+        </p:spPr>
+        <p:txBody>
+          <a:bodyPr vert="horz" anchor="b"/>
+          <a:lstStyle>
+            <a:defPPr>
+              <a:defRPr lang="en-US"/>
+            </a:defPPr>
+            <a:lvl1pPr marL="0" algn="r" defTabSz="914400" rtl="0" eaLnBrk="1" latinLnBrk="0" hangingPunct="1">
+              <a:defRPr kumimoji="0" sz="1800" kern="1200">
+                <a:solidFill>
+                  <a:srgbClr val="FFFFFF"/>
+                </a:solidFill>
+                <a:latin typeface="+mn-lt"/>
+                <a:ea typeface="+mn-ea"/>
+                <a:cs typeface="+mn-cs"/>
+              </a:defRPr>
+            </a:lvl1pPr>
+            <a:lvl2pPr marL="457200" algn="l" defTabSz="914400" rtl="0" eaLnBrk="1" latinLnBrk="0" hangingPunct="1">
+              <a:defRPr sz="1800" kern="1200">
+                <a:solidFill>
+                  <a:schemeClr val="tx1"/>
+                </a:solidFill>
+                <a:latin typeface="+mn-lt"/>
+                <a:ea typeface="+mn-ea"/>
+                <a:cs typeface="+mn-cs"/>
+              </a:defRPr>
+            </a:lvl2pPr>
+            <a:lvl3pPr marL="914400" algn="l" defTabSz="914400" rtl="0" eaLnBrk="1" latinLnBrk="0" hangingPunct="1">
+              <a:defRPr sz="1800" kern="1200">
+                <a:solidFill>
+                  <a:schemeClr val="tx1"/>
+                </a:solidFill>
+                <a:latin typeface="+mn-lt"/>
+                <a:ea typeface="+mn-ea"/>
+                <a:cs typeface="+mn-cs"/>
+              </a:defRPr>
+            </a:lvl3pPr>
+            <a:lvl4pPr marL="1371600" algn="l" defTabSz="914400" rtl="0" eaLnBrk="1" latinLnBrk="0" hangingPunct="1">
+              <a:defRPr sz="1800" kern="1200">
+                <a:solidFill>
+                  <a:schemeClr val="tx1"/>
+                </a:solidFill>
+                <a:latin typeface="+mn-lt"/>
+                <a:ea typeface="+mn-ea"/>
+                <a:cs typeface="+mn-cs"/>
+              </a:defRPr>
+            </a:lvl4pPr>
+            <a:lvl5pPr marL="1828800" algn="l" defTabSz="914400" rtl="0" eaLnBrk="1" latinLnBrk="0" hangingPunct="1">
+              <a:defRPr sz="1800" kern="1200">
+                <a:solidFill>
+                  <a:schemeClr val="tx1"/>
+                </a:solidFill>
+                <a:latin typeface="+mn-lt"/>
+                <a:ea typeface="+mn-ea"/>
+                <a:cs typeface="+mn-cs"/>
+              </a:defRPr>
+            </a:lvl5pPr>
+            <a:lvl6pPr marL="2286000" algn="l" defTabSz="914400" rtl="0" eaLnBrk="1" latinLnBrk="0" hangingPunct="1">
+              <a:defRPr sz="1800" kern="1200">
+                <a:solidFill>
+                  <a:schemeClr val="tx1"/>
+                </a:solidFill>
+                <a:latin typeface="+mn-lt"/>
+                <a:ea typeface="+mn-ea"/>
+                <a:cs typeface="+mn-cs"/>
+              </a:defRPr>
+            </a:lvl6pPr>
+            <a:lvl7pPr marL="2743200" algn="l" defTabSz="914400" rtl="0" eaLnBrk="1" latinLnBrk="0" hangingPunct="1">
+              <a:defRPr sz="1800" kern="1200">
+                <a:solidFill>
+                  <a:schemeClr val="tx1"/>
+                </a:solidFill>
+                <a:latin typeface="+mn-lt"/>
+                <a:ea typeface="+mn-ea"/>
+                <a:cs typeface="+mn-cs"/>
+              </a:defRPr>
+            </a:lvl7pPr>
+            <a:lvl8pPr marL="3200400" algn="l" defTabSz="914400" rtl="0" eaLnBrk="1" latinLnBrk="0" hangingPunct="1">
+              <a:defRPr sz="1800" kern="1200">
+                <a:solidFill>
+                  <a:schemeClr val="tx1"/>
+                </a:solidFill>
+                <a:latin typeface="+mn-lt"/>
+                <a:ea typeface="+mn-ea"/>
+                <a:cs typeface="+mn-cs"/>
+              </a:defRPr>
+            </a:lvl8pPr>
+            <a:lvl9pPr marL="3657600" algn="l" defTabSz="914400" rtl="0" eaLnBrk="1" latinLnBrk="0" hangingPunct="1">
+              <a:defRPr sz="1800" kern="1200">
+                <a:solidFill>
+                  <a:schemeClr val="tx1"/>
+                </a:solidFill>
+                <a:latin typeface="+mn-lt"/>
+                <a:ea typeface="+mn-ea"/>
+                <a:cs typeface="+mn-cs"/>
+              </a:defRPr>
+            </a:lvl9pPr>
+          </a:lstStyle>
+          <a:p>
+            <a:fld id="{B6F15528-21DE-4FAA-801E-634DDDAF4B2B}" type="slidenum">
+              <a:rPr lang="en-US" smtClean="0"/>
+              <a:pPr/>
+              <a:t>16</a:t>
+            </a:fld>
+            <a:endParaRPr lang="en-US"/>
+          </a:p>
+        </p:txBody>
+      </p:sp>
+      <p:sp>
+        <p:nvSpPr>
+          <p:cNvPr id="13" name="Footer Placeholder 9"/>
+          <p:cNvSpPr txBox="1">
+            <a:spLocks/>
+          </p:cNvSpPr>
+          <p:nvPr/>
+        </p:nvSpPr>
+        <p:spPr>
+          <a:xfrm>
+            <a:off x="0" y="6547338"/>
+            <a:ext cx="9144000" cy="310662"/>
+          </a:xfrm>
+          <a:prstGeom prst="rect">
+            <a:avLst/>
+          </a:prstGeom>
+          <a:solidFill>
+            <a:srgbClr val="438086"/>
+          </a:solidFill>
+        </p:spPr>
+        <p:txBody>
+          <a:bodyPr vert="horz"/>
+          <a:lstStyle>
+            <a:defPPr>
+              <a:defRPr lang="en-US"/>
+            </a:defPPr>
+            <a:lvl1pPr marL="0" algn="r" defTabSz="914400" rtl="0" eaLnBrk="1" latinLnBrk="0" hangingPunct="1">
+              <a:defRPr kumimoji="0" sz="800" kern="1200">
+                <a:solidFill>
+                  <a:schemeClr val="accent2"/>
+                </a:solidFill>
+                <a:latin typeface="+mn-lt"/>
+                <a:ea typeface="+mn-ea"/>
+                <a:cs typeface="+mn-cs"/>
+              </a:defRPr>
+            </a:lvl1pPr>
+            <a:lvl2pPr marL="457200" algn="l" defTabSz="914400" rtl="0" eaLnBrk="1" latinLnBrk="0" hangingPunct="1">
+              <a:defRPr sz="1800" kern="1200">
+                <a:solidFill>
+                  <a:schemeClr val="tx1"/>
+                </a:solidFill>
+                <a:latin typeface="+mn-lt"/>
+                <a:ea typeface="+mn-ea"/>
+                <a:cs typeface="+mn-cs"/>
+              </a:defRPr>
+            </a:lvl2pPr>
+            <a:lvl3pPr marL="914400" algn="l" defTabSz="914400" rtl="0" eaLnBrk="1" latinLnBrk="0" hangingPunct="1">
+              <a:defRPr sz="1800" kern="1200">
+                <a:solidFill>
+                  <a:schemeClr val="tx1"/>
+                </a:solidFill>
+                <a:latin typeface="+mn-lt"/>
+                <a:ea typeface="+mn-ea"/>
+                <a:cs typeface="+mn-cs"/>
+              </a:defRPr>
+            </a:lvl3pPr>
+            <a:lvl4pPr marL="1371600" algn="l" defTabSz="914400" rtl="0" eaLnBrk="1" latinLnBrk="0" hangingPunct="1">
+              <a:defRPr sz="1800" kern="1200">
+                <a:solidFill>
+                  <a:schemeClr val="tx1"/>
+                </a:solidFill>
+                <a:latin typeface="+mn-lt"/>
+                <a:ea typeface="+mn-ea"/>
+                <a:cs typeface="+mn-cs"/>
+              </a:defRPr>
+            </a:lvl4pPr>
+            <a:lvl5pPr marL="1828800" algn="l" defTabSz="914400" rtl="0" eaLnBrk="1" latinLnBrk="0" hangingPunct="1">
+              <a:defRPr sz="1800" kern="1200">
+                <a:solidFill>
+                  <a:schemeClr val="tx1"/>
+                </a:solidFill>
+                <a:latin typeface="+mn-lt"/>
+                <a:ea typeface="+mn-ea"/>
+                <a:cs typeface="+mn-cs"/>
+              </a:defRPr>
+            </a:lvl5pPr>
+            <a:lvl6pPr marL="2286000" algn="l" defTabSz="914400" rtl="0" eaLnBrk="1" latinLnBrk="0" hangingPunct="1">
+              <a:defRPr sz="1800" kern="1200">
+                <a:solidFill>
+                  <a:schemeClr val="tx1"/>
+                </a:solidFill>
+                <a:latin typeface="+mn-lt"/>
+                <a:ea typeface="+mn-ea"/>
+                <a:cs typeface="+mn-cs"/>
+              </a:defRPr>
+            </a:lvl6pPr>
+            <a:lvl7pPr marL="2743200" algn="l" defTabSz="914400" rtl="0" eaLnBrk="1" latinLnBrk="0" hangingPunct="1">
+              <a:defRPr sz="1800" kern="1200">
+                <a:solidFill>
+                  <a:schemeClr val="tx1"/>
+                </a:solidFill>
+                <a:latin typeface="+mn-lt"/>
+                <a:ea typeface="+mn-ea"/>
+                <a:cs typeface="+mn-cs"/>
+              </a:defRPr>
+            </a:lvl7pPr>
+            <a:lvl8pPr marL="3200400" algn="l" defTabSz="914400" rtl="0" eaLnBrk="1" latinLnBrk="0" hangingPunct="1">
+              <a:defRPr sz="1800" kern="1200">
+                <a:solidFill>
+                  <a:schemeClr val="tx1"/>
+                </a:solidFill>
+                <a:latin typeface="+mn-lt"/>
+                <a:ea typeface="+mn-ea"/>
+                <a:cs typeface="+mn-cs"/>
+              </a:defRPr>
+            </a:lvl8pPr>
+            <a:lvl9pPr marL="3657600" algn="l" defTabSz="914400" rtl="0" eaLnBrk="1" latinLnBrk="0" hangingPunct="1">
+              <a:defRPr sz="1800" kern="1200">
+                <a:solidFill>
+                  <a:schemeClr val="tx1"/>
+                </a:solidFill>
+                <a:latin typeface="+mn-lt"/>
+                <a:ea typeface="+mn-ea"/>
+                <a:cs typeface="+mn-cs"/>
+              </a:defRPr>
+            </a:lvl9pPr>
+          </a:lstStyle>
+          <a:p>
+            <a:r>
+              <a:rPr lang="fr-FR" sz="1400" dirty="0" smtClean="0">
+                <a:solidFill>
+                  <a:schemeClr val="bg1"/>
+                </a:solidFill>
+              </a:rPr>
+              <a:t>Les ambitions professionnelles : comment préserver la motivation</a:t>
+            </a:r>
+            <a:endParaRPr lang="en-US" sz="1400" dirty="0">
+              <a:solidFill>
+                <a:schemeClr val="bg1"/>
+              </a:solidFill>
+            </a:endParaRPr>
+          </a:p>
+        </p:txBody>
+      </p:sp>
+      <p:pic>
+        <p:nvPicPr>
+          <p:cNvPr id="14" name="Picture 13"/>
+          <p:cNvPicPr>
+            <a:picLocks noChangeAspect="1"/>
+          </p:cNvPicPr>
+          <p:nvPr/>
+        </p:nvPicPr>
+        <p:blipFill>
+          <a:blip r:embed="rId2" cstate="print">
+            <a:extLst>
+              <a:ext uri="{28A0092B-C50C-407E-A947-70E740481C1C}">
+                <a14:useLocalDpi xmlns:a14="http://schemas.microsoft.com/office/drawing/2010/main" val="0"/>
+              </a:ext>
+            </a:extLst>
+          </a:blip>
+          <a:stretch>
+            <a:fillRect/>
+          </a:stretch>
+        </p:blipFill>
+        <p:spPr>
+          <a:xfrm>
+            <a:off x="-2" y="6552027"/>
+            <a:ext cx="884773" cy="305973"/>
+          </a:xfrm>
+          <a:prstGeom prst="rect">
+            <a:avLst/>
+          </a:prstGeom>
+        </p:spPr>
+      </p:pic>
+      <p:sp>
+        <p:nvSpPr>
+          <p:cNvPr id="15" name="TextBox 14"/>
+          <p:cNvSpPr txBox="1"/>
+          <p:nvPr/>
+        </p:nvSpPr>
+        <p:spPr>
+          <a:xfrm>
+            <a:off x="0" y="0"/>
+            <a:ext cx="5257800" cy="338554"/>
+          </a:xfrm>
+          <a:prstGeom prst="rect">
+            <a:avLst/>
+          </a:prstGeom>
+          <a:noFill/>
+        </p:spPr>
+        <p:txBody>
+          <a:bodyPr wrap="square" rtlCol="0">
+            <a:spAutoFit/>
+          </a:bodyPr>
+          <a:lstStyle/>
+          <a:p>
+            <a:r>
+              <a:rPr lang="fr-FR" sz="1600" dirty="0">
+                <a:solidFill>
+                  <a:schemeClr val="bg1"/>
+                </a:solidFill>
+              </a:rPr>
+              <a:t>2. d) La situation de réussite : ne pas rester </a:t>
+            </a:r>
+            <a:r>
+              <a:rPr lang="fr-FR" sz="1600" dirty="0" smtClean="0">
+                <a:solidFill>
+                  <a:schemeClr val="bg1"/>
+                </a:solidFill>
+              </a:rPr>
+              <a:t>bloqué</a:t>
             </a:r>
             <a:endParaRPr lang="fr-FR" sz="1600" dirty="0">
               <a:solidFill>
@@ -11099,10 +12051,1082 @@
           </a:p>
         </p:txBody>
       </p:sp>
+      <p:pic>
+        <p:nvPicPr>
+          <p:cNvPr id="4098" name="Picture 2" descr="https://i.pinimg.com/736x/ee/bb/7e/eebb7e057f9b71d5bb0a8f5975754b2b--planning-a-wedding-social-media-marketing.jpg"/>
+          <p:cNvPicPr>
+            <a:picLocks noChangeAspect="1" noChangeArrowheads="1"/>
+          </p:cNvPicPr>
+          <p:nvPr/>
+        </p:nvPicPr>
+        <p:blipFill>
+          <a:blip r:embed="rId3">
+            <a:extLst>
+              <a:ext uri="{28A0092B-C50C-407E-A947-70E740481C1C}">
+                <a14:useLocalDpi xmlns:a14="http://schemas.microsoft.com/office/drawing/2010/main" val="0"/>
+              </a:ext>
+            </a:extLst>
+          </a:blip>
+          <a:srcRect/>
+          <a:stretch>
+            <a:fillRect/>
+          </a:stretch>
+        </p:blipFill>
+        <p:spPr bwMode="auto">
+          <a:xfrm>
+            <a:off x="1524000" y="914400"/>
+            <a:ext cx="6096000" cy="5018371"/>
+          </a:xfrm>
+          <a:prstGeom prst="rect">
+            <a:avLst/>
+          </a:prstGeom>
+          <a:noFill/>
+          <a:extLst>
+            <a:ext uri="{909E8E84-426E-40DD-AFC4-6F175D3DCCD1}">
+              <a14:hiddenFill xmlns:a14="http://schemas.microsoft.com/office/drawing/2010/main">
+                <a:solidFill>
+                  <a:srgbClr val="FFFFFF"/>
+                </a:solidFill>
+              </a14:hiddenFill>
+            </a:ext>
+          </a:extLst>
+        </p:spPr>
+      </p:pic>
     </p:spTree>
     <p:extLst>
       <p:ext uri="{BB962C8B-B14F-4D97-AF65-F5344CB8AC3E}">
-        <p14:creationId xmlns:p14="http://schemas.microsoft.com/office/powerpoint/2010/main" val="2849176979"/>
+        <p14:creationId xmlns:p14="http://schemas.microsoft.com/office/powerpoint/2010/main" val="3910978720"/>
+      </p:ext>
+    </p:extLst>
+  </p:cSld>
+  <p:clrMapOvr>
+    <a:masterClrMapping/>
+  </p:clrMapOvr>
+  <p:timing>
+    <p:tnLst>
+      <p:par>
+        <p:cTn id="1" dur="indefinite" restart="never" nodeType="tmRoot"/>
+      </p:par>
+    </p:tnLst>
+  </p:timing>
+</p:sld>
+</file>
+
+<file path=ppt/slides/slide17.xml><?xml version="1.0" encoding="utf-8"?>
+<p:sld xmlns:a="http://schemas.openxmlformats.org/drawingml/2006/main" xmlns:r="http://schemas.openxmlformats.org/officeDocument/2006/relationships" xmlns:p="http://schemas.openxmlformats.org/presentationml/2006/main">
+  <p:cSld>
+    <p:spTree>
+      <p:nvGrpSpPr>
+        <p:cNvPr id="1" name=""/>
+        <p:cNvGrpSpPr/>
+        <p:nvPr/>
+      </p:nvGrpSpPr>
+      <p:grpSpPr>
+        <a:xfrm>
+          <a:off x="0" y="0"/>
+          <a:ext cx="0" cy="0"/>
+          <a:chOff x="0" y="0"/>
+          <a:chExt cx="0" cy="0"/>
+        </a:xfrm>
+      </p:grpSpPr>
+      <p:sp>
+        <p:nvSpPr>
+          <p:cNvPr id="6" name="Slide Number Placeholder 4"/>
+          <p:cNvSpPr>
+            <a:spLocks noGrp="1"/>
+          </p:cNvSpPr>
+          <p:nvPr>
+            <p:ph type="sldNum" sz="quarter" idx="12"/>
+          </p:nvPr>
+        </p:nvSpPr>
+        <p:spPr>
+          <a:xfrm>
+            <a:off x="8174736" y="2272"/>
+            <a:ext cx="762000" cy="365760"/>
+          </a:xfrm>
+        </p:spPr>
+        <p:txBody>
+          <a:bodyPr/>
+          <a:lstStyle/>
+          <a:p>
+            <a:fld id="{B6F15528-21DE-4FAA-801E-634DDDAF4B2B}" type="slidenum">
+              <a:rPr lang="en-US" smtClean="0"/>
+              <a:pPr/>
+              <a:t>17</a:t>
+            </a:fld>
+            <a:endParaRPr lang="en-US"/>
+          </a:p>
+        </p:txBody>
+      </p:sp>
+      <p:sp>
+        <p:nvSpPr>
+          <p:cNvPr id="7" name="Slide Number Placeholder 4"/>
+          <p:cNvSpPr txBox="1">
+            <a:spLocks/>
+          </p:cNvSpPr>
+          <p:nvPr/>
+        </p:nvSpPr>
+        <p:spPr>
+          <a:xfrm>
+            <a:off x="8174736" y="2272"/>
+            <a:ext cx="762000" cy="365760"/>
+          </a:xfrm>
+          <a:prstGeom prst="rect">
+            <a:avLst/>
+          </a:prstGeom>
+        </p:spPr>
+        <p:txBody>
+          <a:bodyPr vert="horz" anchor="b"/>
+          <a:lstStyle>
+            <a:defPPr>
+              <a:defRPr lang="en-US"/>
+            </a:defPPr>
+            <a:lvl1pPr marL="0" algn="r" defTabSz="914400" rtl="0" eaLnBrk="1" latinLnBrk="0" hangingPunct="1">
+              <a:defRPr kumimoji="0" sz="1800" kern="1200">
+                <a:solidFill>
+                  <a:srgbClr val="FFFFFF"/>
+                </a:solidFill>
+                <a:latin typeface="+mn-lt"/>
+                <a:ea typeface="+mn-ea"/>
+                <a:cs typeface="+mn-cs"/>
+              </a:defRPr>
+            </a:lvl1pPr>
+            <a:lvl2pPr marL="457200" algn="l" defTabSz="914400" rtl="0" eaLnBrk="1" latinLnBrk="0" hangingPunct="1">
+              <a:defRPr sz="1800" kern="1200">
+                <a:solidFill>
+                  <a:schemeClr val="tx1"/>
+                </a:solidFill>
+                <a:latin typeface="+mn-lt"/>
+                <a:ea typeface="+mn-ea"/>
+                <a:cs typeface="+mn-cs"/>
+              </a:defRPr>
+            </a:lvl2pPr>
+            <a:lvl3pPr marL="914400" algn="l" defTabSz="914400" rtl="0" eaLnBrk="1" latinLnBrk="0" hangingPunct="1">
+              <a:defRPr sz="1800" kern="1200">
+                <a:solidFill>
+                  <a:schemeClr val="tx1"/>
+                </a:solidFill>
+                <a:latin typeface="+mn-lt"/>
+                <a:ea typeface="+mn-ea"/>
+                <a:cs typeface="+mn-cs"/>
+              </a:defRPr>
+            </a:lvl3pPr>
+            <a:lvl4pPr marL="1371600" algn="l" defTabSz="914400" rtl="0" eaLnBrk="1" latinLnBrk="0" hangingPunct="1">
+              <a:defRPr sz="1800" kern="1200">
+                <a:solidFill>
+                  <a:schemeClr val="tx1"/>
+                </a:solidFill>
+                <a:latin typeface="+mn-lt"/>
+                <a:ea typeface="+mn-ea"/>
+                <a:cs typeface="+mn-cs"/>
+              </a:defRPr>
+            </a:lvl4pPr>
+            <a:lvl5pPr marL="1828800" algn="l" defTabSz="914400" rtl="0" eaLnBrk="1" latinLnBrk="0" hangingPunct="1">
+              <a:defRPr sz="1800" kern="1200">
+                <a:solidFill>
+                  <a:schemeClr val="tx1"/>
+                </a:solidFill>
+                <a:latin typeface="+mn-lt"/>
+                <a:ea typeface="+mn-ea"/>
+                <a:cs typeface="+mn-cs"/>
+              </a:defRPr>
+            </a:lvl5pPr>
+            <a:lvl6pPr marL="2286000" algn="l" defTabSz="914400" rtl="0" eaLnBrk="1" latinLnBrk="0" hangingPunct="1">
+              <a:defRPr sz="1800" kern="1200">
+                <a:solidFill>
+                  <a:schemeClr val="tx1"/>
+                </a:solidFill>
+                <a:latin typeface="+mn-lt"/>
+                <a:ea typeface="+mn-ea"/>
+                <a:cs typeface="+mn-cs"/>
+              </a:defRPr>
+            </a:lvl6pPr>
+            <a:lvl7pPr marL="2743200" algn="l" defTabSz="914400" rtl="0" eaLnBrk="1" latinLnBrk="0" hangingPunct="1">
+              <a:defRPr sz="1800" kern="1200">
+                <a:solidFill>
+                  <a:schemeClr val="tx1"/>
+                </a:solidFill>
+                <a:latin typeface="+mn-lt"/>
+                <a:ea typeface="+mn-ea"/>
+                <a:cs typeface="+mn-cs"/>
+              </a:defRPr>
+            </a:lvl7pPr>
+            <a:lvl8pPr marL="3200400" algn="l" defTabSz="914400" rtl="0" eaLnBrk="1" latinLnBrk="0" hangingPunct="1">
+              <a:defRPr sz="1800" kern="1200">
+                <a:solidFill>
+                  <a:schemeClr val="tx1"/>
+                </a:solidFill>
+                <a:latin typeface="+mn-lt"/>
+                <a:ea typeface="+mn-ea"/>
+                <a:cs typeface="+mn-cs"/>
+              </a:defRPr>
+            </a:lvl8pPr>
+            <a:lvl9pPr marL="3657600" algn="l" defTabSz="914400" rtl="0" eaLnBrk="1" latinLnBrk="0" hangingPunct="1">
+              <a:defRPr sz="1800" kern="1200">
+                <a:solidFill>
+                  <a:schemeClr val="tx1"/>
+                </a:solidFill>
+                <a:latin typeface="+mn-lt"/>
+                <a:ea typeface="+mn-ea"/>
+                <a:cs typeface="+mn-cs"/>
+              </a:defRPr>
+            </a:lvl9pPr>
+          </a:lstStyle>
+          <a:p>
+            <a:fld id="{B6F15528-21DE-4FAA-801E-634DDDAF4B2B}" type="slidenum">
+              <a:rPr lang="en-US" smtClean="0"/>
+              <a:pPr/>
+              <a:t>17</a:t>
+            </a:fld>
+            <a:endParaRPr lang="en-US"/>
+          </a:p>
+        </p:txBody>
+      </p:sp>
+      <p:sp>
+        <p:nvSpPr>
+          <p:cNvPr id="8" name="Footer Placeholder 9"/>
+          <p:cNvSpPr txBox="1">
+            <a:spLocks/>
+          </p:cNvSpPr>
+          <p:nvPr/>
+        </p:nvSpPr>
+        <p:spPr>
+          <a:xfrm>
+            <a:off x="0" y="6547338"/>
+            <a:ext cx="9144000" cy="310662"/>
+          </a:xfrm>
+          <a:prstGeom prst="rect">
+            <a:avLst/>
+          </a:prstGeom>
+          <a:solidFill>
+            <a:srgbClr val="438086"/>
+          </a:solidFill>
+        </p:spPr>
+        <p:txBody>
+          <a:bodyPr vert="horz"/>
+          <a:lstStyle>
+            <a:defPPr>
+              <a:defRPr lang="en-US"/>
+            </a:defPPr>
+            <a:lvl1pPr marL="0" algn="r" defTabSz="914400" rtl="0" eaLnBrk="1" latinLnBrk="0" hangingPunct="1">
+              <a:defRPr kumimoji="0" sz="800" kern="1200">
+                <a:solidFill>
+                  <a:schemeClr val="accent2"/>
+                </a:solidFill>
+                <a:latin typeface="+mn-lt"/>
+                <a:ea typeface="+mn-ea"/>
+                <a:cs typeface="+mn-cs"/>
+              </a:defRPr>
+            </a:lvl1pPr>
+            <a:lvl2pPr marL="457200" algn="l" defTabSz="914400" rtl="0" eaLnBrk="1" latinLnBrk="0" hangingPunct="1">
+              <a:defRPr sz="1800" kern="1200">
+                <a:solidFill>
+                  <a:schemeClr val="tx1"/>
+                </a:solidFill>
+                <a:latin typeface="+mn-lt"/>
+                <a:ea typeface="+mn-ea"/>
+                <a:cs typeface="+mn-cs"/>
+              </a:defRPr>
+            </a:lvl2pPr>
+            <a:lvl3pPr marL="914400" algn="l" defTabSz="914400" rtl="0" eaLnBrk="1" latinLnBrk="0" hangingPunct="1">
+              <a:defRPr sz="1800" kern="1200">
+                <a:solidFill>
+                  <a:schemeClr val="tx1"/>
+                </a:solidFill>
+                <a:latin typeface="+mn-lt"/>
+                <a:ea typeface="+mn-ea"/>
+                <a:cs typeface="+mn-cs"/>
+              </a:defRPr>
+            </a:lvl3pPr>
+            <a:lvl4pPr marL="1371600" algn="l" defTabSz="914400" rtl="0" eaLnBrk="1" latinLnBrk="0" hangingPunct="1">
+              <a:defRPr sz="1800" kern="1200">
+                <a:solidFill>
+                  <a:schemeClr val="tx1"/>
+                </a:solidFill>
+                <a:latin typeface="+mn-lt"/>
+                <a:ea typeface="+mn-ea"/>
+                <a:cs typeface="+mn-cs"/>
+              </a:defRPr>
+            </a:lvl4pPr>
+            <a:lvl5pPr marL="1828800" algn="l" defTabSz="914400" rtl="0" eaLnBrk="1" latinLnBrk="0" hangingPunct="1">
+              <a:defRPr sz="1800" kern="1200">
+                <a:solidFill>
+                  <a:schemeClr val="tx1"/>
+                </a:solidFill>
+                <a:latin typeface="+mn-lt"/>
+                <a:ea typeface="+mn-ea"/>
+                <a:cs typeface="+mn-cs"/>
+              </a:defRPr>
+            </a:lvl5pPr>
+            <a:lvl6pPr marL="2286000" algn="l" defTabSz="914400" rtl="0" eaLnBrk="1" latinLnBrk="0" hangingPunct="1">
+              <a:defRPr sz="1800" kern="1200">
+                <a:solidFill>
+                  <a:schemeClr val="tx1"/>
+                </a:solidFill>
+                <a:latin typeface="+mn-lt"/>
+                <a:ea typeface="+mn-ea"/>
+                <a:cs typeface="+mn-cs"/>
+              </a:defRPr>
+            </a:lvl6pPr>
+            <a:lvl7pPr marL="2743200" algn="l" defTabSz="914400" rtl="0" eaLnBrk="1" latinLnBrk="0" hangingPunct="1">
+              <a:defRPr sz="1800" kern="1200">
+                <a:solidFill>
+                  <a:schemeClr val="tx1"/>
+                </a:solidFill>
+                <a:latin typeface="+mn-lt"/>
+                <a:ea typeface="+mn-ea"/>
+                <a:cs typeface="+mn-cs"/>
+              </a:defRPr>
+            </a:lvl7pPr>
+            <a:lvl8pPr marL="3200400" algn="l" defTabSz="914400" rtl="0" eaLnBrk="1" latinLnBrk="0" hangingPunct="1">
+              <a:defRPr sz="1800" kern="1200">
+                <a:solidFill>
+                  <a:schemeClr val="tx1"/>
+                </a:solidFill>
+                <a:latin typeface="+mn-lt"/>
+                <a:ea typeface="+mn-ea"/>
+                <a:cs typeface="+mn-cs"/>
+              </a:defRPr>
+            </a:lvl8pPr>
+            <a:lvl9pPr marL="3657600" algn="l" defTabSz="914400" rtl="0" eaLnBrk="1" latinLnBrk="0" hangingPunct="1">
+              <a:defRPr sz="1800" kern="1200">
+                <a:solidFill>
+                  <a:schemeClr val="tx1"/>
+                </a:solidFill>
+                <a:latin typeface="+mn-lt"/>
+                <a:ea typeface="+mn-ea"/>
+                <a:cs typeface="+mn-cs"/>
+              </a:defRPr>
+            </a:lvl9pPr>
+          </a:lstStyle>
+          <a:p>
+            <a:r>
+              <a:rPr lang="fr-FR" sz="1400" dirty="0" smtClean="0">
+                <a:solidFill>
+                  <a:schemeClr val="bg1"/>
+                </a:solidFill>
+              </a:rPr>
+              <a:t>Les ambitions professionnelles : comment préserver la motivation</a:t>
+            </a:r>
+            <a:endParaRPr lang="en-US" sz="1400" dirty="0">
+              <a:solidFill>
+                <a:schemeClr val="bg1"/>
+              </a:solidFill>
+            </a:endParaRPr>
+          </a:p>
+        </p:txBody>
+      </p:sp>
+      <p:pic>
+        <p:nvPicPr>
+          <p:cNvPr id="9" name="Picture 8"/>
+          <p:cNvPicPr>
+            <a:picLocks noChangeAspect="1"/>
+          </p:cNvPicPr>
+          <p:nvPr/>
+        </p:nvPicPr>
+        <p:blipFill>
+          <a:blip r:embed="rId2" cstate="print">
+            <a:extLst>
+              <a:ext uri="{28A0092B-C50C-407E-A947-70E740481C1C}">
+                <a14:useLocalDpi xmlns:a14="http://schemas.microsoft.com/office/drawing/2010/main" val="0"/>
+              </a:ext>
+            </a:extLst>
+          </a:blip>
+          <a:stretch>
+            <a:fillRect/>
+          </a:stretch>
+        </p:blipFill>
+        <p:spPr>
+          <a:xfrm>
+            <a:off x="-2" y="6552027"/>
+            <a:ext cx="884773" cy="305973"/>
+          </a:xfrm>
+          <a:prstGeom prst="rect">
+            <a:avLst/>
+          </a:prstGeom>
+        </p:spPr>
+      </p:pic>
+      <p:sp>
+        <p:nvSpPr>
+          <p:cNvPr id="10" name="TextBox 9"/>
+          <p:cNvSpPr txBox="1"/>
+          <p:nvPr/>
+        </p:nvSpPr>
+        <p:spPr>
+          <a:xfrm>
+            <a:off x="0" y="0"/>
+            <a:ext cx="5257800" cy="338554"/>
+          </a:xfrm>
+          <a:prstGeom prst="rect">
+            <a:avLst/>
+          </a:prstGeom>
+          <a:noFill/>
+        </p:spPr>
+        <p:txBody>
+          <a:bodyPr wrap="square" rtlCol="0">
+            <a:spAutoFit/>
+          </a:bodyPr>
+          <a:lstStyle/>
+          <a:p>
+            <a:r>
+              <a:rPr lang="fr-FR" sz="1600" dirty="0">
+                <a:solidFill>
+                  <a:schemeClr val="bg1"/>
+                </a:solidFill>
+              </a:rPr>
+              <a:t>2. </a:t>
+            </a:r>
+            <a:r>
+              <a:rPr lang="fr-FR" sz="1600" dirty="0" smtClean="0">
+                <a:solidFill>
+                  <a:schemeClr val="bg1"/>
+                </a:solidFill>
+              </a:rPr>
+              <a:t>d) </a:t>
+            </a:r>
+            <a:r>
+              <a:rPr lang="fr-FR" sz="1600" dirty="0">
+                <a:solidFill>
+                  <a:schemeClr val="bg1"/>
+                </a:solidFill>
+              </a:rPr>
+              <a:t>La conclusion</a:t>
+            </a:r>
+            <a:endParaRPr lang="fr-FR" sz="1600" dirty="0">
+              <a:solidFill>
+                <a:schemeClr val="bg1"/>
+              </a:solidFill>
+            </a:endParaRPr>
+          </a:p>
+        </p:txBody>
+      </p:sp>
+      <p:pic>
+        <p:nvPicPr>
+          <p:cNvPr id="1026" name="Picture 2"/>
+          <p:cNvPicPr>
+            <a:picLocks noChangeAspect="1" noChangeArrowheads="1"/>
+          </p:cNvPicPr>
+          <p:nvPr/>
+        </p:nvPicPr>
+        <p:blipFill>
+          <a:blip r:embed="rId3" cstate="print">
+            <a:extLst>
+              <a:ext uri="{28A0092B-C50C-407E-A947-70E740481C1C}">
+                <a14:useLocalDpi xmlns:a14="http://schemas.microsoft.com/office/drawing/2010/main" val="0"/>
+              </a:ext>
+            </a:extLst>
+          </a:blip>
+          <a:srcRect/>
+          <a:stretch>
+            <a:fillRect/>
+          </a:stretch>
+        </p:blipFill>
+        <p:spPr bwMode="auto">
+          <a:xfrm>
+            <a:off x="762000" y="685799"/>
+            <a:ext cx="7688070" cy="5848899"/>
+          </a:xfrm>
+          <a:prstGeom prst="rect">
+            <a:avLst/>
+          </a:prstGeom>
+          <a:noFill/>
+          <a:ln>
+            <a:noFill/>
+          </a:ln>
+          <a:extLst>
+            <a:ext uri="{909E8E84-426E-40DD-AFC4-6F175D3DCCD1}">
+              <a14:hiddenFill xmlns:a14="http://schemas.microsoft.com/office/drawing/2010/main">
+                <a:solidFill>
+                  <a:schemeClr val="accent1"/>
+                </a:solidFill>
+              </a14:hiddenFill>
+            </a:ext>
+            <a:ext uri="{91240B29-F687-4F45-9708-019B960494DF}">
+              <a14:hiddenLine xmlns:a14="http://schemas.microsoft.com/office/drawing/2010/main" w="9525">
+                <a:solidFill>
+                  <a:schemeClr val="tx1"/>
+                </a:solidFill>
+                <a:miter lim="800000"/>
+                <a:headEnd/>
+                <a:tailEnd/>
+              </a14:hiddenLine>
+            </a:ext>
+          </a:extLst>
+        </p:spPr>
+      </p:pic>
+    </p:spTree>
+    <p:extLst>
+      <p:ext uri="{BB962C8B-B14F-4D97-AF65-F5344CB8AC3E}">
+        <p14:creationId xmlns:p14="http://schemas.microsoft.com/office/powerpoint/2010/main" val="3819526033"/>
+      </p:ext>
+    </p:extLst>
+  </p:cSld>
+  <p:clrMapOvr>
+    <a:masterClrMapping/>
+  </p:clrMapOvr>
+  <p:timing>
+    <p:tnLst>
+      <p:par>
+        <p:cTn id="1" dur="indefinite" restart="never" nodeType="tmRoot"/>
+      </p:par>
+    </p:tnLst>
+  </p:timing>
+</p:sld>
+</file>
+
+<file path=ppt/slides/slide18.xml><?xml version="1.0" encoding="utf-8"?>
+<p:sld xmlns:a="http://schemas.openxmlformats.org/drawingml/2006/main" xmlns:r="http://schemas.openxmlformats.org/officeDocument/2006/relationships" xmlns:p="http://schemas.openxmlformats.org/presentationml/2006/main">
+  <p:cSld>
+    <p:spTree>
+      <p:nvGrpSpPr>
+        <p:cNvPr id="1" name=""/>
+        <p:cNvGrpSpPr/>
+        <p:nvPr/>
+      </p:nvGrpSpPr>
+      <p:grpSpPr>
+        <a:xfrm>
+          <a:off x="0" y="0"/>
+          <a:ext cx="0" cy="0"/>
+          <a:chOff x="0" y="0"/>
+          <a:chExt cx="0" cy="0"/>
+        </a:xfrm>
+      </p:grpSpPr>
+      <p:sp>
+        <p:nvSpPr>
+          <p:cNvPr id="6" name="Slide Number Placeholder 4"/>
+          <p:cNvSpPr>
+            <a:spLocks noGrp="1"/>
+          </p:cNvSpPr>
+          <p:nvPr>
+            <p:ph type="sldNum" sz="quarter" idx="12"/>
+          </p:nvPr>
+        </p:nvSpPr>
+        <p:spPr>
+          <a:xfrm>
+            <a:off x="8174736" y="2272"/>
+            <a:ext cx="762000" cy="365760"/>
+          </a:xfrm>
+        </p:spPr>
+        <p:txBody>
+          <a:bodyPr/>
+          <a:lstStyle/>
+          <a:p>
+            <a:fld id="{B6F15528-21DE-4FAA-801E-634DDDAF4B2B}" type="slidenum">
+              <a:rPr lang="en-US" smtClean="0"/>
+              <a:pPr/>
+              <a:t>18</a:t>
+            </a:fld>
+            <a:endParaRPr lang="en-US"/>
+          </a:p>
+        </p:txBody>
+      </p:sp>
+      <p:sp>
+        <p:nvSpPr>
+          <p:cNvPr id="7" name="Slide Number Placeholder 4"/>
+          <p:cNvSpPr txBox="1">
+            <a:spLocks/>
+          </p:cNvSpPr>
+          <p:nvPr/>
+        </p:nvSpPr>
+        <p:spPr>
+          <a:xfrm>
+            <a:off x="8174736" y="2272"/>
+            <a:ext cx="762000" cy="365760"/>
+          </a:xfrm>
+          <a:prstGeom prst="rect">
+            <a:avLst/>
+          </a:prstGeom>
+        </p:spPr>
+        <p:txBody>
+          <a:bodyPr vert="horz" anchor="b"/>
+          <a:lstStyle>
+            <a:defPPr>
+              <a:defRPr lang="en-US"/>
+            </a:defPPr>
+            <a:lvl1pPr marL="0" algn="r" defTabSz="914400" rtl="0" eaLnBrk="1" latinLnBrk="0" hangingPunct="1">
+              <a:defRPr kumimoji="0" sz="1800" kern="1200">
+                <a:solidFill>
+                  <a:srgbClr val="FFFFFF"/>
+                </a:solidFill>
+                <a:latin typeface="+mn-lt"/>
+                <a:ea typeface="+mn-ea"/>
+                <a:cs typeface="+mn-cs"/>
+              </a:defRPr>
+            </a:lvl1pPr>
+            <a:lvl2pPr marL="457200" algn="l" defTabSz="914400" rtl="0" eaLnBrk="1" latinLnBrk="0" hangingPunct="1">
+              <a:defRPr sz="1800" kern="1200">
+                <a:solidFill>
+                  <a:schemeClr val="tx1"/>
+                </a:solidFill>
+                <a:latin typeface="+mn-lt"/>
+                <a:ea typeface="+mn-ea"/>
+                <a:cs typeface="+mn-cs"/>
+              </a:defRPr>
+            </a:lvl2pPr>
+            <a:lvl3pPr marL="914400" algn="l" defTabSz="914400" rtl="0" eaLnBrk="1" latinLnBrk="0" hangingPunct="1">
+              <a:defRPr sz="1800" kern="1200">
+                <a:solidFill>
+                  <a:schemeClr val="tx1"/>
+                </a:solidFill>
+                <a:latin typeface="+mn-lt"/>
+                <a:ea typeface="+mn-ea"/>
+                <a:cs typeface="+mn-cs"/>
+              </a:defRPr>
+            </a:lvl3pPr>
+            <a:lvl4pPr marL="1371600" algn="l" defTabSz="914400" rtl="0" eaLnBrk="1" latinLnBrk="0" hangingPunct="1">
+              <a:defRPr sz="1800" kern="1200">
+                <a:solidFill>
+                  <a:schemeClr val="tx1"/>
+                </a:solidFill>
+                <a:latin typeface="+mn-lt"/>
+                <a:ea typeface="+mn-ea"/>
+                <a:cs typeface="+mn-cs"/>
+              </a:defRPr>
+            </a:lvl4pPr>
+            <a:lvl5pPr marL="1828800" algn="l" defTabSz="914400" rtl="0" eaLnBrk="1" latinLnBrk="0" hangingPunct="1">
+              <a:defRPr sz="1800" kern="1200">
+                <a:solidFill>
+                  <a:schemeClr val="tx1"/>
+                </a:solidFill>
+                <a:latin typeface="+mn-lt"/>
+                <a:ea typeface="+mn-ea"/>
+                <a:cs typeface="+mn-cs"/>
+              </a:defRPr>
+            </a:lvl5pPr>
+            <a:lvl6pPr marL="2286000" algn="l" defTabSz="914400" rtl="0" eaLnBrk="1" latinLnBrk="0" hangingPunct="1">
+              <a:defRPr sz="1800" kern="1200">
+                <a:solidFill>
+                  <a:schemeClr val="tx1"/>
+                </a:solidFill>
+                <a:latin typeface="+mn-lt"/>
+                <a:ea typeface="+mn-ea"/>
+                <a:cs typeface="+mn-cs"/>
+              </a:defRPr>
+            </a:lvl6pPr>
+            <a:lvl7pPr marL="2743200" algn="l" defTabSz="914400" rtl="0" eaLnBrk="1" latinLnBrk="0" hangingPunct="1">
+              <a:defRPr sz="1800" kern="1200">
+                <a:solidFill>
+                  <a:schemeClr val="tx1"/>
+                </a:solidFill>
+                <a:latin typeface="+mn-lt"/>
+                <a:ea typeface="+mn-ea"/>
+                <a:cs typeface="+mn-cs"/>
+              </a:defRPr>
+            </a:lvl7pPr>
+            <a:lvl8pPr marL="3200400" algn="l" defTabSz="914400" rtl="0" eaLnBrk="1" latinLnBrk="0" hangingPunct="1">
+              <a:defRPr sz="1800" kern="1200">
+                <a:solidFill>
+                  <a:schemeClr val="tx1"/>
+                </a:solidFill>
+                <a:latin typeface="+mn-lt"/>
+                <a:ea typeface="+mn-ea"/>
+                <a:cs typeface="+mn-cs"/>
+              </a:defRPr>
+            </a:lvl8pPr>
+            <a:lvl9pPr marL="3657600" algn="l" defTabSz="914400" rtl="0" eaLnBrk="1" latinLnBrk="0" hangingPunct="1">
+              <a:defRPr sz="1800" kern="1200">
+                <a:solidFill>
+                  <a:schemeClr val="tx1"/>
+                </a:solidFill>
+                <a:latin typeface="+mn-lt"/>
+                <a:ea typeface="+mn-ea"/>
+                <a:cs typeface="+mn-cs"/>
+              </a:defRPr>
+            </a:lvl9pPr>
+          </a:lstStyle>
+          <a:p>
+            <a:fld id="{B6F15528-21DE-4FAA-801E-634DDDAF4B2B}" type="slidenum">
+              <a:rPr lang="en-US" smtClean="0"/>
+              <a:pPr/>
+              <a:t>18</a:t>
+            </a:fld>
+            <a:endParaRPr lang="en-US"/>
+          </a:p>
+        </p:txBody>
+      </p:sp>
+      <p:sp>
+        <p:nvSpPr>
+          <p:cNvPr id="8" name="Footer Placeholder 9"/>
+          <p:cNvSpPr txBox="1">
+            <a:spLocks/>
+          </p:cNvSpPr>
+          <p:nvPr/>
+        </p:nvSpPr>
+        <p:spPr>
+          <a:xfrm>
+            <a:off x="0" y="6547338"/>
+            <a:ext cx="9144000" cy="310662"/>
+          </a:xfrm>
+          <a:prstGeom prst="rect">
+            <a:avLst/>
+          </a:prstGeom>
+          <a:solidFill>
+            <a:srgbClr val="438086"/>
+          </a:solidFill>
+        </p:spPr>
+        <p:txBody>
+          <a:bodyPr vert="horz"/>
+          <a:lstStyle>
+            <a:defPPr>
+              <a:defRPr lang="en-US"/>
+            </a:defPPr>
+            <a:lvl1pPr marL="0" algn="r" defTabSz="914400" rtl="0" eaLnBrk="1" latinLnBrk="0" hangingPunct="1">
+              <a:defRPr kumimoji="0" sz="800" kern="1200">
+                <a:solidFill>
+                  <a:schemeClr val="accent2"/>
+                </a:solidFill>
+                <a:latin typeface="+mn-lt"/>
+                <a:ea typeface="+mn-ea"/>
+                <a:cs typeface="+mn-cs"/>
+              </a:defRPr>
+            </a:lvl1pPr>
+            <a:lvl2pPr marL="457200" algn="l" defTabSz="914400" rtl="0" eaLnBrk="1" latinLnBrk="0" hangingPunct="1">
+              <a:defRPr sz="1800" kern="1200">
+                <a:solidFill>
+                  <a:schemeClr val="tx1"/>
+                </a:solidFill>
+                <a:latin typeface="+mn-lt"/>
+                <a:ea typeface="+mn-ea"/>
+                <a:cs typeface="+mn-cs"/>
+              </a:defRPr>
+            </a:lvl2pPr>
+            <a:lvl3pPr marL="914400" algn="l" defTabSz="914400" rtl="0" eaLnBrk="1" latinLnBrk="0" hangingPunct="1">
+              <a:defRPr sz="1800" kern="1200">
+                <a:solidFill>
+                  <a:schemeClr val="tx1"/>
+                </a:solidFill>
+                <a:latin typeface="+mn-lt"/>
+                <a:ea typeface="+mn-ea"/>
+                <a:cs typeface="+mn-cs"/>
+              </a:defRPr>
+            </a:lvl3pPr>
+            <a:lvl4pPr marL="1371600" algn="l" defTabSz="914400" rtl="0" eaLnBrk="1" latinLnBrk="0" hangingPunct="1">
+              <a:defRPr sz="1800" kern="1200">
+                <a:solidFill>
+                  <a:schemeClr val="tx1"/>
+                </a:solidFill>
+                <a:latin typeface="+mn-lt"/>
+                <a:ea typeface="+mn-ea"/>
+                <a:cs typeface="+mn-cs"/>
+              </a:defRPr>
+            </a:lvl4pPr>
+            <a:lvl5pPr marL="1828800" algn="l" defTabSz="914400" rtl="0" eaLnBrk="1" latinLnBrk="0" hangingPunct="1">
+              <a:defRPr sz="1800" kern="1200">
+                <a:solidFill>
+                  <a:schemeClr val="tx1"/>
+                </a:solidFill>
+                <a:latin typeface="+mn-lt"/>
+                <a:ea typeface="+mn-ea"/>
+                <a:cs typeface="+mn-cs"/>
+              </a:defRPr>
+            </a:lvl5pPr>
+            <a:lvl6pPr marL="2286000" algn="l" defTabSz="914400" rtl="0" eaLnBrk="1" latinLnBrk="0" hangingPunct="1">
+              <a:defRPr sz="1800" kern="1200">
+                <a:solidFill>
+                  <a:schemeClr val="tx1"/>
+                </a:solidFill>
+                <a:latin typeface="+mn-lt"/>
+                <a:ea typeface="+mn-ea"/>
+                <a:cs typeface="+mn-cs"/>
+              </a:defRPr>
+            </a:lvl6pPr>
+            <a:lvl7pPr marL="2743200" algn="l" defTabSz="914400" rtl="0" eaLnBrk="1" latinLnBrk="0" hangingPunct="1">
+              <a:defRPr sz="1800" kern="1200">
+                <a:solidFill>
+                  <a:schemeClr val="tx1"/>
+                </a:solidFill>
+                <a:latin typeface="+mn-lt"/>
+                <a:ea typeface="+mn-ea"/>
+                <a:cs typeface="+mn-cs"/>
+              </a:defRPr>
+            </a:lvl7pPr>
+            <a:lvl8pPr marL="3200400" algn="l" defTabSz="914400" rtl="0" eaLnBrk="1" latinLnBrk="0" hangingPunct="1">
+              <a:defRPr sz="1800" kern="1200">
+                <a:solidFill>
+                  <a:schemeClr val="tx1"/>
+                </a:solidFill>
+                <a:latin typeface="+mn-lt"/>
+                <a:ea typeface="+mn-ea"/>
+                <a:cs typeface="+mn-cs"/>
+              </a:defRPr>
+            </a:lvl8pPr>
+            <a:lvl9pPr marL="3657600" algn="l" defTabSz="914400" rtl="0" eaLnBrk="1" latinLnBrk="0" hangingPunct="1">
+              <a:defRPr sz="1800" kern="1200">
+                <a:solidFill>
+                  <a:schemeClr val="tx1"/>
+                </a:solidFill>
+                <a:latin typeface="+mn-lt"/>
+                <a:ea typeface="+mn-ea"/>
+                <a:cs typeface="+mn-cs"/>
+              </a:defRPr>
+            </a:lvl9pPr>
+          </a:lstStyle>
+          <a:p>
+            <a:r>
+              <a:rPr lang="fr-FR" sz="1400" dirty="0" smtClean="0">
+                <a:solidFill>
+                  <a:schemeClr val="bg1"/>
+                </a:solidFill>
+              </a:rPr>
+              <a:t>Les ambitions professionnelles : comment préserver la motivation</a:t>
+            </a:r>
+            <a:endParaRPr lang="en-US" sz="1400" dirty="0">
+              <a:solidFill>
+                <a:schemeClr val="bg1"/>
+              </a:solidFill>
+            </a:endParaRPr>
+          </a:p>
+        </p:txBody>
+      </p:sp>
+      <p:pic>
+        <p:nvPicPr>
+          <p:cNvPr id="9" name="Picture 8"/>
+          <p:cNvPicPr>
+            <a:picLocks noChangeAspect="1"/>
+          </p:cNvPicPr>
+          <p:nvPr/>
+        </p:nvPicPr>
+        <p:blipFill>
+          <a:blip r:embed="rId2" cstate="print">
+            <a:extLst>
+              <a:ext uri="{28A0092B-C50C-407E-A947-70E740481C1C}">
+                <a14:useLocalDpi xmlns:a14="http://schemas.microsoft.com/office/drawing/2010/main" val="0"/>
+              </a:ext>
+            </a:extLst>
+          </a:blip>
+          <a:stretch>
+            <a:fillRect/>
+          </a:stretch>
+        </p:blipFill>
+        <p:spPr>
+          <a:xfrm>
+            <a:off x="-2" y="6552027"/>
+            <a:ext cx="884773" cy="305973"/>
+          </a:xfrm>
+          <a:prstGeom prst="rect">
+            <a:avLst/>
+          </a:prstGeom>
+        </p:spPr>
+      </p:pic>
+      <p:sp>
+        <p:nvSpPr>
+          <p:cNvPr id="10" name="TextBox 9"/>
+          <p:cNvSpPr txBox="1"/>
+          <p:nvPr/>
+        </p:nvSpPr>
+        <p:spPr>
+          <a:xfrm>
+            <a:off x="0" y="0"/>
+            <a:ext cx="5257800" cy="338554"/>
+          </a:xfrm>
+          <a:prstGeom prst="rect">
+            <a:avLst/>
+          </a:prstGeom>
+          <a:noFill/>
+        </p:spPr>
+        <p:txBody>
+          <a:bodyPr wrap="square" rtlCol="0">
+            <a:spAutoFit/>
+          </a:bodyPr>
+          <a:lstStyle/>
+          <a:p>
+            <a:r>
+              <a:rPr lang="fr-FR" sz="1600" dirty="0">
+                <a:solidFill>
+                  <a:schemeClr val="bg1"/>
+                </a:solidFill>
+              </a:rPr>
+              <a:t>2. </a:t>
+            </a:r>
+            <a:r>
+              <a:rPr lang="fr-FR" sz="1600" dirty="0" smtClean="0">
+                <a:solidFill>
+                  <a:schemeClr val="bg1"/>
+                </a:solidFill>
+              </a:rPr>
+              <a:t>d) La </a:t>
+            </a:r>
+            <a:r>
+              <a:rPr lang="fr-FR" sz="1600" dirty="0">
+                <a:solidFill>
+                  <a:schemeClr val="bg1"/>
+                </a:solidFill>
+              </a:rPr>
+              <a:t>situation de </a:t>
+            </a:r>
+            <a:r>
+              <a:rPr lang="fr-FR" sz="1600" dirty="0" smtClean="0">
+                <a:solidFill>
+                  <a:schemeClr val="bg1"/>
+                </a:solidFill>
+              </a:rPr>
+              <a:t>réussite</a:t>
+            </a:r>
+            <a:endParaRPr lang="fr-FR" sz="1600" dirty="0">
+              <a:solidFill>
+                <a:schemeClr val="bg1"/>
+              </a:solidFill>
+            </a:endParaRPr>
+          </a:p>
+        </p:txBody>
+      </p:sp>
+      <p:pic>
+        <p:nvPicPr>
+          <p:cNvPr id="2050" name="Picture 2" descr="L’image contient peut-être : bandes"/>
+          <p:cNvPicPr>
+            <a:picLocks noChangeAspect="1" noChangeArrowheads="1"/>
+          </p:cNvPicPr>
+          <p:nvPr/>
+        </p:nvPicPr>
+        <p:blipFill>
+          <a:blip r:embed="rId3" cstate="print">
+            <a:extLst>
+              <a:ext uri="{28A0092B-C50C-407E-A947-70E740481C1C}">
+                <a14:useLocalDpi xmlns:a14="http://schemas.microsoft.com/office/drawing/2010/main" val="0"/>
+              </a:ext>
+            </a:extLst>
+          </a:blip>
+          <a:srcRect/>
+          <a:stretch>
+            <a:fillRect/>
+          </a:stretch>
+        </p:blipFill>
+        <p:spPr bwMode="auto">
+          <a:xfrm>
+            <a:off x="3336095" y="1143000"/>
+            <a:ext cx="1954530" cy="2743200"/>
+          </a:xfrm>
+          <a:prstGeom prst="rect">
+            <a:avLst/>
+          </a:prstGeom>
+          <a:noFill/>
+          <a:extLst>
+            <a:ext uri="{909E8E84-426E-40DD-AFC4-6F175D3DCCD1}">
+              <a14:hiddenFill xmlns:a14="http://schemas.microsoft.com/office/drawing/2010/main">
+                <a:solidFill>
+                  <a:srgbClr val="FFFFFF"/>
+                </a:solidFill>
+              </a14:hiddenFill>
+            </a:ext>
+          </a:extLst>
+        </p:spPr>
+      </p:pic>
+      <p:sp>
+        <p:nvSpPr>
+          <p:cNvPr id="2" name="TextBox 1"/>
+          <p:cNvSpPr txBox="1"/>
+          <p:nvPr/>
+        </p:nvSpPr>
+        <p:spPr>
+          <a:xfrm>
+            <a:off x="2883321" y="4378513"/>
+            <a:ext cx="2860078" cy="646331"/>
+          </a:xfrm>
+          <a:prstGeom prst="rect">
+            <a:avLst/>
+          </a:prstGeom>
+          <a:noFill/>
+        </p:spPr>
+        <p:txBody>
+          <a:bodyPr wrap="none" rtlCol="0">
+            <a:spAutoFit/>
+          </a:bodyPr>
+          <a:lstStyle/>
+          <a:p>
+            <a:r>
+              <a:rPr lang="fr-FR" sz="3600" dirty="0" smtClean="0"/>
+              <a:t>QUESTIONS</a:t>
+            </a:r>
+            <a:endParaRPr lang="fr-FR" sz="3600" dirty="0"/>
+          </a:p>
+        </p:txBody>
+      </p:sp>
+      <p:pic>
+        <p:nvPicPr>
+          <p:cNvPr id="11" name="Picture 2" descr="L’image contient peut-être : bandes"/>
+          <p:cNvPicPr>
+            <a:picLocks noChangeAspect="1" noChangeArrowheads="1"/>
+          </p:cNvPicPr>
+          <p:nvPr/>
+        </p:nvPicPr>
+        <p:blipFill>
+          <a:blip r:embed="rId3" cstate="print">
+            <a:extLst>
+              <a:ext uri="{28A0092B-C50C-407E-A947-70E740481C1C}">
+                <a14:useLocalDpi xmlns:a14="http://schemas.microsoft.com/office/drawing/2010/main" val="0"/>
+              </a:ext>
+            </a:extLst>
+          </a:blip>
+          <a:srcRect/>
+          <a:stretch>
+            <a:fillRect/>
+          </a:stretch>
+        </p:blipFill>
+        <p:spPr bwMode="auto">
+          <a:xfrm rot="19200000">
+            <a:off x="1034573" y="1584577"/>
+            <a:ext cx="1954530" cy="2743200"/>
+          </a:xfrm>
+          <a:prstGeom prst="rect">
+            <a:avLst/>
+          </a:prstGeom>
+          <a:noFill/>
+          <a:extLst>
+            <a:ext uri="{909E8E84-426E-40DD-AFC4-6F175D3DCCD1}">
+              <a14:hiddenFill xmlns:a14="http://schemas.microsoft.com/office/drawing/2010/main">
+                <a:solidFill>
+                  <a:srgbClr val="FFFFFF"/>
+                </a:solidFill>
+              </a14:hiddenFill>
+            </a:ext>
+          </a:extLst>
+        </p:spPr>
+      </p:pic>
+      <p:pic>
+        <p:nvPicPr>
+          <p:cNvPr id="12" name="Picture 2" descr="L’image contient peut-être : bandes"/>
+          <p:cNvPicPr>
+            <a:picLocks noChangeAspect="1" noChangeArrowheads="1"/>
+          </p:cNvPicPr>
+          <p:nvPr/>
+        </p:nvPicPr>
+        <p:blipFill>
+          <a:blip r:embed="rId3" cstate="print">
+            <a:extLst>
+              <a:ext uri="{28A0092B-C50C-407E-A947-70E740481C1C}">
+                <a14:useLocalDpi xmlns:a14="http://schemas.microsoft.com/office/drawing/2010/main" val="0"/>
+              </a:ext>
+            </a:extLst>
+          </a:blip>
+          <a:srcRect/>
+          <a:stretch>
+            <a:fillRect/>
+          </a:stretch>
+        </p:blipFill>
+        <p:spPr bwMode="auto">
+          <a:xfrm rot="2700000">
+            <a:off x="5701672" y="1584578"/>
+            <a:ext cx="1954530" cy="2743200"/>
+          </a:xfrm>
+          <a:prstGeom prst="rect">
+            <a:avLst/>
+          </a:prstGeom>
+          <a:noFill/>
+          <a:extLst>
+            <a:ext uri="{909E8E84-426E-40DD-AFC4-6F175D3DCCD1}">
+              <a14:hiddenFill xmlns:a14="http://schemas.microsoft.com/office/drawing/2010/main">
+                <a:solidFill>
+                  <a:srgbClr val="FFFFFF"/>
+                </a:solidFill>
+              </a14:hiddenFill>
+            </a:ext>
+          </a:extLst>
+        </p:spPr>
+      </p:pic>
+    </p:spTree>
+    <p:extLst>
+      <p:ext uri="{BB962C8B-B14F-4D97-AF65-F5344CB8AC3E}">
+        <p14:creationId xmlns:p14="http://schemas.microsoft.com/office/powerpoint/2010/main" val="2034502776"/>
       </p:ext>
     </p:extLst>
   </p:cSld>

--- a/Soutenance.pptx
+++ b/Soutenance.pptx
@@ -3788,7 +3788,7 @@
           <a:p>
             <a:fld id="{C5495B23-B40A-40FC-B23E-5FDDCE069B5D}" type="datetimeFigureOut">
               <a:rPr lang="fr-FR" smtClean="0"/>
-              <a:t>22/01/2018</a:t>
+              <a:t>29/01/2018</a:t>
             </a:fld>
             <a:endParaRPr lang="fr-FR"/>
           </a:p>
@@ -3954,7 +3954,7 @@
           <a:p>
             <a:fld id="{522BA693-6A0C-4013-A985-1D1A07B02BE0}" type="datetimeFigureOut">
               <a:rPr lang="fr-FR" smtClean="0"/>
-              <a:t>22/01/2018</a:t>
+              <a:t>29/01/2018</a:t>
             </a:fld>
             <a:endParaRPr lang="fr-FR"/>
           </a:p>
@@ -5064,7 +5064,7 @@
           <a:p>
             <a:fld id="{4FE36861-76F0-4DFC-BC4F-9354408819A9}" type="datetime1">
               <a:rPr lang="en-US" smtClean="0"/>
-              <a:t>1/22/2018</a:t>
+              <a:t>1/29/2018</a:t>
             </a:fld>
             <a:endParaRPr lang="en-US"/>
           </a:p>
@@ -5248,7 +5248,7 @@
           <a:p>
             <a:fld id="{0065636B-5211-423F-9E4C-69162865E509}" type="datetime1">
               <a:rPr lang="en-US" smtClean="0"/>
-              <a:t>1/22/2018</a:t>
+              <a:t>1/29/2018</a:t>
             </a:fld>
             <a:endParaRPr lang="en-US"/>
           </a:p>
@@ -5424,7 +5424,7 @@
           <a:p>
             <a:fld id="{0BFA1D85-18D9-4AF0-88F4-ED7E06D0BA69}" type="datetime1">
               <a:rPr lang="en-US" smtClean="0"/>
-              <a:t>1/22/2018</a:t>
+              <a:t>1/29/2018</a:t>
             </a:fld>
             <a:endParaRPr lang="en-US"/>
           </a:p>
@@ -5590,7 +5590,7 @@
           <a:p>
             <a:fld id="{B1C6EF21-D8E2-4FED-87FE-F02AE8AEB24A}" type="datetime1">
               <a:rPr lang="en-US" smtClean="0"/>
-              <a:t>1/22/2018</a:t>
+              <a:t>1/29/2018</a:t>
             </a:fld>
             <a:endParaRPr lang="en-US"/>
           </a:p>
@@ -5812,7 +5812,7 @@
           <a:p>
             <a:fld id="{87FB909D-72AD-47CF-B470-4214C9D41C61}" type="datetime1">
               <a:rPr lang="en-US" smtClean="0"/>
-              <a:t>1/22/2018</a:t>
+              <a:t>1/29/2018</a:t>
             </a:fld>
             <a:endParaRPr lang="en-US"/>
           </a:p>
@@ -6072,7 +6072,7 @@
           <a:p>
             <a:fld id="{DC8BE30B-9DCB-499A-9A89-FFB1608DE60E}" type="datetime1">
               <a:rPr lang="en-US" smtClean="0"/>
-              <a:t>1/22/2018</a:t>
+              <a:t>1/29/2018</a:t>
             </a:fld>
             <a:endParaRPr lang="en-US"/>
           </a:p>
@@ -6477,7 +6477,7 @@
           <a:p>
             <a:fld id="{C733344C-CD63-4274-800F-14F676588C37}" type="datetime1">
               <a:rPr lang="en-US" smtClean="0"/>
-              <a:t>1/22/2018</a:t>
+              <a:t>1/29/2018</a:t>
             </a:fld>
             <a:endParaRPr lang="en-US"/>
           </a:p>
@@ -6609,7 +6609,7 @@
           <a:p>
             <a:fld id="{C12F266F-2C44-4502-82AF-6D4FF9377C88}" type="datetime1">
               <a:rPr lang="en-US" smtClean="0"/>
-              <a:t>1/22/2018</a:t>
+              <a:t>1/29/2018</a:t>
             </a:fld>
             <a:endParaRPr lang="en-US"/>
           </a:p>
@@ -6710,7 +6710,7 @@
           <a:p>
             <a:fld id="{93012E88-3526-4907-8605-BCD72E9217DC}" type="datetime1">
               <a:rPr lang="en-US" smtClean="0"/>
-              <a:t>1/22/2018</a:t>
+              <a:t>1/29/2018</a:t>
             </a:fld>
             <a:endParaRPr lang="en-US"/>
           </a:p>
@@ -6956,7 +6956,7 @@
           <a:p>
             <a:fld id="{BBA8D125-EDC3-48E9-8F98-6EFDD112B558}" type="datetime1">
               <a:rPr lang="en-US" smtClean="0"/>
-              <a:t>1/22/2018</a:t>
+              <a:t>1/29/2018</a:t>
             </a:fld>
             <a:endParaRPr lang="en-US"/>
           </a:p>
@@ -7201,7 +7201,7 @@
           <a:p>
             <a:fld id="{111CD66A-46A7-451C-BA07-51224E588689}" type="datetime1">
               <a:rPr lang="en-US" smtClean="0"/>
-              <a:t>1/22/2018</a:t>
+              <a:t>1/29/2018</a:t>
             </a:fld>
             <a:endParaRPr lang="en-US"/>
           </a:p>
@@ -8026,7 +8026,7 @@
           <a:p>
             <a:fld id="{B7F0E714-DD62-4651-8758-EE196128C64A}" type="datetime1">
               <a:rPr lang="en-US" smtClean="0"/>
-              <a:t>1/22/2018</a:t>
+              <a:t>1/29/2018</a:t>
             </a:fld>
             <a:endParaRPr lang="en-US"/>
           </a:p>
@@ -12492,11 +12492,6 @@
               </a:rPr>
               <a:t>La conclusion</a:t>
             </a:r>
-            <a:endParaRPr lang="fr-FR" sz="1600" dirty="0">
-              <a:solidFill>
-                <a:schemeClr val="bg1"/>
-              </a:solidFill>
-            </a:endParaRPr>
           </a:p>
         </p:txBody>
       </p:sp>
@@ -12908,68 +12903,6 @@
           </a:prstGeom>
         </p:spPr>
       </p:pic>
-      <p:sp>
-        <p:nvSpPr>
-          <p:cNvPr id="10" name="TextBox 9"/>
-          <p:cNvSpPr txBox="1"/>
-          <p:nvPr/>
-        </p:nvSpPr>
-        <p:spPr>
-          <a:xfrm>
-            <a:off x="0" y="0"/>
-            <a:ext cx="5257800" cy="338554"/>
-          </a:xfrm>
-          <a:prstGeom prst="rect">
-            <a:avLst/>
-          </a:prstGeom>
-          <a:noFill/>
-        </p:spPr>
-        <p:txBody>
-          <a:bodyPr wrap="square" rtlCol="0">
-            <a:spAutoFit/>
-          </a:bodyPr>
-          <a:lstStyle/>
-          <a:p>
-            <a:r>
-              <a:rPr lang="fr-FR" sz="1600" dirty="0">
-                <a:solidFill>
-                  <a:schemeClr val="bg1"/>
-                </a:solidFill>
-              </a:rPr>
-              <a:t>2. </a:t>
-            </a:r>
-            <a:r>
-              <a:rPr lang="fr-FR" sz="1600" dirty="0" smtClean="0">
-                <a:solidFill>
-                  <a:schemeClr val="bg1"/>
-                </a:solidFill>
-              </a:rPr>
-              <a:t>d) La </a:t>
-            </a:r>
-            <a:r>
-              <a:rPr lang="fr-FR" sz="1600" dirty="0">
-                <a:solidFill>
-                  <a:schemeClr val="bg1"/>
-                </a:solidFill>
-              </a:rPr>
-              <a:t>situation de </a:t>
-            </a:r>
-            <a:r>
-              <a:rPr lang="fr-FR" sz="1600" dirty="0" smtClean="0">
-                <a:solidFill>
-                  <a:schemeClr val="bg1"/>
-                </a:solidFill>
-              </a:rPr>
-              <a:t>réussite</a:t>
-            </a:r>
-            <a:endParaRPr lang="fr-FR" sz="1600" dirty="0">
-              <a:solidFill>
-                <a:schemeClr val="bg1"/>
-              </a:solidFill>
-            </a:endParaRPr>
-          </a:p>
-        </p:txBody>
-      </p:sp>
       <p:pic>
         <p:nvPicPr>
           <p:cNvPr id="2050" name="Picture 2" descr="L’image contient peut-être : bandes"/>
@@ -15526,8 +15459,8 @@
         </p:blipFill>
         <p:spPr bwMode="auto">
           <a:xfrm>
-            <a:off x="733425" y="990600"/>
-            <a:ext cx="1857375" cy="1104900"/>
+            <a:off x="608937" y="685800"/>
+            <a:ext cx="2887922" cy="1409700"/>
           </a:xfrm>
           <a:prstGeom prst="rect">
             <a:avLst/>
@@ -15831,8 +15764,8 @@
         </p:nvSpPr>
         <p:spPr>
           <a:xfrm>
-            <a:off x="938212" y="1200947"/>
-            <a:ext cx="1447800" cy="553998"/>
+            <a:off x="1169966" y="863527"/>
+            <a:ext cx="1752600" cy="907941"/>
           </a:xfrm>
           <a:prstGeom prst="rect">
             <a:avLst/>
@@ -15845,12 +15778,27 @@
           </a:bodyPr>
           <a:lstStyle/>
           <a:p>
+            <a:pPr algn="ctr">
+              <a:spcAft>
+                <a:spcPts val="600"/>
+              </a:spcAft>
+            </a:pPr>
+            <a:r>
+              <a:rPr lang="fr-FR" b="1" dirty="0" smtClean="0"/>
+              <a:t>EXTRANET</a:t>
+            </a:r>
+          </a:p>
+          <a:p>
             <a:pPr indent="0" algn="ctr">
               <a:buNone/>
             </a:pPr>
             <a:r>
               <a:rPr lang="fr-FR" sz="1400" b="1" dirty="0" smtClean="0"/>
-              <a:t>mot de passe</a:t>
+              <a:t>mot </a:t>
+            </a:r>
+            <a:r>
+              <a:rPr lang="fr-FR" sz="1400" b="1" dirty="0" smtClean="0"/>
+              <a:t>de passe</a:t>
             </a:r>
           </a:p>
           <a:p>
@@ -15872,9 +15820,9 @@
           <p:nvPr/>
         </p:nvSpPr>
         <p:spPr>
-          <a:xfrm rot="20853503">
-            <a:off x="309780" y="1661457"/>
-            <a:ext cx="682396" cy="3122347"/>
+          <a:xfrm rot="20216826">
+            <a:off x="729229" y="1951267"/>
+            <a:ext cx="1039084" cy="3936452"/>
           </a:xfrm>
           <a:prstGeom prst="curvedRightArrow">
             <a:avLst/>
@@ -15935,7 +15883,7 @@
         </p:blipFill>
         <p:spPr bwMode="auto">
           <a:xfrm>
-            <a:off x="413076" y="2989622"/>
+            <a:off x="855918" y="3807108"/>
             <a:ext cx="677332" cy="339422"/>
           </a:xfrm>
           <a:prstGeom prst="rect">
@@ -16041,28 +15989,12 @@
               </a:lnSpc>
             </a:pPr>
             <a:r>
-              <a:rPr lang="fr-FR" sz="1400" b="1" dirty="0" smtClean="0">
+              <a:rPr lang="fr-FR" sz="1400" b="1" dirty="0">
                 <a:solidFill>
                   <a:schemeClr val="tx1"/>
                 </a:solidFill>
               </a:rPr>
-              <a:t>fd946d58</a:t>
-            </a:r>
-            <a:r>
-              <a:rPr lang="fr-FR" sz="1400" b="1" dirty="0">
-                <a:solidFill>
-                  <a:schemeClr val="tx1"/>
-                </a:solidFill>
-              </a:rPr>
-              <a:t>1f4e2f</a:t>
-            </a:r>
-            <a:r>
-              <a:rPr lang="fr-FR" sz="1400" b="1" dirty="0" smtClean="0">
-                <a:solidFill>
-                  <a:schemeClr val="tx1"/>
-                </a:solidFill>
-              </a:rPr>
-              <a:t>……</a:t>
+              <a:t>935c828d1925……</a:t>
             </a:r>
             <a:endParaRPr lang="fr-FR" sz="1400" dirty="0">
               <a:solidFill>
@@ -16127,7 +16059,7 @@
         </p:blipFill>
         <p:spPr bwMode="auto">
           <a:xfrm>
-            <a:off x="1473005" y="4086641"/>
+            <a:off x="2666597" y="4293139"/>
             <a:ext cx="1660525" cy="1800225"/>
           </a:xfrm>
           <a:prstGeom prst="rect">
@@ -16166,8 +16098,8 @@
         </p:nvSpPr>
         <p:spPr>
           <a:xfrm>
-            <a:off x="1509347" y="4114800"/>
-            <a:ext cx="1447800" cy="338554"/>
+            <a:off x="3038000" y="3392044"/>
+            <a:ext cx="3591400" cy="584775"/>
           </a:xfrm>
           <a:prstGeom prst="rect">
             <a:avLst/>
@@ -16180,24 +16112,44 @@
           </a:bodyPr>
           <a:lstStyle/>
           <a:p>
+            <a:pPr algn="ctr"/>
+            <a:r>
+              <a:rPr lang="fr-FR" sz="1600" dirty="0" smtClean="0"/>
+              <a:t>4</a:t>
+            </a:r>
+            <a:r>
+              <a:rPr lang="fr-FR" sz="1600" b="1" dirty="0" smtClean="0">
+                <a:solidFill>
+                  <a:srgbClr val="C00000"/>
+                </a:solidFill>
+              </a:rPr>
+              <a:t>à</a:t>
+            </a:r>
+            <a:r>
+              <a:rPr lang="fr-FR" sz="1600" dirty="0" smtClean="0"/>
+              <a:t>b!C   </a:t>
+            </a:r>
+            <a:r>
+              <a:rPr lang="fr-FR" sz="1600" dirty="0"/>
+              <a:t>=&gt; </a:t>
+            </a:r>
+            <a:r>
+              <a:rPr lang="fr-FR" sz="1600" dirty="0" smtClean="0"/>
+              <a:t> </a:t>
+            </a:r>
+            <a:r>
+              <a:rPr lang="fr-FR" sz="1600" b="1" dirty="0" smtClean="0"/>
+              <a:t>5d302351dfd607……</a:t>
+            </a:r>
+            <a:endParaRPr lang="fr-FR" sz="1600" dirty="0"/>
+          </a:p>
+          <a:p>
             <a:pPr indent="0" algn="ctr">
               <a:buNone/>
             </a:pPr>
             <a:r>
               <a:rPr lang="fr-FR" sz="1600" dirty="0" smtClean="0"/>
-              <a:t>4</a:t>
-            </a:r>
-            <a:r>
-              <a:rPr lang="fr-FR" sz="1600" b="1" dirty="0" smtClean="0">
-                <a:solidFill>
-                  <a:srgbClr val="C00000"/>
-                </a:solidFill>
-              </a:rPr>
-              <a:t>à</a:t>
-            </a:r>
-            <a:r>
-              <a:rPr lang="fr-FR" sz="1600" dirty="0" smtClean="0"/>
-              <a:t>b!C</a:t>
+              <a:t> </a:t>
             </a:r>
             <a:endParaRPr lang="fr-FR" sz="1600" dirty="0"/>
           </a:p>
@@ -16205,16 +16157,16 @@
       </p:sp>
       <p:sp>
         <p:nvSpPr>
-          <p:cNvPr id="15" name="Right Arrow 14"/>
+          <p:cNvPr id="18" name="Up-Down Arrow 17"/>
           <p:cNvSpPr/>
           <p:nvPr/>
         </p:nvSpPr>
         <p:spPr>
-          <a:xfrm>
-            <a:off x="2628900" y="1409700"/>
-            <a:ext cx="3086100" cy="266700"/>
-          </a:xfrm>
-          <a:prstGeom prst="rightArrow">
+          <a:xfrm rot="5400000">
+            <a:off x="4549329" y="541259"/>
+            <a:ext cx="242316" cy="1873374"/>
+          </a:xfrm>
+          <a:prstGeom prst="upDownArrow">
             <a:avLst/>
           </a:prstGeom>
           <a:solidFill>
@@ -16248,123 +16200,14 @@
       </p:sp>
       <p:sp>
         <p:nvSpPr>
-          <p:cNvPr id="17" name="Rounded Rectangle 16"/>
-          <p:cNvSpPr/>
-          <p:nvPr/>
-        </p:nvSpPr>
-        <p:spPr>
-          <a:xfrm>
-            <a:off x="5410200" y="3733800"/>
-            <a:ext cx="2971800" cy="1752600"/>
-          </a:xfrm>
-          <a:prstGeom prst="roundRect">
-            <a:avLst/>
-          </a:prstGeom>
-          <a:solidFill>
-            <a:schemeClr val="bg2"/>
-          </a:solidFill>
-        </p:spPr>
-        <p:style>
-          <a:lnRef idx="2">
-            <a:schemeClr val="accent1">
-              <a:shade val="50000"/>
-            </a:schemeClr>
-          </a:lnRef>
-          <a:fillRef idx="1">
-            <a:schemeClr val="accent1"/>
-          </a:fillRef>
-          <a:effectRef idx="0">
-            <a:schemeClr val="accent1"/>
-          </a:effectRef>
-          <a:fontRef idx="minor">
-            <a:schemeClr val="lt1"/>
-          </a:fontRef>
-        </p:style>
-        <p:txBody>
-          <a:bodyPr bIns="720000" rtlCol="0" anchor="ctr"/>
-          <a:lstStyle/>
-          <a:p>
-            <a:pPr algn="ctr"/>
-            <a:r>
-              <a:rPr lang="fr-FR" sz="1400" b="1" dirty="0" smtClean="0">
-                <a:solidFill>
-                  <a:schemeClr val="tx1"/>
-                </a:solidFill>
-              </a:rPr>
-              <a:t>EXTRANET</a:t>
-            </a:r>
-          </a:p>
-          <a:p>
-            <a:pPr algn="ctr"/>
-            <a:endParaRPr lang="fr-FR" sz="1400" b="1" dirty="0">
-              <a:solidFill>
-                <a:schemeClr val="tx1"/>
-              </a:solidFill>
-            </a:endParaRPr>
-          </a:p>
-          <a:p>
-            <a:pPr algn="ctr"/>
-            <a:endParaRPr lang="fr-FR" sz="1400" b="1" dirty="0">
-              <a:solidFill>
-                <a:schemeClr val="tx1"/>
-              </a:solidFill>
-            </a:endParaRPr>
-          </a:p>
-        </p:txBody>
-      </p:sp>
-      <p:sp>
-        <p:nvSpPr>
-          <p:cNvPr id="18" name="Up-Down Arrow 17"/>
-          <p:cNvSpPr/>
-          <p:nvPr/>
-        </p:nvSpPr>
-        <p:spPr>
-          <a:xfrm>
-            <a:off x="6774942" y="2187526"/>
-            <a:ext cx="242316" cy="1399840"/>
-          </a:xfrm>
-          <a:prstGeom prst="upDownArrow">
-            <a:avLst/>
-          </a:prstGeom>
-          <a:solidFill>
-            <a:schemeClr val="bg2"/>
-          </a:solidFill>
-        </p:spPr>
-        <p:style>
-          <a:lnRef idx="2">
-            <a:schemeClr val="accent1">
-              <a:shade val="50000"/>
-            </a:schemeClr>
-          </a:lnRef>
-          <a:fillRef idx="1">
-            <a:schemeClr val="accent1"/>
-          </a:fillRef>
-          <a:effectRef idx="0">
-            <a:schemeClr val="accent1"/>
-          </a:effectRef>
-          <a:fontRef idx="minor">
-            <a:schemeClr val="lt1"/>
-          </a:fontRef>
-        </p:style>
-        <p:txBody>
-          <a:bodyPr rtlCol="0" anchor="ctr"/>
-          <a:lstStyle/>
-          <a:p>
-            <a:pPr algn="ctr"/>
-            <a:endParaRPr lang="fr-FR"/>
-          </a:p>
-        </p:txBody>
-      </p:sp>
-      <p:sp>
-        <p:nvSpPr>
           <p:cNvPr id="23" name="Right Arrow 22"/>
           <p:cNvSpPr/>
           <p:nvPr/>
         </p:nvSpPr>
         <p:spPr>
-          <a:xfrm>
-            <a:off x="3275428" y="4610100"/>
-            <a:ext cx="1982372" cy="266700"/>
+          <a:xfrm rot="16200000">
+            <a:off x="2265009" y="3419808"/>
+            <a:ext cx="1231001" cy="182585"/>
           </a:xfrm>
           <a:prstGeom prst="rightArrow">
             <a:avLst/>
@@ -16421,8 +16264,8 @@
         </p:blipFill>
         <p:spPr bwMode="auto">
           <a:xfrm>
-            <a:off x="6469698" y="4284077"/>
-            <a:ext cx="852803" cy="842963"/>
+            <a:off x="2535432" y="2121291"/>
+            <a:ext cx="690153" cy="682190"/>
           </a:xfrm>
           <a:prstGeom prst="rect">
             <a:avLst/>
@@ -16452,36 +16295,6 @@
           </a:extLst>
         </p:spPr>
       </p:pic>
-      <p:sp>
-        <p:nvSpPr>
-          <p:cNvPr id="20" name="TextBox 19"/>
-          <p:cNvSpPr txBox="1"/>
-          <p:nvPr/>
-        </p:nvSpPr>
-        <p:spPr>
-          <a:xfrm>
-            <a:off x="3733800" y="4293139"/>
-            <a:ext cx="1905000" cy="307777"/>
-          </a:xfrm>
-          <a:prstGeom prst="rect">
-            <a:avLst/>
-          </a:prstGeom>
-          <a:noFill/>
-        </p:spPr>
-        <p:txBody>
-          <a:bodyPr wrap="square" rtlCol="0">
-            <a:spAutoFit/>
-          </a:bodyPr>
-          <a:lstStyle/>
-          <a:p>
-            <a:r>
-              <a:rPr lang="fr-FR" sz="1400" b="1" dirty="0" smtClean="0"/>
-              <a:t>4aa28ad7869c…</a:t>
-            </a:r>
-            <a:endParaRPr lang="fr-FR" sz="1400" dirty="0"/>
-          </a:p>
-        </p:txBody>
-      </p:sp>
     </p:spTree>
     <p:extLst>
       <p:ext uri="{BB962C8B-B14F-4D97-AF65-F5344CB8AC3E}">

--- a/Soutenance.pptx
+++ b/Soutenance.pptx
@@ -5,10 +5,10 @@
     <p:sldMasterId id="2147484428" r:id="rId1"/>
   </p:sldMasterIdLst>
   <p:notesMasterIdLst>
-    <p:notesMasterId r:id="rId20"/>
+    <p:notesMasterId r:id="rId21"/>
   </p:notesMasterIdLst>
   <p:handoutMasterIdLst>
-    <p:handoutMasterId r:id="rId21"/>
+    <p:handoutMasterId r:id="rId22"/>
   </p:handoutMasterIdLst>
   <p:sldIdLst>
     <p:sldId id="256" r:id="rId2"/>
@@ -27,8 +27,9 @@
     <p:sldId id="269" r:id="rId15"/>
     <p:sldId id="270" r:id="rId16"/>
     <p:sldId id="271" r:id="rId17"/>
-    <p:sldId id="272" r:id="rId18"/>
-    <p:sldId id="273" r:id="rId19"/>
+    <p:sldId id="274" r:id="rId18"/>
+    <p:sldId id="272" r:id="rId19"/>
+    <p:sldId id="273" r:id="rId20"/>
   </p:sldIdLst>
   <p:sldSz cx="9144000" cy="6858000" type="screen4x3"/>
   <p:notesSz cx="6858000" cy="9144000"/>
@@ -1411,33 +1412,33 @@
     </dgm:pt>
   </dgm:ptLst>
   <dgm:cxnLst>
-    <dgm:cxn modelId="{D8D0254B-E1F9-4DA6-8C89-CD2F9DB360BA}" type="presOf" srcId="{953C1ABD-5DBC-4038-9ED8-0908C596D5CA}" destId="{F55ED1D0-71EB-44C0-8451-60F419FF3CEC}" srcOrd="0" destOrd="0" presId="urn:microsoft.com/office/officeart/2005/8/layout/radial5"/>
     <dgm:cxn modelId="{88F5419B-B9DA-4211-898F-6534A73481DC}" srcId="{AEDD50E2-630A-4CFC-AB4A-37B3A14456DF}" destId="{FE7E729C-9F4B-45AE-9179-185237C4E56C}" srcOrd="2" destOrd="0" parTransId="{E88FB233-A4FD-420C-8626-37018709CF58}" sibTransId="{B541B8B8-6069-439D-8AE6-E58ABB963C6B}"/>
+    <dgm:cxn modelId="{0BA664AF-DB10-4773-A8A3-B7BF57FCD705}" srcId="{AEDD50E2-630A-4CFC-AB4A-37B3A14456DF}" destId="{4DE7362F-94E4-4225-8D2D-98F0DE019438}" srcOrd="1" destOrd="0" parTransId="{953C1ABD-5DBC-4038-9ED8-0908C596D5CA}" sibTransId="{EBC375B8-8A70-4F8E-AE10-9173AF9AAD92}"/>
+    <dgm:cxn modelId="{DF1D0E16-F887-4DDD-BE94-4E646E1B9482}" srcId="{4A3AA29E-9837-43B6-9F7D-A256BDAB13A8}" destId="{AEDD50E2-630A-4CFC-AB4A-37B3A14456DF}" srcOrd="0" destOrd="0" parTransId="{A7D31C6E-48AA-47D1-8322-0A5B8274B996}" sibTransId="{E90920A5-A8C6-41DD-B8C0-D6ACEEFCE1D3}"/>
+    <dgm:cxn modelId="{3114AD6E-D6D4-429A-8864-56B50B07F215}" type="presOf" srcId="{4CAEE0D5-4FC9-4B3D-A1F6-0D4A337395EB}" destId="{490F622B-DF42-46D9-889A-50EE0A7916FC}" srcOrd="0" destOrd="0" presId="urn:microsoft.com/office/officeart/2005/8/layout/radial5"/>
+    <dgm:cxn modelId="{B074CEC5-E198-4022-913D-BE94F3034275}" type="presOf" srcId="{953C1ABD-5DBC-4038-9ED8-0908C596D5CA}" destId="{D4E4051E-7319-46E0-A966-3489B6DB7D91}" srcOrd="1" destOrd="0" presId="urn:microsoft.com/office/officeart/2005/8/layout/radial5"/>
+    <dgm:cxn modelId="{2E3679DA-77A3-4EB8-B899-4B21AB1A415F}" type="presOf" srcId="{2EFA5A0F-F528-4B26-A503-0DA6C9486C5B}" destId="{3E2F12D6-4E1F-4D76-B406-56C85FD9EF7C}" srcOrd="0" destOrd="0" presId="urn:microsoft.com/office/officeart/2005/8/layout/radial5"/>
     <dgm:cxn modelId="{B1E936DA-0C9E-4B17-B35E-09C5C632C848}" type="presOf" srcId="{CA4B039F-2E09-4D8A-8B82-465722A3A6C6}" destId="{A6373C0D-D84A-4961-A0E5-8125C4F88615}" srcOrd="0" destOrd="0" presId="urn:microsoft.com/office/officeart/2005/8/layout/radial5"/>
     <dgm:cxn modelId="{0D0312BC-1D80-49EE-9137-EA064F8240AF}" srcId="{AEDD50E2-630A-4CFC-AB4A-37B3A14456DF}" destId="{9C5D7268-A625-42F8-8E3E-5A72EDB5B775}" srcOrd="0" destOrd="0" parTransId="{2EFA5A0F-F528-4B26-A503-0DA6C9486C5B}" sibTransId="{B33B900F-669E-49E4-AB65-FBFC6D5002EF}"/>
+    <dgm:cxn modelId="{C727972E-25AE-491F-BC82-14B42C0476BA}" type="presOf" srcId="{7508628D-9867-466E-90F1-3F25AE5FC716}" destId="{1ACE714B-E8A6-4606-A331-E73AF83A6A2D}" srcOrd="0" destOrd="0" presId="urn:microsoft.com/office/officeart/2005/8/layout/radial5"/>
+    <dgm:cxn modelId="{916E989A-7DCE-4E6E-81F1-CAA9A615A762}" type="presOf" srcId="{E88FB233-A4FD-420C-8626-37018709CF58}" destId="{6089C7AC-BE86-4DC5-BF36-04F6C702DCA3}" srcOrd="0" destOrd="0" presId="urn:microsoft.com/office/officeart/2005/8/layout/radial5"/>
+    <dgm:cxn modelId="{AAAA38EF-50C0-43C8-A5FA-B5F88789A968}" type="presOf" srcId="{4A3AA29E-9837-43B6-9F7D-A256BDAB13A8}" destId="{C1F82EDE-3A1B-475F-8FBF-56D4E202FDEA}" srcOrd="0" destOrd="0" presId="urn:microsoft.com/office/officeart/2005/8/layout/radial5"/>
+    <dgm:cxn modelId="{64E692F9-0C61-4752-8800-ECE71EC4A222}" type="presOf" srcId="{CA4B039F-2E09-4D8A-8B82-465722A3A6C6}" destId="{CE3FC767-27B0-4F44-A526-1A2C85A32C8E}" srcOrd="1" destOrd="0" presId="urn:microsoft.com/office/officeart/2005/8/layout/radial5"/>
+    <dgm:cxn modelId="{CD92F0F0-C525-41CB-82BA-A310D3BAFD20}" srcId="{AEDD50E2-630A-4CFC-AB4A-37B3A14456DF}" destId="{4CAEE0D5-4FC9-4B3D-A1F6-0D4A337395EB}" srcOrd="5" destOrd="0" parTransId="{8CC87309-94F1-451D-B281-88F372184AFC}" sibTransId="{6F4BB794-14E1-4A7A-930A-949480FCED95}"/>
+    <dgm:cxn modelId="{A348F468-B25A-4AEC-B794-55BE4B78BEC3}" type="presOf" srcId="{2EFA5A0F-F528-4B26-A503-0DA6C9486C5B}" destId="{FD5ABCC5-8A3D-4206-9660-998976867B3A}" srcOrd="1" destOrd="0" presId="urn:microsoft.com/office/officeart/2005/8/layout/radial5"/>
     <dgm:cxn modelId="{43D6C6C3-6D1D-432A-94E3-135F4B664462}" type="presOf" srcId="{AEDD50E2-630A-4CFC-AB4A-37B3A14456DF}" destId="{A4858121-A645-41F3-875B-288AAC93DAE7}" srcOrd="0" destOrd="0" presId="urn:microsoft.com/office/officeart/2005/8/layout/radial5"/>
-    <dgm:cxn modelId="{A348F468-B25A-4AEC-B794-55BE4B78BEC3}" type="presOf" srcId="{2EFA5A0F-F528-4B26-A503-0DA6C9486C5B}" destId="{FD5ABCC5-8A3D-4206-9660-998976867B3A}" srcOrd="1" destOrd="0" presId="urn:microsoft.com/office/officeart/2005/8/layout/radial5"/>
-    <dgm:cxn modelId="{4EE72EBB-7E70-4BBB-862F-025FEB758809}" srcId="{AEDD50E2-630A-4CFC-AB4A-37B3A14456DF}" destId="{B38B82DF-BF4B-4096-ADB5-E168E6631C9F}" srcOrd="3" destOrd="0" parTransId="{E0EEE48B-33B3-4F5C-B9A9-38E5CBE343CC}" sibTransId="{4575FB0C-D6AA-4B31-9F87-16E885ADACE6}"/>
-    <dgm:cxn modelId="{AAAA38EF-50C0-43C8-A5FA-B5F88789A968}" type="presOf" srcId="{4A3AA29E-9837-43B6-9F7D-A256BDAB13A8}" destId="{C1F82EDE-3A1B-475F-8FBF-56D4E202FDEA}" srcOrd="0" destOrd="0" presId="urn:microsoft.com/office/officeart/2005/8/layout/radial5"/>
+    <dgm:cxn modelId="{085C9CB5-730B-4964-9A0C-F73234654873}" type="presOf" srcId="{8CC87309-94F1-451D-B281-88F372184AFC}" destId="{B28DD90A-1511-41B0-A092-E070AEB7EE02}" srcOrd="1" destOrd="0" presId="urn:microsoft.com/office/officeart/2005/8/layout/radial5"/>
     <dgm:cxn modelId="{DF3DF5F5-99CB-4652-8AF0-2754CE88C80A}" type="presOf" srcId="{FE7E729C-9F4B-45AE-9179-185237C4E56C}" destId="{89EC353B-2698-4806-8633-F3C3A200887C}" srcOrd="0" destOrd="0" presId="urn:microsoft.com/office/officeart/2005/8/layout/radial5"/>
+    <dgm:cxn modelId="{73B4FCF5-FCE1-41F5-B88E-2A2AB8140107}" type="presOf" srcId="{4DE7362F-94E4-4225-8D2D-98F0DE019438}" destId="{FBD6B138-464B-4A28-ADA6-FF2772146854}" srcOrd="0" destOrd="0" presId="urn:microsoft.com/office/officeart/2005/8/layout/radial5"/>
+    <dgm:cxn modelId="{775A47BD-090E-40A8-8D41-99204EFC8CCA}" type="presOf" srcId="{E0EEE48B-33B3-4F5C-B9A9-38E5CBE343CC}" destId="{DB036232-841B-40DC-A78D-071E1A67DE06}" srcOrd="0" destOrd="0" presId="urn:microsoft.com/office/officeart/2005/8/layout/radial5"/>
+    <dgm:cxn modelId="{E41BEE0B-37FE-4F25-882B-6CFA94557F45}" type="presOf" srcId="{B38B82DF-BF4B-4096-ADB5-E168E6631C9F}" destId="{0C8696C6-86F7-4C27-9FD9-43C1EDAFACC0}" srcOrd="0" destOrd="0" presId="urn:microsoft.com/office/officeart/2005/8/layout/radial5"/>
+    <dgm:cxn modelId="{D8D0254B-E1F9-4DA6-8C89-CD2F9DB360BA}" type="presOf" srcId="{953C1ABD-5DBC-4038-9ED8-0908C596D5CA}" destId="{F55ED1D0-71EB-44C0-8451-60F419FF3CEC}" srcOrd="0" destOrd="0" presId="urn:microsoft.com/office/officeart/2005/8/layout/radial5"/>
     <dgm:cxn modelId="{A7626B19-AD72-451B-B15B-FC6831FB925C}" type="presOf" srcId="{9C5D7268-A625-42F8-8E3E-5A72EDB5B775}" destId="{29906ED4-A1F1-4317-A7E0-39757C531431}" srcOrd="0" destOrd="0" presId="urn:microsoft.com/office/officeart/2005/8/layout/radial5"/>
     <dgm:cxn modelId="{80EF377E-7674-4F95-8137-828CF43C2A2F}" type="presOf" srcId="{8CC87309-94F1-451D-B281-88F372184AFC}" destId="{B7087D4A-1B45-4291-A7EE-0DD035BCFC8A}" srcOrd="0" destOrd="0" presId="urn:microsoft.com/office/officeart/2005/8/layout/radial5"/>
+    <dgm:cxn modelId="{C2303290-B22C-46CE-9342-AFEA534F2CBD}" type="presOf" srcId="{E0EEE48B-33B3-4F5C-B9A9-38E5CBE343CC}" destId="{C7963CFE-1A2D-425F-AAF5-0B8794C5ED22}" srcOrd="1" destOrd="0" presId="urn:microsoft.com/office/officeart/2005/8/layout/radial5"/>
+    <dgm:cxn modelId="{63B264CD-434A-4A8F-A74B-767CF1E3AF10}" type="presOf" srcId="{E88FB233-A4FD-420C-8626-37018709CF58}" destId="{7E5FFC28-2554-4679-94E0-6CD4EBAE5257}" srcOrd="1" destOrd="0" presId="urn:microsoft.com/office/officeart/2005/8/layout/radial5"/>
     <dgm:cxn modelId="{BBA59E23-41B8-4083-9D8C-6EE9463E6C53}" srcId="{AEDD50E2-630A-4CFC-AB4A-37B3A14456DF}" destId="{7508628D-9867-466E-90F1-3F25AE5FC716}" srcOrd="4" destOrd="0" parTransId="{CA4B039F-2E09-4D8A-8B82-465722A3A6C6}" sibTransId="{9D7B6C08-6F1E-4474-A83E-9376FC487E10}"/>
-    <dgm:cxn modelId="{E41BEE0B-37FE-4F25-882B-6CFA94557F45}" type="presOf" srcId="{B38B82DF-BF4B-4096-ADB5-E168E6631C9F}" destId="{0C8696C6-86F7-4C27-9FD9-43C1EDAFACC0}" srcOrd="0" destOrd="0" presId="urn:microsoft.com/office/officeart/2005/8/layout/radial5"/>
-    <dgm:cxn modelId="{2E3679DA-77A3-4EB8-B899-4B21AB1A415F}" type="presOf" srcId="{2EFA5A0F-F528-4B26-A503-0DA6C9486C5B}" destId="{3E2F12D6-4E1F-4D76-B406-56C85FD9EF7C}" srcOrd="0" destOrd="0" presId="urn:microsoft.com/office/officeart/2005/8/layout/radial5"/>
-    <dgm:cxn modelId="{916E989A-7DCE-4E6E-81F1-CAA9A615A762}" type="presOf" srcId="{E88FB233-A4FD-420C-8626-37018709CF58}" destId="{6089C7AC-BE86-4DC5-BF36-04F6C702DCA3}" srcOrd="0" destOrd="0" presId="urn:microsoft.com/office/officeart/2005/8/layout/radial5"/>
-    <dgm:cxn modelId="{63B264CD-434A-4A8F-A74B-767CF1E3AF10}" type="presOf" srcId="{E88FB233-A4FD-420C-8626-37018709CF58}" destId="{7E5FFC28-2554-4679-94E0-6CD4EBAE5257}" srcOrd="1" destOrd="0" presId="urn:microsoft.com/office/officeart/2005/8/layout/radial5"/>
-    <dgm:cxn modelId="{64E692F9-0C61-4752-8800-ECE71EC4A222}" type="presOf" srcId="{CA4B039F-2E09-4D8A-8B82-465722A3A6C6}" destId="{CE3FC767-27B0-4F44-A526-1A2C85A32C8E}" srcOrd="1" destOrd="0" presId="urn:microsoft.com/office/officeart/2005/8/layout/radial5"/>
-    <dgm:cxn modelId="{CD92F0F0-C525-41CB-82BA-A310D3BAFD20}" srcId="{AEDD50E2-630A-4CFC-AB4A-37B3A14456DF}" destId="{4CAEE0D5-4FC9-4B3D-A1F6-0D4A337395EB}" srcOrd="5" destOrd="0" parTransId="{8CC87309-94F1-451D-B281-88F372184AFC}" sibTransId="{6F4BB794-14E1-4A7A-930A-949480FCED95}"/>
-    <dgm:cxn modelId="{DF1D0E16-F887-4DDD-BE94-4E646E1B9482}" srcId="{4A3AA29E-9837-43B6-9F7D-A256BDAB13A8}" destId="{AEDD50E2-630A-4CFC-AB4A-37B3A14456DF}" srcOrd="0" destOrd="0" parTransId="{A7D31C6E-48AA-47D1-8322-0A5B8274B996}" sibTransId="{E90920A5-A8C6-41DD-B8C0-D6ACEEFCE1D3}"/>
-    <dgm:cxn modelId="{775A47BD-090E-40A8-8D41-99204EFC8CCA}" type="presOf" srcId="{E0EEE48B-33B3-4F5C-B9A9-38E5CBE343CC}" destId="{DB036232-841B-40DC-A78D-071E1A67DE06}" srcOrd="0" destOrd="0" presId="urn:microsoft.com/office/officeart/2005/8/layout/radial5"/>
-    <dgm:cxn modelId="{3114AD6E-D6D4-429A-8864-56B50B07F215}" type="presOf" srcId="{4CAEE0D5-4FC9-4B3D-A1F6-0D4A337395EB}" destId="{490F622B-DF42-46D9-889A-50EE0A7916FC}" srcOrd="0" destOrd="0" presId="urn:microsoft.com/office/officeart/2005/8/layout/radial5"/>
-    <dgm:cxn modelId="{085C9CB5-730B-4964-9A0C-F73234654873}" type="presOf" srcId="{8CC87309-94F1-451D-B281-88F372184AFC}" destId="{B28DD90A-1511-41B0-A092-E070AEB7EE02}" srcOrd="1" destOrd="0" presId="urn:microsoft.com/office/officeart/2005/8/layout/radial5"/>
-    <dgm:cxn modelId="{C2303290-B22C-46CE-9342-AFEA534F2CBD}" type="presOf" srcId="{E0EEE48B-33B3-4F5C-B9A9-38E5CBE343CC}" destId="{C7963CFE-1A2D-425F-AAF5-0B8794C5ED22}" srcOrd="1" destOrd="0" presId="urn:microsoft.com/office/officeart/2005/8/layout/radial5"/>
-    <dgm:cxn modelId="{C727972E-25AE-491F-BC82-14B42C0476BA}" type="presOf" srcId="{7508628D-9867-466E-90F1-3F25AE5FC716}" destId="{1ACE714B-E8A6-4606-A331-E73AF83A6A2D}" srcOrd="0" destOrd="0" presId="urn:microsoft.com/office/officeart/2005/8/layout/radial5"/>
-    <dgm:cxn modelId="{73B4FCF5-FCE1-41F5-B88E-2A2AB8140107}" type="presOf" srcId="{4DE7362F-94E4-4225-8D2D-98F0DE019438}" destId="{FBD6B138-464B-4A28-ADA6-FF2772146854}" srcOrd="0" destOrd="0" presId="urn:microsoft.com/office/officeart/2005/8/layout/radial5"/>
-    <dgm:cxn modelId="{0BA664AF-DB10-4773-A8A3-B7BF57FCD705}" srcId="{AEDD50E2-630A-4CFC-AB4A-37B3A14456DF}" destId="{4DE7362F-94E4-4225-8D2D-98F0DE019438}" srcOrd="1" destOrd="0" parTransId="{953C1ABD-5DBC-4038-9ED8-0908C596D5CA}" sibTransId="{EBC375B8-8A70-4F8E-AE10-9173AF9AAD92}"/>
-    <dgm:cxn modelId="{B074CEC5-E198-4022-913D-BE94F3034275}" type="presOf" srcId="{953C1ABD-5DBC-4038-9ED8-0908C596D5CA}" destId="{D4E4051E-7319-46E0-A966-3489B6DB7D91}" srcOrd="1" destOrd="0" presId="urn:microsoft.com/office/officeart/2005/8/layout/radial5"/>
+    <dgm:cxn modelId="{4EE72EBB-7E70-4BBB-862F-025FEB758809}" srcId="{AEDD50E2-630A-4CFC-AB4A-37B3A14456DF}" destId="{B38B82DF-BF4B-4096-ADB5-E168E6631C9F}" srcOrd="3" destOrd="0" parTransId="{E0EEE48B-33B3-4F5C-B9A9-38E5CBE343CC}" sibTransId="{4575FB0C-D6AA-4B31-9F87-16E885ADACE6}"/>
     <dgm:cxn modelId="{B59CBA0E-47F0-4377-B69A-D214D6A787D0}" type="presParOf" srcId="{C1F82EDE-3A1B-475F-8FBF-56D4E202FDEA}" destId="{A4858121-A645-41F3-875B-288AAC93DAE7}" srcOrd="0" destOrd="0" presId="urn:microsoft.com/office/officeart/2005/8/layout/radial5"/>
     <dgm:cxn modelId="{13DB22D3-52C3-48C2-8DE6-E7F06F472033}" type="presParOf" srcId="{C1F82EDE-3A1B-475F-8FBF-56D4E202FDEA}" destId="{3E2F12D6-4E1F-4D76-B406-56C85FD9EF7C}" srcOrd="1" destOrd="0" presId="urn:microsoft.com/office/officeart/2005/8/layout/radial5"/>
     <dgm:cxn modelId="{D5C42DD0-0CB9-4C7E-BD69-371318F800A1}" type="presParOf" srcId="{3E2F12D6-4E1F-4D76-B406-56C85FD9EF7C}" destId="{FD5ABCC5-8A3D-4206-9660-998976867B3A}" srcOrd="0" destOrd="0" presId="urn:microsoft.com/office/officeart/2005/8/layout/radial5"/>
@@ -3788,7 +3789,7 @@
           <a:p>
             <a:fld id="{C5495B23-B40A-40FC-B23E-5FDDCE069B5D}" type="datetimeFigureOut">
               <a:rPr lang="fr-FR" smtClean="0"/>
-              <a:t>29/01/2018</a:t>
+              <a:t>12/02/2018</a:t>
             </a:fld>
             <a:endParaRPr lang="fr-FR"/>
           </a:p>
@@ -3954,7 +3955,7 @@
           <a:p>
             <a:fld id="{522BA693-6A0C-4013-A985-1D1A07B02BE0}" type="datetimeFigureOut">
               <a:rPr lang="fr-FR" smtClean="0"/>
-              <a:t>29/01/2018</a:t>
+              <a:t>12/02/2018</a:t>
             </a:fld>
             <a:endParaRPr lang="fr-FR"/>
           </a:p>
@@ -5064,7 +5065,7 @@
           <a:p>
             <a:fld id="{4FE36861-76F0-4DFC-BC4F-9354408819A9}" type="datetime1">
               <a:rPr lang="en-US" smtClean="0"/>
-              <a:t>1/29/2018</a:t>
+              <a:t>2/12/2018</a:t>
             </a:fld>
             <a:endParaRPr lang="en-US"/>
           </a:p>
@@ -5248,7 +5249,7 @@
           <a:p>
             <a:fld id="{0065636B-5211-423F-9E4C-69162865E509}" type="datetime1">
               <a:rPr lang="en-US" smtClean="0"/>
-              <a:t>1/29/2018</a:t>
+              <a:t>2/12/2018</a:t>
             </a:fld>
             <a:endParaRPr lang="en-US"/>
           </a:p>
@@ -5424,7 +5425,7 @@
           <a:p>
             <a:fld id="{0BFA1D85-18D9-4AF0-88F4-ED7E06D0BA69}" type="datetime1">
               <a:rPr lang="en-US" smtClean="0"/>
-              <a:t>1/29/2018</a:t>
+              <a:t>2/12/2018</a:t>
             </a:fld>
             <a:endParaRPr lang="en-US"/>
           </a:p>
@@ -5590,7 +5591,7 @@
           <a:p>
             <a:fld id="{B1C6EF21-D8E2-4FED-87FE-F02AE8AEB24A}" type="datetime1">
               <a:rPr lang="en-US" smtClean="0"/>
-              <a:t>1/29/2018</a:t>
+              <a:t>2/12/2018</a:t>
             </a:fld>
             <a:endParaRPr lang="en-US"/>
           </a:p>
@@ -5812,7 +5813,7 @@
           <a:p>
             <a:fld id="{87FB909D-72AD-47CF-B470-4214C9D41C61}" type="datetime1">
               <a:rPr lang="en-US" smtClean="0"/>
-              <a:t>1/29/2018</a:t>
+              <a:t>2/12/2018</a:t>
             </a:fld>
             <a:endParaRPr lang="en-US"/>
           </a:p>
@@ -6072,7 +6073,7 @@
           <a:p>
             <a:fld id="{DC8BE30B-9DCB-499A-9A89-FFB1608DE60E}" type="datetime1">
               <a:rPr lang="en-US" smtClean="0"/>
-              <a:t>1/29/2018</a:t>
+              <a:t>2/12/2018</a:t>
             </a:fld>
             <a:endParaRPr lang="en-US"/>
           </a:p>
@@ -6477,7 +6478,7 @@
           <a:p>
             <a:fld id="{C733344C-CD63-4274-800F-14F676588C37}" type="datetime1">
               <a:rPr lang="en-US" smtClean="0"/>
-              <a:t>1/29/2018</a:t>
+              <a:t>2/12/2018</a:t>
             </a:fld>
             <a:endParaRPr lang="en-US"/>
           </a:p>
@@ -6609,7 +6610,7 @@
           <a:p>
             <a:fld id="{C12F266F-2C44-4502-82AF-6D4FF9377C88}" type="datetime1">
               <a:rPr lang="en-US" smtClean="0"/>
-              <a:t>1/29/2018</a:t>
+              <a:t>2/12/2018</a:t>
             </a:fld>
             <a:endParaRPr lang="en-US"/>
           </a:p>
@@ -6710,7 +6711,7 @@
           <a:p>
             <a:fld id="{93012E88-3526-4907-8605-BCD72E9217DC}" type="datetime1">
               <a:rPr lang="en-US" smtClean="0"/>
-              <a:t>1/29/2018</a:t>
+              <a:t>2/12/2018</a:t>
             </a:fld>
             <a:endParaRPr lang="en-US"/>
           </a:p>
@@ -6956,7 +6957,7 @@
           <a:p>
             <a:fld id="{BBA8D125-EDC3-48E9-8F98-6EFDD112B558}" type="datetime1">
               <a:rPr lang="en-US" smtClean="0"/>
-              <a:t>1/29/2018</a:t>
+              <a:t>2/12/2018</a:t>
             </a:fld>
             <a:endParaRPr lang="en-US"/>
           </a:p>
@@ -7201,7 +7202,7 @@
           <a:p>
             <a:fld id="{111CD66A-46A7-451C-BA07-51224E588689}" type="datetime1">
               <a:rPr lang="en-US" smtClean="0"/>
-              <a:t>1/29/2018</a:t>
+              <a:t>2/12/2018</a:t>
             </a:fld>
             <a:endParaRPr lang="en-US"/>
           </a:p>
@@ -8026,7 +8027,7 @@
           <a:p>
             <a:fld id="{B7F0E714-DD62-4651-8758-EE196128C64A}" type="datetime1">
               <a:rPr lang="en-US" smtClean="0"/>
-              <a:t>1/29/2018</a:t>
+              <a:t>2/12/2018</a:t>
             </a:fld>
             <a:endParaRPr lang="en-US"/>
           </a:p>
@@ -9215,47 +9216,6 @@
           </a:prstGeom>
         </p:spPr>
       </p:pic>
-      <p:sp>
-        <p:nvSpPr>
-          <p:cNvPr id="18" name="TextBox 17"/>
-          <p:cNvSpPr txBox="1"/>
-          <p:nvPr/>
-        </p:nvSpPr>
-        <p:spPr>
-          <a:xfrm>
-            <a:off x="0" y="0"/>
-            <a:ext cx="5257800" cy="338554"/>
-          </a:xfrm>
-          <a:prstGeom prst="rect">
-            <a:avLst/>
-          </a:prstGeom>
-          <a:noFill/>
-        </p:spPr>
-        <p:txBody>
-          <a:bodyPr wrap="square" rtlCol="0">
-            <a:spAutoFit/>
-          </a:bodyPr>
-          <a:lstStyle/>
-          <a:p>
-            <a:r>
-              <a:rPr lang="fr-FR" sz="1600" dirty="0" smtClean="0">
-                <a:solidFill>
-                  <a:schemeClr val="bg1"/>
-                </a:solidFill>
-              </a:rPr>
-              <a:t>2. Les </a:t>
-            </a:r>
-            <a:r>
-              <a:rPr lang="fr-FR" sz="1600" dirty="0">
-                <a:solidFill>
-                  <a:schemeClr val="bg1"/>
-                </a:solidFill>
-              </a:rPr>
-              <a:t>facteurs d’influence sur ma motivation</a:t>
-            </a:r>
-          </a:p>
-        </p:txBody>
-      </p:sp>
     </p:spTree>
     <p:extLst>
       <p:ext uri="{BB962C8B-B14F-4D97-AF65-F5344CB8AC3E}">
@@ -9486,55 +9446,6 @@
           </a:prstGeom>
         </p:spPr>
       </p:pic>
-      <p:sp>
-        <p:nvSpPr>
-          <p:cNvPr id="10" name="TextBox 9"/>
-          <p:cNvSpPr txBox="1"/>
-          <p:nvPr/>
-        </p:nvSpPr>
-        <p:spPr>
-          <a:xfrm>
-            <a:off x="0" y="0"/>
-            <a:ext cx="5257800" cy="338554"/>
-          </a:xfrm>
-          <a:prstGeom prst="rect">
-            <a:avLst/>
-          </a:prstGeom>
-          <a:noFill/>
-        </p:spPr>
-        <p:txBody>
-          <a:bodyPr wrap="square" rtlCol="0">
-            <a:spAutoFit/>
-          </a:bodyPr>
-          <a:lstStyle/>
-          <a:p>
-            <a:r>
-              <a:rPr lang="fr-FR" sz="1600" dirty="0">
-                <a:solidFill>
-                  <a:schemeClr val="bg1"/>
-                </a:solidFill>
-              </a:rPr>
-              <a:t>2. c</a:t>
-            </a:r>
-            <a:r>
-              <a:rPr lang="fr-FR" sz="1600" dirty="0" smtClean="0">
-                <a:solidFill>
-                  <a:schemeClr val="bg1"/>
-                </a:solidFill>
-              </a:rPr>
-              <a:t>) </a:t>
-            </a:r>
-            <a:r>
-              <a:rPr lang="fr-FR" sz="1600" dirty="0">
-                <a:solidFill>
-                  <a:schemeClr val="bg1"/>
-                </a:solidFill>
-              </a:rPr>
-              <a:t>Un problème de complexité élevée</a:t>
-            </a:r>
-          </a:p>
-        </p:txBody>
-      </p:sp>
       <p:pic>
         <p:nvPicPr>
           <p:cNvPr id="13" name="Content Placeholder 12"/>
@@ -9794,55 +9705,6 @@
           </a:prstGeom>
         </p:spPr>
       </p:pic>
-      <p:sp>
-        <p:nvSpPr>
-          <p:cNvPr id="9" name="TextBox 8"/>
-          <p:cNvSpPr txBox="1"/>
-          <p:nvPr/>
-        </p:nvSpPr>
-        <p:spPr>
-          <a:xfrm>
-            <a:off x="0" y="0"/>
-            <a:ext cx="5257800" cy="338554"/>
-          </a:xfrm>
-          <a:prstGeom prst="rect">
-            <a:avLst/>
-          </a:prstGeom>
-          <a:noFill/>
-        </p:spPr>
-        <p:txBody>
-          <a:bodyPr wrap="square" rtlCol="0">
-            <a:spAutoFit/>
-          </a:bodyPr>
-          <a:lstStyle/>
-          <a:p>
-            <a:r>
-              <a:rPr lang="fr-FR" sz="1600" dirty="0">
-                <a:solidFill>
-                  <a:schemeClr val="bg1"/>
-                </a:solidFill>
-              </a:rPr>
-              <a:t>2. c</a:t>
-            </a:r>
-            <a:r>
-              <a:rPr lang="fr-FR" sz="1600" dirty="0" smtClean="0">
-                <a:solidFill>
-                  <a:schemeClr val="bg1"/>
-                </a:solidFill>
-              </a:rPr>
-              <a:t>) </a:t>
-            </a:r>
-            <a:r>
-              <a:rPr lang="fr-FR" sz="1600" dirty="0">
-                <a:solidFill>
-                  <a:schemeClr val="bg1"/>
-                </a:solidFill>
-              </a:rPr>
-              <a:t>Un problème de complexité élevée</a:t>
-            </a:r>
-          </a:p>
-        </p:txBody>
-      </p:sp>
       <p:graphicFrame>
         <p:nvGraphicFramePr>
           <p:cNvPr id="2" name="Diagram 1"/>
@@ -10686,47 +10548,6 @@
           </a:prstGeom>
         </p:spPr>
       </p:pic>
-      <p:sp>
-        <p:nvSpPr>
-          <p:cNvPr id="13" name="TextBox 12"/>
-          <p:cNvSpPr txBox="1"/>
-          <p:nvPr/>
-        </p:nvSpPr>
-        <p:spPr>
-          <a:xfrm>
-            <a:off x="0" y="0"/>
-            <a:ext cx="5257800" cy="338554"/>
-          </a:xfrm>
-          <a:prstGeom prst="rect">
-            <a:avLst/>
-          </a:prstGeom>
-          <a:noFill/>
-        </p:spPr>
-        <p:txBody>
-          <a:bodyPr wrap="square" rtlCol="0">
-            <a:spAutoFit/>
-          </a:bodyPr>
-          <a:lstStyle/>
-          <a:p>
-            <a:r>
-              <a:rPr lang="fr-FR" sz="1600" dirty="0" smtClean="0">
-                <a:solidFill>
-                  <a:schemeClr val="bg1"/>
-                </a:solidFill>
-              </a:rPr>
-              <a:t>2. Les </a:t>
-            </a:r>
-            <a:r>
-              <a:rPr lang="fr-FR" sz="1600" dirty="0">
-                <a:solidFill>
-                  <a:schemeClr val="bg1"/>
-                </a:solidFill>
-              </a:rPr>
-              <a:t>facteurs d’influence sur ma motivation</a:t>
-            </a:r>
-          </a:p>
-        </p:txBody>
-      </p:sp>
     </p:spTree>
     <p:extLst>
       <p:ext uri="{BB962C8B-B14F-4D97-AF65-F5344CB8AC3E}">
@@ -11081,71 +10902,6 @@
           </a:prstGeom>
         </p:spPr>
       </p:pic>
-      <p:sp>
-        <p:nvSpPr>
-          <p:cNvPr id="13" name="TextBox 12"/>
-          <p:cNvSpPr txBox="1"/>
-          <p:nvPr/>
-        </p:nvSpPr>
-        <p:spPr>
-          <a:xfrm>
-            <a:off x="0" y="0"/>
-            <a:ext cx="6172200" cy="338554"/>
-          </a:xfrm>
-          <a:prstGeom prst="rect">
-            <a:avLst/>
-          </a:prstGeom>
-          <a:noFill/>
-        </p:spPr>
-        <p:txBody>
-          <a:bodyPr wrap="square" rtlCol="0">
-            <a:spAutoFit/>
-          </a:bodyPr>
-          <a:lstStyle/>
-          <a:p>
-            <a:r>
-              <a:rPr lang="fr-FR" sz="1600" dirty="0">
-                <a:solidFill>
-                  <a:schemeClr val="bg1"/>
-                </a:solidFill>
-              </a:rPr>
-              <a:t>2. </a:t>
-            </a:r>
-            <a:r>
-              <a:rPr lang="fr-FR" sz="1600" dirty="0" smtClean="0">
-                <a:solidFill>
-                  <a:schemeClr val="bg1"/>
-                </a:solidFill>
-              </a:rPr>
-              <a:t>d) La </a:t>
-            </a:r>
-            <a:r>
-              <a:rPr lang="fr-FR" sz="1600" dirty="0">
-                <a:solidFill>
-                  <a:schemeClr val="bg1"/>
-                </a:solidFill>
-              </a:rPr>
-              <a:t>situation de </a:t>
-            </a:r>
-            <a:r>
-              <a:rPr lang="fr-FR" sz="1600" dirty="0" smtClean="0">
-                <a:solidFill>
-                  <a:schemeClr val="bg1"/>
-                </a:solidFill>
-              </a:rPr>
-              <a:t>réussite : créer </a:t>
-            </a:r>
-            <a:r>
-              <a:rPr lang="fr-FR" sz="1600" dirty="0">
-                <a:solidFill>
-                  <a:schemeClr val="bg1"/>
-                </a:solidFill>
-              </a:rPr>
-              <a:t>une échelle d’évaluation</a:t>
-            </a:r>
-          </a:p>
-        </p:txBody>
-      </p:sp>
       <p:pic>
         <p:nvPicPr>
           <p:cNvPr id="1026" name="Picture 2"/>
@@ -11556,71 +11312,6 @@
           </a:prstGeom>
         </p:spPr>
       </p:pic>
-      <p:sp>
-        <p:nvSpPr>
-          <p:cNvPr id="10" name="TextBox 9"/>
-          <p:cNvSpPr txBox="1"/>
-          <p:nvPr/>
-        </p:nvSpPr>
-        <p:spPr>
-          <a:xfrm>
-            <a:off x="0" y="0"/>
-            <a:ext cx="7086600" cy="338554"/>
-          </a:xfrm>
-          <a:prstGeom prst="rect">
-            <a:avLst/>
-          </a:prstGeom>
-          <a:noFill/>
-        </p:spPr>
-        <p:txBody>
-          <a:bodyPr wrap="square" rtlCol="0">
-            <a:spAutoFit/>
-          </a:bodyPr>
-          <a:lstStyle/>
-          <a:p>
-            <a:r>
-              <a:rPr lang="fr-FR" sz="1600" dirty="0">
-                <a:solidFill>
-                  <a:schemeClr val="bg1"/>
-                </a:solidFill>
-              </a:rPr>
-              <a:t>2. </a:t>
-            </a:r>
-            <a:r>
-              <a:rPr lang="fr-FR" sz="1600" dirty="0" smtClean="0">
-                <a:solidFill>
-                  <a:schemeClr val="bg1"/>
-                </a:solidFill>
-              </a:rPr>
-              <a:t>d) La </a:t>
-            </a:r>
-            <a:r>
-              <a:rPr lang="fr-FR" sz="1600" dirty="0">
-                <a:solidFill>
-                  <a:schemeClr val="bg1"/>
-                </a:solidFill>
-              </a:rPr>
-              <a:t>situation de </a:t>
-            </a:r>
-            <a:r>
-              <a:rPr lang="fr-FR" sz="1600" dirty="0" smtClean="0">
-                <a:solidFill>
-                  <a:schemeClr val="bg1"/>
-                </a:solidFill>
-              </a:rPr>
-              <a:t>réussite : </a:t>
-            </a:r>
-            <a:r>
-              <a:rPr lang="fr-FR" sz="1600" dirty="0">
-                <a:solidFill>
-                  <a:schemeClr val="bg1"/>
-                </a:solidFill>
-              </a:rPr>
-              <a:t>monter le niveau de la difficulté</a:t>
-            </a:r>
-          </a:p>
-        </p:txBody>
-      </p:sp>
       <p:pic>
         <p:nvPicPr>
           <p:cNvPr id="15" name="Picture 14"/>
@@ -12005,52 +11696,6 @@
           </a:prstGeom>
         </p:spPr>
       </p:pic>
-      <p:sp>
-        <p:nvSpPr>
-          <p:cNvPr id="15" name="TextBox 14"/>
-          <p:cNvSpPr txBox="1"/>
-          <p:nvPr/>
-        </p:nvSpPr>
-        <p:spPr>
-          <a:xfrm>
-            <a:off x="0" y="0"/>
-            <a:ext cx="5257800" cy="338554"/>
-          </a:xfrm>
-          <a:prstGeom prst="rect">
-            <a:avLst/>
-          </a:prstGeom>
-          <a:noFill/>
-        </p:spPr>
-        <p:txBody>
-          <a:bodyPr wrap="square" rtlCol="0">
-            <a:spAutoFit/>
-          </a:bodyPr>
-          <a:lstStyle/>
-          <a:p>
-            <a:r>
-              <a:rPr lang="fr-FR" sz="1600" dirty="0">
-                <a:solidFill>
-                  <a:schemeClr val="bg1"/>
-                </a:solidFill>
-              </a:rPr>
-              <a:t>2. d) La situation de réussite : ne pas rester </a:t>
-            </a:r>
-            <a:r>
-              <a:rPr lang="fr-FR" sz="1600" dirty="0" smtClean="0">
-                <a:solidFill>
-                  <a:schemeClr val="bg1"/>
-                </a:solidFill>
-              </a:rPr>
-              <a:t>bloqué</a:t>
-            </a:r>
-            <a:endParaRPr lang="fr-FR" sz="1600" dirty="0">
-              <a:solidFill>
-                <a:schemeClr val="bg1"/>
-              </a:solidFill>
-            </a:endParaRPr>
-          </a:p>
-        </p:txBody>
-      </p:sp>
       <p:pic>
         <p:nvPicPr>
           <p:cNvPr id="4098" name="Picture 2" descr="https://i.pinimg.com/736x/ee/bb/7e/eebb7e057f9b71d5bb0a8f5975754b2b--planning-a-wedding-social-media-marketing.jpg"/>
@@ -12131,6 +11776,224 @@
       </p:grpSpPr>
       <p:sp>
         <p:nvSpPr>
+          <p:cNvPr id="5" name="Slide Number Placeholder 4"/>
+          <p:cNvSpPr>
+            <a:spLocks noGrp="1"/>
+          </p:cNvSpPr>
+          <p:nvPr>
+            <p:ph type="sldNum" sz="quarter" idx="12"/>
+          </p:nvPr>
+        </p:nvSpPr>
+        <p:spPr/>
+        <p:txBody>
+          <a:bodyPr/>
+          <a:lstStyle/>
+          <a:p>
+            <a:fld id="{B6F15528-21DE-4FAA-801E-634DDDAF4B2B}" type="slidenum">
+              <a:rPr lang="en-US" smtClean="0"/>
+              <a:pPr/>
+              <a:t>17</a:t>
+            </a:fld>
+            <a:endParaRPr lang="en-US"/>
+          </a:p>
+        </p:txBody>
+      </p:sp>
+      <p:sp>
+        <p:nvSpPr>
+          <p:cNvPr id="6" name="Footer Placeholder 9"/>
+          <p:cNvSpPr txBox="1">
+            <a:spLocks/>
+          </p:cNvSpPr>
+          <p:nvPr/>
+        </p:nvSpPr>
+        <p:spPr>
+          <a:xfrm>
+            <a:off x="0" y="6547338"/>
+            <a:ext cx="9144000" cy="310662"/>
+          </a:xfrm>
+          <a:prstGeom prst="rect">
+            <a:avLst/>
+          </a:prstGeom>
+          <a:solidFill>
+            <a:srgbClr val="438086"/>
+          </a:solidFill>
+        </p:spPr>
+        <p:txBody>
+          <a:bodyPr vert="horz"/>
+          <a:lstStyle>
+            <a:defPPr>
+              <a:defRPr lang="en-US"/>
+            </a:defPPr>
+            <a:lvl1pPr marL="0" algn="r" defTabSz="914400" rtl="0" eaLnBrk="1" latinLnBrk="0" hangingPunct="1">
+              <a:defRPr kumimoji="0" sz="800" kern="1200">
+                <a:solidFill>
+                  <a:schemeClr val="accent2"/>
+                </a:solidFill>
+                <a:latin typeface="+mn-lt"/>
+                <a:ea typeface="+mn-ea"/>
+                <a:cs typeface="+mn-cs"/>
+              </a:defRPr>
+            </a:lvl1pPr>
+            <a:lvl2pPr marL="457200" algn="l" defTabSz="914400" rtl="0" eaLnBrk="1" latinLnBrk="0" hangingPunct="1">
+              <a:defRPr sz="1800" kern="1200">
+                <a:solidFill>
+                  <a:schemeClr val="tx1"/>
+                </a:solidFill>
+                <a:latin typeface="+mn-lt"/>
+                <a:ea typeface="+mn-ea"/>
+                <a:cs typeface="+mn-cs"/>
+              </a:defRPr>
+            </a:lvl2pPr>
+            <a:lvl3pPr marL="914400" algn="l" defTabSz="914400" rtl="0" eaLnBrk="1" latinLnBrk="0" hangingPunct="1">
+              <a:defRPr sz="1800" kern="1200">
+                <a:solidFill>
+                  <a:schemeClr val="tx1"/>
+                </a:solidFill>
+                <a:latin typeface="+mn-lt"/>
+                <a:ea typeface="+mn-ea"/>
+                <a:cs typeface="+mn-cs"/>
+              </a:defRPr>
+            </a:lvl3pPr>
+            <a:lvl4pPr marL="1371600" algn="l" defTabSz="914400" rtl="0" eaLnBrk="1" latinLnBrk="0" hangingPunct="1">
+              <a:defRPr sz="1800" kern="1200">
+                <a:solidFill>
+                  <a:schemeClr val="tx1"/>
+                </a:solidFill>
+                <a:latin typeface="+mn-lt"/>
+                <a:ea typeface="+mn-ea"/>
+                <a:cs typeface="+mn-cs"/>
+              </a:defRPr>
+            </a:lvl4pPr>
+            <a:lvl5pPr marL="1828800" algn="l" defTabSz="914400" rtl="0" eaLnBrk="1" latinLnBrk="0" hangingPunct="1">
+              <a:defRPr sz="1800" kern="1200">
+                <a:solidFill>
+                  <a:schemeClr val="tx1"/>
+                </a:solidFill>
+                <a:latin typeface="+mn-lt"/>
+                <a:ea typeface="+mn-ea"/>
+                <a:cs typeface="+mn-cs"/>
+              </a:defRPr>
+            </a:lvl5pPr>
+            <a:lvl6pPr marL="2286000" algn="l" defTabSz="914400" rtl="0" eaLnBrk="1" latinLnBrk="0" hangingPunct="1">
+              <a:defRPr sz="1800" kern="1200">
+                <a:solidFill>
+                  <a:schemeClr val="tx1"/>
+                </a:solidFill>
+                <a:latin typeface="+mn-lt"/>
+                <a:ea typeface="+mn-ea"/>
+                <a:cs typeface="+mn-cs"/>
+              </a:defRPr>
+            </a:lvl6pPr>
+            <a:lvl7pPr marL="2743200" algn="l" defTabSz="914400" rtl="0" eaLnBrk="1" latinLnBrk="0" hangingPunct="1">
+              <a:defRPr sz="1800" kern="1200">
+                <a:solidFill>
+                  <a:schemeClr val="tx1"/>
+                </a:solidFill>
+                <a:latin typeface="+mn-lt"/>
+                <a:ea typeface="+mn-ea"/>
+                <a:cs typeface="+mn-cs"/>
+              </a:defRPr>
+            </a:lvl7pPr>
+            <a:lvl8pPr marL="3200400" algn="l" defTabSz="914400" rtl="0" eaLnBrk="1" latinLnBrk="0" hangingPunct="1">
+              <a:defRPr sz="1800" kern="1200">
+                <a:solidFill>
+                  <a:schemeClr val="tx1"/>
+                </a:solidFill>
+                <a:latin typeface="+mn-lt"/>
+                <a:ea typeface="+mn-ea"/>
+                <a:cs typeface="+mn-cs"/>
+              </a:defRPr>
+            </a:lvl8pPr>
+            <a:lvl9pPr marL="3657600" algn="l" defTabSz="914400" rtl="0" eaLnBrk="1" latinLnBrk="0" hangingPunct="1">
+              <a:defRPr sz="1800" kern="1200">
+                <a:solidFill>
+                  <a:schemeClr val="tx1"/>
+                </a:solidFill>
+                <a:latin typeface="+mn-lt"/>
+                <a:ea typeface="+mn-ea"/>
+                <a:cs typeface="+mn-cs"/>
+              </a:defRPr>
+            </a:lvl9pPr>
+          </a:lstStyle>
+          <a:p>
+            <a:r>
+              <a:rPr lang="fr-FR" sz="1400" dirty="0" smtClean="0">
+                <a:solidFill>
+                  <a:schemeClr val="bg1"/>
+                </a:solidFill>
+              </a:rPr>
+              <a:t>Les ambitions professionnelles : comment préserver la motivation</a:t>
+            </a:r>
+            <a:endParaRPr lang="en-US" sz="1400" dirty="0">
+              <a:solidFill>
+                <a:schemeClr val="bg1"/>
+              </a:solidFill>
+            </a:endParaRPr>
+          </a:p>
+        </p:txBody>
+      </p:sp>
+      <p:pic>
+        <p:nvPicPr>
+          <p:cNvPr id="7" name="Picture 6"/>
+          <p:cNvPicPr>
+            <a:picLocks noChangeAspect="1"/>
+          </p:cNvPicPr>
+          <p:nvPr/>
+        </p:nvPicPr>
+        <p:blipFill>
+          <a:blip r:embed="rId2" cstate="print">
+            <a:extLst>
+              <a:ext uri="{28A0092B-C50C-407E-A947-70E740481C1C}">
+                <a14:useLocalDpi xmlns:a14="http://schemas.microsoft.com/office/drawing/2010/main" val="0"/>
+              </a:ext>
+            </a:extLst>
+          </a:blip>
+          <a:stretch>
+            <a:fillRect/>
+          </a:stretch>
+        </p:blipFill>
+        <p:spPr>
+          <a:xfrm>
+            <a:off x="-2" y="6552027"/>
+            <a:ext cx="884773" cy="305973"/>
+          </a:xfrm>
+          <a:prstGeom prst="rect">
+            <a:avLst/>
+          </a:prstGeom>
+        </p:spPr>
+      </p:pic>
+    </p:spTree>
+    <p:extLst>
+      <p:ext uri="{BB962C8B-B14F-4D97-AF65-F5344CB8AC3E}">
+        <p14:creationId xmlns:p14="http://schemas.microsoft.com/office/powerpoint/2010/main" val="1117761661"/>
+      </p:ext>
+    </p:extLst>
+  </p:cSld>
+  <p:clrMapOvr>
+    <a:masterClrMapping/>
+  </p:clrMapOvr>
+</p:sld>
+</file>
+
+<file path=ppt/slides/slide18.xml><?xml version="1.0" encoding="utf-8"?>
+<p:sld xmlns:a="http://schemas.openxmlformats.org/drawingml/2006/main" xmlns:r="http://schemas.openxmlformats.org/officeDocument/2006/relationships" xmlns:p="http://schemas.openxmlformats.org/presentationml/2006/main">
+  <p:cSld>
+    <p:spTree>
+      <p:nvGrpSpPr>
+        <p:cNvPr id="1" name=""/>
+        <p:cNvGrpSpPr/>
+        <p:nvPr/>
+      </p:nvGrpSpPr>
+      <p:grpSpPr>
+        <a:xfrm>
+          <a:off x="0" y="0"/>
+          <a:ext cx="0" cy="0"/>
+          <a:chOff x="0" y="0"/>
+          <a:chExt cx="0" cy="0"/>
+        </a:xfrm>
+      </p:grpSpPr>
+      <p:sp>
+        <p:nvSpPr>
           <p:cNvPr id="6" name="Slide Number Placeholder 4"/>
           <p:cNvSpPr>
             <a:spLocks noGrp="1"/>
@@ -12152,7 +12015,7 @@
             <a:fld id="{B6F15528-21DE-4FAA-801E-634DDDAF4B2B}" type="slidenum">
               <a:rPr lang="en-US" smtClean="0"/>
               <a:pPr/>
-              <a:t>17</a:t>
+              <a:t>18</a:t>
             </a:fld>
             <a:endParaRPr lang="en-US"/>
           </a:p>
@@ -12276,7 +12139,7 @@
             <a:fld id="{B6F15528-21DE-4FAA-801E-634DDDAF4B2B}" type="slidenum">
               <a:rPr lang="en-US" smtClean="0"/>
               <a:pPr/>
-              <a:t>17</a:t>
+              <a:t>18</a:t>
             </a:fld>
             <a:endParaRPr lang="en-US"/>
           </a:p>
@@ -12446,55 +12309,6 @@
           </a:prstGeom>
         </p:spPr>
       </p:pic>
-      <p:sp>
-        <p:nvSpPr>
-          <p:cNvPr id="10" name="TextBox 9"/>
-          <p:cNvSpPr txBox="1"/>
-          <p:nvPr/>
-        </p:nvSpPr>
-        <p:spPr>
-          <a:xfrm>
-            <a:off x="0" y="0"/>
-            <a:ext cx="5257800" cy="338554"/>
-          </a:xfrm>
-          <a:prstGeom prst="rect">
-            <a:avLst/>
-          </a:prstGeom>
-          <a:noFill/>
-        </p:spPr>
-        <p:txBody>
-          <a:bodyPr wrap="square" rtlCol="0">
-            <a:spAutoFit/>
-          </a:bodyPr>
-          <a:lstStyle/>
-          <a:p>
-            <a:r>
-              <a:rPr lang="fr-FR" sz="1600" dirty="0">
-                <a:solidFill>
-                  <a:schemeClr val="bg1"/>
-                </a:solidFill>
-              </a:rPr>
-              <a:t>2. </a:t>
-            </a:r>
-            <a:r>
-              <a:rPr lang="fr-FR" sz="1600" dirty="0" smtClean="0">
-                <a:solidFill>
-                  <a:schemeClr val="bg1"/>
-                </a:solidFill>
-              </a:rPr>
-              <a:t>d) </a:t>
-            </a:r>
-            <a:r>
-              <a:rPr lang="fr-FR" sz="1600" dirty="0">
-                <a:solidFill>
-                  <a:schemeClr val="bg1"/>
-                </a:solidFill>
-              </a:rPr>
-              <a:t>La conclusion</a:t>
-            </a:r>
-          </a:p>
-        </p:txBody>
-      </p:sp>
       <p:pic>
         <p:nvPicPr>
           <p:cNvPr id="1026" name="Picture 2"/>
@@ -12569,7 +12383,7 @@
 </p:sld>
 </file>
 
-<file path=ppt/slides/slide18.xml><?xml version="1.0" encoding="utf-8"?>
+<file path=ppt/slides/slide19.xml><?xml version="1.0" encoding="utf-8"?>
 <p:sld xmlns:a="http://schemas.openxmlformats.org/drawingml/2006/main" xmlns:r="http://schemas.openxmlformats.org/officeDocument/2006/relationships" xmlns:p="http://schemas.openxmlformats.org/presentationml/2006/main">
   <p:cSld>
     <p:spTree>
@@ -12609,7 +12423,7 @@
             <a:fld id="{B6F15528-21DE-4FAA-801E-634DDDAF4B2B}" type="slidenum">
               <a:rPr lang="en-US" smtClean="0"/>
               <a:pPr/>
-              <a:t>18</a:t>
+              <a:t>19</a:t>
             </a:fld>
             <a:endParaRPr lang="en-US"/>
           </a:p>
@@ -12733,7 +12547,7 @@
             <a:fld id="{B6F15528-21DE-4FAA-801E-634DDDAF4B2B}" type="slidenum">
               <a:rPr lang="en-US" smtClean="0"/>
               <a:pPr/>
-              <a:t>18</a:t>
+              <a:t>19</a:t>
             </a:fld>
             <a:endParaRPr lang="en-US"/>
           </a:p>
@@ -13093,6 +12907,51 @@
           <a:chExt cx="0" cy="0"/>
         </a:xfrm>
       </p:grpSpPr>
+      <p:sp>
+        <p:nvSpPr>
+          <p:cNvPr id="7" name="Rounded Rectangle 6"/>
+          <p:cNvSpPr/>
+          <p:nvPr/>
+        </p:nvSpPr>
+        <p:spPr>
+          <a:xfrm>
+            <a:off x="990601" y="1295400"/>
+            <a:ext cx="2285999" cy="440788"/>
+          </a:xfrm>
+          <a:prstGeom prst="roundRect">
+            <a:avLst/>
+          </a:prstGeom>
+          <a:solidFill>
+            <a:schemeClr val="bg1">
+              <a:lumMod val="85000"/>
+            </a:schemeClr>
+          </a:solidFill>
+        </p:spPr>
+        <p:style>
+          <a:lnRef idx="2">
+            <a:schemeClr val="accent1">
+              <a:shade val="50000"/>
+            </a:schemeClr>
+          </a:lnRef>
+          <a:fillRef idx="1">
+            <a:schemeClr val="accent1"/>
+          </a:fillRef>
+          <a:effectRef idx="0">
+            <a:schemeClr val="accent1"/>
+          </a:effectRef>
+          <a:fontRef idx="minor">
+            <a:schemeClr val="lt1"/>
+          </a:fontRef>
+        </p:style>
+        <p:txBody>
+          <a:bodyPr rtlCol="0" anchor="ctr"/>
+          <a:lstStyle/>
+          <a:p>
+            <a:pPr algn="ctr"/>
+            <a:endParaRPr lang="fr-FR"/>
+          </a:p>
+        </p:txBody>
+      </p:sp>
       <p:sp>
         <p:nvSpPr>
           <p:cNvPr id="2" name="Title 1"/>
@@ -13614,44 +13473,6 @@
           </a:prstGeom>
         </p:spPr>
       </p:pic>
-      <p:sp>
-        <p:nvSpPr>
-          <p:cNvPr id="11" name="TextBox 10"/>
-          <p:cNvSpPr txBox="1"/>
-          <p:nvPr/>
-        </p:nvSpPr>
-        <p:spPr>
-          <a:xfrm>
-            <a:off x="0" y="0"/>
-            <a:ext cx="1981200" cy="338554"/>
-          </a:xfrm>
-          <a:prstGeom prst="rect">
-            <a:avLst/>
-          </a:prstGeom>
-          <a:noFill/>
-        </p:spPr>
-        <p:txBody>
-          <a:bodyPr wrap="square" rtlCol="0">
-            <a:spAutoFit/>
-          </a:bodyPr>
-          <a:lstStyle/>
-          <a:p>
-            <a:r>
-              <a:rPr lang="fr-FR" sz="1600" dirty="0" smtClean="0">
-                <a:solidFill>
-                  <a:schemeClr val="bg1"/>
-                </a:solidFill>
-              </a:rPr>
-              <a:t>1. L’introduction</a:t>
-            </a:r>
-            <a:endParaRPr lang="fr-FR" sz="1600" dirty="0">
-              <a:solidFill>
-                <a:schemeClr val="bg1"/>
-              </a:solidFill>
-            </a:endParaRPr>
-          </a:p>
-        </p:txBody>
-      </p:sp>
       <p:pic>
         <p:nvPicPr>
           <p:cNvPr id="13" name="Picture 12"/>
@@ -14532,44 +14353,6 @@
       </p:sp>
       <p:sp>
         <p:nvSpPr>
-          <p:cNvPr id="7" name="TextBox 6"/>
-          <p:cNvSpPr txBox="1"/>
-          <p:nvPr/>
-        </p:nvSpPr>
-        <p:spPr>
-          <a:xfrm>
-            <a:off x="0" y="0"/>
-            <a:ext cx="1981200" cy="338554"/>
-          </a:xfrm>
-          <a:prstGeom prst="rect">
-            <a:avLst/>
-          </a:prstGeom>
-          <a:noFill/>
-        </p:spPr>
-        <p:txBody>
-          <a:bodyPr wrap="square" rtlCol="0">
-            <a:spAutoFit/>
-          </a:bodyPr>
-          <a:lstStyle/>
-          <a:p>
-            <a:r>
-              <a:rPr lang="fr-FR" sz="1600" dirty="0" smtClean="0">
-                <a:solidFill>
-                  <a:schemeClr val="bg1"/>
-                </a:solidFill>
-              </a:rPr>
-              <a:t>1. L’introduction</a:t>
-            </a:r>
-            <a:endParaRPr lang="fr-FR" sz="1600" dirty="0">
-              <a:solidFill>
-                <a:schemeClr val="bg1"/>
-              </a:solidFill>
-            </a:endParaRPr>
-          </a:p>
-        </p:txBody>
-      </p:sp>
-      <p:sp>
-        <p:nvSpPr>
           <p:cNvPr id="8" name="Footer Placeholder 9"/>
           <p:cNvSpPr>
             <a:spLocks noGrp="1"/>
@@ -14859,47 +14642,6 @@
       </p:pic>
       <p:sp>
         <p:nvSpPr>
-          <p:cNvPr id="9" name="TextBox 8"/>
-          <p:cNvSpPr txBox="1"/>
-          <p:nvPr/>
-        </p:nvSpPr>
-        <p:spPr>
-          <a:xfrm>
-            <a:off x="0" y="0"/>
-            <a:ext cx="5257800" cy="338554"/>
-          </a:xfrm>
-          <a:prstGeom prst="rect">
-            <a:avLst/>
-          </a:prstGeom>
-          <a:noFill/>
-        </p:spPr>
-        <p:txBody>
-          <a:bodyPr wrap="square" rtlCol="0">
-            <a:spAutoFit/>
-          </a:bodyPr>
-          <a:lstStyle/>
-          <a:p>
-            <a:r>
-              <a:rPr lang="fr-FR" sz="1600" dirty="0" smtClean="0">
-                <a:solidFill>
-                  <a:schemeClr val="bg1"/>
-                </a:solidFill>
-              </a:rPr>
-              <a:t>2. Les </a:t>
-            </a:r>
-            <a:r>
-              <a:rPr lang="fr-FR" sz="1600" dirty="0">
-                <a:solidFill>
-                  <a:schemeClr val="bg1"/>
-                </a:solidFill>
-              </a:rPr>
-              <a:t>facteurs d’influence sur ma motivation</a:t>
-            </a:r>
-          </a:p>
-        </p:txBody>
-      </p:sp>
-      <p:sp>
-        <p:nvSpPr>
           <p:cNvPr id="3" name="Content Placeholder 2"/>
           <p:cNvSpPr>
             <a:spLocks noGrp="1"/>
@@ -15291,84 +15033,6 @@
           </a:prstGeom>
         </p:spPr>
       </p:pic>
-      <p:sp>
-        <p:nvSpPr>
-          <p:cNvPr id="8" name="TextBox 7"/>
-          <p:cNvSpPr txBox="1"/>
-          <p:nvPr/>
-        </p:nvSpPr>
-        <p:spPr>
-          <a:xfrm>
-            <a:off x="0" y="0"/>
-            <a:ext cx="5257800" cy="338554"/>
-          </a:xfrm>
-          <a:prstGeom prst="rect">
-            <a:avLst/>
-          </a:prstGeom>
-          <a:noFill/>
-        </p:spPr>
-        <p:txBody>
-          <a:bodyPr wrap="square" rtlCol="0">
-            <a:spAutoFit/>
-          </a:bodyPr>
-          <a:lstStyle/>
-          <a:p>
-            <a:r>
-              <a:rPr lang="fr-FR" sz="1600" dirty="0">
-                <a:solidFill>
-                  <a:schemeClr val="bg1"/>
-                </a:solidFill>
-              </a:rPr>
-              <a:t>2. </a:t>
-            </a:r>
-            <a:r>
-              <a:rPr lang="fr-FR" sz="1600" dirty="0" smtClean="0">
-                <a:solidFill>
-                  <a:schemeClr val="bg1"/>
-                </a:solidFill>
-              </a:rPr>
-              <a:t>a) La </a:t>
-            </a:r>
-            <a:r>
-              <a:rPr lang="fr-FR" sz="1600" dirty="0">
-                <a:solidFill>
-                  <a:schemeClr val="bg1"/>
-                </a:solidFill>
-              </a:rPr>
-              <a:t>détermination </a:t>
-            </a:r>
-            <a:r>
-              <a:rPr lang="fr-FR" sz="1600" dirty="0" smtClean="0">
-                <a:solidFill>
-                  <a:schemeClr val="bg1"/>
-                </a:solidFill>
-              </a:rPr>
-              <a:t>d’origine </a:t>
-            </a:r>
-            <a:r>
-              <a:rPr lang="fr-FR" sz="1600" dirty="0">
-                <a:solidFill>
-                  <a:schemeClr val="bg1"/>
-                </a:solidFill>
-              </a:rPr>
-              <a:t>réelle d’un </a:t>
-            </a:r>
-            <a:r>
-              <a:rPr lang="fr-FR" sz="1600" dirty="0" smtClean="0">
-                <a:solidFill>
-                  <a:schemeClr val="bg1"/>
-                </a:solidFill>
-              </a:rPr>
-              <a:t>problème</a:t>
-            </a:r>
-            <a:endParaRPr lang="fr-FR" sz="1600" dirty="0">
-              <a:solidFill>
-                <a:schemeClr val="bg1"/>
-              </a:solidFill>
-            </a:endParaRPr>
-          </a:p>
-        </p:txBody>
-      </p:sp>
       <p:pic>
         <p:nvPicPr>
           <p:cNvPr id="9" name="Picture 8"/>
@@ -15680,84 +15344,6 @@
       </p:pic>
       <p:sp>
         <p:nvSpPr>
-          <p:cNvPr id="8" name="TextBox 7"/>
-          <p:cNvSpPr txBox="1"/>
-          <p:nvPr/>
-        </p:nvSpPr>
-        <p:spPr>
-          <a:xfrm>
-            <a:off x="0" y="0"/>
-            <a:ext cx="5257800" cy="338554"/>
-          </a:xfrm>
-          <a:prstGeom prst="rect">
-            <a:avLst/>
-          </a:prstGeom>
-          <a:noFill/>
-        </p:spPr>
-        <p:txBody>
-          <a:bodyPr wrap="square" rtlCol="0">
-            <a:spAutoFit/>
-          </a:bodyPr>
-          <a:lstStyle/>
-          <a:p>
-            <a:r>
-              <a:rPr lang="fr-FR" sz="1600" dirty="0">
-                <a:solidFill>
-                  <a:schemeClr val="bg1"/>
-                </a:solidFill>
-              </a:rPr>
-              <a:t>2. </a:t>
-            </a:r>
-            <a:r>
-              <a:rPr lang="fr-FR" sz="1600" dirty="0" smtClean="0">
-                <a:solidFill>
-                  <a:schemeClr val="bg1"/>
-                </a:solidFill>
-              </a:rPr>
-              <a:t>a) La </a:t>
-            </a:r>
-            <a:r>
-              <a:rPr lang="fr-FR" sz="1600" dirty="0">
-                <a:solidFill>
-                  <a:schemeClr val="bg1"/>
-                </a:solidFill>
-              </a:rPr>
-              <a:t>détermination </a:t>
-            </a:r>
-            <a:r>
-              <a:rPr lang="fr-FR" sz="1600" dirty="0" smtClean="0">
-                <a:solidFill>
-                  <a:schemeClr val="bg1"/>
-                </a:solidFill>
-              </a:rPr>
-              <a:t>d’origine </a:t>
-            </a:r>
-            <a:r>
-              <a:rPr lang="fr-FR" sz="1600" dirty="0">
-                <a:solidFill>
-                  <a:schemeClr val="bg1"/>
-                </a:solidFill>
-              </a:rPr>
-              <a:t>réelle d’un </a:t>
-            </a:r>
-            <a:r>
-              <a:rPr lang="fr-FR" sz="1600" dirty="0" smtClean="0">
-                <a:solidFill>
-                  <a:schemeClr val="bg1"/>
-                </a:solidFill>
-              </a:rPr>
-              <a:t>problème</a:t>
-            </a:r>
-            <a:endParaRPr lang="fr-FR" sz="1600" dirty="0">
-              <a:solidFill>
-                <a:schemeClr val="bg1"/>
-              </a:solidFill>
-            </a:endParaRPr>
-          </a:p>
-        </p:txBody>
-      </p:sp>
-      <p:sp>
-        <p:nvSpPr>
           <p:cNvPr id="9" name="TextBox 8"/>
           <p:cNvSpPr txBox="1"/>
           <p:nvPr/>
@@ -15794,11 +15380,7 @@
             </a:pPr>
             <a:r>
               <a:rPr lang="fr-FR" sz="1400" b="1" dirty="0" smtClean="0"/>
-              <a:t>mot </a:t>
-            </a:r>
-            <a:r>
-              <a:rPr lang="fr-FR" sz="1400" b="1" dirty="0" smtClean="0"/>
-              <a:t>de passe</a:t>
+              <a:t>mot de passe</a:t>
             </a:r>
           </a:p>
           <a:p>
@@ -16736,47 +16318,6 @@
       </p:pic>
       <p:sp>
         <p:nvSpPr>
-          <p:cNvPr id="11" name="TextBox 10"/>
-          <p:cNvSpPr txBox="1"/>
-          <p:nvPr/>
-        </p:nvSpPr>
-        <p:spPr>
-          <a:xfrm>
-            <a:off x="0" y="0"/>
-            <a:ext cx="5257800" cy="338554"/>
-          </a:xfrm>
-          <a:prstGeom prst="rect">
-            <a:avLst/>
-          </a:prstGeom>
-          <a:noFill/>
-        </p:spPr>
-        <p:txBody>
-          <a:bodyPr wrap="square" rtlCol="0">
-            <a:spAutoFit/>
-          </a:bodyPr>
-          <a:lstStyle/>
-          <a:p>
-            <a:r>
-              <a:rPr lang="fr-FR" sz="1600" dirty="0" smtClean="0">
-                <a:solidFill>
-                  <a:schemeClr val="bg1"/>
-                </a:solidFill>
-              </a:rPr>
-              <a:t>2. Les </a:t>
-            </a:r>
-            <a:r>
-              <a:rPr lang="fr-FR" sz="1600" dirty="0">
-                <a:solidFill>
-                  <a:schemeClr val="bg1"/>
-                </a:solidFill>
-              </a:rPr>
-              <a:t>facteurs d’influence sur ma motivation</a:t>
-            </a:r>
-          </a:p>
-        </p:txBody>
-      </p:sp>
-      <p:sp>
-        <p:nvSpPr>
           <p:cNvPr id="12" name="Content Placeholder 2"/>
           <p:cNvSpPr>
             <a:spLocks noGrp="1"/>
@@ -17168,68 +16709,6 @@
           </a:prstGeom>
         </p:spPr>
       </p:pic>
-      <p:sp>
-        <p:nvSpPr>
-          <p:cNvPr id="8" name="TextBox 7"/>
-          <p:cNvSpPr txBox="1"/>
-          <p:nvPr/>
-        </p:nvSpPr>
-        <p:spPr>
-          <a:xfrm>
-            <a:off x="0" y="0"/>
-            <a:ext cx="5257800" cy="338554"/>
-          </a:xfrm>
-          <a:prstGeom prst="rect">
-            <a:avLst/>
-          </a:prstGeom>
-          <a:noFill/>
-        </p:spPr>
-        <p:txBody>
-          <a:bodyPr wrap="square" rtlCol="0">
-            <a:spAutoFit/>
-          </a:bodyPr>
-          <a:lstStyle/>
-          <a:p>
-            <a:r>
-              <a:rPr lang="fr-FR" sz="1600" dirty="0">
-                <a:solidFill>
-                  <a:schemeClr val="bg1"/>
-                </a:solidFill>
-              </a:rPr>
-              <a:t>2. </a:t>
-            </a:r>
-            <a:r>
-              <a:rPr lang="fr-FR" sz="1600" dirty="0" smtClean="0">
-                <a:solidFill>
-                  <a:schemeClr val="bg1"/>
-                </a:solidFill>
-              </a:rPr>
-              <a:t>b) </a:t>
-            </a:r>
-            <a:r>
-              <a:rPr lang="fr-FR" sz="1600" dirty="0">
-                <a:solidFill>
-                  <a:schemeClr val="bg1"/>
-                </a:solidFill>
-              </a:rPr>
-              <a:t>Une grande variété des solutions </a:t>
-            </a:r>
-            <a:r>
-              <a:rPr lang="fr-FR" sz="1600" dirty="0" smtClean="0">
-                <a:solidFill>
-                  <a:schemeClr val="bg1"/>
-                </a:solidFill>
-              </a:rPr>
-              <a:t>possibles</a:t>
-            </a:r>
-            <a:endParaRPr lang="fr-FR" sz="1600" dirty="0">
-              <a:solidFill>
-                <a:schemeClr val="bg1"/>
-              </a:solidFill>
-            </a:endParaRPr>
-          </a:p>
-        </p:txBody>
-      </p:sp>
       <p:pic>
         <p:nvPicPr>
           <p:cNvPr id="9" name="Content Placeholder 8"/>

--- a/Soutenance.pptx
+++ b/Soutenance.pptx
@@ -1412,33 +1412,33 @@
     </dgm:pt>
   </dgm:ptLst>
   <dgm:cxnLst>
+    <dgm:cxn modelId="{D8D0254B-E1F9-4DA6-8C89-CD2F9DB360BA}" type="presOf" srcId="{953C1ABD-5DBC-4038-9ED8-0908C596D5CA}" destId="{F55ED1D0-71EB-44C0-8451-60F419FF3CEC}" srcOrd="0" destOrd="0" presId="urn:microsoft.com/office/officeart/2005/8/layout/radial5"/>
     <dgm:cxn modelId="{88F5419B-B9DA-4211-898F-6534A73481DC}" srcId="{AEDD50E2-630A-4CFC-AB4A-37B3A14456DF}" destId="{FE7E729C-9F4B-45AE-9179-185237C4E56C}" srcOrd="2" destOrd="0" parTransId="{E88FB233-A4FD-420C-8626-37018709CF58}" sibTransId="{B541B8B8-6069-439D-8AE6-E58ABB963C6B}"/>
-    <dgm:cxn modelId="{0BA664AF-DB10-4773-A8A3-B7BF57FCD705}" srcId="{AEDD50E2-630A-4CFC-AB4A-37B3A14456DF}" destId="{4DE7362F-94E4-4225-8D2D-98F0DE019438}" srcOrd="1" destOrd="0" parTransId="{953C1ABD-5DBC-4038-9ED8-0908C596D5CA}" sibTransId="{EBC375B8-8A70-4F8E-AE10-9173AF9AAD92}"/>
-    <dgm:cxn modelId="{DF1D0E16-F887-4DDD-BE94-4E646E1B9482}" srcId="{4A3AA29E-9837-43B6-9F7D-A256BDAB13A8}" destId="{AEDD50E2-630A-4CFC-AB4A-37B3A14456DF}" srcOrd="0" destOrd="0" parTransId="{A7D31C6E-48AA-47D1-8322-0A5B8274B996}" sibTransId="{E90920A5-A8C6-41DD-B8C0-D6ACEEFCE1D3}"/>
-    <dgm:cxn modelId="{3114AD6E-D6D4-429A-8864-56B50B07F215}" type="presOf" srcId="{4CAEE0D5-4FC9-4B3D-A1F6-0D4A337395EB}" destId="{490F622B-DF42-46D9-889A-50EE0A7916FC}" srcOrd="0" destOrd="0" presId="urn:microsoft.com/office/officeart/2005/8/layout/radial5"/>
-    <dgm:cxn modelId="{B074CEC5-E198-4022-913D-BE94F3034275}" type="presOf" srcId="{953C1ABD-5DBC-4038-9ED8-0908C596D5CA}" destId="{D4E4051E-7319-46E0-A966-3489B6DB7D91}" srcOrd="1" destOrd="0" presId="urn:microsoft.com/office/officeart/2005/8/layout/radial5"/>
-    <dgm:cxn modelId="{2E3679DA-77A3-4EB8-B899-4B21AB1A415F}" type="presOf" srcId="{2EFA5A0F-F528-4B26-A503-0DA6C9486C5B}" destId="{3E2F12D6-4E1F-4D76-B406-56C85FD9EF7C}" srcOrd="0" destOrd="0" presId="urn:microsoft.com/office/officeart/2005/8/layout/radial5"/>
     <dgm:cxn modelId="{B1E936DA-0C9E-4B17-B35E-09C5C632C848}" type="presOf" srcId="{CA4B039F-2E09-4D8A-8B82-465722A3A6C6}" destId="{A6373C0D-D84A-4961-A0E5-8125C4F88615}" srcOrd="0" destOrd="0" presId="urn:microsoft.com/office/officeart/2005/8/layout/radial5"/>
     <dgm:cxn modelId="{0D0312BC-1D80-49EE-9137-EA064F8240AF}" srcId="{AEDD50E2-630A-4CFC-AB4A-37B3A14456DF}" destId="{9C5D7268-A625-42F8-8E3E-5A72EDB5B775}" srcOrd="0" destOrd="0" parTransId="{2EFA5A0F-F528-4B26-A503-0DA6C9486C5B}" sibTransId="{B33B900F-669E-49E4-AB65-FBFC6D5002EF}"/>
-    <dgm:cxn modelId="{C727972E-25AE-491F-BC82-14B42C0476BA}" type="presOf" srcId="{7508628D-9867-466E-90F1-3F25AE5FC716}" destId="{1ACE714B-E8A6-4606-A331-E73AF83A6A2D}" srcOrd="0" destOrd="0" presId="urn:microsoft.com/office/officeart/2005/8/layout/radial5"/>
+    <dgm:cxn modelId="{43D6C6C3-6D1D-432A-94E3-135F4B664462}" type="presOf" srcId="{AEDD50E2-630A-4CFC-AB4A-37B3A14456DF}" destId="{A4858121-A645-41F3-875B-288AAC93DAE7}" srcOrd="0" destOrd="0" presId="urn:microsoft.com/office/officeart/2005/8/layout/radial5"/>
+    <dgm:cxn modelId="{A348F468-B25A-4AEC-B794-55BE4B78BEC3}" type="presOf" srcId="{2EFA5A0F-F528-4B26-A503-0DA6C9486C5B}" destId="{FD5ABCC5-8A3D-4206-9660-998976867B3A}" srcOrd="1" destOrd="0" presId="urn:microsoft.com/office/officeart/2005/8/layout/radial5"/>
+    <dgm:cxn modelId="{4EE72EBB-7E70-4BBB-862F-025FEB758809}" srcId="{AEDD50E2-630A-4CFC-AB4A-37B3A14456DF}" destId="{B38B82DF-BF4B-4096-ADB5-E168E6631C9F}" srcOrd="3" destOrd="0" parTransId="{E0EEE48B-33B3-4F5C-B9A9-38E5CBE343CC}" sibTransId="{4575FB0C-D6AA-4B31-9F87-16E885ADACE6}"/>
+    <dgm:cxn modelId="{AAAA38EF-50C0-43C8-A5FA-B5F88789A968}" type="presOf" srcId="{4A3AA29E-9837-43B6-9F7D-A256BDAB13A8}" destId="{C1F82EDE-3A1B-475F-8FBF-56D4E202FDEA}" srcOrd="0" destOrd="0" presId="urn:microsoft.com/office/officeart/2005/8/layout/radial5"/>
+    <dgm:cxn modelId="{DF3DF5F5-99CB-4652-8AF0-2754CE88C80A}" type="presOf" srcId="{FE7E729C-9F4B-45AE-9179-185237C4E56C}" destId="{89EC353B-2698-4806-8633-F3C3A200887C}" srcOrd="0" destOrd="0" presId="urn:microsoft.com/office/officeart/2005/8/layout/radial5"/>
+    <dgm:cxn modelId="{A7626B19-AD72-451B-B15B-FC6831FB925C}" type="presOf" srcId="{9C5D7268-A625-42F8-8E3E-5A72EDB5B775}" destId="{29906ED4-A1F1-4317-A7E0-39757C531431}" srcOrd="0" destOrd="0" presId="urn:microsoft.com/office/officeart/2005/8/layout/radial5"/>
+    <dgm:cxn modelId="{80EF377E-7674-4F95-8137-828CF43C2A2F}" type="presOf" srcId="{8CC87309-94F1-451D-B281-88F372184AFC}" destId="{B7087D4A-1B45-4291-A7EE-0DD035BCFC8A}" srcOrd="0" destOrd="0" presId="urn:microsoft.com/office/officeart/2005/8/layout/radial5"/>
+    <dgm:cxn modelId="{BBA59E23-41B8-4083-9D8C-6EE9463E6C53}" srcId="{AEDD50E2-630A-4CFC-AB4A-37B3A14456DF}" destId="{7508628D-9867-466E-90F1-3F25AE5FC716}" srcOrd="4" destOrd="0" parTransId="{CA4B039F-2E09-4D8A-8B82-465722A3A6C6}" sibTransId="{9D7B6C08-6F1E-4474-A83E-9376FC487E10}"/>
+    <dgm:cxn modelId="{E41BEE0B-37FE-4F25-882B-6CFA94557F45}" type="presOf" srcId="{B38B82DF-BF4B-4096-ADB5-E168E6631C9F}" destId="{0C8696C6-86F7-4C27-9FD9-43C1EDAFACC0}" srcOrd="0" destOrd="0" presId="urn:microsoft.com/office/officeart/2005/8/layout/radial5"/>
+    <dgm:cxn modelId="{2E3679DA-77A3-4EB8-B899-4B21AB1A415F}" type="presOf" srcId="{2EFA5A0F-F528-4B26-A503-0DA6C9486C5B}" destId="{3E2F12D6-4E1F-4D76-B406-56C85FD9EF7C}" srcOrd="0" destOrd="0" presId="urn:microsoft.com/office/officeart/2005/8/layout/radial5"/>
     <dgm:cxn modelId="{916E989A-7DCE-4E6E-81F1-CAA9A615A762}" type="presOf" srcId="{E88FB233-A4FD-420C-8626-37018709CF58}" destId="{6089C7AC-BE86-4DC5-BF36-04F6C702DCA3}" srcOrd="0" destOrd="0" presId="urn:microsoft.com/office/officeart/2005/8/layout/radial5"/>
-    <dgm:cxn modelId="{AAAA38EF-50C0-43C8-A5FA-B5F88789A968}" type="presOf" srcId="{4A3AA29E-9837-43B6-9F7D-A256BDAB13A8}" destId="{C1F82EDE-3A1B-475F-8FBF-56D4E202FDEA}" srcOrd="0" destOrd="0" presId="urn:microsoft.com/office/officeart/2005/8/layout/radial5"/>
+    <dgm:cxn modelId="{63B264CD-434A-4A8F-A74B-767CF1E3AF10}" type="presOf" srcId="{E88FB233-A4FD-420C-8626-37018709CF58}" destId="{7E5FFC28-2554-4679-94E0-6CD4EBAE5257}" srcOrd="1" destOrd="0" presId="urn:microsoft.com/office/officeart/2005/8/layout/radial5"/>
     <dgm:cxn modelId="{64E692F9-0C61-4752-8800-ECE71EC4A222}" type="presOf" srcId="{CA4B039F-2E09-4D8A-8B82-465722A3A6C6}" destId="{CE3FC767-27B0-4F44-A526-1A2C85A32C8E}" srcOrd="1" destOrd="0" presId="urn:microsoft.com/office/officeart/2005/8/layout/radial5"/>
     <dgm:cxn modelId="{CD92F0F0-C525-41CB-82BA-A310D3BAFD20}" srcId="{AEDD50E2-630A-4CFC-AB4A-37B3A14456DF}" destId="{4CAEE0D5-4FC9-4B3D-A1F6-0D4A337395EB}" srcOrd="5" destOrd="0" parTransId="{8CC87309-94F1-451D-B281-88F372184AFC}" sibTransId="{6F4BB794-14E1-4A7A-930A-949480FCED95}"/>
-    <dgm:cxn modelId="{A348F468-B25A-4AEC-B794-55BE4B78BEC3}" type="presOf" srcId="{2EFA5A0F-F528-4B26-A503-0DA6C9486C5B}" destId="{FD5ABCC5-8A3D-4206-9660-998976867B3A}" srcOrd="1" destOrd="0" presId="urn:microsoft.com/office/officeart/2005/8/layout/radial5"/>
-    <dgm:cxn modelId="{43D6C6C3-6D1D-432A-94E3-135F4B664462}" type="presOf" srcId="{AEDD50E2-630A-4CFC-AB4A-37B3A14456DF}" destId="{A4858121-A645-41F3-875B-288AAC93DAE7}" srcOrd="0" destOrd="0" presId="urn:microsoft.com/office/officeart/2005/8/layout/radial5"/>
+    <dgm:cxn modelId="{DF1D0E16-F887-4DDD-BE94-4E646E1B9482}" srcId="{4A3AA29E-9837-43B6-9F7D-A256BDAB13A8}" destId="{AEDD50E2-630A-4CFC-AB4A-37B3A14456DF}" srcOrd="0" destOrd="0" parTransId="{A7D31C6E-48AA-47D1-8322-0A5B8274B996}" sibTransId="{E90920A5-A8C6-41DD-B8C0-D6ACEEFCE1D3}"/>
+    <dgm:cxn modelId="{775A47BD-090E-40A8-8D41-99204EFC8CCA}" type="presOf" srcId="{E0EEE48B-33B3-4F5C-B9A9-38E5CBE343CC}" destId="{DB036232-841B-40DC-A78D-071E1A67DE06}" srcOrd="0" destOrd="0" presId="urn:microsoft.com/office/officeart/2005/8/layout/radial5"/>
+    <dgm:cxn modelId="{3114AD6E-D6D4-429A-8864-56B50B07F215}" type="presOf" srcId="{4CAEE0D5-4FC9-4B3D-A1F6-0D4A337395EB}" destId="{490F622B-DF42-46D9-889A-50EE0A7916FC}" srcOrd="0" destOrd="0" presId="urn:microsoft.com/office/officeart/2005/8/layout/radial5"/>
     <dgm:cxn modelId="{085C9CB5-730B-4964-9A0C-F73234654873}" type="presOf" srcId="{8CC87309-94F1-451D-B281-88F372184AFC}" destId="{B28DD90A-1511-41B0-A092-E070AEB7EE02}" srcOrd="1" destOrd="0" presId="urn:microsoft.com/office/officeart/2005/8/layout/radial5"/>
-    <dgm:cxn modelId="{DF3DF5F5-99CB-4652-8AF0-2754CE88C80A}" type="presOf" srcId="{FE7E729C-9F4B-45AE-9179-185237C4E56C}" destId="{89EC353B-2698-4806-8633-F3C3A200887C}" srcOrd="0" destOrd="0" presId="urn:microsoft.com/office/officeart/2005/8/layout/radial5"/>
+    <dgm:cxn modelId="{C2303290-B22C-46CE-9342-AFEA534F2CBD}" type="presOf" srcId="{E0EEE48B-33B3-4F5C-B9A9-38E5CBE343CC}" destId="{C7963CFE-1A2D-425F-AAF5-0B8794C5ED22}" srcOrd="1" destOrd="0" presId="urn:microsoft.com/office/officeart/2005/8/layout/radial5"/>
+    <dgm:cxn modelId="{C727972E-25AE-491F-BC82-14B42C0476BA}" type="presOf" srcId="{7508628D-9867-466E-90F1-3F25AE5FC716}" destId="{1ACE714B-E8A6-4606-A331-E73AF83A6A2D}" srcOrd="0" destOrd="0" presId="urn:microsoft.com/office/officeart/2005/8/layout/radial5"/>
     <dgm:cxn modelId="{73B4FCF5-FCE1-41F5-B88E-2A2AB8140107}" type="presOf" srcId="{4DE7362F-94E4-4225-8D2D-98F0DE019438}" destId="{FBD6B138-464B-4A28-ADA6-FF2772146854}" srcOrd="0" destOrd="0" presId="urn:microsoft.com/office/officeart/2005/8/layout/radial5"/>
-    <dgm:cxn modelId="{775A47BD-090E-40A8-8D41-99204EFC8CCA}" type="presOf" srcId="{E0EEE48B-33B3-4F5C-B9A9-38E5CBE343CC}" destId="{DB036232-841B-40DC-A78D-071E1A67DE06}" srcOrd="0" destOrd="0" presId="urn:microsoft.com/office/officeart/2005/8/layout/radial5"/>
-    <dgm:cxn modelId="{E41BEE0B-37FE-4F25-882B-6CFA94557F45}" type="presOf" srcId="{B38B82DF-BF4B-4096-ADB5-E168E6631C9F}" destId="{0C8696C6-86F7-4C27-9FD9-43C1EDAFACC0}" srcOrd="0" destOrd="0" presId="urn:microsoft.com/office/officeart/2005/8/layout/radial5"/>
-    <dgm:cxn modelId="{D8D0254B-E1F9-4DA6-8C89-CD2F9DB360BA}" type="presOf" srcId="{953C1ABD-5DBC-4038-9ED8-0908C596D5CA}" destId="{F55ED1D0-71EB-44C0-8451-60F419FF3CEC}" srcOrd="0" destOrd="0" presId="urn:microsoft.com/office/officeart/2005/8/layout/radial5"/>
-    <dgm:cxn modelId="{A7626B19-AD72-451B-B15B-FC6831FB925C}" type="presOf" srcId="{9C5D7268-A625-42F8-8E3E-5A72EDB5B775}" destId="{29906ED4-A1F1-4317-A7E0-39757C531431}" srcOrd="0" destOrd="0" presId="urn:microsoft.com/office/officeart/2005/8/layout/radial5"/>
-    <dgm:cxn modelId="{80EF377E-7674-4F95-8137-828CF43C2A2F}" type="presOf" srcId="{8CC87309-94F1-451D-B281-88F372184AFC}" destId="{B7087D4A-1B45-4291-A7EE-0DD035BCFC8A}" srcOrd="0" destOrd="0" presId="urn:microsoft.com/office/officeart/2005/8/layout/radial5"/>
-    <dgm:cxn modelId="{C2303290-B22C-46CE-9342-AFEA534F2CBD}" type="presOf" srcId="{E0EEE48B-33B3-4F5C-B9A9-38E5CBE343CC}" destId="{C7963CFE-1A2D-425F-AAF5-0B8794C5ED22}" srcOrd="1" destOrd="0" presId="urn:microsoft.com/office/officeart/2005/8/layout/radial5"/>
-    <dgm:cxn modelId="{63B264CD-434A-4A8F-A74B-767CF1E3AF10}" type="presOf" srcId="{E88FB233-A4FD-420C-8626-37018709CF58}" destId="{7E5FFC28-2554-4679-94E0-6CD4EBAE5257}" srcOrd="1" destOrd="0" presId="urn:microsoft.com/office/officeart/2005/8/layout/radial5"/>
-    <dgm:cxn modelId="{BBA59E23-41B8-4083-9D8C-6EE9463E6C53}" srcId="{AEDD50E2-630A-4CFC-AB4A-37B3A14456DF}" destId="{7508628D-9867-466E-90F1-3F25AE5FC716}" srcOrd="4" destOrd="0" parTransId="{CA4B039F-2E09-4D8A-8B82-465722A3A6C6}" sibTransId="{9D7B6C08-6F1E-4474-A83E-9376FC487E10}"/>
-    <dgm:cxn modelId="{4EE72EBB-7E70-4BBB-862F-025FEB758809}" srcId="{AEDD50E2-630A-4CFC-AB4A-37B3A14456DF}" destId="{B38B82DF-BF4B-4096-ADB5-E168E6631C9F}" srcOrd="3" destOrd="0" parTransId="{E0EEE48B-33B3-4F5C-B9A9-38E5CBE343CC}" sibTransId="{4575FB0C-D6AA-4B31-9F87-16E885ADACE6}"/>
+    <dgm:cxn modelId="{0BA664AF-DB10-4773-A8A3-B7BF57FCD705}" srcId="{AEDD50E2-630A-4CFC-AB4A-37B3A14456DF}" destId="{4DE7362F-94E4-4225-8D2D-98F0DE019438}" srcOrd="1" destOrd="0" parTransId="{953C1ABD-5DBC-4038-9ED8-0908C596D5CA}" sibTransId="{EBC375B8-8A70-4F8E-AE10-9173AF9AAD92}"/>
+    <dgm:cxn modelId="{B074CEC5-E198-4022-913D-BE94F3034275}" type="presOf" srcId="{953C1ABD-5DBC-4038-9ED8-0908C596D5CA}" destId="{D4E4051E-7319-46E0-A966-3489B6DB7D91}" srcOrd="1" destOrd="0" presId="urn:microsoft.com/office/officeart/2005/8/layout/radial5"/>
     <dgm:cxn modelId="{B59CBA0E-47F0-4377-B69A-D214D6A787D0}" type="presParOf" srcId="{C1F82EDE-3A1B-475F-8FBF-56D4E202FDEA}" destId="{A4858121-A645-41F3-875B-288AAC93DAE7}" srcOrd="0" destOrd="0" presId="urn:microsoft.com/office/officeart/2005/8/layout/radial5"/>
     <dgm:cxn modelId="{13DB22D3-52C3-48C2-8DE6-E7F06F472033}" type="presParOf" srcId="{C1F82EDE-3A1B-475F-8FBF-56D4E202FDEA}" destId="{3E2F12D6-4E1F-4D76-B406-56C85FD9EF7C}" srcOrd="1" destOrd="0" presId="urn:microsoft.com/office/officeart/2005/8/layout/radial5"/>
     <dgm:cxn modelId="{D5C42DD0-0CB9-4C7E-BD69-371318F800A1}" type="presParOf" srcId="{3E2F12D6-4E1F-4D76-B406-56C85FD9EF7C}" destId="{FD5ABCC5-8A3D-4206-9660-998976867B3A}" srcOrd="0" destOrd="0" presId="urn:microsoft.com/office/officeart/2005/8/layout/radial5"/>
@@ -3789,7 +3789,7 @@
           <a:p>
             <a:fld id="{C5495B23-B40A-40FC-B23E-5FDDCE069B5D}" type="datetimeFigureOut">
               <a:rPr lang="fr-FR" smtClean="0"/>
-              <a:t>12/02/2018</a:t>
+              <a:t>18/02/2018</a:t>
             </a:fld>
             <a:endParaRPr lang="fr-FR"/>
           </a:p>
@@ -3955,7 +3955,7 @@
           <a:p>
             <a:fld id="{522BA693-6A0C-4013-A985-1D1A07B02BE0}" type="datetimeFigureOut">
               <a:rPr lang="fr-FR" smtClean="0"/>
-              <a:t>12/02/2018</a:t>
+              <a:t>18/02/2018</a:t>
             </a:fld>
             <a:endParaRPr lang="fr-FR"/>
           </a:p>
@@ -5065,7 +5065,7 @@
           <a:p>
             <a:fld id="{4FE36861-76F0-4DFC-BC4F-9354408819A9}" type="datetime1">
               <a:rPr lang="en-US" smtClean="0"/>
-              <a:t>2/12/2018</a:t>
+              <a:t>2/18/2018</a:t>
             </a:fld>
             <a:endParaRPr lang="en-US"/>
           </a:p>
@@ -5249,7 +5249,7 @@
           <a:p>
             <a:fld id="{0065636B-5211-423F-9E4C-69162865E509}" type="datetime1">
               <a:rPr lang="en-US" smtClean="0"/>
-              <a:t>2/12/2018</a:t>
+              <a:t>2/18/2018</a:t>
             </a:fld>
             <a:endParaRPr lang="en-US"/>
           </a:p>
@@ -5425,7 +5425,7 @@
           <a:p>
             <a:fld id="{0BFA1D85-18D9-4AF0-88F4-ED7E06D0BA69}" type="datetime1">
               <a:rPr lang="en-US" smtClean="0"/>
-              <a:t>2/12/2018</a:t>
+              <a:t>2/18/2018</a:t>
             </a:fld>
             <a:endParaRPr lang="en-US"/>
           </a:p>
@@ -5591,7 +5591,7 @@
           <a:p>
             <a:fld id="{B1C6EF21-D8E2-4FED-87FE-F02AE8AEB24A}" type="datetime1">
               <a:rPr lang="en-US" smtClean="0"/>
-              <a:t>2/12/2018</a:t>
+              <a:t>2/18/2018</a:t>
             </a:fld>
             <a:endParaRPr lang="en-US"/>
           </a:p>
@@ -5813,7 +5813,7 @@
           <a:p>
             <a:fld id="{87FB909D-72AD-47CF-B470-4214C9D41C61}" type="datetime1">
               <a:rPr lang="en-US" smtClean="0"/>
-              <a:t>2/12/2018</a:t>
+              <a:t>2/18/2018</a:t>
             </a:fld>
             <a:endParaRPr lang="en-US"/>
           </a:p>
@@ -6073,7 +6073,7 @@
           <a:p>
             <a:fld id="{DC8BE30B-9DCB-499A-9A89-FFB1608DE60E}" type="datetime1">
               <a:rPr lang="en-US" smtClean="0"/>
-              <a:t>2/12/2018</a:t>
+              <a:t>2/18/2018</a:t>
             </a:fld>
             <a:endParaRPr lang="en-US"/>
           </a:p>
@@ -6478,7 +6478,7 @@
           <a:p>
             <a:fld id="{C733344C-CD63-4274-800F-14F676588C37}" type="datetime1">
               <a:rPr lang="en-US" smtClean="0"/>
-              <a:t>2/12/2018</a:t>
+              <a:t>2/18/2018</a:t>
             </a:fld>
             <a:endParaRPr lang="en-US"/>
           </a:p>
@@ -6610,7 +6610,7 @@
           <a:p>
             <a:fld id="{C12F266F-2C44-4502-82AF-6D4FF9377C88}" type="datetime1">
               <a:rPr lang="en-US" smtClean="0"/>
-              <a:t>2/12/2018</a:t>
+              <a:t>2/18/2018</a:t>
             </a:fld>
             <a:endParaRPr lang="en-US"/>
           </a:p>
@@ -6711,7 +6711,7 @@
           <a:p>
             <a:fld id="{93012E88-3526-4907-8605-BCD72E9217DC}" type="datetime1">
               <a:rPr lang="en-US" smtClean="0"/>
-              <a:t>2/12/2018</a:t>
+              <a:t>2/18/2018</a:t>
             </a:fld>
             <a:endParaRPr lang="en-US"/>
           </a:p>
@@ -6957,7 +6957,7 @@
           <a:p>
             <a:fld id="{BBA8D125-EDC3-48E9-8F98-6EFDD112B558}" type="datetime1">
               <a:rPr lang="en-US" smtClean="0"/>
-              <a:t>2/12/2018</a:t>
+              <a:t>2/18/2018</a:t>
             </a:fld>
             <a:endParaRPr lang="en-US"/>
           </a:p>
@@ -7202,7 +7202,7 @@
           <a:p>
             <a:fld id="{111CD66A-46A7-451C-BA07-51224E588689}" type="datetime1">
               <a:rPr lang="en-US" smtClean="0"/>
-              <a:t>2/12/2018</a:t>
+              <a:t>2/18/2018</a:t>
             </a:fld>
             <a:endParaRPr lang="en-US"/>
           </a:p>
@@ -8027,7 +8027,7 @@
           <a:p>
             <a:fld id="{B7F0E714-DD62-4651-8758-EE196128C64A}" type="datetime1">
               <a:rPr lang="en-US" smtClean="0"/>
-              <a:t>2/12/2018</a:t>
+              <a:t>2/18/2018</a:t>
             </a:fld>
             <a:endParaRPr lang="en-US"/>
           </a:p>
@@ -11956,6 +11956,36 @@
           <a:xfrm>
             <a:off x="-2" y="6552027"/>
             <a:ext cx="884773" cy="305973"/>
+          </a:xfrm>
+          <a:prstGeom prst="rect">
+            <a:avLst/>
+          </a:prstGeom>
+        </p:spPr>
+      </p:pic>
+      <p:pic>
+        <p:nvPicPr>
+          <p:cNvPr id="2" name="Picture 1"/>
+          <p:cNvPicPr>
+            <a:picLocks noChangeAspect="1"/>
+          </p:cNvPicPr>
+          <p:nvPr/>
+        </p:nvPicPr>
+        <p:blipFill>
+          <a:blip r:embed="rId3">
+            <a:extLst>
+              <a:ext uri="{28A0092B-C50C-407E-A947-70E740481C1C}">
+                <a14:useLocalDpi xmlns:a14="http://schemas.microsoft.com/office/drawing/2010/main" val="0"/>
+              </a:ext>
+            </a:extLst>
+          </a:blip>
+          <a:stretch>
+            <a:fillRect/>
+          </a:stretch>
+        </p:blipFill>
+        <p:spPr>
+          <a:xfrm>
+            <a:off x="70338" y="425547"/>
+            <a:ext cx="9003323" cy="6006905"/>
           </a:xfrm>
           <a:prstGeom prst="rect">
             <a:avLst/>
